--- a/docs/images/Intersystems IRIS architechture diagram.pptx
+++ b/docs/images/Intersystems IRIS architechture diagram.pptx
@@ -261,7 +261,7 @@
           <a:p>
             <a:fld id="{779E2B3B-B180-B64C-893F-CCFC190F335F}" type="datetimeFigureOut">
               <a:rPr lang="en-US" smtClean="0"/>
-              <a:t>1/21/2021</a:t>
+              <a:t>1/27/2021</a:t>
             </a:fld>
             <a:endParaRPr lang="en-US" dirty="0"/>
           </a:p>
@@ -459,7 +459,7 @@
           <a:p>
             <a:fld id="{779E2B3B-B180-B64C-893F-CCFC190F335F}" type="datetimeFigureOut">
               <a:rPr lang="en-US" smtClean="0"/>
-              <a:t>1/21/2021</a:t>
+              <a:t>1/27/2021</a:t>
             </a:fld>
             <a:endParaRPr lang="en-US" dirty="0"/>
           </a:p>
@@ -667,7 +667,7 @@
           <a:p>
             <a:fld id="{779E2B3B-B180-B64C-893F-CCFC190F335F}" type="datetimeFigureOut">
               <a:rPr lang="en-US" smtClean="0"/>
-              <a:t>1/21/2021</a:t>
+              <a:t>1/27/2021</a:t>
             </a:fld>
             <a:endParaRPr lang="en-US" dirty="0"/>
           </a:p>
@@ -865,7 +865,7 @@
           <a:p>
             <a:fld id="{779E2B3B-B180-B64C-893F-CCFC190F335F}" type="datetimeFigureOut">
               <a:rPr lang="en-US" smtClean="0"/>
-              <a:t>1/21/2021</a:t>
+              <a:t>1/27/2021</a:t>
             </a:fld>
             <a:endParaRPr lang="en-US" dirty="0"/>
           </a:p>
@@ -1140,7 +1140,7 @@
           <a:p>
             <a:fld id="{779E2B3B-B180-B64C-893F-CCFC190F335F}" type="datetimeFigureOut">
               <a:rPr lang="en-US" smtClean="0"/>
-              <a:t>1/21/2021</a:t>
+              <a:t>1/27/2021</a:t>
             </a:fld>
             <a:endParaRPr lang="en-US" dirty="0"/>
           </a:p>
@@ -1405,7 +1405,7 @@
           <a:p>
             <a:fld id="{779E2B3B-B180-B64C-893F-CCFC190F335F}" type="datetimeFigureOut">
               <a:rPr lang="en-US" smtClean="0"/>
-              <a:t>1/21/2021</a:t>
+              <a:t>1/27/2021</a:t>
             </a:fld>
             <a:endParaRPr lang="en-US" dirty="0"/>
           </a:p>
@@ -1817,7 +1817,7 @@
           <a:p>
             <a:fld id="{779E2B3B-B180-B64C-893F-CCFC190F335F}" type="datetimeFigureOut">
               <a:rPr lang="en-US" smtClean="0"/>
-              <a:t>1/21/2021</a:t>
+              <a:t>1/27/2021</a:t>
             </a:fld>
             <a:endParaRPr lang="en-US" dirty="0"/>
           </a:p>
@@ -1958,7 +1958,7 @@
           <a:p>
             <a:fld id="{779E2B3B-B180-B64C-893F-CCFC190F335F}" type="datetimeFigureOut">
               <a:rPr lang="en-US" smtClean="0"/>
-              <a:t>1/21/2021</a:t>
+              <a:t>1/27/2021</a:t>
             </a:fld>
             <a:endParaRPr lang="en-US" dirty="0"/>
           </a:p>
@@ -2071,7 +2071,7 @@
           <a:p>
             <a:fld id="{779E2B3B-B180-B64C-893F-CCFC190F335F}" type="datetimeFigureOut">
               <a:rPr lang="en-US" smtClean="0"/>
-              <a:t>1/21/2021</a:t>
+              <a:t>1/27/2021</a:t>
             </a:fld>
             <a:endParaRPr lang="en-US" dirty="0"/>
           </a:p>
@@ -2382,7 +2382,7 @@
           <a:p>
             <a:fld id="{779E2B3B-B180-B64C-893F-CCFC190F335F}" type="datetimeFigureOut">
               <a:rPr lang="en-US" smtClean="0"/>
-              <a:t>1/21/2021</a:t>
+              <a:t>1/27/2021</a:t>
             </a:fld>
             <a:endParaRPr lang="en-US" dirty="0"/>
           </a:p>
@@ -2670,7 +2670,7 @@
           <a:p>
             <a:fld id="{779E2B3B-B180-B64C-893F-CCFC190F335F}" type="datetimeFigureOut">
               <a:rPr lang="en-US" smtClean="0"/>
-              <a:t>1/21/2021</a:t>
+              <a:t>1/27/2021</a:t>
             </a:fld>
             <a:endParaRPr lang="en-US" dirty="0"/>
           </a:p>
@@ -2911,7 +2911,7 @@
           <a:p>
             <a:fld id="{779E2B3B-B180-B64C-893F-CCFC190F335F}" type="datetimeFigureOut">
               <a:rPr lang="en-US" smtClean="0"/>
-              <a:t>1/21/2021</a:t>
+              <a:t>1/27/2021</a:t>
             </a:fld>
             <a:endParaRPr lang="en-US" dirty="0"/>
           </a:p>
@@ -6467,6 +6467,125 @@
           </a:extLst>
         </p:spPr>
       </p:pic>
+      <p:pic>
+        <p:nvPicPr>
+          <p:cNvPr id="51" name="Graphic 60">
+            <a:extLst>
+              <a:ext uri="{FF2B5EF4-FFF2-40B4-BE49-F238E27FC236}">
+                <a16:creationId xmlns:a16="http://schemas.microsoft.com/office/drawing/2014/main" id="{D5F1E014-1AF5-0442-BA6E-37B0D94AA4A6}"/>
+              </a:ext>
+            </a:extLst>
+          </p:cNvPr>
+          <p:cNvPicPr>
+            <a:picLocks noChangeAspect="1" noChangeArrowheads="1"/>
+          </p:cNvPicPr>
+          <p:nvPr/>
+        </p:nvPicPr>
+        <p:blipFill>
+          <a:blip r:embed="rId20">
+            <a:extLst>
+              <a:ext uri="{BEBA8EAE-BF5A-486C-A8C5-ECC9F3942E4B}">
+                <a14:imgProps xmlns:a14="http://schemas.microsoft.com/office/drawing/2010/main">
+                  <a14:imgLayer r:embed="rId21">
+                    <a14:imgEffect>
+                      <a14:artisticBlur/>
+                    </a14:imgEffect>
+                  </a14:imgLayer>
+                </a14:imgProps>
+              </a:ext>
+              <a:ext uri="{28A0092B-C50C-407E-A947-70E740481C1C}">
+                <a14:useLocalDpi xmlns:a14="http://schemas.microsoft.com/office/drawing/2010/main" val="0"/>
+              </a:ext>
+            </a:extLst>
+          </a:blip>
+          <a:srcRect/>
+          <a:stretch>
+            <a:fillRect/>
+          </a:stretch>
+        </p:blipFill>
+        <p:spPr bwMode="auto">
+          <a:xfrm>
+            <a:off x="5693685" y="2032349"/>
+            <a:ext cx="457200" cy="457200"/>
+          </a:xfrm>
+          <a:prstGeom prst="rect">
+            <a:avLst/>
+          </a:prstGeom>
+          <a:noFill/>
+          <a:ln>
+            <a:noFill/>
+          </a:ln>
+          <a:extLst>
+            <a:ext uri="{909E8E84-426E-40DD-AFC4-6F175D3DCCD1}">
+              <a14:hiddenFill xmlns:a14="http://schemas.microsoft.com/office/drawing/2010/main">
+                <a:solidFill>
+                  <a:srgbClr val="FFFFFF"/>
+                </a:solidFill>
+              </a14:hiddenFill>
+            </a:ext>
+            <a:ext uri="{91240B29-F687-4F45-9708-019B960494DF}">
+              <a14:hiddenLine xmlns:a14="http://schemas.microsoft.com/office/drawing/2010/main" w="9525">
+                <a:solidFill>
+                  <a:srgbClr val="000000"/>
+                </a:solidFill>
+                <a:miter lim="800000"/>
+                <a:headEnd/>
+                <a:tailEnd/>
+              </a14:hiddenLine>
+            </a:ext>
+          </a:extLst>
+        </p:spPr>
+      </p:pic>
+      <p:sp>
+        <p:nvSpPr>
+          <p:cNvPr id="56" name="TextBox 55">
+            <a:extLst>
+              <a:ext uri="{FF2B5EF4-FFF2-40B4-BE49-F238E27FC236}">
+                <a16:creationId xmlns:a16="http://schemas.microsoft.com/office/drawing/2014/main" id="{CF275322-8821-7240-9DD9-59D35F667125}"/>
+              </a:ext>
+            </a:extLst>
+          </p:cNvPr>
+          <p:cNvSpPr txBox="1"/>
+          <p:nvPr/>
+        </p:nvSpPr>
+        <p:spPr>
+          <a:xfrm>
+            <a:off x="5016655" y="2442594"/>
+            <a:ext cx="1769070" cy="276999"/>
+          </a:xfrm>
+          <a:prstGeom prst="rect">
+            <a:avLst/>
+          </a:prstGeom>
+          <a:noFill/>
+        </p:spPr>
+        <p:txBody>
+          <a:bodyPr wrap="square" rtlCol="0">
+            <a:spAutoFit/>
+          </a:bodyPr>
+          <a:lstStyle/>
+          <a:p>
+            <a:pPr algn="ctr"/>
+            <a:r>
+              <a:rPr lang="en-US" sz="1200" dirty="0">
+                <a:latin typeface="Arial" panose="020B0604020202020204" pitchFamily="34" charset="0"/>
+                <a:cs typeface="Arial" panose="020B0604020202020204" pitchFamily="34" charset="0"/>
+              </a:rPr>
+              <a:t>Bastion </a:t>
+            </a:r>
+            <a:r>
+              <a:rPr lang="en-US" sz="1200" dirty="0" smtClean="0">
+                <a:latin typeface="Arial" panose="020B0604020202020204" pitchFamily="34" charset="0"/>
+                <a:cs typeface="Arial" panose="020B0604020202020204" pitchFamily="34" charset="0"/>
+              </a:rPr>
+              <a:t>host</a:t>
+            </a:r>
+            <a:endParaRPr lang="en-US" sz="1200" dirty="0">
+              <a:latin typeface="Arial" panose="020B0604020202020204" pitchFamily="34" charset="0"/>
+              <a:cs typeface="Arial" panose="020B0604020202020204" pitchFamily="34" charset="0"/>
+            </a:endParaRPr>
+          </a:p>
+        </p:txBody>
+      </p:sp>
     </p:spTree>
     <p:extLst>
       <p:ext uri="{BB962C8B-B14F-4D97-AF65-F5344CB8AC3E}">
@@ -6511,7 +6630,7 @@
         </p:nvSpPr>
         <p:spPr>
           <a:xfrm>
-            <a:off x="4033712" y="1752170"/>
+            <a:off x="4206097" y="3221205"/>
             <a:ext cx="2841222" cy="2261030"/>
           </a:xfrm>
           <a:prstGeom prst="rect">
@@ -6660,7 +6779,7 @@
         </p:nvSpPr>
         <p:spPr>
           <a:xfrm>
-            <a:off x="3428215" y="642347"/>
+            <a:off x="3600600" y="2111382"/>
             <a:ext cx="3853118" cy="3751854"/>
           </a:xfrm>
           <a:prstGeom prst="rect">
@@ -6740,7 +6859,7 @@
         </p:blipFill>
         <p:spPr>
           <a:xfrm>
-            <a:off x="3428215" y="642346"/>
+            <a:off x="3600600" y="2111381"/>
             <a:ext cx="330200" cy="330200"/>
           </a:xfrm>
           <a:prstGeom prst="rect">
@@ -6762,7 +6881,7 @@
         </p:nvSpPr>
         <p:spPr bwMode="auto">
           <a:xfrm>
-            <a:off x="3914544" y="983924"/>
+            <a:off x="4086929" y="2452959"/>
             <a:ext cx="3104323" cy="3291744"/>
           </a:xfrm>
           <a:prstGeom prst="rect">
@@ -6863,7 +6982,7 @@
         </p:blipFill>
         <p:spPr>
           <a:xfrm>
-            <a:off x="3492726" y="1340292"/>
+            <a:off x="3665111" y="2809327"/>
             <a:ext cx="330200" cy="330200"/>
           </a:xfrm>
           <a:prstGeom prst="rect">
@@ -6885,7 +7004,7 @@
         </p:nvSpPr>
         <p:spPr bwMode="auto">
           <a:xfrm>
-            <a:off x="3497551" y="1336845"/>
+            <a:off x="3669936" y="2805880"/>
             <a:ext cx="3648316" cy="2837222"/>
           </a:xfrm>
           <a:prstGeom prst="rect">
@@ -6970,7 +7089,7 @@
         </p:blipFill>
         <p:spPr bwMode="auto">
           <a:xfrm>
-            <a:off x="4033712" y="1752735"/>
+            <a:off x="4206097" y="3221770"/>
             <a:ext cx="273050" cy="274637"/>
           </a:xfrm>
           <a:prstGeom prst="rect">
@@ -7029,7 +7148,7 @@
         </p:blipFill>
         <p:spPr>
           <a:xfrm>
-            <a:off x="5237654" y="2463884"/>
+            <a:off x="5410039" y="3932919"/>
             <a:ext cx="469900" cy="469900"/>
           </a:xfrm>
           <a:prstGeom prst="rect">
@@ -7051,7 +7170,7 @@
         </p:nvSpPr>
         <p:spPr>
           <a:xfrm>
-            <a:off x="4511040" y="3353314"/>
+            <a:off x="4683425" y="4822349"/>
             <a:ext cx="1884199" cy="461665"/>
           </a:xfrm>
           <a:prstGeom prst="rect">
@@ -7117,7 +7236,7 @@
         </p:nvSpPr>
         <p:spPr>
           <a:xfrm>
-            <a:off x="4418826" y="2122179"/>
+            <a:off x="4591211" y="3591214"/>
             <a:ext cx="2048934" cy="1768142"/>
           </a:xfrm>
           <a:prstGeom prst="rect">
@@ -7197,7 +7316,7 @@
         </p:blipFill>
         <p:spPr bwMode="auto">
           <a:xfrm>
-            <a:off x="5250354" y="2925635"/>
+            <a:off x="5422739" y="4394670"/>
             <a:ext cx="457200" cy="457200"/>
           </a:xfrm>
           <a:prstGeom prst="rect">
@@ -7228,6 +7347,55 @@
           </a:extLst>
         </p:spPr>
       </p:pic>
+      <p:sp>
+        <p:nvSpPr>
+          <p:cNvPr id="15" name="TextBox 14">
+            <a:extLst>
+              <a:ext uri="{FF2B5EF4-FFF2-40B4-BE49-F238E27FC236}">
+                <a16:creationId xmlns:a16="http://schemas.microsoft.com/office/drawing/2014/main" id="{3801DBBB-7205-B74C-A173-6D5401D93A49}"/>
+              </a:ext>
+            </a:extLst>
+          </p:cNvPr>
+          <p:cNvSpPr txBox="1"/>
+          <p:nvPr/>
+        </p:nvSpPr>
+        <p:spPr>
+          <a:xfrm>
+            <a:off x="2686603" y="1129085"/>
+            <a:ext cx="5716276" cy="276999"/>
+          </a:xfrm>
+          <a:prstGeom prst="rect">
+            <a:avLst/>
+          </a:prstGeom>
+          <a:noFill/>
+        </p:spPr>
+        <p:txBody>
+          <a:bodyPr wrap="square" rtlCol="0">
+            <a:spAutoFit/>
+          </a:bodyPr>
+          <a:lstStyle/>
+          <a:p>
+            <a:pPr algn="ctr"/>
+            <a:r>
+              <a:rPr lang="en-US" sz="1200" dirty="0" smtClean="0">
+                <a:solidFill>
+                  <a:srgbClr val="FF0000"/>
+                </a:solidFill>
+                <a:latin typeface="Arial" panose="020B0604020202020204" pitchFamily="34" charset="0"/>
+                <a:cs typeface="Arial" panose="020B0604020202020204" pitchFamily="34" charset="0"/>
+              </a:rPr>
+              <a:t>The deployment guide doesn’t seem to need this diagram.</a:t>
+            </a:r>
+            <a:endParaRPr lang="en-US" sz="1200" dirty="0">
+              <a:solidFill>
+                <a:srgbClr val="FF0000"/>
+              </a:solidFill>
+              <a:latin typeface="Arial" panose="020B0604020202020204" pitchFamily="34" charset="0"/>
+              <a:cs typeface="Arial" panose="020B0604020202020204" pitchFamily="34" charset="0"/>
+            </a:endParaRPr>
+          </a:p>
+        </p:txBody>
+      </p:sp>
     </p:spTree>
     <p:extLst>
       <p:ext uri="{BB962C8B-B14F-4D97-AF65-F5344CB8AC3E}">
@@ -9457,6 +9625,141 @@
           </a:prstGeom>
         </p:spPr>
       </p:pic>
+      <p:cxnSp>
+        <p:nvCxnSpPr>
+          <p:cNvPr id="51" name="Straight Arrow Connector 50">
+            <a:extLst>
+              <a:ext uri="{FF2B5EF4-FFF2-40B4-BE49-F238E27FC236}">
+                <a16:creationId xmlns:a16="http://schemas.microsoft.com/office/drawing/2014/main" id="{5A9D33BB-F7AF-C044-9BA5-6F98953C5C41}"/>
+              </a:ext>
+            </a:extLst>
+          </p:cNvPr>
+          <p:cNvCxnSpPr/>
+          <p:nvPr/>
+        </p:nvCxnSpPr>
+        <p:spPr>
+          <a:xfrm flipV="1">
+            <a:off x="147648" y="247339"/>
+            <a:ext cx="11272341" cy="6490740"/>
+          </a:xfrm>
+          <a:prstGeom prst="straightConnector1">
+            <a:avLst/>
+          </a:prstGeom>
+          <a:ln w="12700">
+            <a:solidFill>
+              <a:schemeClr val="tx2"/>
+            </a:solidFill>
+            <a:headEnd type="none" w="med" len="sm"/>
+            <a:tailEnd type="none" w="med" len="sm"/>
+          </a:ln>
+        </p:spPr>
+        <p:style>
+          <a:lnRef idx="1">
+            <a:schemeClr val="accent1"/>
+          </a:lnRef>
+          <a:fillRef idx="0">
+            <a:schemeClr val="accent1"/>
+          </a:fillRef>
+          <a:effectRef idx="0">
+            <a:schemeClr val="accent1"/>
+          </a:effectRef>
+          <a:fontRef idx="minor">
+            <a:schemeClr val="tx1"/>
+          </a:fontRef>
+        </p:style>
+      </p:cxnSp>
+      <p:cxnSp>
+        <p:nvCxnSpPr>
+          <p:cNvPr id="69" name="Straight Arrow Connector 68">
+            <a:extLst>
+              <a:ext uri="{FF2B5EF4-FFF2-40B4-BE49-F238E27FC236}">
+                <a16:creationId xmlns:a16="http://schemas.microsoft.com/office/drawing/2014/main" id="{5A9D33BB-F7AF-C044-9BA5-6F98953C5C41}"/>
+              </a:ext>
+            </a:extLst>
+          </p:cNvPr>
+          <p:cNvCxnSpPr/>
+          <p:nvPr/>
+        </p:nvCxnSpPr>
+        <p:spPr>
+          <a:xfrm flipH="1" flipV="1">
+            <a:off x="233882" y="399739"/>
+            <a:ext cx="11820179" cy="6116951"/>
+          </a:xfrm>
+          <a:prstGeom prst="straightConnector1">
+            <a:avLst/>
+          </a:prstGeom>
+          <a:ln w="12700">
+            <a:solidFill>
+              <a:schemeClr val="tx2"/>
+            </a:solidFill>
+            <a:headEnd type="none" w="med" len="sm"/>
+            <a:tailEnd type="none" w="med" len="sm"/>
+          </a:ln>
+        </p:spPr>
+        <p:style>
+          <a:lnRef idx="1">
+            <a:schemeClr val="accent1"/>
+          </a:lnRef>
+          <a:fillRef idx="0">
+            <a:schemeClr val="accent1"/>
+          </a:fillRef>
+          <a:effectRef idx="0">
+            <a:schemeClr val="accent1"/>
+          </a:effectRef>
+          <a:fontRef idx="minor">
+            <a:schemeClr val="tx1"/>
+          </a:fontRef>
+        </p:style>
+      </p:cxnSp>
+      <p:sp>
+        <p:nvSpPr>
+          <p:cNvPr id="70" name="TextBox 69">
+            <a:extLst>
+              <a:ext uri="{FF2B5EF4-FFF2-40B4-BE49-F238E27FC236}">
+                <a16:creationId xmlns:a16="http://schemas.microsoft.com/office/drawing/2014/main" id="{3801DBBB-7205-B74C-A173-6D5401D93A49}"/>
+              </a:ext>
+            </a:extLst>
+          </p:cNvPr>
+          <p:cNvSpPr txBox="1"/>
+          <p:nvPr/>
+        </p:nvSpPr>
+        <p:spPr>
+          <a:xfrm>
+            <a:off x="3241456" y="242944"/>
+            <a:ext cx="5716276" cy="276999"/>
+          </a:xfrm>
+          <a:prstGeom prst="rect">
+            <a:avLst/>
+          </a:prstGeom>
+          <a:noFill/>
+        </p:spPr>
+        <p:txBody>
+          <a:bodyPr wrap="square" rtlCol="0">
+            <a:spAutoFit/>
+          </a:bodyPr>
+          <a:lstStyle/>
+          <a:p>
+            <a:pPr algn="ctr"/>
+            <a:r>
+              <a:rPr lang="en-US" sz="1200" dirty="0" smtClean="0">
+                <a:solidFill>
+                  <a:srgbClr val="FF0000"/>
+                </a:solidFill>
+                <a:latin typeface="Arial" panose="020B0604020202020204" pitchFamily="34" charset="0"/>
+                <a:cs typeface="Arial" panose="020B0604020202020204" pitchFamily="34" charset="0"/>
+              </a:rPr>
+              <a:t>If we need a diagram like this (private subnets only), model it on Slide 1.</a:t>
+            </a:r>
+            <a:endParaRPr lang="en-US" sz="1200" dirty="0">
+              <a:solidFill>
+                <a:srgbClr val="FF0000"/>
+              </a:solidFill>
+              <a:latin typeface="Arial" panose="020B0604020202020204" pitchFamily="34" charset="0"/>
+              <a:cs typeface="Arial" panose="020B0604020202020204" pitchFamily="34" charset="0"/>
+            </a:endParaRPr>
+          </a:p>
+        </p:txBody>
+      </p:sp>
     </p:spTree>
     <p:extLst>
       <p:ext uri="{BB962C8B-B14F-4D97-AF65-F5344CB8AC3E}">

--- a/docs/images/Intersystems IRIS architechture diagram.pptx
+++ b/docs/images/Intersystems IRIS architechture diagram.pptx
@@ -5,9 +5,10 @@
     <p:sldMasterId id="2147483648" r:id="rId1"/>
   </p:sldMasterIdLst>
   <p:sldIdLst>
-    <p:sldId id="422" r:id="rId2"/>
-    <p:sldId id="420" r:id="rId3"/>
-    <p:sldId id="421" r:id="rId4"/>
+    <p:sldId id="423" r:id="rId2"/>
+    <p:sldId id="422" r:id="rId3"/>
+    <p:sldId id="420" r:id="rId4"/>
+    <p:sldId id="421" r:id="rId5"/>
   </p:sldIdLst>
   <p:sldSz cx="12192000" cy="6858000"/>
   <p:notesSz cx="6858000" cy="9144000"/>
@@ -261,7 +262,7 @@
           <a:p>
             <a:fld id="{779E2B3B-B180-B64C-893F-CCFC190F335F}" type="datetimeFigureOut">
               <a:rPr lang="en-US" smtClean="0"/>
-              <a:t>1/27/2021</a:t>
+              <a:t>1/29/2021</a:t>
             </a:fld>
             <a:endParaRPr lang="en-US" dirty="0"/>
           </a:p>
@@ -459,7 +460,7 @@
           <a:p>
             <a:fld id="{779E2B3B-B180-B64C-893F-CCFC190F335F}" type="datetimeFigureOut">
               <a:rPr lang="en-US" smtClean="0"/>
-              <a:t>1/27/2021</a:t>
+              <a:t>1/29/2021</a:t>
             </a:fld>
             <a:endParaRPr lang="en-US" dirty="0"/>
           </a:p>
@@ -667,7 +668,7 @@
           <a:p>
             <a:fld id="{779E2B3B-B180-B64C-893F-CCFC190F335F}" type="datetimeFigureOut">
               <a:rPr lang="en-US" smtClean="0"/>
-              <a:t>1/27/2021</a:t>
+              <a:t>1/29/2021</a:t>
             </a:fld>
             <a:endParaRPr lang="en-US" dirty="0"/>
           </a:p>
@@ -865,7 +866,7 @@
           <a:p>
             <a:fld id="{779E2B3B-B180-B64C-893F-CCFC190F335F}" type="datetimeFigureOut">
               <a:rPr lang="en-US" smtClean="0"/>
-              <a:t>1/27/2021</a:t>
+              <a:t>1/29/2021</a:t>
             </a:fld>
             <a:endParaRPr lang="en-US" dirty="0"/>
           </a:p>
@@ -1140,7 +1141,7 @@
           <a:p>
             <a:fld id="{779E2B3B-B180-B64C-893F-CCFC190F335F}" type="datetimeFigureOut">
               <a:rPr lang="en-US" smtClean="0"/>
-              <a:t>1/27/2021</a:t>
+              <a:t>1/29/2021</a:t>
             </a:fld>
             <a:endParaRPr lang="en-US" dirty="0"/>
           </a:p>
@@ -1405,7 +1406,7 @@
           <a:p>
             <a:fld id="{779E2B3B-B180-B64C-893F-CCFC190F335F}" type="datetimeFigureOut">
               <a:rPr lang="en-US" smtClean="0"/>
-              <a:t>1/27/2021</a:t>
+              <a:t>1/29/2021</a:t>
             </a:fld>
             <a:endParaRPr lang="en-US" dirty="0"/>
           </a:p>
@@ -1817,7 +1818,7 @@
           <a:p>
             <a:fld id="{779E2B3B-B180-B64C-893F-CCFC190F335F}" type="datetimeFigureOut">
               <a:rPr lang="en-US" smtClean="0"/>
-              <a:t>1/27/2021</a:t>
+              <a:t>1/29/2021</a:t>
             </a:fld>
             <a:endParaRPr lang="en-US" dirty="0"/>
           </a:p>
@@ -1958,7 +1959,7 @@
           <a:p>
             <a:fld id="{779E2B3B-B180-B64C-893F-CCFC190F335F}" type="datetimeFigureOut">
               <a:rPr lang="en-US" smtClean="0"/>
-              <a:t>1/27/2021</a:t>
+              <a:t>1/29/2021</a:t>
             </a:fld>
             <a:endParaRPr lang="en-US" dirty="0"/>
           </a:p>
@@ -2071,7 +2072,7 @@
           <a:p>
             <a:fld id="{779E2B3B-B180-B64C-893F-CCFC190F335F}" type="datetimeFigureOut">
               <a:rPr lang="en-US" smtClean="0"/>
-              <a:t>1/27/2021</a:t>
+              <a:t>1/29/2021</a:t>
             </a:fld>
             <a:endParaRPr lang="en-US" dirty="0"/>
           </a:p>
@@ -2382,7 +2383,7 @@
           <a:p>
             <a:fld id="{779E2B3B-B180-B64C-893F-CCFC190F335F}" type="datetimeFigureOut">
               <a:rPr lang="en-US" smtClean="0"/>
-              <a:t>1/27/2021</a:t>
+              <a:t>1/29/2021</a:t>
             </a:fld>
             <a:endParaRPr lang="en-US" dirty="0"/>
           </a:p>
@@ -2670,7 +2671,7 @@
           <a:p>
             <a:fld id="{779E2B3B-B180-B64C-893F-CCFC190F335F}" type="datetimeFigureOut">
               <a:rPr lang="en-US" smtClean="0"/>
-              <a:t>1/27/2021</a:t>
+              <a:t>1/29/2021</a:t>
             </a:fld>
             <a:endParaRPr lang="en-US" dirty="0"/>
           </a:p>
@@ -2911,7 +2912,7 @@
           <a:p>
             <a:fld id="{779E2B3B-B180-B64C-893F-CCFC190F335F}" type="datetimeFigureOut">
               <a:rPr lang="en-US" smtClean="0"/>
-              <a:t>1/27/2021</a:t>
+              <a:t>1/29/2021</a:t>
             </a:fld>
             <a:endParaRPr lang="en-US" dirty="0"/>
           </a:p>
@@ -3675,7 +3676,7 @@
             <a:spLocks noGrp="1"/>
           </p:cNvSpPr>
           <p:nvPr>
-            <p:ph type="sldNum" sz="quarter" idx="4"/>
+            <p:ph type="sldNum" sz="quarter" idx="4294967295"/>
           </p:nvPr>
         </p:nvSpPr>
         <p:spPr/>
@@ -3753,8 +3754,8 @@
         </p:nvSpPr>
         <p:spPr>
           <a:xfrm>
-            <a:off x="242630" y="654430"/>
-            <a:ext cx="11521493" cy="5121320"/>
+            <a:off x="242631" y="654430"/>
+            <a:ext cx="9857334" cy="5121320"/>
           </a:xfrm>
           <a:prstGeom prst="rect">
             <a:avLst/>
@@ -3823,7 +3824,7 @@
           <a:blip r:embed="rId2">
             <a:extLst>
               <a:ext uri="{96DAC541-7B7A-43D3-8B79-37D633B846F1}">
-                <asvg:svgBlip xmlns:asvg="http://schemas.microsoft.com/office/drawing/2016/SVG/main" xmlns="" r:embed="rId3"/>
+                <asvg:svgBlip xmlns="" xmlns:asvg="http://schemas.microsoft.com/office/drawing/2016/SVG/main" r:embed="rId3"/>
               </a:ext>
             </a:extLst>
           </a:blip>
@@ -3859,7 +3860,7 @@
           <a:blip r:embed="rId4">
             <a:extLst>
               <a:ext uri="{96DAC541-7B7A-43D3-8B79-37D633B846F1}">
-                <asvg:svgBlip xmlns:asvg="http://schemas.microsoft.com/office/drawing/2016/SVG/main" xmlns="" r:embed="rId5"/>
+                <asvg:svgBlip xmlns="" xmlns:asvg="http://schemas.microsoft.com/office/drawing/2016/SVG/main" r:embed="rId5"/>
               </a:ext>
             </a:extLst>
           </a:blip>
@@ -4119,7 +4120,7 @@
           <a:blip r:embed="rId6">
             <a:extLst>
               <a:ext uri="{96DAC541-7B7A-43D3-8B79-37D633B846F1}">
-                <asvg:svgBlip xmlns:asvg="http://schemas.microsoft.com/office/drawing/2016/SVG/main" xmlns="" r:embed="rId11"/>
+                <asvg:svgBlip xmlns="" xmlns:asvg="http://schemas.microsoft.com/office/drawing/2016/SVG/main" r:embed="rId11"/>
               </a:ext>
             </a:extLst>
           </a:blip>
@@ -5627,12 +5628,116 @@
           </a:extLst>
         </p:spPr>
       </p:pic>
+      <p:sp>
+        <p:nvSpPr>
+          <p:cNvPr id="35" name="TextBox 34">
+            <a:extLst>
+              <a:ext uri="{FF2B5EF4-FFF2-40B4-BE49-F238E27FC236}">
+                <a16:creationId xmlns:a16="http://schemas.microsoft.com/office/drawing/2014/main" id="{B899FD8E-A6C4-E642-921A-2266EB4B5F9D}"/>
+              </a:ext>
+            </a:extLst>
+          </p:cNvPr>
+          <p:cNvSpPr txBox="1"/>
+          <p:nvPr/>
+        </p:nvSpPr>
+        <p:spPr>
+          <a:xfrm>
+            <a:off x="8318219" y="4820495"/>
+            <a:ext cx="793752" cy="279013"/>
+          </a:xfrm>
+          <a:prstGeom prst="rect">
+            <a:avLst/>
+          </a:prstGeom>
+          <a:noFill/>
+        </p:spPr>
+        <p:txBody>
+          <a:bodyPr wrap="square" rtlCol="0">
+            <a:spAutoFit/>
+          </a:bodyPr>
+          <a:lstStyle/>
+          <a:p>
+            <a:pPr algn="ctr"/>
+            <a:r>
+              <a:rPr lang="en-US" sz="1200" dirty="0">
+                <a:latin typeface="Arial" panose="020B0604020202020204" pitchFamily="34" charset="0"/>
+                <a:cs typeface="Arial" panose="020B0604020202020204" pitchFamily="34" charset="0"/>
+              </a:rPr>
+              <a:t>Arbiter</a:t>
+            </a:r>
+          </a:p>
+        </p:txBody>
+      </p:sp>
+      <p:sp>
+        <p:nvSpPr>
+          <p:cNvPr id="38" name="Rectangle 37">
+            <a:extLst>
+              <a:ext uri="{FF2B5EF4-FFF2-40B4-BE49-F238E27FC236}">
+                <a16:creationId xmlns:a16="http://schemas.microsoft.com/office/drawing/2014/main" id="{CE2DBBD1-B6CC-9940-9A28-EF367C7B0860}"/>
+              </a:ext>
+            </a:extLst>
+          </p:cNvPr>
+          <p:cNvSpPr/>
+          <p:nvPr/>
+        </p:nvSpPr>
+        <p:spPr>
+          <a:xfrm>
+            <a:off x="8095476" y="4086808"/>
+            <a:ext cx="1239238" cy="979710"/>
+          </a:xfrm>
+          <a:prstGeom prst="rect">
+            <a:avLst/>
+          </a:prstGeom>
+          <a:noFill/>
+          <a:ln w="12700">
+            <a:solidFill>
+              <a:srgbClr val="DF3312"/>
+            </a:solidFill>
+          </a:ln>
+        </p:spPr>
+        <p:style>
+          <a:lnRef idx="2">
+            <a:schemeClr val="accent1">
+              <a:shade val="50000"/>
+            </a:schemeClr>
+          </a:lnRef>
+          <a:fillRef idx="1">
+            <a:schemeClr val="accent1"/>
+          </a:fillRef>
+          <a:effectRef idx="0">
+            <a:schemeClr val="accent1"/>
+          </a:effectRef>
+          <a:fontRef idx="minor">
+            <a:schemeClr val="lt1"/>
+          </a:fontRef>
+        </p:style>
+        <p:txBody>
+          <a:bodyPr rot="0" spcFirstLastPara="0" vertOverflow="overflow" horzOverflow="overflow" vert="horz" wrap="square" lIns="91440" tIns="91440" rIns="91440" bIns="45720" numCol="1" spcCol="0" rtlCol="0" fromWordArt="0" anchor="t" anchorCtr="1" forceAA="0" compatLnSpc="1">
+            <a:prstTxWarp prst="textNoShape">
+              <a:avLst/>
+            </a:prstTxWarp>
+            <a:noAutofit/>
+          </a:bodyPr>
+          <a:lstStyle/>
+          <a:p>
+            <a:r>
+              <a:rPr lang="en-US" sz="1200" dirty="0">
+                <a:solidFill>
+                  <a:srgbClr val="DF3312"/>
+                </a:solidFill>
+                <a:latin typeface="Arial" panose="020B0604020202020204" pitchFamily="34" charset="0"/>
+                <a:cs typeface="Arial" panose="020B0604020202020204" pitchFamily="34" charset="0"/>
+              </a:rPr>
+              <a:t>Security group</a:t>
+            </a:r>
+          </a:p>
+        </p:txBody>
+      </p:sp>
       <p:pic>
         <p:nvPicPr>
-          <p:cNvPr id="106" name="Graphic 17">
-            <a:extLst>
-              <a:ext uri="{FF2B5EF4-FFF2-40B4-BE49-F238E27FC236}">
-                <a16:creationId xmlns:a16="http://schemas.microsoft.com/office/drawing/2014/main" id="{443A8EDD-16C2-6848-83A6-4582C7B74B70}"/>
+          <p:cNvPr id="105" name="Graphic 60">
+            <a:extLst>
+              <a:ext uri="{FF2B5EF4-FFF2-40B4-BE49-F238E27FC236}">
+                <a16:creationId xmlns:a16="http://schemas.microsoft.com/office/drawing/2014/main" id="{D5F1E014-1AF5-0442-BA6E-37B0D94AA4A6}"/>
               </a:ext>
             </a:extLst>
           </p:cNvPr>
@@ -5642,7 +5747,7 @@
           <p:nvPr/>
         </p:nvPicPr>
         <p:blipFill>
-          <a:blip r:embed="rId17">
+          <a:blip r:embed="rId16">
             <a:extLst>
               <a:ext uri="{28A0092B-C50C-407E-A947-70E740481C1C}">
                 <a14:useLocalDpi xmlns:a14="http://schemas.microsoft.com/office/drawing/2010/main" val="0"/>
@@ -5656,8 +5761,8 @@
         </p:blipFill>
         <p:spPr bwMode="auto">
           <a:xfrm>
-            <a:off x="10456930" y="1270349"/>
-            <a:ext cx="762000" cy="762000"/>
+            <a:off x="8486495" y="4402342"/>
+            <a:ext cx="457200" cy="457200"/>
           </a:xfrm>
           <a:prstGeom prst="rect">
             <a:avLst/>
@@ -5687,24 +5792,46 @@
           </a:extLst>
         </p:spPr>
       </p:pic>
-      <p:sp>
-        <p:nvSpPr>
-          <p:cNvPr id="107" name="TextBox 9">
-            <a:extLst>
-              <a:ext uri="{FF2B5EF4-FFF2-40B4-BE49-F238E27FC236}">
-                <a16:creationId xmlns:a16="http://schemas.microsoft.com/office/drawing/2014/main" id="{F9D6EE48-441C-334D-8184-61EA0808B9C5}"/>
-              </a:ext>
-            </a:extLst>
-          </p:cNvPr>
-          <p:cNvSpPr txBox="1">
-            <a:spLocks noChangeArrowheads="1"/>
-          </p:cNvSpPr>
-          <p:nvPr/>
-        </p:nvSpPr>
+      <p:pic>
+        <p:nvPicPr>
+          <p:cNvPr id="51" name="Graphic 60">
+            <a:extLst>
+              <a:ext uri="{FF2B5EF4-FFF2-40B4-BE49-F238E27FC236}">
+                <a16:creationId xmlns:a16="http://schemas.microsoft.com/office/drawing/2014/main" id="{D5F1E014-1AF5-0442-BA6E-37B0D94AA4A6}"/>
+              </a:ext>
+            </a:extLst>
+          </p:cNvPr>
+          <p:cNvPicPr>
+            <a:picLocks noChangeAspect="1" noChangeArrowheads="1"/>
+          </p:cNvPicPr>
+          <p:nvPr/>
+        </p:nvPicPr>
+        <p:blipFill>
+          <a:blip r:embed="rId17">
+            <a:extLst>
+              <a:ext uri="{BEBA8EAE-BF5A-486C-A8C5-ECC9F3942E4B}">
+                <a14:imgProps xmlns:a14="http://schemas.microsoft.com/office/drawing/2010/main">
+                  <a14:imgLayer r:embed="rId18">
+                    <a14:imgEffect>
+                      <a14:artisticBlur/>
+                    </a14:imgEffect>
+                  </a14:imgLayer>
+                </a14:imgProps>
+              </a:ext>
+              <a:ext uri="{28A0092B-C50C-407E-A947-70E740481C1C}">
+                <a14:useLocalDpi xmlns:a14="http://schemas.microsoft.com/office/drawing/2010/main" val="0"/>
+              </a:ext>
+            </a:extLst>
+          </a:blip>
+          <a:srcRect/>
+          <a:stretch>
+            <a:fillRect/>
+          </a:stretch>
+        </p:blipFill>
         <p:spPr bwMode="auto">
           <a:xfrm>
-            <a:off x="9904180" y="2032349"/>
-            <a:ext cx="1867500" cy="307975"/>
+            <a:off x="5693685" y="2032349"/>
+            <a:ext cx="457200" cy="457200"/>
           </a:xfrm>
           <a:prstGeom prst="rect">
             <a:avLst/>
@@ -5733,808 +5860,6 @@
             </a:ext>
           </a:extLst>
         </p:spPr>
-        <p:txBody>
-          <a:bodyPr wrap="square">
-            <a:spAutoFit/>
-          </a:bodyPr>
-          <a:lstStyle>
-            <a:lvl1pPr>
-              <a:defRPr>
-                <a:solidFill>
-                  <a:schemeClr val="tx1"/>
-                </a:solidFill>
-                <a:latin typeface="Calibri" panose="020F0502020204030204" pitchFamily="34" charset="0"/>
-              </a:defRPr>
-            </a:lvl1pPr>
-            <a:lvl2pPr marL="742950" indent="-285750">
-              <a:defRPr>
-                <a:solidFill>
-                  <a:schemeClr val="tx1"/>
-                </a:solidFill>
-                <a:latin typeface="Calibri" panose="020F0502020204030204" pitchFamily="34" charset="0"/>
-              </a:defRPr>
-            </a:lvl2pPr>
-            <a:lvl3pPr marL="1143000" indent="-228600">
-              <a:defRPr>
-                <a:solidFill>
-                  <a:schemeClr val="tx1"/>
-                </a:solidFill>
-                <a:latin typeface="Calibri" panose="020F0502020204030204" pitchFamily="34" charset="0"/>
-              </a:defRPr>
-            </a:lvl3pPr>
-            <a:lvl4pPr marL="1600200" indent="-228600">
-              <a:defRPr>
-                <a:solidFill>
-                  <a:schemeClr val="tx1"/>
-                </a:solidFill>
-                <a:latin typeface="Calibri" panose="020F0502020204030204" pitchFamily="34" charset="0"/>
-              </a:defRPr>
-            </a:lvl4pPr>
-            <a:lvl5pPr marL="2057400" indent="-228600">
-              <a:defRPr>
-                <a:solidFill>
-                  <a:schemeClr val="tx1"/>
-                </a:solidFill>
-                <a:latin typeface="Calibri" panose="020F0502020204030204" pitchFamily="34" charset="0"/>
-              </a:defRPr>
-            </a:lvl5pPr>
-            <a:lvl6pPr marL="2514600" indent="-228600" eaLnBrk="0" fontAlgn="base" hangingPunct="0">
-              <a:spcBef>
-                <a:spcPct val="0"/>
-              </a:spcBef>
-              <a:spcAft>
-                <a:spcPct val="0"/>
-              </a:spcAft>
-              <a:defRPr>
-                <a:solidFill>
-                  <a:schemeClr val="tx1"/>
-                </a:solidFill>
-                <a:latin typeface="Calibri" panose="020F0502020204030204" pitchFamily="34" charset="0"/>
-              </a:defRPr>
-            </a:lvl6pPr>
-            <a:lvl7pPr marL="2971800" indent="-228600" eaLnBrk="0" fontAlgn="base" hangingPunct="0">
-              <a:spcBef>
-                <a:spcPct val="0"/>
-              </a:spcBef>
-              <a:spcAft>
-                <a:spcPct val="0"/>
-              </a:spcAft>
-              <a:defRPr>
-                <a:solidFill>
-                  <a:schemeClr val="tx1"/>
-                </a:solidFill>
-                <a:latin typeface="Calibri" panose="020F0502020204030204" pitchFamily="34" charset="0"/>
-              </a:defRPr>
-            </a:lvl7pPr>
-            <a:lvl8pPr marL="3429000" indent="-228600" eaLnBrk="0" fontAlgn="base" hangingPunct="0">
-              <a:spcBef>
-                <a:spcPct val="0"/>
-              </a:spcBef>
-              <a:spcAft>
-                <a:spcPct val="0"/>
-              </a:spcAft>
-              <a:defRPr>
-                <a:solidFill>
-                  <a:schemeClr val="tx1"/>
-                </a:solidFill>
-                <a:latin typeface="Calibri" panose="020F0502020204030204" pitchFamily="34" charset="0"/>
-              </a:defRPr>
-            </a:lvl8pPr>
-            <a:lvl9pPr marL="3886200" indent="-228600" eaLnBrk="0" fontAlgn="base" hangingPunct="0">
-              <a:spcBef>
-                <a:spcPct val="0"/>
-              </a:spcBef>
-              <a:spcAft>
-                <a:spcPct val="0"/>
-              </a:spcAft>
-              <a:defRPr>
-                <a:solidFill>
-                  <a:schemeClr val="tx1"/>
-                </a:solidFill>
-                <a:latin typeface="Calibri" panose="020F0502020204030204" pitchFamily="34" charset="0"/>
-              </a:defRPr>
-            </a:lvl9pPr>
-          </a:lstStyle>
-          <a:p>
-            <a:pPr algn="ctr" eaLnBrk="1" hangingPunct="1"/>
-            <a:r>
-              <a:rPr lang="en-US" altLang="en-US" sz="1400" dirty="0">
-                <a:latin typeface="Arial" panose="020B0604020202020204" pitchFamily="34" charset="0"/>
-                <a:ea typeface="Amazon Ember" panose="020B0603020204020204" pitchFamily="34" charset="0"/>
-                <a:cs typeface="Arial" panose="020B0604020202020204" pitchFamily="34" charset="0"/>
-              </a:rPr>
-              <a:t>Amazon CloudWatch</a:t>
-            </a:r>
-          </a:p>
-        </p:txBody>
-      </p:sp>
-      <p:pic>
-        <p:nvPicPr>
-          <p:cNvPr id="108" name="Graphic 23">
-            <a:extLst>
-              <a:ext uri="{FF2B5EF4-FFF2-40B4-BE49-F238E27FC236}">
-                <a16:creationId xmlns:a16="http://schemas.microsoft.com/office/drawing/2014/main" id="{7A72A076-3A2E-204D-AE19-AFA86185641D}"/>
-              </a:ext>
-            </a:extLst>
-          </p:cNvPr>
-          <p:cNvPicPr>
-            <a:picLocks noChangeAspect="1" noChangeArrowheads="1"/>
-          </p:cNvPicPr>
-          <p:nvPr/>
-        </p:nvPicPr>
-        <p:blipFill>
-          <a:blip r:embed="rId18">
-            <a:extLst>
-              <a:ext uri="{28A0092B-C50C-407E-A947-70E740481C1C}">
-                <a14:useLocalDpi xmlns:a14="http://schemas.microsoft.com/office/drawing/2010/main" val="0"/>
-              </a:ext>
-            </a:extLst>
-          </a:blip>
-          <a:srcRect/>
-          <a:stretch>
-            <a:fillRect/>
-          </a:stretch>
-        </p:blipFill>
-        <p:spPr bwMode="auto">
-          <a:xfrm>
-            <a:off x="10456930" y="2610613"/>
-            <a:ext cx="762000" cy="762000"/>
-          </a:xfrm>
-          <a:prstGeom prst="rect">
-            <a:avLst/>
-          </a:prstGeom>
-          <a:noFill/>
-          <a:ln>
-            <a:noFill/>
-          </a:ln>
-          <a:extLst>
-            <a:ext uri="{909E8E84-426E-40DD-AFC4-6F175D3DCCD1}">
-              <a14:hiddenFill xmlns:a14="http://schemas.microsoft.com/office/drawing/2010/main">
-                <a:solidFill>
-                  <a:srgbClr val="FFFFFF"/>
-                </a:solidFill>
-              </a14:hiddenFill>
-            </a:ext>
-            <a:ext uri="{91240B29-F687-4F45-9708-019B960494DF}">
-              <a14:hiddenLine xmlns:a14="http://schemas.microsoft.com/office/drawing/2010/main" w="9525">
-                <a:solidFill>
-                  <a:srgbClr val="000000"/>
-                </a:solidFill>
-                <a:miter lim="800000"/>
-                <a:headEnd/>
-                <a:tailEnd/>
-              </a14:hiddenLine>
-            </a:ext>
-          </a:extLst>
-        </p:spPr>
-      </p:pic>
-      <p:sp>
-        <p:nvSpPr>
-          <p:cNvPr id="109" name="TextBox 15">
-            <a:extLst>
-              <a:ext uri="{FF2B5EF4-FFF2-40B4-BE49-F238E27FC236}">
-                <a16:creationId xmlns:a16="http://schemas.microsoft.com/office/drawing/2014/main" id="{894473A3-AB6B-5B4E-AD13-7640027BE911}"/>
-              </a:ext>
-            </a:extLst>
-          </p:cNvPr>
-          <p:cNvSpPr txBox="1">
-            <a:spLocks noChangeArrowheads="1"/>
-          </p:cNvSpPr>
-          <p:nvPr/>
-        </p:nvSpPr>
-        <p:spPr bwMode="auto">
-          <a:xfrm>
-            <a:off x="9736999" y="3372613"/>
-            <a:ext cx="2201863" cy="307975"/>
-          </a:xfrm>
-          <a:prstGeom prst="rect">
-            <a:avLst/>
-          </a:prstGeom>
-          <a:noFill/>
-          <a:ln>
-            <a:noFill/>
-          </a:ln>
-          <a:extLst>
-            <a:ext uri="{909E8E84-426E-40DD-AFC4-6F175D3DCCD1}">
-              <a14:hiddenFill xmlns:a14="http://schemas.microsoft.com/office/drawing/2010/main">
-                <a:solidFill>
-                  <a:srgbClr val="FFFFFF"/>
-                </a:solidFill>
-              </a14:hiddenFill>
-            </a:ext>
-            <a:ext uri="{91240B29-F687-4F45-9708-019B960494DF}">
-              <a14:hiddenLine xmlns:a14="http://schemas.microsoft.com/office/drawing/2010/main" w="9525">
-                <a:solidFill>
-                  <a:srgbClr val="000000"/>
-                </a:solidFill>
-                <a:miter lim="800000"/>
-                <a:headEnd/>
-                <a:tailEnd/>
-              </a14:hiddenLine>
-            </a:ext>
-          </a:extLst>
-        </p:spPr>
-        <p:txBody>
-          <a:bodyPr>
-            <a:spAutoFit/>
-          </a:bodyPr>
-          <a:lstStyle>
-            <a:lvl1pPr>
-              <a:defRPr>
-                <a:solidFill>
-                  <a:schemeClr val="tx1"/>
-                </a:solidFill>
-                <a:latin typeface="Calibri" panose="020F0502020204030204" pitchFamily="34" charset="0"/>
-              </a:defRPr>
-            </a:lvl1pPr>
-            <a:lvl2pPr marL="742950" indent="-285750">
-              <a:defRPr>
-                <a:solidFill>
-                  <a:schemeClr val="tx1"/>
-                </a:solidFill>
-                <a:latin typeface="Calibri" panose="020F0502020204030204" pitchFamily="34" charset="0"/>
-              </a:defRPr>
-            </a:lvl2pPr>
-            <a:lvl3pPr marL="1143000" indent="-228600">
-              <a:defRPr>
-                <a:solidFill>
-                  <a:schemeClr val="tx1"/>
-                </a:solidFill>
-                <a:latin typeface="Calibri" panose="020F0502020204030204" pitchFamily="34" charset="0"/>
-              </a:defRPr>
-            </a:lvl3pPr>
-            <a:lvl4pPr marL="1600200" indent="-228600">
-              <a:defRPr>
-                <a:solidFill>
-                  <a:schemeClr val="tx1"/>
-                </a:solidFill>
-                <a:latin typeface="Calibri" panose="020F0502020204030204" pitchFamily="34" charset="0"/>
-              </a:defRPr>
-            </a:lvl4pPr>
-            <a:lvl5pPr marL="2057400" indent="-228600">
-              <a:defRPr>
-                <a:solidFill>
-                  <a:schemeClr val="tx1"/>
-                </a:solidFill>
-                <a:latin typeface="Calibri" panose="020F0502020204030204" pitchFamily="34" charset="0"/>
-              </a:defRPr>
-            </a:lvl5pPr>
-            <a:lvl6pPr marL="2514600" indent="-228600" eaLnBrk="0" fontAlgn="base" hangingPunct="0">
-              <a:spcBef>
-                <a:spcPct val="0"/>
-              </a:spcBef>
-              <a:spcAft>
-                <a:spcPct val="0"/>
-              </a:spcAft>
-              <a:defRPr>
-                <a:solidFill>
-                  <a:schemeClr val="tx1"/>
-                </a:solidFill>
-                <a:latin typeface="Calibri" panose="020F0502020204030204" pitchFamily="34" charset="0"/>
-              </a:defRPr>
-            </a:lvl6pPr>
-            <a:lvl7pPr marL="2971800" indent="-228600" eaLnBrk="0" fontAlgn="base" hangingPunct="0">
-              <a:spcBef>
-                <a:spcPct val="0"/>
-              </a:spcBef>
-              <a:spcAft>
-                <a:spcPct val="0"/>
-              </a:spcAft>
-              <a:defRPr>
-                <a:solidFill>
-                  <a:schemeClr val="tx1"/>
-                </a:solidFill>
-                <a:latin typeface="Calibri" panose="020F0502020204030204" pitchFamily="34" charset="0"/>
-              </a:defRPr>
-            </a:lvl7pPr>
-            <a:lvl8pPr marL="3429000" indent="-228600" eaLnBrk="0" fontAlgn="base" hangingPunct="0">
-              <a:spcBef>
-                <a:spcPct val="0"/>
-              </a:spcBef>
-              <a:spcAft>
-                <a:spcPct val="0"/>
-              </a:spcAft>
-              <a:defRPr>
-                <a:solidFill>
-                  <a:schemeClr val="tx1"/>
-                </a:solidFill>
-                <a:latin typeface="Calibri" panose="020F0502020204030204" pitchFamily="34" charset="0"/>
-              </a:defRPr>
-            </a:lvl8pPr>
-            <a:lvl9pPr marL="3886200" indent="-228600" eaLnBrk="0" fontAlgn="base" hangingPunct="0">
-              <a:spcBef>
-                <a:spcPct val="0"/>
-              </a:spcBef>
-              <a:spcAft>
-                <a:spcPct val="0"/>
-              </a:spcAft>
-              <a:defRPr>
-                <a:solidFill>
-                  <a:schemeClr val="tx1"/>
-                </a:solidFill>
-                <a:latin typeface="Calibri" panose="020F0502020204030204" pitchFamily="34" charset="0"/>
-              </a:defRPr>
-            </a:lvl9pPr>
-          </a:lstStyle>
-          <a:p>
-            <a:pPr algn="ctr" eaLnBrk="1" hangingPunct="1"/>
-            <a:r>
-              <a:rPr lang="en-US" altLang="en-US" sz="1400" dirty="0">
-                <a:latin typeface="Arial" panose="020B0604020202020204" pitchFamily="34" charset="0"/>
-                <a:ea typeface="Amazon Ember" panose="020B0603020204020204" pitchFamily="34" charset="0"/>
-                <a:cs typeface="Arial" panose="020B0604020202020204" pitchFamily="34" charset="0"/>
-              </a:rPr>
-              <a:t>AWS CloudTrail</a:t>
-            </a:r>
-          </a:p>
-        </p:txBody>
-      </p:sp>
-      <p:pic>
-        <p:nvPicPr>
-          <p:cNvPr id="110" name="Graphic 8">
-            <a:extLst>
-              <a:ext uri="{FF2B5EF4-FFF2-40B4-BE49-F238E27FC236}">
-                <a16:creationId xmlns:a16="http://schemas.microsoft.com/office/drawing/2014/main" id="{0D4A9B47-8231-EF4D-B9AB-A3D9E4B81350}"/>
-              </a:ext>
-            </a:extLst>
-          </p:cNvPr>
-          <p:cNvPicPr>
-            <a:picLocks noChangeAspect="1" noChangeArrowheads="1"/>
-          </p:cNvPicPr>
-          <p:nvPr/>
-        </p:nvPicPr>
-        <p:blipFill>
-          <a:blip r:embed="rId19">
-            <a:extLst>
-              <a:ext uri="{28A0092B-C50C-407E-A947-70E740481C1C}">
-                <a14:useLocalDpi xmlns:a14="http://schemas.microsoft.com/office/drawing/2010/main" val="0"/>
-              </a:ext>
-            </a:extLst>
-          </a:blip>
-          <a:srcRect/>
-          <a:stretch>
-            <a:fillRect/>
-          </a:stretch>
-        </p:blipFill>
-        <p:spPr bwMode="auto">
-          <a:xfrm>
-            <a:off x="10456930" y="3921624"/>
-            <a:ext cx="762000" cy="762000"/>
-          </a:xfrm>
-          <a:prstGeom prst="rect">
-            <a:avLst/>
-          </a:prstGeom>
-          <a:noFill/>
-          <a:ln>
-            <a:noFill/>
-          </a:ln>
-          <a:extLst>
-            <a:ext uri="{909E8E84-426E-40DD-AFC4-6F175D3DCCD1}">
-              <a14:hiddenFill xmlns:a14="http://schemas.microsoft.com/office/drawing/2010/main">
-                <a:solidFill>
-                  <a:srgbClr val="FFFFFF"/>
-                </a:solidFill>
-              </a14:hiddenFill>
-            </a:ext>
-            <a:ext uri="{91240B29-F687-4F45-9708-019B960494DF}">
-              <a14:hiddenLine xmlns:a14="http://schemas.microsoft.com/office/drawing/2010/main" w="9525">
-                <a:solidFill>
-                  <a:srgbClr val="000000"/>
-                </a:solidFill>
-                <a:miter lim="800000"/>
-                <a:headEnd/>
-                <a:tailEnd/>
-              </a14:hiddenLine>
-            </a:ext>
-          </a:extLst>
-        </p:spPr>
-      </p:pic>
-      <p:sp>
-        <p:nvSpPr>
-          <p:cNvPr id="111" name="TextBox 9">
-            <a:extLst>
-              <a:ext uri="{FF2B5EF4-FFF2-40B4-BE49-F238E27FC236}">
-                <a16:creationId xmlns:a16="http://schemas.microsoft.com/office/drawing/2014/main" id="{5B6C5DC4-5A01-E14D-BEE5-909FCF8B05F2}"/>
-              </a:ext>
-            </a:extLst>
-          </p:cNvPr>
-          <p:cNvSpPr txBox="1">
-            <a:spLocks noChangeArrowheads="1"/>
-          </p:cNvSpPr>
-          <p:nvPr/>
-        </p:nvSpPr>
-        <p:spPr bwMode="auto">
-          <a:xfrm>
-            <a:off x="9717949" y="4688386"/>
-            <a:ext cx="2239962" cy="307777"/>
-          </a:xfrm>
-          <a:prstGeom prst="rect">
-            <a:avLst/>
-          </a:prstGeom>
-          <a:noFill/>
-          <a:ln>
-            <a:noFill/>
-          </a:ln>
-          <a:extLst>
-            <a:ext uri="{909E8E84-426E-40DD-AFC4-6F175D3DCCD1}">
-              <a14:hiddenFill xmlns:a14="http://schemas.microsoft.com/office/drawing/2010/main">
-                <a:solidFill>
-                  <a:srgbClr val="FFFFFF"/>
-                </a:solidFill>
-              </a14:hiddenFill>
-            </a:ext>
-            <a:ext uri="{91240B29-F687-4F45-9708-019B960494DF}">
-              <a14:hiddenLine xmlns:a14="http://schemas.microsoft.com/office/drawing/2010/main" w="9525">
-                <a:solidFill>
-                  <a:srgbClr val="000000"/>
-                </a:solidFill>
-                <a:miter lim="800000"/>
-                <a:headEnd/>
-                <a:tailEnd/>
-              </a14:hiddenLine>
-            </a:ext>
-          </a:extLst>
-        </p:spPr>
-        <p:txBody>
-          <a:bodyPr>
-            <a:spAutoFit/>
-          </a:bodyPr>
-          <a:lstStyle>
-            <a:lvl1pPr>
-              <a:defRPr>
-                <a:solidFill>
-                  <a:schemeClr val="tx1"/>
-                </a:solidFill>
-                <a:latin typeface="Calibri" panose="020F0502020204030204" pitchFamily="34" charset="0"/>
-              </a:defRPr>
-            </a:lvl1pPr>
-            <a:lvl2pPr marL="742950" indent="-285750">
-              <a:defRPr>
-                <a:solidFill>
-                  <a:schemeClr val="tx1"/>
-                </a:solidFill>
-                <a:latin typeface="Calibri" panose="020F0502020204030204" pitchFamily="34" charset="0"/>
-              </a:defRPr>
-            </a:lvl2pPr>
-            <a:lvl3pPr marL="1143000" indent="-228600">
-              <a:defRPr>
-                <a:solidFill>
-                  <a:schemeClr val="tx1"/>
-                </a:solidFill>
-                <a:latin typeface="Calibri" panose="020F0502020204030204" pitchFamily="34" charset="0"/>
-              </a:defRPr>
-            </a:lvl3pPr>
-            <a:lvl4pPr marL="1600200" indent="-228600">
-              <a:defRPr>
-                <a:solidFill>
-                  <a:schemeClr val="tx1"/>
-                </a:solidFill>
-                <a:latin typeface="Calibri" panose="020F0502020204030204" pitchFamily="34" charset="0"/>
-              </a:defRPr>
-            </a:lvl4pPr>
-            <a:lvl5pPr marL="2057400" indent="-228600">
-              <a:defRPr>
-                <a:solidFill>
-                  <a:schemeClr val="tx1"/>
-                </a:solidFill>
-                <a:latin typeface="Calibri" panose="020F0502020204030204" pitchFamily="34" charset="0"/>
-              </a:defRPr>
-            </a:lvl5pPr>
-            <a:lvl6pPr marL="2514600" indent="-228600" eaLnBrk="0" fontAlgn="base" hangingPunct="0">
-              <a:spcBef>
-                <a:spcPct val="0"/>
-              </a:spcBef>
-              <a:spcAft>
-                <a:spcPct val="0"/>
-              </a:spcAft>
-              <a:defRPr>
-                <a:solidFill>
-                  <a:schemeClr val="tx1"/>
-                </a:solidFill>
-                <a:latin typeface="Calibri" panose="020F0502020204030204" pitchFamily="34" charset="0"/>
-              </a:defRPr>
-            </a:lvl6pPr>
-            <a:lvl7pPr marL="2971800" indent="-228600" eaLnBrk="0" fontAlgn="base" hangingPunct="0">
-              <a:spcBef>
-                <a:spcPct val="0"/>
-              </a:spcBef>
-              <a:spcAft>
-                <a:spcPct val="0"/>
-              </a:spcAft>
-              <a:defRPr>
-                <a:solidFill>
-                  <a:schemeClr val="tx1"/>
-                </a:solidFill>
-                <a:latin typeface="Calibri" panose="020F0502020204030204" pitchFamily="34" charset="0"/>
-              </a:defRPr>
-            </a:lvl7pPr>
-            <a:lvl8pPr marL="3429000" indent="-228600" eaLnBrk="0" fontAlgn="base" hangingPunct="0">
-              <a:spcBef>
-                <a:spcPct val="0"/>
-              </a:spcBef>
-              <a:spcAft>
-                <a:spcPct val="0"/>
-              </a:spcAft>
-              <a:defRPr>
-                <a:solidFill>
-                  <a:schemeClr val="tx1"/>
-                </a:solidFill>
-                <a:latin typeface="Calibri" panose="020F0502020204030204" pitchFamily="34" charset="0"/>
-              </a:defRPr>
-            </a:lvl8pPr>
-            <a:lvl9pPr marL="3886200" indent="-228600" eaLnBrk="0" fontAlgn="base" hangingPunct="0">
-              <a:spcBef>
-                <a:spcPct val="0"/>
-              </a:spcBef>
-              <a:spcAft>
-                <a:spcPct val="0"/>
-              </a:spcAft>
-              <a:defRPr>
-                <a:solidFill>
-                  <a:schemeClr val="tx1"/>
-                </a:solidFill>
-                <a:latin typeface="Calibri" panose="020F0502020204030204" pitchFamily="34" charset="0"/>
-              </a:defRPr>
-            </a:lvl9pPr>
-          </a:lstStyle>
-          <a:p>
-            <a:pPr algn="ctr" eaLnBrk="1" hangingPunct="1"/>
-            <a:r>
-              <a:rPr lang="en-US" altLang="en-US" sz="1400" dirty="0">
-                <a:latin typeface="Arial" panose="020B0604020202020204" pitchFamily="34" charset="0"/>
-                <a:ea typeface="Amazon Ember" panose="020B0603020204020204" pitchFamily="34" charset="0"/>
-                <a:cs typeface="Arial" panose="020B0604020202020204" pitchFamily="34" charset="0"/>
-              </a:rPr>
-              <a:t>Amazon </a:t>
-            </a:r>
-            <a:r>
-              <a:rPr lang="en-US" altLang="en-US" sz="1400" dirty="0" smtClean="0">
-                <a:latin typeface="Arial" panose="020B0604020202020204" pitchFamily="34" charset="0"/>
-                <a:ea typeface="Amazon Ember" panose="020B0603020204020204" pitchFamily="34" charset="0"/>
-                <a:cs typeface="Arial" panose="020B0604020202020204" pitchFamily="34" charset="0"/>
-              </a:rPr>
-              <a:t>S3</a:t>
-            </a:r>
-            <a:endParaRPr lang="en-US" altLang="en-US" sz="1400" dirty="0">
-              <a:latin typeface="Arial" panose="020B0604020202020204" pitchFamily="34" charset="0"/>
-              <a:ea typeface="Amazon Ember" panose="020B0603020204020204" pitchFamily="34" charset="0"/>
-              <a:cs typeface="Arial" panose="020B0604020202020204" pitchFamily="34" charset="0"/>
-            </a:endParaRPr>
-          </a:p>
-        </p:txBody>
-      </p:sp>
-      <p:sp>
-        <p:nvSpPr>
-          <p:cNvPr id="35" name="TextBox 34">
-            <a:extLst>
-              <a:ext uri="{FF2B5EF4-FFF2-40B4-BE49-F238E27FC236}">
-                <a16:creationId xmlns:a16="http://schemas.microsoft.com/office/drawing/2014/main" id="{B899FD8E-A6C4-E642-921A-2266EB4B5F9D}"/>
-              </a:ext>
-            </a:extLst>
-          </p:cNvPr>
-          <p:cNvSpPr txBox="1"/>
-          <p:nvPr/>
-        </p:nvSpPr>
-        <p:spPr>
-          <a:xfrm>
-            <a:off x="8318219" y="4820495"/>
-            <a:ext cx="793752" cy="279013"/>
-          </a:xfrm>
-          <a:prstGeom prst="rect">
-            <a:avLst/>
-          </a:prstGeom>
-          <a:noFill/>
-        </p:spPr>
-        <p:txBody>
-          <a:bodyPr wrap="square" rtlCol="0">
-            <a:spAutoFit/>
-          </a:bodyPr>
-          <a:lstStyle/>
-          <a:p>
-            <a:pPr algn="ctr"/>
-            <a:r>
-              <a:rPr lang="en-US" sz="1200" dirty="0">
-                <a:latin typeface="Arial" panose="020B0604020202020204" pitchFamily="34" charset="0"/>
-                <a:cs typeface="Arial" panose="020B0604020202020204" pitchFamily="34" charset="0"/>
-              </a:rPr>
-              <a:t>Arbiter</a:t>
-            </a:r>
-          </a:p>
-        </p:txBody>
-      </p:sp>
-      <p:sp>
-        <p:nvSpPr>
-          <p:cNvPr id="38" name="Rectangle 37">
-            <a:extLst>
-              <a:ext uri="{FF2B5EF4-FFF2-40B4-BE49-F238E27FC236}">
-                <a16:creationId xmlns:a16="http://schemas.microsoft.com/office/drawing/2014/main" id="{CE2DBBD1-B6CC-9940-9A28-EF367C7B0860}"/>
-              </a:ext>
-            </a:extLst>
-          </p:cNvPr>
-          <p:cNvSpPr/>
-          <p:nvPr/>
-        </p:nvSpPr>
-        <p:spPr>
-          <a:xfrm>
-            <a:off x="8095476" y="4086808"/>
-            <a:ext cx="1239238" cy="979710"/>
-          </a:xfrm>
-          <a:prstGeom prst="rect">
-            <a:avLst/>
-          </a:prstGeom>
-          <a:noFill/>
-          <a:ln w="12700">
-            <a:solidFill>
-              <a:srgbClr val="DF3312"/>
-            </a:solidFill>
-          </a:ln>
-        </p:spPr>
-        <p:style>
-          <a:lnRef idx="2">
-            <a:schemeClr val="accent1">
-              <a:shade val="50000"/>
-            </a:schemeClr>
-          </a:lnRef>
-          <a:fillRef idx="1">
-            <a:schemeClr val="accent1"/>
-          </a:fillRef>
-          <a:effectRef idx="0">
-            <a:schemeClr val="accent1"/>
-          </a:effectRef>
-          <a:fontRef idx="minor">
-            <a:schemeClr val="lt1"/>
-          </a:fontRef>
-        </p:style>
-        <p:txBody>
-          <a:bodyPr rot="0" spcFirstLastPara="0" vertOverflow="overflow" horzOverflow="overflow" vert="horz" wrap="square" lIns="91440" tIns="91440" rIns="91440" bIns="45720" numCol="1" spcCol="0" rtlCol="0" fromWordArt="0" anchor="t" anchorCtr="1" forceAA="0" compatLnSpc="1">
-            <a:prstTxWarp prst="textNoShape">
-              <a:avLst/>
-            </a:prstTxWarp>
-            <a:noAutofit/>
-          </a:bodyPr>
-          <a:lstStyle/>
-          <a:p>
-            <a:r>
-              <a:rPr lang="en-US" sz="1200" dirty="0">
-                <a:solidFill>
-                  <a:srgbClr val="DF3312"/>
-                </a:solidFill>
-                <a:latin typeface="Arial" panose="020B0604020202020204" pitchFamily="34" charset="0"/>
-                <a:cs typeface="Arial" panose="020B0604020202020204" pitchFamily="34" charset="0"/>
-              </a:rPr>
-              <a:t>Security group</a:t>
-            </a:r>
-          </a:p>
-        </p:txBody>
-      </p:sp>
-      <p:pic>
-        <p:nvPicPr>
-          <p:cNvPr id="105" name="Graphic 60">
-            <a:extLst>
-              <a:ext uri="{FF2B5EF4-FFF2-40B4-BE49-F238E27FC236}">
-                <a16:creationId xmlns:a16="http://schemas.microsoft.com/office/drawing/2014/main" id="{D5F1E014-1AF5-0442-BA6E-37B0D94AA4A6}"/>
-              </a:ext>
-            </a:extLst>
-          </p:cNvPr>
-          <p:cNvPicPr>
-            <a:picLocks noChangeAspect="1" noChangeArrowheads="1"/>
-          </p:cNvPicPr>
-          <p:nvPr/>
-        </p:nvPicPr>
-        <p:blipFill>
-          <a:blip r:embed="rId16">
-            <a:extLst>
-              <a:ext uri="{28A0092B-C50C-407E-A947-70E740481C1C}">
-                <a14:useLocalDpi xmlns:a14="http://schemas.microsoft.com/office/drawing/2010/main" val="0"/>
-              </a:ext>
-            </a:extLst>
-          </a:blip>
-          <a:srcRect/>
-          <a:stretch>
-            <a:fillRect/>
-          </a:stretch>
-        </p:blipFill>
-        <p:spPr bwMode="auto">
-          <a:xfrm>
-            <a:off x="8486495" y="4402342"/>
-            <a:ext cx="457200" cy="457200"/>
-          </a:xfrm>
-          <a:prstGeom prst="rect">
-            <a:avLst/>
-          </a:prstGeom>
-          <a:noFill/>
-          <a:ln>
-            <a:noFill/>
-          </a:ln>
-          <a:extLst>
-            <a:ext uri="{909E8E84-426E-40DD-AFC4-6F175D3DCCD1}">
-              <a14:hiddenFill xmlns:a14="http://schemas.microsoft.com/office/drawing/2010/main">
-                <a:solidFill>
-                  <a:srgbClr val="FFFFFF"/>
-                </a:solidFill>
-              </a14:hiddenFill>
-            </a:ext>
-            <a:ext uri="{91240B29-F687-4F45-9708-019B960494DF}">
-              <a14:hiddenLine xmlns:a14="http://schemas.microsoft.com/office/drawing/2010/main" w="9525">
-                <a:solidFill>
-                  <a:srgbClr val="000000"/>
-                </a:solidFill>
-                <a:miter lim="800000"/>
-                <a:headEnd/>
-                <a:tailEnd/>
-              </a14:hiddenLine>
-            </a:ext>
-          </a:extLst>
-        </p:spPr>
-      </p:pic>
-      <p:pic>
-        <p:nvPicPr>
-          <p:cNvPr id="51" name="Graphic 60">
-            <a:extLst>
-              <a:ext uri="{FF2B5EF4-FFF2-40B4-BE49-F238E27FC236}">
-                <a16:creationId xmlns:a16="http://schemas.microsoft.com/office/drawing/2014/main" id="{D5F1E014-1AF5-0442-BA6E-37B0D94AA4A6}"/>
-              </a:ext>
-            </a:extLst>
-          </p:cNvPr>
-          <p:cNvPicPr>
-            <a:picLocks noChangeAspect="1" noChangeArrowheads="1"/>
-          </p:cNvPicPr>
-          <p:nvPr/>
-        </p:nvPicPr>
-        <p:blipFill>
-          <a:blip r:embed="rId20">
-            <a:extLst>
-              <a:ext uri="{BEBA8EAE-BF5A-486C-A8C5-ECC9F3942E4B}">
-                <a14:imgProps xmlns:a14="http://schemas.microsoft.com/office/drawing/2010/main">
-                  <a14:imgLayer r:embed="rId21">
-                    <a14:imgEffect>
-                      <a14:artisticBlur/>
-                    </a14:imgEffect>
-                  </a14:imgLayer>
-                </a14:imgProps>
-              </a:ext>
-              <a:ext uri="{28A0092B-C50C-407E-A947-70E740481C1C}">
-                <a14:useLocalDpi xmlns:a14="http://schemas.microsoft.com/office/drawing/2010/main" val="0"/>
-              </a:ext>
-            </a:extLst>
-          </a:blip>
-          <a:srcRect/>
-          <a:stretch>
-            <a:fillRect/>
-          </a:stretch>
-        </p:blipFill>
-        <p:spPr bwMode="auto">
-          <a:xfrm>
-            <a:off x="5693685" y="2032349"/>
-            <a:ext cx="457200" cy="457200"/>
-          </a:xfrm>
-          <a:prstGeom prst="rect">
-            <a:avLst/>
-          </a:prstGeom>
-          <a:noFill/>
-          <a:ln>
-            <a:noFill/>
-          </a:ln>
-          <a:extLst>
-            <a:ext uri="{909E8E84-426E-40DD-AFC4-6F175D3DCCD1}">
-              <a14:hiddenFill xmlns:a14="http://schemas.microsoft.com/office/drawing/2010/main">
-                <a:solidFill>
-                  <a:srgbClr val="FFFFFF"/>
-                </a:solidFill>
-              </a14:hiddenFill>
-            </a:ext>
-            <a:ext uri="{91240B29-F687-4F45-9708-019B960494DF}">
-              <a14:hiddenLine xmlns:a14="http://schemas.microsoft.com/office/drawing/2010/main" w="9525">
-                <a:solidFill>
-                  <a:srgbClr val="000000"/>
-                </a:solidFill>
-                <a:miter lim="800000"/>
-                <a:headEnd/>
-                <a:tailEnd/>
-              </a14:hiddenLine>
-            </a:ext>
-          </a:extLst>
-        </p:spPr>
       </p:pic>
       <p:sp>
         <p:nvSpPr>
@@ -6589,7 +5914,7 @@
     </p:spTree>
     <p:extLst>
       <p:ext uri="{BB962C8B-B14F-4D97-AF65-F5344CB8AC3E}">
-        <p14:creationId xmlns:p14="http://schemas.microsoft.com/office/powerpoint/2010/main" val="289491613"/>
+        <p14:creationId xmlns:p14="http://schemas.microsoft.com/office/powerpoint/2010/main" val="3926229981"/>
       </p:ext>
     </p:extLst>
   </p:cSld>
@@ -6618,7 +5943,79 @@
       </p:grpSpPr>
       <p:sp>
         <p:nvSpPr>
-          <p:cNvPr id="24" name="Rectangle 23">
+          <p:cNvPr id="97" name="Rectangle 96">
+            <a:extLst>
+              <a:ext uri="{FF2B5EF4-FFF2-40B4-BE49-F238E27FC236}">
+                <a16:creationId xmlns:a16="http://schemas.microsoft.com/office/drawing/2014/main" id="{F5AD8509-7566-E946-9E5A-5557E62A6A29}"/>
+              </a:ext>
+            </a:extLst>
+          </p:cNvPr>
+          <p:cNvSpPr/>
+          <p:nvPr/>
+        </p:nvSpPr>
+        <p:spPr>
+          <a:xfrm>
+            <a:off x="7611080" y="3179211"/>
+            <a:ext cx="2133548" cy="2163337"/>
+          </a:xfrm>
+          <a:prstGeom prst="rect">
+            <a:avLst/>
+          </a:prstGeom>
+          <a:solidFill>
+            <a:srgbClr val="007CBC">
+              <a:alpha val="9804"/>
+            </a:srgbClr>
+          </a:solidFill>
+          <a:ln w="12700">
+            <a:noFill/>
+            <a:prstDash val="dash"/>
+          </a:ln>
+        </p:spPr>
+        <p:style>
+          <a:lnRef idx="2">
+            <a:schemeClr val="accent1">
+              <a:shade val="50000"/>
+            </a:schemeClr>
+          </a:lnRef>
+          <a:fillRef idx="1">
+            <a:schemeClr val="accent1"/>
+          </a:fillRef>
+          <a:effectRef idx="0">
+            <a:schemeClr val="accent1"/>
+          </a:effectRef>
+          <a:fontRef idx="minor">
+            <a:schemeClr val="lt1"/>
+          </a:fontRef>
+        </p:style>
+        <p:txBody>
+          <a:bodyPr lIns="338328"/>
+          <a:lstStyle/>
+          <a:p>
+            <a:pPr eaLnBrk="1" fontAlgn="auto" hangingPunct="1">
+              <a:spcBef>
+                <a:spcPts val="0"/>
+              </a:spcBef>
+              <a:spcAft>
+                <a:spcPts val="0"/>
+              </a:spcAft>
+              <a:defRPr/>
+            </a:pPr>
+            <a:r>
+              <a:rPr lang="en-US" sz="1200" dirty="0">
+                <a:solidFill>
+                  <a:srgbClr val="5B9CD5"/>
+                </a:solidFill>
+                <a:latin typeface="Arial" panose="020B0604020202020204" pitchFamily="34" charset="0"/>
+                <a:cs typeface="Arial" panose="020B0604020202020204" pitchFamily="34" charset="0"/>
+              </a:rPr>
+              <a:t>Private subnet</a:t>
+            </a:r>
+          </a:p>
+        </p:txBody>
+      </p:sp>
+      <p:sp>
+        <p:nvSpPr>
+          <p:cNvPr id="93" name="Rectangle 92">
             <a:extLst>
               <a:ext uri="{FF2B5EF4-FFF2-40B4-BE49-F238E27FC236}">
                 <a16:creationId xmlns:a16="http://schemas.microsoft.com/office/drawing/2014/main" id="{B1844CBB-737E-C049-891C-1F2168761D96}"/>
@@ -6630,8 +6027,8 @@
         </p:nvSpPr>
         <p:spPr>
           <a:xfrm>
-            <a:off x="4206097" y="3221205"/>
-            <a:ext cx="2841222" cy="2261030"/>
+            <a:off x="797822" y="1621857"/>
+            <a:ext cx="2133548" cy="1226818"/>
           </a:xfrm>
           <a:prstGeom prst="rect">
             <a:avLst/>
@@ -6688,6 +6085,196 @@
           </a:p>
         </p:txBody>
       </p:sp>
+      <p:sp>
+        <p:nvSpPr>
+          <p:cNvPr id="81" name="Rectangle 80">
+            <a:extLst>
+              <a:ext uri="{FF2B5EF4-FFF2-40B4-BE49-F238E27FC236}">
+                <a16:creationId xmlns:a16="http://schemas.microsoft.com/office/drawing/2014/main" id="{F5AD8509-7566-E946-9E5A-5557E62A6A29}"/>
+              </a:ext>
+            </a:extLst>
+          </p:cNvPr>
+          <p:cNvSpPr/>
+          <p:nvPr/>
+        </p:nvSpPr>
+        <p:spPr>
+          <a:xfrm>
+            <a:off x="4827437" y="3176105"/>
+            <a:ext cx="2133548" cy="2163337"/>
+          </a:xfrm>
+          <a:prstGeom prst="rect">
+            <a:avLst/>
+          </a:prstGeom>
+          <a:solidFill>
+            <a:srgbClr val="007CBC">
+              <a:alpha val="9804"/>
+            </a:srgbClr>
+          </a:solidFill>
+          <a:ln w="12700">
+            <a:noFill/>
+            <a:prstDash val="dash"/>
+          </a:ln>
+        </p:spPr>
+        <p:style>
+          <a:lnRef idx="2">
+            <a:schemeClr val="accent1">
+              <a:shade val="50000"/>
+            </a:schemeClr>
+          </a:lnRef>
+          <a:fillRef idx="1">
+            <a:schemeClr val="accent1"/>
+          </a:fillRef>
+          <a:effectRef idx="0">
+            <a:schemeClr val="accent1"/>
+          </a:effectRef>
+          <a:fontRef idx="minor">
+            <a:schemeClr val="lt1"/>
+          </a:fontRef>
+        </p:style>
+        <p:txBody>
+          <a:bodyPr lIns="338328"/>
+          <a:lstStyle/>
+          <a:p>
+            <a:pPr eaLnBrk="1" fontAlgn="auto" hangingPunct="1">
+              <a:spcBef>
+                <a:spcPts val="0"/>
+              </a:spcBef>
+              <a:spcAft>
+                <a:spcPts val="0"/>
+              </a:spcAft>
+              <a:defRPr/>
+            </a:pPr>
+            <a:r>
+              <a:rPr lang="en-US" sz="1200" dirty="0">
+                <a:solidFill>
+                  <a:srgbClr val="5B9CD5"/>
+                </a:solidFill>
+                <a:latin typeface="Arial" panose="020B0604020202020204" pitchFamily="34" charset="0"/>
+                <a:cs typeface="Arial" panose="020B0604020202020204" pitchFamily="34" charset="0"/>
+              </a:rPr>
+              <a:t>Private subnet</a:t>
+            </a:r>
+          </a:p>
+        </p:txBody>
+      </p:sp>
+      <p:sp>
+        <p:nvSpPr>
+          <p:cNvPr id="85" name="Rectangle 84">
+            <a:extLst>
+              <a:ext uri="{FF2B5EF4-FFF2-40B4-BE49-F238E27FC236}">
+                <a16:creationId xmlns:a16="http://schemas.microsoft.com/office/drawing/2014/main" id="{F5AD8509-7566-E946-9E5A-5557E62A6A29}"/>
+              </a:ext>
+            </a:extLst>
+          </p:cNvPr>
+          <p:cNvSpPr/>
+          <p:nvPr/>
+        </p:nvSpPr>
+        <p:spPr>
+          <a:xfrm>
+            <a:off x="806687" y="3271547"/>
+            <a:ext cx="2124683" cy="2067896"/>
+          </a:xfrm>
+          <a:prstGeom prst="rect">
+            <a:avLst/>
+          </a:prstGeom>
+          <a:solidFill>
+            <a:srgbClr val="007CBC">
+              <a:alpha val="9804"/>
+            </a:srgbClr>
+          </a:solidFill>
+          <a:ln w="12700">
+            <a:noFill/>
+            <a:prstDash val="dash"/>
+          </a:ln>
+        </p:spPr>
+        <p:style>
+          <a:lnRef idx="2">
+            <a:schemeClr val="accent1">
+              <a:shade val="50000"/>
+            </a:schemeClr>
+          </a:lnRef>
+          <a:fillRef idx="1">
+            <a:schemeClr val="accent1"/>
+          </a:fillRef>
+          <a:effectRef idx="0">
+            <a:schemeClr val="accent1"/>
+          </a:effectRef>
+          <a:fontRef idx="minor">
+            <a:schemeClr val="lt1"/>
+          </a:fontRef>
+        </p:style>
+        <p:txBody>
+          <a:bodyPr lIns="338328"/>
+          <a:lstStyle/>
+          <a:p>
+            <a:pPr eaLnBrk="1" fontAlgn="auto" hangingPunct="1">
+              <a:spcBef>
+                <a:spcPts val="0"/>
+              </a:spcBef>
+              <a:spcAft>
+                <a:spcPts val="0"/>
+              </a:spcAft>
+              <a:defRPr/>
+            </a:pPr>
+            <a:r>
+              <a:rPr lang="en-US" sz="1200" dirty="0">
+                <a:solidFill>
+                  <a:srgbClr val="5B9CD5"/>
+                </a:solidFill>
+                <a:latin typeface="Arial" panose="020B0604020202020204" pitchFamily="34" charset="0"/>
+                <a:cs typeface="Arial" panose="020B0604020202020204" pitchFamily="34" charset="0"/>
+              </a:rPr>
+              <a:t>Private subnet</a:t>
+            </a:r>
+          </a:p>
+        </p:txBody>
+      </p:sp>
+      <p:cxnSp>
+        <p:nvCxnSpPr>
+          <p:cNvPr id="50" name="Straight Arrow Connector 49">
+            <a:extLst>
+              <a:ext uri="{FF2B5EF4-FFF2-40B4-BE49-F238E27FC236}">
+                <a16:creationId xmlns:a16="http://schemas.microsoft.com/office/drawing/2014/main" id="{239B9CCA-9EF0-3346-BB60-0E30B232B75B}"/>
+              </a:ext>
+            </a:extLst>
+          </p:cNvPr>
+          <p:cNvCxnSpPr>
+            <a:cxnSpLocks/>
+          </p:cNvCxnSpPr>
+          <p:nvPr/>
+        </p:nvCxnSpPr>
+        <p:spPr>
+          <a:xfrm>
+            <a:off x="2154773" y="4716379"/>
+            <a:ext cx="6318504" cy="0"/>
+          </a:xfrm>
+          <a:prstGeom prst="straightConnector1">
+            <a:avLst/>
+          </a:prstGeom>
+          <a:ln w="12700">
+            <a:solidFill>
+              <a:srgbClr val="545B64"/>
+            </a:solidFill>
+            <a:prstDash val="lgDash"/>
+            <a:headEnd type="arrow" w="med" len="sm"/>
+            <a:tailEnd type="arrow" w="med" len="sm"/>
+          </a:ln>
+        </p:spPr>
+        <p:style>
+          <a:lnRef idx="1">
+            <a:schemeClr val="accent1"/>
+          </a:lnRef>
+          <a:fillRef idx="0">
+            <a:schemeClr val="accent1"/>
+          </a:fillRef>
+          <a:effectRef idx="0">
+            <a:schemeClr val="accent1"/>
+          </a:effectRef>
+          <a:fontRef idx="minor">
+            <a:schemeClr val="tx1"/>
+          </a:fontRef>
+        </p:style>
+      </p:cxnSp>
       <p:sp>
         <p:nvSpPr>
           <p:cNvPr id="2" name="Slide Number Placeholder 1">
@@ -6737,7 +6324,7 @@
         </p:nvSpPr>
         <p:spPr>
           <a:xfrm>
-            <a:off x="269328" y="303793"/>
+            <a:off x="242630" y="0"/>
             <a:ext cx="2417275" cy="338554"/>
           </a:xfrm>
           <a:prstGeom prst="rect">
@@ -6756,7 +6343,7 @@
                 <a:latin typeface="Arial" panose="020B0604020202020204" pitchFamily="34" charset="0"/>
                 <a:cs typeface="Arial" panose="020B0604020202020204" pitchFamily="34" charset="0"/>
               </a:rPr>
-              <a:t>Demo/Test System</a:t>
+              <a:t>Production System</a:t>
             </a:r>
             <a:endParaRPr lang="en-US" sz="1600" dirty="0">
               <a:latin typeface="Arial" panose="020B0604020202020204" pitchFamily="34" charset="0"/>
@@ -6779,8 +6366,8 @@
         </p:nvSpPr>
         <p:spPr>
           <a:xfrm>
-            <a:off x="3600600" y="2111382"/>
-            <a:ext cx="3853118" cy="3751854"/>
+            <a:off x="242630" y="654430"/>
+            <a:ext cx="11521493" cy="5121320"/>
           </a:xfrm>
           <a:prstGeom prst="rect">
             <a:avLst/>
@@ -6849,7 +6436,7 @@
           <a:blip r:embed="rId2">
             <a:extLst>
               <a:ext uri="{96DAC541-7B7A-43D3-8B79-37D633B846F1}">
-                <asvg:svgBlip xmlns:asvg="http://schemas.microsoft.com/office/drawing/2016/SVG/main" xmlns="" r:embed="rId3"/>
+                <asvg:svgBlip xmlns="" xmlns:asvg="http://schemas.microsoft.com/office/drawing/2016/SVG/main" r:embed="rId3"/>
               </a:ext>
             </a:extLst>
           </a:blip>
@@ -6859,7 +6446,7 @@
         </p:blipFill>
         <p:spPr>
           <a:xfrm>
-            <a:off x="3600600" y="2111381"/>
+            <a:off x="242630" y="653722"/>
             <a:ext cx="330200" cy="330200"/>
           </a:xfrm>
           <a:prstGeom prst="rect">
@@ -6867,9 +6454,720 @@
           </a:prstGeom>
         </p:spPr>
       </p:pic>
-      <p:sp>
-        <p:nvSpPr>
-          <p:cNvPr id="21" name="Rectangle 20">
+      <p:pic>
+        <p:nvPicPr>
+          <p:cNvPr id="37" name="Graphic 36">
+            <a:extLst>
+              <a:ext uri="{FF2B5EF4-FFF2-40B4-BE49-F238E27FC236}">
+                <a16:creationId xmlns:a16="http://schemas.microsoft.com/office/drawing/2014/main" id="{D1E139A0-6B92-0642-9159-E1076FD738FE}"/>
+              </a:ext>
+            </a:extLst>
+          </p:cNvPr>
+          <p:cNvPicPr>
+            <a:picLocks noChangeAspect="1"/>
+          </p:cNvPicPr>
+          <p:nvPr/>
+        </p:nvPicPr>
+        <p:blipFill>
+          <a:blip r:embed="rId4">
+            <a:extLst>
+              <a:ext uri="{96DAC541-7B7A-43D3-8B79-37D633B846F1}">
+                <asvg:svgBlip xmlns="" xmlns:asvg="http://schemas.microsoft.com/office/drawing/2016/SVG/main" r:embed="rId5"/>
+              </a:ext>
+            </a:extLst>
+          </a:blip>
+          <a:stretch>
+            <a:fillRect/>
+          </a:stretch>
+        </p:blipFill>
+        <p:spPr>
+          <a:xfrm>
+            <a:off x="358380" y="1332101"/>
+            <a:ext cx="330200" cy="330200"/>
+          </a:xfrm>
+          <a:prstGeom prst="rect">
+            <a:avLst/>
+          </a:prstGeom>
+        </p:spPr>
+      </p:pic>
+      <p:sp>
+        <p:nvSpPr>
+          <p:cNvPr id="66" name="TextBox 65">
+            <a:extLst>
+              <a:ext uri="{FF2B5EF4-FFF2-40B4-BE49-F238E27FC236}">
+                <a16:creationId xmlns:a16="http://schemas.microsoft.com/office/drawing/2014/main" id="{1692D169-85DA-CA46-901E-29B7FF31CC49}"/>
+              </a:ext>
+            </a:extLst>
+          </p:cNvPr>
+          <p:cNvSpPr txBox="1"/>
+          <p:nvPr/>
+        </p:nvSpPr>
+        <p:spPr>
+          <a:xfrm>
+            <a:off x="4972712" y="4755023"/>
+            <a:ext cx="1769070" cy="276999"/>
+          </a:xfrm>
+          <a:prstGeom prst="rect">
+            <a:avLst/>
+          </a:prstGeom>
+          <a:noFill/>
+        </p:spPr>
+        <p:txBody>
+          <a:bodyPr wrap="square" rtlCol="0">
+            <a:spAutoFit/>
+          </a:bodyPr>
+          <a:lstStyle/>
+          <a:p>
+            <a:pPr algn="ctr"/>
+            <a:r>
+              <a:rPr lang="en-US" sz="1200" dirty="0">
+                <a:latin typeface="Arial" panose="020B0604020202020204" pitchFamily="34" charset="0"/>
+                <a:cs typeface="Arial" panose="020B0604020202020204" pitchFamily="34" charset="0"/>
+              </a:rPr>
+              <a:t>IRIS m</a:t>
+            </a:r>
+            <a:r>
+              <a:rPr lang="en-US" sz="1200" dirty="0" smtClean="0">
+                <a:latin typeface="Arial" panose="020B0604020202020204" pitchFamily="34" charset="0"/>
+                <a:cs typeface="Arial" panose="020B0604020202020204" pitchFamily="34" charset="0"/>
+              </a:rPr>
+              <a:t>irror node </a:t>
+            </a:r>
+            <a:r>
+              <a:rPr lang="en-US" sz="1200" dirty="0">
+                <a:latin typeface="Arial" panose="020B0604020202020204" pitchFamily="34" charset="0"/>
+                <a:cs typeface="Arial" panose="020B0604020202020204" pitchFamily="34" charset="0"/>
+              </a:rPr>
+              <a:t>2</a:t>
+            </a:r>
+          </a:p>
+        </p:txBody>
+      </p:sp>
+      <p:sp>
+        <p:nvSpPr>
+          <p:cNvPr id="40" name="Rectangle 39">
+            <a:extLst>
+              <a:ext uri="{FF2B5EF4-FFF2-40B4-BE49-F238E27FC236}">
+                <a16:creationId xmlns:a16="http://schemas.microsoft.com/office/drawing/2014/main" id="{42483CEE-DC03-FB4E-985D-BFDBD737EA11}"/>
+              </a:ext>
+            </a:extLst>
+          </p:cNvPr>
+          <p:cNvSpPr/>
+          <p:nvPr/>
+        </p:nvSpPr>
+        <p:spPr>
+          <a:xfrm>
+            <a:off x="1159330" y="4190829"/>
+            <a:ext cx="5418752" cy="906938"/>
+          </a:xfrm>
+          <a:prstGeom prst="rect">
+            <a:avLst/>
+          </a:prstGeom>
+          <a:noFill/>
+          <a:ln w="12700">
+            <a:solidFill>
+              <a:srgbClr val="DF3312"/>
+            </a:solidFill>
+          </a:ln>
+        </p:spPr>
+        <p:style>
+          <a:lnRef idx="2">
+            <a:schemeClr val="accent1">
+              <a:shade val="50000"/>
+            </a:schemeClr>
+          </a:lnRef>
+          <a:fillRef idx="1">
+            <a:schemeClr val="accent1"/>
+          </a:fillRef>
+          <a:effectRef idx="0">
+            <a:schemeClr val="accent1"/>
+          </a:effectRef>
+          <a:fontRef idx="minor">
+            <a:schemeClr val="lt1"/>
+          </a:fontRef>
+        </p:style>
+        <p:txBody>
+          <a:bodyPr rot="0" spcFirstLastPara="0" vertOverflow="overflow" horzOverflow="overflow" vert="horz" wrap="square" lIns="91440" tIns="91440" rIns="91440" bIns="45720" numCol="1" spcCol="0" rtlCol="0" fromWordArt="0" anchor="t" anchorCtr="1" forceAA="0" compatLnSpc="1">
+            <a:prstTxWarp prst="textNoShape">
+              <a:avLst/>
+            </a:prstTxWarp>
+            <a:noAutofit/>
+          </a:bodyPr>
+          <a:lstStyle/>
+          <a:p>
+            <a:r>
+              <a:rPr lang="en-US" sz="1200" dirty="0">
+                <a:solidFill>
+                  <a:srgbClr val="DF3312"/>
+                </a:solidFill>
+                <a:latin typeface="Arial" panose="020B0604020202020204" pitchFamily="34" charset="0"/>
+                <a:cs typeface="Arial" panose="020B0604020202020204" pitchFamily="34" charset="0"/>
+              </a:rPr>
+              <a:t>Security group</a:t>
+            </a:r>
+          </a:p>
+        </p:txBody>
+      </p:sp>
+      <p:sp>
+        <p:nvSpPr>
+          <p:cNvPr id="31" name="TextBox 30">
+            <a:extLst>
+              <a:ext uri="{FF2B5EF4-FFF2-40B4-BE49-F238E27FC236}">
+                <a16:creationId xmlns:a16="http://schemas.microsoft.com/office/drawing/2014/main" id="{6B638165-16FA-A646-A545-A7BD93A3AF6A}"/>
+              </a:ext>
+            </a:extLst>
+          </p:cNvPr>
+          <p:cNvSpPr txBox="1"/>
+          <p:nvPr/>
+        </p:nvSpPr>
+        <p:spPr>
+          <a:xfrm>
+            <a:off x="1010624" y="4755023"/>
+            <a:ext cx="1769070" cy="276999"/>
+          </a:xfrm>
+          <a:prstGeom prst="rect">
+            <a:avLst/>
+          </a:prstGeom>
+          <a:noFill/>
+        </p:spPr>
+        <p:txBody>
+          <a:bodyPr wrap="square" rtlCol="0">
+            <a:spAutoFit/>
+          </a:bodyPr>
+          <a:lstStyle/>
+          <a:p>
+            <a:pPr algn="ctr"/>
+            <a:r>
+              <a:rPr lang="en-US" sz="1200" dirty="0">
+                <a:latin typeface="Arial" panose="020B0604020202020204" pitchFamily="34" charset="0"/>
+                <a:cs typeface="Arial" panose="020B0604020202020204" pitchFamily="34" charset="0"/>
+              </a:rPr>
+              <a:t>IRIS m</a:t>
+            </a:r>
+            <a:r>
+              <a:rPr lang="en-US" sz="1200" dirty="0" smtClean="0">
+                <a:latin typeface="Arial" panose="020B0604020202020204" pitchFamily="34" charset="0"/>
+                <a:cs typeface="Arial" panose="020B0604020202020204" pitchFamily="34" charset="0"/>
+              </a:rPr>
+              <a:t>irror node </a:t>
+            </a:r>
+            <a:r>
+              <a:rPr lang="en-US" sz="1200" dirty="0">
+                <a:latin typeface="Arial" panose="020B0604020202020204" pitchFamily="34" charset="0"/>
+                <a:cs typeface="Arial" panose="020B0604020202020204" pitchFamily="34" charset="0"/>
+              </a:rPr>
+              <a:t>1</a:t>
+            </a:r>
+          </a:p>
+        </p:txBody>
+      </p:sp>
+      <p:sp>
+        <p:nvSpPr>
+          <p:cNvPr id="39" name="TextBox 38">
+            <a:extLst>
+              <a:ext uri="{FF2B5EF4-FFF2-40B4-BE49-F238E27FC236}">
+                <a16:creationId xmlns:a16="http://schemas.microsoft.com/office/drawing/2014/main" id="{7FBD3A62-1CB1-D540-9648-6FF44AC140C6}"/>
+              </a:ext>
+            </a:extLst>
+          </p:cNvPr>
+          <p:cNvSpPr txBox="1"/>
+          <p:nvPr/>
+        </p:nvSpPr>
+        <p:spPr>
+          <a:xfrm>
+            <a:off x="2742503" y="3293016"/>
+            <a:ext cx="2274152" cy="276999"/>
+          </a:xfrm>
+          <a:prstGeom prst="rect">
+            <a:avLst/>
+          </a:prstGeom>
+          <a:noFill/>
+        </p:spPr>
+        <p:txBody>
+          <a:bodyPr wrap="square" rtlCol="0">
+            <a:spAutoFit/>
+          </a:bodyPr>
+          <a:lstStyle/>
+          <a:p>
+            <a:pPr algn="ctr"/>
+            <a:r>
+              <a:rPr lang="en-US" sz="1200" dirty="0">
+                <a:latin typeface="Arial" panose="020B0604020202020204" pitchFamily="34" charset="0"/>
+                <a:cs typeface="Arial" panose="020B0604020202020204" pitchFamily="34" charset="0"/>
+              </a:rPr>
+              <a:t>Network </a:t>
+            </a:r>
+            <a:r>
+              <a:rPr lang="en-US" sz="1200" dirty="0" smtClean="0">
+                <a:latin typeface="Arial" panose="020B0604020202020204" pitchFamily="34" charset="0"/>
+                <a:cs typeface="Arial" panose="020B0604020202020204" pitchFamily="34" charset="0"/>
+              </a:rPr>
+              <a:t>Load </a:t>
+            </a:r>
+            <a:r>
+              <a:rPr lang="en-US" sz="1200" dirty="0">
+                <a:latin typeface="Arial" panose="020B0604020202020204" pitchFamily="34" charset="0"/>
+                <a:cs typeface="Arial" panose="020B0604020202020204" pitchFamily="34" charset="0"/>
+              </a:rPr>
+              <a:t>Balancer</a:t>
+            </a:r>
+          </a:p>
+        </p:txBody>
+      </p:sp>
+      <p:pic>
+        <p:nvPicPr>
+          <p:cNvPr id="42" name="Graphic 41">
+            <a:extLst>
+              <a:ext uri="{FF2B5EF4-FFF2-40B4-BE49-F238E27FC236}">
+                <a16:creationId xmlns:a16="http://schemas.microsoft.com/office/drawing/2014/main" id="{4A3B6C94-990B-DD47-A37D-205F0864DC20}"/>
+              </a:ext>
+            </a:extLst>
+          </p:cNvPr>
+          <p:cNvPicPr>
+            <a:picLocks noChangeAspect="1"/>
+          </p:cNvPicPr>
+          <p:nvPr/>
+        </p:nvPicPr>
+        <p:blipFill>
+          <a:blip r:embed="rId6">
+            <a:extLst>
+              <a:ext uri="{96DAC541-7B7A-43D3-8B79-37D633B846F1}">
+                <asvg:svgBlip xmlns="" xmlns:asvg="http://schemas.microsoft.com/office/drawing/2016/SVG/main" r:embed="rId11"/>
+              </a:ext>
+            </a:extLst>
+          </a:blip>
+          <a:stretch>
+            <a:fillRect/>
+          </a:stretch>
+        </p:blipFill>
+        <p:spPr>
+          <a:xfrm>
+            <a:off x="3644629" y="2825345"/>
+            <a:ext cx="469900" cy="469900"/>
+          </a:xfrm>
+          <a:prstGeom prst="rect">
+            <a:avLst/>
+          </a:prstGeom>
+        </p:spPr>
+      </p:pic>
+      <p:sp>
+        <p:nvSpPr>
+          <p:cNvPr id="44" name="Freeform 43">
+            <a:extLst>
+              <a:ext uri="{FF2B5EF4-FFF2-40B4-BE49-F238E27FC236}">
+                <a16:creationId xmlns:a16="http://schemas.microsoft.com/office/drawing/2014/main" id="{0F4E15A1-BCA5-0C48-87FF-DA93CBFBEF25}"/>
+              </a:ext>
+            </a:extLst>
+          </p:cNvPr>
+          <p:cNvSpPr/>
+          <p:nvPr/>
+        </p:nvSpPr>
+        <p:spPr>
+          <a:xfrm rot="16200000">
+            <a:off x="3686555" y="2322136"/>
+            <a:ext cx="375058" cy="3355261"/>
+          </a:xfrm>
+          <a:custGeom>
+            <a:avLst/>
+            <a:gdLst>
+              <a:gd name="connsiteX0" fmla="*/ 0 w 622300"/>
+              <a:gd name="connsiteY0" fmla="*/ 0 h 1574800"/>
+              <a:gd name="connsiteX1" fmla="*/ 622300 w 622300"/>
+              <a:gd name="connsiteY1" fmla="*/ 0 h 1574800"/>
+              <a:gd name="connsiteX2" fmla="*/ 622300 w 622300"/>
+              <a:gd name="connsiteY2" fmla="*/ 1574800 h 1574800"/>
+              <a:gd name="connsiteX3" fmla="*/ 482600 w 622300"/>
+              <a:gd name="connsiteY3" fmla="*/ 1574800 h 1574800"/>
+              <a:gd name="connsiteX4" fmla="*/ 0 w 622300"/>
+              <a:gd name="connsiteY4" fmla="*/ 1574800 h 1574800"/>
+            </a:gdLst>
+            <a:ahLst/>
+            <a:cxnLst>
+              <a:cxn ang="0">
+                <a:pos x="connsiteX0" y="connsiteY0"/>
+              </a:cxn>
+              <a:cxn ang="0">
+                <a:pos x="connsiteX1" y="connsiteY1"/>
+              </a:cxn>
+              <a:cxn ang="0">
+                <a:pos x="connsiteX2" y="connsiteY2"/>
+              </a:cxn>
+              <a:cxn ang="0">
+                <a:pos x="connsiteX3" y="connsiteY3"/>
+              </a:cxn>
+              <a:cxn ang="0">
+                <a:pos x="connsiteX4" y="connsiteY4"/>
+              </a:cxn>
+            </a:cxnLst>
+            <a:rect l="l" t="t" r="r" b="b"/>
+            <a:pathLst>
+              <a:path w="622300" h="1574800">
+                <a:moveTo>
+                  <a:pt x="0" y="0"/>
+                </a:moveTo>
+                <a:lnTo>
+                  <a:pt x="622300" y="0"/>
+                </a:lnTo>
+                <a:lnTo>
+                  <a:pt x="622300" y="1574800"/>
+                </a:lnTo>
+                <a:lnTo>
+                  <a:pt x="482600" y="1574800"/>
+                </a:lnTo>
+                <a:lnTo>
+                  <a:pt x="0" y="1574800"/>
+                </a:lnTo>
+              </a:path>
+            </a:pathLst>
+          </a:custGeom>
+          <a:noFill/>
+          <a:ln w="12700">
+            <a:solidFill>
+              <a:schemeClr val="tx2"/>
+            </a:solidFill>
+            <a:headEnd type="arrow" w="med" len="sm"/>
+            <a:tailEnd type="arrow" w="med" len="sm"/>
+          </a:ln>
+        </p:spPr>
+        <p:style>
+          <a:lnRef idx="2">
+            <a:schemeClr val="accent1">
+              <a:shade val="50000"/>
+            </a:schemeClr>
+          </a:lnRef>
+          <a:fillRef idx="1">
+            <a:schemeClr val="accent1"/>
+          </a:fillRef>
+          <a:effectRef idx="0">
+            <a:schemeClr val="accent1"/>
+          </a:effectRef>
+          <a:fontRef idx="minor">
+            <a:schemeClr val="lt1"/>
+          </a:fontRef>
+        </p:style>
+        <p:txBody>
+          <a:bodyPr rtlCol="0" anchor="ctr"/>
+          <a:lstStyle/>
+          <a:p>
+            <a:pPr algn="ctr"/>
+            <a:endParaRPr lang="en-US" dirty="0">
+              <a:latin typeface="Arial" panose="020B0604020202020204" pitchFamily="34" charset="0"/>
+              <a:cs typeface="Arial" panose="020B0604020202020204" pitchFamily="34" charset="0"/>
+            </a:endParaRPr>
+          </a:p>
+        </p:txBody>
+      </p:sp>
+      <p:cxnSp>
+        <p:nvCxnSpPr>
+          <p:cNvPr id="48" name="Straight Arrow Connector 47">
+            <a:extLst>
+              <a:ext uri="{FF2B5EF4-FFF2-40B4-BE49-F238E27FC236}">
+                <a16:creationId xmlns:a16="http://schemas.microsoft.com/office/drawing/2014/main" id="{88493E5F-30A4-0F4B-896F-15373DD9E98D}"/>
+              </a:ext>
+            </a:extLst>
+          </p:cNvPr>
+          <p:cNvCxnSpPr>
+            <a:cxnSpLocks/>
+          </p:cNvCxnSpPr>
+          <p:nvPr/>
+        </p:nvCxnSpPr>
+        <p:spPr>
+          <a:xfrm>
+            <a:off x="2149993" y="4519655"/>
+            <a:ext cx="3336407" cy="0"/>
+          </a:xfrm>
+          <a:prstGeom prst="straightConnector1">
+            <a:avLst/>
+          </a:prstGeom>
+          <a:ln w="12700">
+            <a:solidFill>
+              <a:srgbClr val="545B64"/>
+            </a:solidFill>
+            <a:headEnd type="arrow" w="med" len="sm"/>
+            <a:tailEnd type="arrow" w="med" len="sm"/>
+          </a:ln>
+        </p:spPr>
+        <p:style>
+          <a:lnRef idx="1">
+            <a:schemeClr val="accent1"/>
+          </a:lnRef>
+          <a:fillRef idx="0">
+            <a:schemeClr val="accent1"/>
+          </a:fillRef>
+          <a:effectRef idx="0">
+            <a:schemeClr val="accent1"/>
+          </a:effectRef>
+          <a:fontRef idx="minor">
+            <a:schemeClr val="tx1"/>
+          </a:fontRef>
+        </p:style>
+      </p:cxnSp>
+      <p:cxnSp>
+        <p:nvCxnSpPr>
+          <p:cNvPr id="49" name="Straight Arrow Connector 48">
+            <a:extLst>
+              <a:ext uri="{FF2B5EF4-FFF2-40B4-BE49-F238E27FC236}">
+                <a16:creationId xmlns:a16="http://schemas.microsoft.com/office/drawing/2014/main" id="{2193DCE8-ACE4-A34B-94CA-69350F2AEB66}"/>
+              </a:ext>
+            </a:extLst>
+          </p:cNvPr>
+          <p:cNvCxnSpPr>
+            <a:cxnSpLocks/>
+          </p:cNvCxnSpPr>
+          <p:nvPr/>
+        </p:nvCxnSpPr>
+        <p:spPr>
+          <a:xfrm>
+            <a:off x="5962261" y="4516016"/>
+            <a:ext cx="2509935" cy="9330"/>
+          </a:xfrm>
+          <a:prstGeom prst="straightConnector1">
+            <a:avLst/>
+          </a:prstGeom>
+          <a:ln w="12700">
+            <a:solidFill>
+              <a:srgbClr val="545B64"/>
+            </a:solidFill>
+            <a:prstDash val="lgDash"/>
+            <a:headEnd type="arrow" w="med" len="sm"/>
+            <a:tailEnd type="arrow" w="med" len="sm"/>
+          </a:ln>
+        </p:spPr>
+        <p:style>
+          <a:lnRef idx="1">
+            <a:schemeClr val="accent1"/>
+          </a:lnRef>
+          <a:fillRef idx="0">
+            <a:schemeClr val="accent1"/>
+          </a:fillRef>
+          <a:effectRef idx="0">
+            <a:schemeClr val="accent1"/>
+          </a:effectRef>
+          <a:fontRef idx="minor">
+            <a:schemeClr val="tx1"/>
+          </a:fontRef>
+        </p:style>
+      </p:cxnSp>
+      <p:cxnSp>
+        <p:nvCxnSpPr>
+          <p:cNvPr id="52" name="Straight Arrow Connector 51">
+            <a:extLst>
+              <a:ext uri="{FF2B5EF4-FFF2-40B4-BE49-F238E27FC236}">
+                <a16:creationId xmlns:a16="http://schemas.microsoft.com/office/drawing/2014/main" id="{DC2841E4-793C-4543-AF00-8B5BCBE4383A}"/>
+              </a:ext>
+            </a:extLst>
+          </p:cNvPr>
+          <p:cNvCxnSpPr>
+            <a:cxnSpLocks/>
+          </p:cNvCxnSpPr>
+          <p:nvPr/>
+        </p:nvCxnSpPr>
+        <p:spPr>
+          <a:xfrm>
+            <a:off x="887024" y="6230795"/>
+            <a:ext cx="593809" cy="0"/>
+          </a:xfrm>
+          <a:prstGeom prst="straightConnector1">
+            <a:avLst/>
+          </a:prstGeom>
+          <a:ln w="12700">
+            <a:solidFill>
+              <a:srgbClr val="545B64"/>
+            </a:solidFill>
+            <a:prstDash val="lgDash"/>
+            <a:headEnd type="arrow" w="med" len="sm"/>
+            <a:tailEnd type="arrow" w="med" len="sm"/>
+          </a:ln>
+        </p:spPr>
+        <p:style>
+          <a:lnRef idx="1">
+            <a:schemeClr val="accent1"/>
+          </a:lnRef>
+          <a:fillRef idx="0">
+            <a:schemeClr val="accent1"/>
+          </a:fillRef>
+          <a:effectRef idx="0">
+            <a:schemeClr val="accent1"/>
+          </a:effectRef>
+          <a:fontRef idx="minor">
+            <a:schemeClr val="tx1"/>
+          </a:fontRef>
+        </p:style>
+      </p:cxnSp>
+      <p:cxnSp>
+        <p:nvCxnSpPr>
+          <p:cNvPr id="53" name="Straight Arrow Connector 52">
+            <a:extLst>
+              <a:ext uri="{FF2B5EF4-FFF2-40B4-BE49-F238E27FC236}">
+                <a16:creationId xmlns:a16="http://schemas.microsoft.com/office/drawing/2014/main" id="{BCD1A311-690C-0B4E-9828-3026E83556E9}"/>
+              </a:ext>
+            </a:extLst>
+          </p:cNvPr>
+          <p:cNvCxnSpPr>
+            <a:cxnSpLocks/>
+          </p:cNvCxnSpPr>
+          <p:nvPr/>
+        </p:nvCxnSpPr>
+        <p:spPr>
+          <a:xfrm>
+            <a:off x="887024" y="5978775"/>
+            <a:ext cx="593809" cy="0"/>
+          </a:xfrm>
+          <a:prstGeom prst="straightConnector1">
+            <a:avLst/>
+          </a:prstGeom>
+          <a:ln w="12700">
+            <a:solidFill>
+              <a:srgbClr val="545B64"/>
+            </a:solidFill>
+            <a:headEnd type="arrow" w="med" len="sm"/>
+            <a:tailEnd type="arrow" w="med" len="sm"/>
+          </a:ln>
+        </p:spPr>
+        <p:style>
+          <a:lnRef idx="1">
+            <a:schemeClr val="accent1"/>
+          </a:lnRef>
+          <a:fillRef idx="0">
+            <a:schemeClr val="accent1"/>
+          </a:fillRef>
+          <a:effectRef idx="0">
+            <a:schemeClr val="accent1"/>
+          </a:effectRef>
+          <a:fontRef idx="minor">
+            <a:schemeClr val="tx1"/>
+          </a:fontRef>
+        </p:style>
+      </p:cxnSp>
+      <p:sp>
+        <p:nvSpPr>
+          <p:cNvPr id="54" name="TextBox 53">
+            <a:extLst>
+              <a:ext uri="{FF2B5EF4-FFF2-40B4-BE49-F238E27FC236}">
+                <a16:creationId xmlns:a16="http://schemas.microsoft.com/office/drawing/2014/main" id="{2AE969AF-346F-FE4A-A4AC-F2D2E9D0FBD2}"/>
+              </a:ext>
+            </a:extLst>
+          </p:cNvPr>
+          <p:cNvSpPr txBox="1"/>
+          <p:nvPr/>
+        </p:nvSpPr>
+        <p:spPr>
+          <a:xfrm>
+            <a:off x="1510673" y="5840437"/>
+            <a:ext cx="1769070" cy="307777"/>
+          </a:xfrm>
+          <a:prstGeom prst="rect">
+            <a:avLst/>
+          </a:prstGeom>
+          <a:noFill/>
+        </p:spPr>
+        <p:txBody>
+          <a:bodyPr wrap="square" rtlCol="0">
+            <a:spAutoFit/>
+          </a:bodyPr>
+          <a:lstStyle/>
+          <a:p>
+            <a:r>
+              <a:rPr lang="en-US" sz="1400" dirty="0">
+                <a:latin typeface="Arial" panose="020B0604020202020204" pitchFamily="34" charset="0"/>
+                <a:cs typeface="Arial" panose="020B0604020202020204" pitchFamily="34" charset="0"/>
+              </a:rPr>
+              <a:t>Mirror data traffic</a:t>
+            </a:r>
+          </a:p>
+        </p:txBody>
+      </p:sp>
+      <p:sp>
+        <p:nvSpPr>
+          <p:cNvPr id="55" name="TextBox 54">
+            <a:extLst>
+              <a:ext uri="{FF2B5EF4-FFF2-40B4-BE49-F238E27FC236}">
+                <a16:creationId xmlns:a16="http://schemas.microsoft.com/office/drawing/2014/main" id="{E02A861B-E56A-5242-875D-B010EC62EFC7}"/>
+              </a:ext>
+            </a:extLst>
+          </p:cNvPr>
+          <p:cNvSpPr txBox="1"/>
+          <p:nvPr/>
+        </p:nvSpPr>
+        <p:spPr>
+          <a:xfrm>
+            <a:off x="1506912" y="6078155"/>
+            <a:ext cx="1769070" cy="307777"/>
+          </a:xfrm>
+          <a:prstGeom prst="rect">
+            <a:avLst/>
+          </a:prstGeom>
+          <a:noFill/>
+        </p:spPr>
+        <p:txBody>
+          <a:bodyPr wrap="square" rtlCol="0">
+            <a:spAutoFit/>
+          </a:bodyPr>
+          <a:lstStyle/>
+          <a:p>
+            <a:r>
+              <a:rPr lang="en-US" sz="1400" dirty="0">
+                <a:latin typeface="Arial" panose="020B0604020202020204" pitchFamily="34" charset="0"/>
+                <a:cs typeface="Arial" panose="020B0604020202020204" pitchFamily="34" charset="0"/>
+              </a:rPr>
+              <a:t>Mirror health check</a:t>
+            </a:r>
+          </a:p>
+        </p:txBody>
+      </p:sp>
+      <p:sp>
+        <p:nvSpPr>
+          <p:cNvPr id="71" name="TextBox 70">
+            <a:extLst>
+              <a:ext uri="{FF2B5EF4-FFF2-40B4-BE49-F238E27FC236}">
+                <a16:creationId xmlns:a16="http://schemas.microsoft.com/office/drawing/2014/main" id="{CF275322-8821-7240-9DD9-59D35F667125}"/>
+              </a:ext>
+            </a:extLst>
+          </p:cNvPr>
+          <p:cNvSpPr txBox="1"/>
+          <p:nvPr/>
+        </p:nvSpPr>
+        <p:spPr>
+          <a:xfrm>
+            <a:off x="975221" y="2439142"/>
+            <a:ext cx="1769070" cy="276999"/>
+          </a:xfrm>
+          <a:prstGeom prst="rect">
+            <a:avLst/>
+          </a:prstGeom>
+          <a:noFill/>
+        </p:spPr>
+        <p:txBody>
+          <a:bodyPr wrap="square" rtlCol="0">
+            <a:spAutoFit/>
+          </a:bodyPr>
+          <a:lstStyle/>
+          <a:p>
+            <a:pPr algn="ctr"/>
+            <a:r>
+              <a:rPr lang="en-US" sz="1200" dirty="0">
+                <a:latin typeface="Arial" panose="020B0604020202020204" pitchFamily="34" charset="0"/>
+                <a:cs typeface="Arial" panose="020B0604020202020204" pitchFamily="34" charset="0"/>
+              </a:rPr>
+              <a:t>Bastion </a:t>
+            </a:r>
+            <a:r>
+              <a:rPr lang="en-US" sz="1200" dirty="0" smtClean="0">
+                <a:latin typeface="Arial" panose="020B0604020202020204" pitchFamily="34" charset="0"/>
+                <a:cs typeface="Arial" panose="020B0604020202020204" pitchFamily="34" charset="0"/>
+              </a:rPr>
+              <a:t>host</a:t>
+            </a:r>
+            <a:endParaRPr lang="en-US" sz="1200" dirty="0">
+              <a:latin typeface="Arial" panose="020B0604020202020204" pitchFamily="34" charset="0"/>
+              <a:cs typeface="Arial" panose="020B0604020202020204" pitchFamily="34" charset="0"/>
+            </a:endParaRPr>
+          </a:p>
+        </p:txBody>
+      </p:sp>
+      <p:sp>
+        <p:nvSpPr>
+          <p:cNvPr id="62" name="Rectangle 61">
             <a:extLst>
               <a:ext uri="{FF2B5EF4-FFF2-40B4-BE49-F238E27FC236}">
                 <a16:creationId xmlns:a16="http://schemas.microsoft.com/office/drawing/2014/main" id="{804AC3CC-3D6D-3944-BFA5-3E9C058A2F60}"/>
@@ -6881,8 +7179,8 @@
         </p:nvSpPr>
         <p:spPr bwMode="auto">
           <a:xfrm>
-            <a:off x="4086929" y="2452959"/>
-            <a:ext cx="3104323" cy="3291744"/>
+            <a:off x="729045" y="983924"/>
+            <a:ext cx="2255719" cy="4620284"/>
           </a:xfrm>
           <a:prstGeom prst="rect">
             <a:avLst/>
@@ -6932,17 +7230,87 @@
                 <a:latin typeface="Arial" panose="020B0604020202020204" pitchFamily="34" charset="0"/>
                 <a:cs typeface="Arial" panose="020B0604020202020204" pitchFamily="34" charset="0"/>
               </a:rPr>
-              <a:t>Availability </a:t>
-            </a:r>
-            <a:r>
-              <a:rPr lang="en-US" sz="1200" dirty="0" smtClean="0">
+              <a:t>Availability Zone 1</a:t>
+            </a:r>
+          </a:p>
+        </p:txBody>
+      </p:sp>
+      <p:sp>
+        <p:nvSpPr>
+          <p:cNvPr id="72" name="Rectangle 71">
+            <a:extLst>
+              <a:ext uri="{FF2B5EF4-FFF2-40B4-BE49-F238E27FC236}">
+                <a16:creationId xmlns:a16="http://schemas.microsoft.com/office/drawing/2014/main" id="{804AC3CC-3D6D-3944-BFA5-3E9C058A2F60}"/>
+              </a:ext>
+            </a:extLst>
+          </p:cNvPr>
+          <p:cNvSpPr/>
+          <p:nvPr/>
+        </p:nvSpPr>
+        <p:spPr bwMode="auto">
+          <a:xfrm>
+            <a:off x="4746394" y="983923"/>
+            <a:ext cx="2285329" cy="4620284"/>
+          </a:xfrm>
+          <a:prstGeom prst="rect">
+            <a:avLst/>
+          </a:prstGeom>
+          <a:noFill/>
+          <a:ln w="12700">
+            <a:solidFill>
+              <a:srgbClr val="5B9CD5"/>
+            </a:solidFill>
+            <a:prstDash val="dash"/>
+          </a:ln>
+        </p:spPr>
+        <p:style>
+          <a:lnRef idx="2">
+            <a:schemeClr val="accent1">
+              <a:shade val="50000"/>
+            </a:schemeClr>
+          </a:lnRef>
+          <a:fillRef idx="1">
+            <a:schemeClr val="accent1"/>
+          </a:fillRef>
+          <a:effectRef idx="0">
+            <a:schemeClr val="accent1"/>
+          </a:effectRef>
+          <a:fontRef idx="minor">
+            <a:schemeClr val="lt1"/>
+          </a:fontRef>
+        </p:style>
+        <p:txBody>
+          <a:bodyPr tIns="91440"/>
+          <a:lstStyle/>
+          <a:p>
+            <a:pPr algn="ctr" eaLnBrk="1" fontAlgn="auto" hangingPunct="1">
+              <a:spcBef>
+                <a:spcPts val="0"/>
+              </a:spcBef>
+              <a:spcAft>
+                <a:spcPts val="0"/>
+              </a:spcAft>
+              <a:defRPr/>
+            </a:pPr>
+            <a:r>
+              <a:rPr lang="en-US" sz="1200" dirty="0">
                 <a:solidFill>
                   <a:srgbClr val="5B9CD5"/>
                 </a:solidFill>
                 <a:latin typeface="Arial" panose="020B0604020202020204" pitchFamily="34" charset="0"/>
                 <a:cs typeface="Arial" panose="020B0604020202020204" pitchFamily="34" charset="0"/>
               </a:rPr>
-              <a:t>Zone</a:t>
+              <a:t>Availability Zone </a:t>
+            </a:r>
+            <a:r>
+              <a:rPr lang="en-US" sz="1200" dirty="0" smtClean="0">
+                <a:solidFill>
+                  <a:srgbClr val="5B9CD5"/>
+                </a:solidFill>
+                <a:latin typeface="Arial" panose="020B0604020202020204" pitchFamily="34" charset="0"/>
+                <a:cs typeface="Arial" panose="020B0604020202020204" pitchFamily="34" charset="0"/>
+              </a:rPr>
+              <a:t>2</a:t>
             </a:r>
             <a:endParaRPr lang="en-US" sz="1200" dirty="0">
               <a:solidFill>
@@ -6954,45 +7322,9 @@
           </a:p>
         </p:txBody>
       </p:sp>
-      <p:pic>
-        <p:nvPicPr>
-          <p:cNvPr id="22" name="Graphic 36">
-            <a:extLst>
-              <a:ext uri="{FF2B5EF4-FFF2-40B4-BE49-F238E27FC236}">
-                <a16:creationId xmlns:a16="http://schemas.microsoft.com/office/drawing/2014/main" id="{D1E139A0-6B92-0642-9159-E1076FD738FE}"/>
-              </a:ext>
-            </a:extLst>
-          </p:cNvPr>
-          <p:cNvPicPr>
-            <a:picLocks noChangeAspect="1"/>
-          </p:cNvPicPr>
-          <p:nvPr/>
-        </p:nvPicPr>
-        <p:blipFill>
-          <a:blip r:embed="rId4">
-            <a:extLst>
-              <a:ext uri="{96DAC541-7B7A-43D3-8B79-37D633B846F1}">
-                <asvg:svgBlip xmlns:asvg="http://schemas.microsoft.com/office/drawing/2016/SVG/main" xmlns="" r:embed="rId5"/>
-              </a:ext>
-            </a:extLst>
-          </a:blip>
-          <a:stretch>
-            <a:fillRect/>
-          </a:stretch>
-        </p:blipFill>
-        <p:spPr>
-          <a:xfrm>
-            <a:off x="3665111" y="2809327"/>
-            <a:ext cx="330200" cy="330200"/>
-          </a:xfrm>
-          <a:prstGeom prst="rect">
-            <a:avLst/>
-          </a:prstGeom>
-        </p:spPr>
-      </p:pic>
-      <p:sp>
-        <p:nvSpPr>
-          <p:cNvPr id="23" name="Rectangle 22">
+      <p:sp>
+        <p:nvSpPr>
+          <p:cNvPr id="80" name="Rectangle 79">
             <a:extLst>
               <a:ext uri="{FF2B5EF4-FFF2-40B4-BE49-F238E27FC236}">
                 <a16:creationId xmlns:a16="http://schemas.microsoft.com/office/drawing/2014/main" id="{A40064E4-087F-B845-A335-3083F0BB5979}"/>
@@ -7004,8 +7336,8 @@
         </p:nvSpPr>
         <p:spPr bwMode="auto">
           <a:xfrm>
-            <a:off x="3669936" y="2805880"/>
-            <a:ext cx="3648316" cy="2837222"/>
+            <a:off x="363205" y="1328654"/>
+            <a:ext cx="9564566" cy="4135075"/>
           </a:xfrm>
           <a:prstGeom prst="rect">
             <a:avLst/>
@@ -7062,10 +7394,10 @@
       </p:sp>
       <p:pic>
         <p:nvPicPr>
-          <p:cNvPr id="25" name="Graphic 13">
-            <a:extLst>
-              <a:ext uri="{FF2B5EF4-FFF2-40B4-BE49-F238E27FC236}">
-                <a16:creationId xmlns:a16="http://schemas.microsoft.com/office/drawing/2014/main" id="{70274855-208B-F84A-91BD-0E2073330EBD}"/>
+          <p:cNvPr id="82" name="Graphic 35">
+            <a:extLst>
+              <a:ext uri="{FF2B5EF4-FFF2-40B4-BE49-F238E27FC236}">
+                <a16:creationId xmlns:a16="http://schemas.microsoft.com/office/drawing/2014/main" id="{6FC3D56A-1081-9B43-9B9C-251CDE8593F4}"/>
               </a:ext>
             </a:extLst>
           </p:cNvPr>
@@ -7075,7 +7407,7 @@
           <p:nvPr/>
         </p:nvPicPr>
         <p:blipFill>
-          <a:blip r:embed="rId6">
+          <a:blip r:embed="rId12">
             <a:extLst>
               <a:ext uri="{28A0092B-C50C-407E-A947-70E740481C1C}">
                 <a14:useLocalDpi xmlns:a14="http://schemas.microsoft.com/office/drawing/2010/main" val="0"/>
@@ -7089,8 +7421,8 @@
         </p:blipFill>
         <p:spPr bwMode="auto">
           <a:xfrm>
-            <a:off x="4206097" y="3221770"/>
-            <a:ext cx="273050" cy="274637"/>
+            <a:off x="4827437" y="3176105"/>
+            <a:ext cx="274637" cy="274638"/>
           </a:xfrm>
           <a:prstGeom prst="rect">
             <a:avLst/>
@@ -7122,112 +7454,130 @@
       </p:pic>
       <p:pic>
         <p:nvPicPr>
-          <p:cNvPr id="62" name="Graphic 61">
-            <a:extLst>
-              <a:ext uri="{FF2B5EF4-FFF2-40B4-BE49-F238E27FC236}">
-                <a16:creationId xmlns:a16="http://schemas.microsoft.com/office/drawing/2014/main" id="{1C9DE02C-6A7E-AC4A-AD06-EAE739073059}"/>
+          <p:cNvPr id="86" name="Graphic 35">
+            <a:extLst>
+              <a:ext uri="{FF2B5EF4-FFF2-40B4-BE49-F238E27FC236}">
+                <a16:creationId xmlns:a16="http://schemas.microsoft.com/office/drawing/2014/main" id="{6FC3D56A-1081-9B43-9B9C-251CDE8593F4}"/>
               </a:ext>
             </a:extLst>
           </p:cNvPr>
           <p:cNvPicPr>
-            <a:picLocks noChangeAspect="1"/>
+            <a:picLocks noChangeAspect="1" noChangeArrowheads="1"/>
           </p:cNvPicPr>
           <p:nvPr/>
         </p:nvPicPr>
         <p:blipFill>
-          <a:blip r:embed="rId7">
-            <a:extLst>
-              <a:ext uri="{96DAC541-7B7A-43D3-8B79-37D633B846F1}">
-                <asvg:svgBlip xmlns:asvg="http://schemas.microsoft.com/office/drawing/2016/SVG/main" xmlns="" r:embed="rId9"/>
+          <a:blip r:embed="rId12">
+            <a:extLst>
+              <a:ext uri="{28A0092B-C50C-407E-A947-70E740481C1C}">
+                <a14:useLocalDpi xmlns:a14="http://schemas.microsoft.com/office/drawing/2010/main" val="0"/>
               </a:ext>
             </a:extLst>
           </a:blip>
+          <a:srcRect/>
           <a:stretch>
             <a:fillRect/>
           </a:stretch>
         </p:blipFill>
-        <p:spPr>
-          <a:xfrm>
-            <a:off x="5410039" y="3932919"/>
-            <a:ext cx="469900" cy="469900"/>
-          </a:xfrm>
-          <a:prstGeom prst="rect">
-            <a:avLst/>
-          </a:prstGeom>
+        <p:spPr bwMode="auto">
+          <a:xfrm>
+            <a:off x="806688" y="3271546"/>
+            <a:ext cx="274637" cy="274638"/>
+          </a:xfrm>
+          <a:prstGeom prst="rect">
+            <a:avLst/>
+          </a:prstGeom>
+          <a:noFill/>
+          <a:ln>
+            <a:noFill/>
+          </a:ln>
+          <a:extLst>
+            <a:ext uri="{909E8E84-426E-40DD-AFC4-6F175D3DCCD1}">
+              <a14:hiddenFill xmlns:a14="http://schemas.microsoft.com/office/drawing/2010/main">
+                <a:solidFill>
+                  <a:srgbClr val="FFFFFF"/>
+                </a:solidFill>
+              </a14:hiddenFill>
+            </a:ext>
+            <a:ext uri="{91240B29-F687-4F45-9708-019B960494DF}">
+              <a14:hiddenLine xmlns:a14="http://schemas.microsoft.com/office/drawing/2010/main" w="9525">
+                <a:solidFill>
+                  <a:srgbClr val="000000"/>
+                </a:solidFill>
+                <a:miter lim="800000"/>
+                <a:headEnd/>
+                <a:tailEnd/>
+              </a14:hiddenLine>
+            </a:ext>
+          </a:extLst>
         </p:spPr>
       </p:pic>
-      <p:sp>
-        <p:nvSpPr>
-          <p:cNvPr id="66" name="TextBox 65">
-            <a:extLst>
-              <a:ext uri="{FF2B5EF4-FFF2-40B4-BE49-F238E27FC236}">
-                <a16:creationId xmlns:a16="http://schemas.microsoft.com/office/drawing/2014/main" id="{1692D169-85DA-CA46-901E-29B7FF31CC49}"/>
-              </a:ext>
-            </a:extLst>
-          </p:cNvPr>
-          <p:cNvSpPr txBox="1"/>
-          <p:nvPr/>
-        </p:nvSpPr>
-        <p:spPr>
-          <a:xfrm>
-            <a:off x="4683425" y="4822349"/>
-            <a:ext cx="1884199" cy="461665"/>
+      <p:pic>
+        <p:nvPicPr>
+          <p:cNvPr id="90" name="Graphic 13">
+            <a:extLst>
+              <a:ext uri="{FF2B5EF4-FFF2-40B4-BE49-F238E27FC236}">
+                <a16:creationId xmlns:a16="http://schemas.microsoft.com/office/drawing/2014/main" id="{70274855-208B-F84A-91BD-0E2073330EBD}"/>
+              </a:ext>
+            </a:extLst>
+          </p:cNvPr>
+          <p:cNvPicPr>
+            <a:picLocks noChangeAspect="1" noChangeArrowheads="1"/>
+          </p:cNvPicPr>
+          <p:nvPr/>
+        </p:nvPicPr>
+        <p:blipFill>
+          <a:blip r:embed="rId13">
+            <a:extLst>
+              <a:ext uri="{28A0092B-C50C-407E-A947-70E740481C1C}">
+                <a14:useLocalDpi xmlns:a14="http://schemas.microsoft.com/office/drawing/2010/main" val="0"/>
+              </a:ext>
+            </a:extLst>
+          </a:blip>
+          <a:srcRect/>
+          <a:stretch>
+            <a:fillRect/>
+          </a:stretch>
+        </p:blipFill>
+        <p:spPr bwMode="auto">
+          <a:xfrm>
+            <a:off x="802413" y="1626255"/>
+            <a:ext cx="273050" cy="274637"/>
           </a:xfrm>
           <a:prstGeom prst="rect">
             <a:avLst/>
           </a:prstGeom>
           <a:noFill/>
-        </p:spPr>
-        <p:txBody>
-          <a:bodyPr wrap="square" rtlCol="0">
-            <a:spAutoFit/>
-          </a:bodyPr>
-          <a:lstStyle/>
-          <a:p>
-            <a:pPr algn="ctr"/>
-            <a:r>
-              <a:rPr lang="en-US" sz="1200" dirty="0">
-                <a:latin typeface="Arial" panose="020B0604020202020204" pitchFamily="34" charset="0"/>
-                <a:cs typeface="Arial" panose="020B0604020202020204" pitchFamily="34" charset="0"/>
-              </a:rPr>
-              <a:t>IRIS </a:t>
-            </a:r>
-            <a:r>
-              <a:rPr lang="en-US" sz="1200" dirty="0" smtClean="0">
-                <a:latin typeface="Arial" panose="020B0604020202020204" pitchFamily="34" charset="0"/>
-                <a:cs typeface="Arial" panose="020B0604020202020204" pitchFamily="34" charset="0"/>
-              </a:rPr>
-              <a:t>instance with </a:t>
-            </a:r>
-            <a:br>
-              <a:rPr lang="en-US" sz="1200" dirty="0" smtClean="0">
-                <a:latin typeface="Arial" panose="020B0604020202020204" pitchFamily="34" charset="0"/>
-                <a:cs typeface="Arial" panose="020B0604020202020204" pitchFamily="34" charset="0"/>
-              </a:rPr>
-            </a:br>
-            <a:r>
-              <a:rPr lang="en-US" sz="1200" dirty="0" smtClean="0">
-                <a:latin typeface="Arial" panose="020B0604020202020204" pitchFamily="34" charset="0"/>
-                <a:cs typeface="Arial" panose="020B0604020202020204" pitchFamily="34" charset="0"/>
-              </a:rPr>
-              <a:t>Amazon EBS </a:t>
-            </a:r>
-            <a:r>
-              <a:rPr lang="en-US" sz="1200" dirty="0">
-                <a:latin typeface="Arial" panose="020B0604020202020204" pitchFamily="34" charset="0"/>
-                <a:cs typeface="Arial" panose="020B0604020202020204" pitchFamily="34" charset="0"/>
-              </a:rPr>
-              <a:t>volumes</a:t>
-            </a:r>
-          </a:p>
-        </p:txBody>
-      </p:sp>
-      <p:sp>
-        <p:nvSpPr>
-          <p:cNvPr id="40" name="Rectangle 39">
-            <a:extLst>
-              <a:ext uri="{FF2B5EF4-FFF2-40B4-BE49-F238E27FC236}">
-                <a16:creationId xmlns:a16="http://schemas.microsoft.com/office/drawing/2014/main" id="{42483CEE-DC03-FB4E-985D-BFDBD737EA11}"/>
+          <a:ln>
+            <a:noFill/>
+          </a:ln>
+          <a:extLst>
+            <a:ext uri="{909E8E84-426E-40DD-AFC4-6F175D3DCCD1}">
+              <a14:hiddenFill xmlns:a14="http://schemas.microsoft.com/office/drawing/2010/main">
+                <a:solidFill>
+                  <a:srgbClr val="FFFFFF"/>
+                </a:solidFill>
+              </a14:hiddenFill>
+            </a:ext>
+            <a:ext uri="{91240B29-F687-4F45-9708-019B960494DF}">
+              <a14:hiddenLine xmlns:a14="http://schemas.microsoft.com/office/drawing/2010/main" w="9525">
+                <a:solidFill>
+                  <a:srgbClr val="000000"/>
+                </a:solidFill>
+                <a:miter lim="800000"/>
+                <a:headEnd/>
+                <a:tailEnd/>
+              </a14:hiddenLine>
+            </a:ext>
+          </a:extLst>
+        </p:spPr>
+      </p:pic>
+      <p:sp>
+        <p:nvSpPr>
+          <p:cNvPr id="94" name="Rectangle 93">
+            <a:extLst>
+              <a:ext uri="{FF2B5EF4-FFF2-40B4-BE49-F238E27FC236}">
+                <a16:creationId xmlns:a16="http://schemas.microsoft.com/office/drawing/2014/main" id="{B1844CBB-737E-C049-891C-1F2168761D96}"/>
               </a:ext>
             </a:extLst>
           </p:cNvPr>
@@ -7236,17 +7586,20 @@
         </p:nvSpPr>
         <p:spPr>
           <a:xfrm>
-            <a:off x="4591211" y="3591214"/>
-            <a:ext cx="2048934" cy="1768142"/>
-          </a:xfrm>
-          <a:prstGeom prst="rect">
-            <a:avLst/>
-          </a:prstGeom>
-          <a:noFill/>
+            <a:off x="4827436" y="1626255"/>
+            <a:ext cx="2133548" cy="1226818"/>
+          </a:xfrm>
+          <a:prstGeom prst="rect">
+            <a:avLst/>
+          </a:prstGeom>
+          <a:solidFill>
+            <a:srgbClr val="1D8900">
+              <a:alpha val="9804"/>
+            </a:srgbClr>
+          </a:solidFill>
           <a:ln w="12700">
-            <a:solidFill>
-              <a:srgbClr val="DF3312"/>
-            </a:solidFill>
+            <a:noFill/>
+            <a:prstDash val="dash"/>
           </a:ln>
         </p:spPr>
         <p:style>
@@ -7266,33 +7619,37 @@
           </a:fontRef>
         </p:style>
         <p:txBody>
-          <a:bodyPr rot="0" spcFirstLastPara="0" vertOverflow="overflow" horzOverflow="overflow" vert="horz" wrap="square" lIns="91440" tIns="91440" rIns="91440" bIns="45720" numCol="1" spcCol="0" rtlCol="0" fromWordArt="0" anchor="t" anchorCtr="1" forceAA="0" compatLnSpc="1">
-            <a:prstTxWarp prst="textNoShape">
-              <a:avLst/>
-            </a:prstTxWarp>
-            <a:noAutofit/>
-          </a:bodyPr>
-          <a:lstStyle/>
-          <a:p>
+          <a:bodyPr lIns="338328"/>
+          <a:lstStyle/>
+          <a:p>
+            <a:pPr eaLnBrk="1" fontAlgn="auto" hangingPunct="1">
+              <a:spcBef>
+                <a:spcPts val="0"/>
+              </a:spcBef>
+              <a:spcAft>
+                <a:spcPts val="0"/>
+              </a:spcAft>
+              <a:defRPr/>
+            </a:pPr>
             <a:r>
               <a:rPr lang="en-US" sz="1200" dirty="0">
                 <a:solidFill>
-                  <a:srgbClr val="DF3312"/>
+                  <a:srgbClr val="1E8900"/>
                 </a:solidFill>
                 <a:latin typeface="Arial" panose="020B0604020202020204" pitchFamily="34" charset="0"/>
                 <a:cs typeface="Arial" panose="020B0604020202020204" pitchFamily="34" charset="0"/>
               </a:rPr>
-              <a:t>Security group</a:t>
+              <a:t>Public subnet</a:t>
             </a:r>
           </a:p>
         </p:txBody>
       </p:sp>
       <p:pic>
         <p:nvPicPr>
-          <p:cNvPr id="26" name="Graphic 24">
-            <a:extLst>
-              <a:ext uri="{FF2B5EF4-FFF2-40B4-BE49-F238E27FC236}">
-                <a16:creationId xmlns:a16="http://schemas.microsoft.com/office/drawing/2014/main" id="{4B5D5EE4-B438-8F43-B248-068CC1A6D772}"/>
+          <p:cNvPr id="91" name="Graphic 13">
+            <a:extLst>
+              <a:ext uri="{FF2B5EF4-FFF2-40B4-BE49-F238E27FC236}">
+                <a16:creationId xmlns:a16="http://schemas.microsoft.com/office/drawing/2014/main" id="{70274855-208B-F84A-91BD-0E2073330EBD}"/>
               </a:ext>
             </a:extLst>
           </p:cNvPr>
@@ -7302,7 +7659,7 @@
           <p:nvPr/>
         </p:nvPicPr>
         <p:blipFill>
-          <a:blip r:embed="rId10">
+          <a:blip r:embed="rId13">
             <a:extLst>
               <a:ext uri="{28A0092B-C50C-407E-A947-70E740481C1C}">
                 <a14:useLocalDpi xmlns:a14="http://schemas.microsoft.com/office/drawing/2010/main" val="0"/>
@@ -7316,8 +7673,8 @@
         </p:blipFill>
         <p:spPr bwMode="auto">
           <a:xfrm>
-            <a:off x="5422739" y="4394670"/>
-            <a:ext cx="457200" cy="457200"/>
+            <a:off x="4827436" y="1621376"/>
+            <a:ext cx="273050" cy="274637"/>
           </a:xfrm>
           <a:prstGeom prst="rect">
             <a:avLst/>
@@ -7347,59 +7704,1505 @@
           </a:extLst>
         </p:spPr>
       </p:pic>
-      <p:sp>
-        <p:nvSpPr>
-          <p:cNvPr id="15" name="TextBox 14">
-            <a:extLst>
-              <a:ext uri="{FF2B5EF4-FFF2-40B4-BE49-F238E27FC236}">
-                <a16:creationId xmlns:a16="http://schemas.microsoft.com/office/drawing/2014/main" id="{3801DBBB-7205-B74C-A173-6D5401D93A49}"/>
-              </a:ext>
-            </a:extLst>
-          </p:cNvPr>
-          <p:cNvSpPr txBox="1"/>
-          <p:nvPr/>
-        </p:nvSpPr>
-        <p:spPr>
-          <a:xfrm>
-            <a:off x="2686603" y="1129085"/>
-            <a:ext cx="5716276" cy="276999"/>
+      <p:cxnSp>
+        <p:nvCxnSpPr>
+          <p:cNvPr id="96" name="Straight Arrow Connector 95">
+            <a:extLst>
+              <a:ext uri="{FF2B5EF4-FFF2-40B4-BE49-F238E27FC236}">
+                <a16:creationId xmlns:a16="http://schemas.microsoft.com/office/drawing/2014/main" id="{5A9D33BB-F7AF-C044-9BA5-6F98953C5C41}"/>
+              </a:ext>
+            </a:extLst>
+          </p:cNvPr>
+          <p:cNvCxnSpPr/>
+          <p:nvPr/>
+        </p:nvCxnSpPr>
+        <p:spPr>
+          <a:xfrm flipV="1">
+            <a:off x="3879579" y="3570015"/>
+            <a:ext cx="0" cy="242224"/>
+          </a:xfrm>
+          <a:prstGeom prst="straightConnector1">
+            <a:avLst/>
+          </a:prstGeom>
+          <a:ln w="12700">
+            <a:solidFill>
+              <a:schemeClr val="tx2"/>
+            </a:solidFill>
+            <a:headEnd type="none" w="med" len="sm"/>
+            <a:tailEnd type="none" w="med" len="sm"/>
+          </a:ln>
+        </p:spPr>
+        <p:style>
+          <a:lnRef idx="1">
+            <a:schemeClr val="accent1"/>
+          </a:lnRef>
+          <a:fillRef idx="0">
+            <a:schemeClr val="accent1"/>
+          </a:fillRef>
+          <a:effectRef idx="0">
+            <a:schemeClr val="accent1"/>
+          </a:effectRef>
+          <a:fontRef idx="minor">
+            <a:schemeClr val="tx1"/>
+          </a:fontRef>
+        </p:style>
+      </p:cxnSp>
+      <p:sp>
+        <p:nvSpPr>
+          <p:cNvPr id="88" name="Rectangle 87">
+            <a:extLst>
+              <a:ext uri="{FF2B5EF4-FFF2-40B4-BE49-F238E27FC236}">
+                <a16:creationId xmlns:a16="http://schemas.microsoft.com/office/drawing/2014/main" id="{D3750685-3203-FA40-97EB-5CAAB851634D}"/>
+              </a:ext>
+            </a:extLst>
+          </p:cNvPr>
+          <p:cNvSpPr/>
+          <p:nvPr/>
+        </p:nvSpPr>
+        <p:spPr>
+          <a:xfrm>
+            <a:off x="1167493" y="1983462"/>
+            <a:ext cx="5410589" cy="705242"/>
           </a:xfrm>
           <a:prstGeom prst="rect">
             <a:avLst/>
           </a:prstGeom>
           <a:noFill/>
-        </p:spPr>
-        <p:txBody>
-          <a:bodyPr wrap="square" rtlCol="0">
-            <a:spAutoFit/>
-          </a:bodyPr>
-          <a:lstStyle/>
-          <a:p>
-            <a:pPr algn="ctr"/>
-            <a:r>
-              <a:rPr lang="en-US" sz="1200" dirty="0" smtClean="0">
-                <a:solidFill>
-                  <a:srgbClr val="FF0000"/>
-                </a:solidFill>
-                <a:latin typeface="Arial" panose="020B0604020202020204" pitchFamily="34" charset="0"/>
-                <a:cs typeface="Arial" panose="020B0604020202020204" pitchFamily="34" charset="0"/>
-              </a:rPr>
-              <a:t>The deployment guide doesn’t seem to need this diagram.</a:t>
-            </a:r>
+          <a:ln w="12700">
+            <a:solidFill>
+              <a:srgbClr val="D86613"/>
+            </a:solidFill>
+            <a:prstDash val="dash"/>
+          </a:ln>
+        </p:spPr>
+        <p:style>
+          <a:lnRef idx="2">
+            <a:schemeClr val="accent1">
+              <a:shade val="50000"/>
+            </a:schemeClr>
+          </a:lnRef>
+          <a:fillRef idx="1">
+            <a:schemeClr val="accent1"/>
+          </a:fillRef>
+          <a:effectRef idx="0">
+            <a:schemeClr val="accent1"/>
+          </a:effectRef>
+          <a:fontRef idx="minor">
+            <a:schemeClr val="lt1"/>
+          </a:fontRef>
+        </p:style>
+        <p:txBody>
+          <a:bodyPr tIns="91440"/>
+          <a:lstStyle/>
+          <a:p>
+            <a:pPr algn="ctr" eaLnBrk="1" fontAlgn="auto" hangingPunct="1">
+              <a:spcBef>
+                <a:spcPts val="0"/>
+              </a:spcBef>
+              <a:spcAft>
+                <a:spcPts val="0"/>
+              </a:spcAft>
+              <a:defRPr/>
+            </a:pPr>
             <a:endParaRPr lang="en-US" sz="1200" dirty="0">
               <a:solidFill>
-                <a:srgbClr val="FF0000"/>
+                <a:srgbClr val="D86613"/>
               </a:solidFill>
               <a:latin typeface="Arial" panose="020B0604020202020204" pitchFamily="34" charset="0"/>
               <a:cs typeface="Arial" panose="020B0604020202020204" pitchFamily="34" charset="0"/>
             </a:endParaRPr>
           </a:p>
+          <a:p>
+            <a:pPr algn="ctr" eaLnBrk="1" fontAlgn="auto" hangingPunct="1">
+              <a:spcBef>
+                <a:spcPts val="0"/>
+              </a:spcBef>
+              <a:spcAft>
+                <a:spcPts val="0"/>
+              </a:spcAft>
+              <a:defRPr/>
+            </a:pPr>
+            <a:endParaRPr lang="en-US" sz="1200" dirty="0">
+              <a:solidFill>
+                <a:srgbClr val="D86613"/>
+              </a:solidFill>
+              <a:latin typeface="Arial" panose="020B0604020202020204" pitchFamily="34" charset="0"/>
+              <a:cs typeface="Arial" panose="020B0604020202020204" pitchFamily="34" charset="0"/>
+            </a:endParaRPr>
+          </a:p>
+          <a:p>
+            <a:pPr algn="ctr" eaLnBrk="1" fontAlgn="auto" hangingPunct="1">
+              <a:spcBef>
+                <a:spcPts val="0"/>
+              </a:spcBef>
+              <a:spcAft>
+                <a:spcPts val="0"/>
+              </a:spcAft>
+              <a:defRPr/>
+            </a:pPr>
+            <a:r>
+              <a:rPr lang="en-US" sz="1200" dirty="0">
+                <a:solidFill>
+                  <a:srgbClr val="D86613"/>
+                </a:solidFill>
+                <a:latin typeface="Arial" panose="020B0604020202020204" pitchFamily="34" charset="0"/>
+                <a:cs typeface="Arial" panose="020B0604020202020204" pitchFamily="34" charset="0"/>
+              </a:rPr>
+              <a:t>Auto Scaling group</a:t>
+            </a:r>
+          </a:p>
+        </p:txBody>
+      </p:sp>
+      <p:pic>
+        <p:nvPicPr>
+          <p:cNvPr id="89" name="Graphic 18">
+            <a:extLst>
+              <a:ext uri="{FF2B5EF4-FFF2-40B4-BE49-F238E27FC236}">
+                <a16:creationId xmlns:a16="http://schemas.microsoft.com/office/drawing/2014/main" id="{48605900-BDF1-E240-87D8-954ECFA478B6}"/>
+              </a:ext>
+            </a:extLst>
+          </p:cNvPr>
+          <p:cNvPicPr>
+            <a:picLocks noChangeAspect="1" noChangeArrowheads="1"/>
+          </p:cNvPicPr>
+          <p:nvPr/>
+        </p:nvPicPr>
+        <p:blipFill>
+          <a:blip r:embed="rId14">
+            <a:extLst>
+              <a:ext uri="{28A0092B-C50C-407E-A947-70E740481C1C}">
+                <a14:useLocalDpi xmlns:a14="http://schemas.microsoft.com/office/drawing/2010/main" val="0"/>
+              </a:ext>
+            </a:extLst>
+          </a:blip>
+          <a:srcRect/>
+          <a:stretch>
+            <a:fillRect/>
+          </a:stretch>
+        </p:blipFill>
+        <p:spPr bwMode="auto">
+          <a:xfrm>
+            <a:off x="3714479" y="1983462"/>
+            <a:ext cx="330200" cy="330200"/>
+          </a:xfrm>
+          <a:prstGeom prst="rect">
+            <a:avLst/>
+          </a:prstGeom>
+          <a:noFill/>
+          <a:ln>
+            <a:noFill/>
+          </a:ln>
+          <a:extLst>
+            <a:ext uri="{909E8E84-426E-40DD-AFC4-6F175D3DCCD1}">
+              <a14:hiddenFill xmlns:a14="http://schemas.microsoft.com/office/drawing/2010/main">
+                <a:solidFill>
+                  <a:srgbClr val="FFFFFF"/>
+                </a:solidFill>
+              </a14:hiddenFill>
+            </a:ext>
+            <a:ext uri="{91240B29-F687-4F45-9708-019B960494DF}">
+              <a14:hiddenLine xmlns:a14="http://schemas.microsoft.com/office/drawing/2010/main" w="9525">
+                <a:solidFill>
+                  <a:srgbClr val="000000"/>
+                </a:solidFill>
+                <a:miter lim="800000"/>
+                <a:headEnd/>
+                <a:tailEnd/>
+              </a14:hiddenLine>
+            </a:ext>
+          </a:extLst>
+        </p:spPr>
+      </p:pic>
+      <p:sp>
+        <p:nvSpPr>
+          <p:cNvPr id="98" name="Rectangle 97">
+            <a:extLst>
+              <a:ext uri="{FF2B5EF4-FFF2-40B4-BE49-F238E27FC236}">
+                <a16:creationId xmlns:a16="http://schemas.microsoft.com/office/drawing/2014/main" id="{804AC3CC-3D6D-3944-BFA5-3E9C058A2F60}"/>
+              </a:ext>
+            </a:extLst>
+          </p:cNvPr>
+          <p:cNvSpPr/>
+          <p:nvPr/>
+        </p:nvSpPr>
+        <p:spPr bwMode="auto">
+          <a:xfrm>
+            <a:off x="7530037" y="987029"/>
+            <a:ext cx="2285329" cy="4620284"/>
+          </a:xfrm>
+          <a:prstGeom prst="rect">
+            <a:avLst/>
+          </a:prstGeom>
+          <a:noFill/>
+          <a:ln w="12700">
+            <a:solidFill>
+              <a:srgbClr val="5B9CD5"/>
+            </a:solidFill>
+            <a:prstDash val="dash"/>
+          </a:ln>
+        </p:spPr>
+        <p:style>
+          <a:lnRef idx="2">
+            <a:schemeClr val="accent1">
+              <a:shade val="50000"/>
+            </a:schemeClr>
+          </a:lnRef>
+          <a:fillRef idx="1">
+            <a:schemeClr val="accent1"/>
+          </a:fillRef>
+          <a:effectRef idx="0">
+            <a:schemeClr val="accent1"/>
+          </a:effectRef>
+          <a:fontRef idx="minor">
+            <a:schemeClr val="lt1"/>
+          </a:fontRef>
+        </p:style>
+        <p:txBody>
+          <a:bodyPr tIns="91440"/>
+          <a:lstStyle/>
+          <a:p>
+            <a:pPr algn="ctr" eaLnBrk="1" fontAlgn="auto" hangingPunct="1">
+              <a:spcBef>
+                <a:spcPts val="0"/>
+              </a:spcBef>
+              <a:spcAft>
+                <a:spcPts val="0"/>
+              </a:spcAft>
+              <a:defRPr/>
+            </a:pPr>
+            <a:r>
+              <a:rPr lang="en-US" sz="1200" dirty="0">
+                <a:solidFill>
+                  <a:srgbClr val="5B9CD5"/>
+                </a:solidFill>
+                <a:latin typeface="Arial" panose="020B0604020202020204" pitchFamily="34" charset="0"/>
+                <a:cs typeface="Arial" panose="020B0604020202020204" pitchFamily="34" charset="0"/>
+              </a:rPr>
+              <a:t>Availability Zone </a:t>
+            </a:r>
+            <a:r>
+              <a:rPr lang="en-US" sz="1200" dirty="0" smtClean="0">
+                <a:solidFill>
+                  <a:srgbClr val="5B9CD5"/>
+                </a:solidFill>
+                <a:latin typeface="Arial" panose="020B0604020202020204" pitchFamily="34" charset="0"/>
+                <a:cs typeface="Arial" panose="020B0604020202020204" pitchFamily="34" charset="0"/>
+              </a:rPr>
+              <a:t>3</a:t>
+            </a:r>
+            <a:endParaRPr lang="en-US" sz="1200" dirty="0">
+              <a:solidFill>
+                <a:srgbClr val="5B9CD5"/>
+              </a:solidFill>
+              <a:latin typeface="Arial" panose="020B0604020202020204" pitchFamily="34" charset="0"/>
+              <a:cs typeface="Arial" panose="020B0604020202020204" pitchFamily="34" charset="0"/>
+            </a:endParaRPr>
+          </a:p>
+        </p:txBody>
+      </p:sp>
+      <p:pic>
+        <p:nvPicPr>
+          <p:cNvPr id="99" name="Graphic 35">
+            <a:extLst>
+              <a:ext uri="{FF2B5EF4-FFF2-40B4-BE49-F238E27FC236}">
+                <a16:creationId xmlns:a16="http://schemas.microsoft.com/office/drawing/2014/main" id="{6FC3D56A-1081-9B43-9B9C-251CDE8593F4}"/>
+              </a:ext>
+            </a:extLst>
+          </p:cNvPr>
+          <p:cNvPicPr>
+            <a:picLocks noChangeAspect="1" noChangeArrowheads="1"/>
+          </p:cNvPicPr>
+          <p:nvPr/>
+        </p:nvPicPr>
+        <p:blipFill>
+          <a:blip r:embed="rId12">
+            <a:extLst>
+              <a:ext uri="{28A0092B-C50C-407E-A947-70E740481C1C}">
+                <a14:useLocalDpi xmlns:a14="http://schemas.microsoft.com/office/drawing/2010/main" val="0"/>
+              </a:ext>
+            </a:extLst>
+          </a:blip>
+          <a:srcRect/>
+          <a:stretch>
+            <a:fillRect/>
+          </a:stretch>
+        </p:blipFill>
+        <p:spPr bwMode="auto">
+          <a:xfrm>
+            <a:off x="7611080" y="3179211"/>
+            <a:ext cx="274637" cy="274638"/>
+          </a:xfrm>
+          <a:prstGeom prst="rect">
+            <a:avLst/>
+          </a:prstGeom>
+          <a:noFill/>
+          <a:ln>
+            <a:noFill/>
+          </a:ln>
+          <a:extLst>
+            <a:ext uri="{909E8E84-426E-40DD-AFC4-6F175D3DCCD1}">
+              <a14:hiddenFill xmlns:a14="http://schemas.microsoft.com/office/drawing/2010/main">
+                <a:solidFill>
+                  <a:srgbClr val="FFFFFF"/>
+                </a:solidFill>
+              </a14:hiddenFill>
+            </a:ext>
+            <a:ext uri="{91240B29-F687-4F45-9708-019B960494DF}">
+              <a14:hiddenLine xmlns:a14="http://schemas.microsoft.com/office/drawing/2010/main" w="9525">
+                <a:solidFill>
+                  <a:srgbClr val="000000"/>
+                </a:solidFill>
+                <a:miter lim="800000"/>
+                <a:headEnd/>
+                <a:tailEnd/>
+              </a14:hiddenLine>
+            </a:ext>
+          </a:extLst>
+        </p:spPr>
+      </p:pic>
+      <p:pic>
+        <p:nvPicPr>
+          <p:cNvPr id="102" name="Graphic 66">
+            <a:extLst>
+              <a:ext uri="{FF2B5EF4-FFF2-40B4-BE49-F238E27FC236}">
+                <a16:creationId xmlns:a16="http://schemas.microsoft.com/office/drawing/2014/main" id="{C20FFD92-9876-A841-B4DB-3706EC6B9502}"/>
+              </a:ext>
+            </a:extLst>
+          </p:cNvPr>
+          <p:cNvPicPr>
+            <a:picLocks noChangeAspect="1" noChangeArrowheads="1"/>
+          </p:cNvPicPr>
+          <p:nvPr/>
+        </p:nvPicPr>
+        <p:blipFill>
+          <a:blip r:embed="rId15">
+            <a:extLst>
+              <a:ext uri="{28A0092B-C50C-407E-A947-70E740481C1C}">
+                <a14:useLocalDpi xmlns:a14="http://schemas.microsoft.com/office/drawing/2010/main" val="0"/>
+              </a:ext>
+            </a:extLst>
+          </a:blip>
+          <a:srcRect/>
+          <a:stretch>
+            <a:fillRect/>
+          </a:stretch>
+        </p:blipFill>
+        <p:spPr bwMode="auto">
+          <a:xfrm>
+            <a:off x="1692793" y="4335360"/>
+            <a:ext cx="457200" cy="457200"/>
+          </a:xfrm>
+          <a:prstGeom prst="rect">
+            <a:avLst/>
+          </a:prstGeom>
+          <a:noFill/>
+          <a:ln>
+            <a:noFill/>
+          </a:ln>
+          <a:extLst>
+            <a:ext uri="{909E8E84-426E-40DD-AFC4-6F175D3DCCD1}">
+              <a14:hiddenFill xmlns:a14="http://schemas.microsoft.com/office/drawing/2010/main">
+                <a:solidFill>
+                  <a:srgbClr val="FFFFFF"/>
+                </a:solidFill>
+              </a14:hiddenFill>
+            </a:ext>
+            <a:ext uri="{91240B29-F687-4F45-9708-019B960494DF}">
+              <a14:hiddenLine xmlns:a14="http://schemas.microsoft.com/office/drawing/2010/main" w="9525">
+                <a:solidFill>
+                  <a:srgbClr val="000000"/>
+                </a:solidFill>
+                <a:miter lim="800000"/>
+                <a:headEnd/>
+                <a:tailEnd/>
+              </a14:hiddenLine>
+            </a:ext>
+          </a:extLst>
+        </p:spPr>
+      </p:pic>
+      <p:pic>
+        <p:nvPicPr>
+          <p:cNvPr id="103" name="Graphic 66">
+            <a:extLst>
+              <a:ext uri="{FF2B5EF4-FFF2-40B4-BE49-F238E27FC236}">
+                <a16:creationId xmlns:a16="http://schemas.microsoft.com/office/drawing/2014/main" id="{C20FFD92-9876-A841-B4DB-3706EC6B9502}"/>
+              </a:ext>
+            </a:extLst>
+          </p:cNvPr>
+          <p:cNvPicPr>
+            <a:picLocks noChangeAspect="1" noChangeArrowheads="1"/>
+          </p:cNvPicPr>
+          <p:nvPr/>
+        </p:nvPicPr>
+        <p:blipFill>
+          <a:blip r:embed="rId15">
+            <a:extLst>
+              <a:ext uri="{28A0092B-C50C-407E-A947-70E740481C1C}">
+                <a14:useLocalDpi xmlns:a14="http://schemas.microsoft.com/office/drawing/2010/main" val="0"/>
+              </a:ext>
+            </a:extLst>
+          </a:blip>
+          <a:srcRect/>
+          <a:stretch>
+            <a:fillRect/>
+          </a:stretch>
+        </p:blipFill>
+        <p:spPr bwMode="auto">
+          <a:xfrm>
+            <a:off x="5551715" y="4335360"/>
+            <a:ext cx="457200" cy="457200"/>
+          </a:xfrm>
+          <a:prstGeom prst="rect">
+            <a:avLst/>
+          </a:prstGeom>
+          <a:noFill/>
+          <a:ln>
+            <a:noFill/>
+          </a:ln>
+          <a:extLst>
+            <a:ext uri="{909E8E84-426E-40DD-AFC4-6F175D3DCCD1}">
+              <a14:hiddenFill xmlns:a14="http://schemas.microsoft.com/office/drawing/2010/main">
+                <a:solidFill>
+                  <a:srgbClr val="FFFFFF"/>
+                </a:solidFill>
+              </a14:hiddenFill>
+            </a:ext>
+            <a:ext uri="{91240B29-F687-4F45-9708-019B960494DF}">
+              <a14:hiddenLine xmlns:a14="http://schemas.microsoft.com/office/drawing/2010/main" w="9525">
+                <a:solidFill>
+                  <a:srgbClr val="000000"/>
+                </a:solidFill>
+                <a:miter lim="800000"/>
+                <a:headEnd/>
+                <a:tailEnd/>
+              </a14:hiddenLine>
+            </a:ext>
+          </a:extLst>
+        </p:spPr>
+      </p:pic>
+      <p:pic>
+        <p:nvPicPr>
+          <p:cNvPr id="104" name="Graphic 60">
+            <a:extLst>
+              <a:ext uri="{FF2B5EF4-FFF2-40B4-BE49-F238E27FC236}">
+                <a16:creationId xmlns:a16="http://schemas.microsoft.com/office/drawing/2014/main" id="{D5F1E014-1AF5-0442-BA6E-37B0D94AA4A6}"/>
+              </a:ext>
+            </a:extLst>
+          </p:cNvPr>
+          <p:cNvPicPr>
+            <a:picLocks noChangeAspect="1" noChangeArrowheads="1"/>
+          </p:cNvPicPr>
+          <p:nvPr/>
+        </p:nvPicPr>
+        <p:blipFill>
+          <a:blip r:embed="rId16">
+            <a:extLst>
+              <a:ext uri="{28A0092B-C50C-407E-A947-70E740481C1C}">
+                <a14:useLocalDpi xmlns:a14="http://schemas.microsoft.com/office/drawing/2010/main" val="0"/>
+              </a:ext>
+            </a:extLst>
+          </a:blip>
+          <a:srcRect/>
+          <a:stretch>
+            <a:fillRect/>
+          </a:stretch>
+        </p:blipFill>
+        <p:spPr bwMode="auto">
+          <a:xfrm>
+            <a:off x="1640428" y="2032349"/>
+            <a:ext cx="457200" cy="457200"/>
+          </a:xfrm>
+          <a:prstGeom prst="rect">
+            <a:avLst/>
+          </a:prstGeom>
+          <a:noFill/>
+          <a:ln>
+            <a:noFill/>
+          </a:ln>
+          <a:extLst>
+            <a:ext uri="{909E8E84-426E-40DD-AFC4-6F175D3DCCD1}">
+              <a14:hiddenFill xmlns:a14="http://schemas.microsoft.com/office/drawing/2010/main">
+                <a:solidFill>
+                  <a:srgbClr val="FFFFFF"/>
+                </a:solidFill>
+              </a14:hiddenFill>
+            </a:ext>
+            <a:ext uri="{91240B29-F687-4F45-9708-019B960494DF}">
+              <a14:hiddenLine xmlns:a14="http://schemas.microsoft.com/office/drawing/2010/main" w="9525">
+                <a:solidFill>
+                  <a:srgbClr val="000000"/>
+                </a:solidFill>
+                <a:miter lim="800000"/>
+                <a:headEnd/>
+                <a:tailEnd/>
+              </a14:hiddenLine>
+            </a:ext>
+          </a:extLst>
+        </p:spPr>
+      </p:pic>
+      <p:pic>
+        <p:nvPicPr>
+          <p:cNvPr id="106" name="Graphic 17">
+            <a:extLst>
+              <a:ext uri="{FF2B5EF4-FFF2-40B4-BE49-F238E27FC236}">
+                <a16:creationId xmlns:a16="http://schemas.microsoft.com/office/drawing/2014/main" id="{443A8EDD-16C2-6848-83A6-4582C7B74B70}"/>
+              </a:ext>
+            </a:extLst>
+          </p:cNvPr>
+          <p:cNvPicPr>
+            <a:picLocks noChangeAspect="1" noChangeArrowheads="1"/>
+          </p:cNvPicPr>
+          <p:nvPr/>
+        </p:nvPicPr>
+        <p:blipFill>
+          <a:blip r:embed="rId17">
+            <a:extLst>
+              <a:ext uri="{28A0092B-C50C-407E-A947-70E740481C1C}">
+                <a14:useLocalDpi xmlns:a14="http://schemas.microsoft.com/office/drawing/2010/main" val="0"/>
+              </a:ext>
+            </a:extLst>
+          </a:blip>
+          <a:srcRect/>
+          <a:stretch>
+            <a:fillRect/>
+          </a:stretch>
+        </p:blipFill>
+        <p:spPr bwMode="auto">
+          <a:xfrm>
+            <a:off x="10456930" y="1270349"/>
+            <a:ext cx="762000" cy="762000"/>
+          </a:xfrm>
+          <a:prstGeom prst="rect">
+            <a:avLst/>
+          </a:prstGeom>
+          <a:noFill/>
+          <a:ln>
+            <a:noFill/>
+          </a:ln>
+          <a:extLst>
+            <a:ext uri="{909E8E84-426E-40DD-AFC4-6F175D3DCCD1}">
+              <a14:hiddenFill xmlns:a14="http://schemas.microsoft.com/office/drawing/2010/main">
+                <a:solidFill>
+                  <a:srgbClr val="FFFFFF"/>
+                </a:solidFill>
+              </a14:hiddenFill>
+            </a:ext>
+            <a:ext uri="{91240B29-F687-4F45-9708-019B960494DF}">
+              <a14:hiddenLine xmlns:a14="http://schemas.microsoft.com/office/drawing/2010/main" w="9525">
+                <a:solidFill>
+                  <a:srgbClr val="000000"/>
+                </a:solidFill>
+                <a:miter lim="800000"/>
+                <a:headEnd/>
+                <a:tailEnd/>
+              </a14:hiddenLine>
+            </a:ext>
+          </a:extLst>
+        </p:spPr>
+      </p:pic>
+      <p:sp>
+        <p:nvSpPr>
+          <p:cNvPr id="107" name="TextBox 9">
+            <a:extLst>
+              <a:ext uri="{FF2B5EF4-FFF2-40B4-BE49-F238E27FC236}">
+                <a16:creationId xmlns:a16="http://schemas.microsoft.com/office/drawing/2014/main" id="{F9D6EE48-441C-334D-8184-61EA0808B9C5}"/>
+              </a:ext>
+            </a:extLst>
+          </p:cNvPr>
+          <p:cNvSpPr txBox="1">
+            <a:spLocks noChangeArrowheads="1"/>
+          </p:cNvSpPr>
+          <p:nvPr/>
+        </p:nvSpPr>
+        <p:spPr bwMode="auto">
+          <a:xfrm>
+            <a:off x="9904180" y="2032349"/>
+            <a:ext cx="1867500" cy="307975"/>
+          </a:xfrm>
+          <a:prstGeom prst="rect">
+            <a:avLst/>
+          </a:prstGeom>
+          <a:noFill/>
+          <a:ln>
+            <a:noFill/>
+          </a:ln>
+          <a:extLst>
+            <a:ext uri="{909E8E84-426E-40DD-AFC4-6F175D3DCCD1}">
+              <a14:hiddenFill xmlns:a14="http://schemas.microsoft.com/office/drawing/2010/main">
+                <a:solidFill>
+                  <a:srgbClr val="FFFFFF"/>
+                </a:solidFill>
+              </a14:hiddenFill>
+            </a:ext>
+            <a:ext uri="{91240B29-F687-4F45-9708-019B960494DF}">
+              <a14:hiddenLine xmlns:a14="http://schemas.microsoft.com/office/drawing/2010/main" w="9525">
+                <a:solidFill>
+                  <a:srgbClr val="000000"/>
+                </a:solidFill>
+                <a:miter lim="800000"/>
+                <a:headEnd/>
+                <a:tailEnd/>
+              </a14:hiddenLine>
+            </a:ext>
+          </a:extLst>
+        </p:spPr>
+        <p:txBody>
+          <a:bodyPr wrap="square">
+            <a:spAutoFit/>
+          </a:bodyPr>
+          <a:lstStyle>
+            <a:lvl1pPr>
+              <a:defRPr>
+                <a:solidFill>
+                  <a:schemeClr val="tx1"/>
+                </a:solidFill>
+                <a:latin typeface="Calibri" panose="020F0502020204030204" pitchFamily="34" charset="0"/>
+              </a:defRPr>
+            </a:lvl1pPr>
+            <a:lvl2pPr marL="742950" indent="-285750">
+              <a:defRPr>
+                <a:solidFill>
+                  <a:schemeClr val="tx1"/>
+                </a:solidFill>
+                <a:latin typeface="Calibri" panose="020F0502020204030204" pitchFamily="34" charset="0"/>
+              </a:defRPr>
+            </a:lvl2pPr>
+            <a:lvl3pPr marL="1143000" indent="-228600">
+              <a:defRPr>
+                <a:solidFill>
+                  <a:schemeClr val="tx1"/>
+                </a:solidFill>
+                <a:latin typeface="Calibri" panose="020F0502020204030204" pitchFamily="34" charset="0"/>
+              </a:defRPr>
+            </a:lvl3pPr>
+            <a:lvl4pPr marL="1600200" indent="-228600">
+              <a:defRPr>
+                <a:solidFill>
+                  <a:schemeClr val="tx1"/>
+                </a:solidFill>
+                <a:latin typeface="Calibri" panose="020F0502020204030204" pitchFamily="34" charset="0"/>
+              </a:defRPr>
+            </a:lvl4pPr>
+            <a:lvl5pPr marL="2057400" indent="-228600">
+              <a:defRPr>
+                <a:solidFill>
+                  <a:schemeClr val="tx1"/>
+                </a:solidFill>
+                <a:latin typeface="Calibri" panose="020F0502020204030204" pitchFamily="34" charset="0"/>
+              </a:defRPr>
+            </a:lvl5pPr>
+            <a:lvl6pPr marL="2514600" indent="-228600" eaLnBrk="0" fontAlgn="base" hangingPunct="0">
+              <a:spcBef>
+                <a:spcPct val="0"/>
+              </a:spcBef>
+              <a:spcAft>
+                <a:spcPct val="0"/>
+              </a:spcAft>
+              <a:defRPr>
+                <a:solidFill>
+                  <a:schemeClr val="tx1"/>
+                </a:solidFill>
+                <a:latin typeface="Calibri" panose="020F0502020204030204" pitchFamily="34" charset="0"/>
+              </a:defRPr>
+            </a:lvl6pPr>
+            <a:lvl7pPr marL="2971800" indent="-228600" eaLnBrk="0" fontAlgn="base" hangingPunct="0">
+              <a:spcBef>
+                <a:spcPct val="0"/>
+              </a:spcBef>
+              <a:spcAft>
+                <a:spcPct val="0"/>
+              </a:spcAft>
+              <a:defRPr>
+                <a:solidFill>
+                  <a:schemeClr val="tx1"/>
+                </a:solidFill>
+                <a:latin typeface="Calibri" panose="020F0502020204030204" pitchFamily="34" charset="0"/>
+              </a:defRPr>
+            </a:lvl7pPr>
+            <a:lvl8pPr marL="3429000" indent="-228600" eaLnBrk="0" fontAlgn="base" hangingPunct="0">
+              <a:spcBef>
+                <a:spcPct val="0"/>
+              </a:spcBef>
+              <a:spcAft>
+                <a:spcPct val="0"/>
+              </a:spcAft>
+              <a:defRPr>
+                <a:solidFill>
+                  <a:schemeClr val="tx1"/>
+                </a:solidFill>
+                <a:latin typeface="Calibri" panose="020F0502020204030204" pitchFamily="34" charset="0"/>
+              </a:defRPr>
+            </a:lvl8pPr>
+            <a:lvl9pPr marL="3886200" indent="-228600" eaLnBrk="0" fontAlgn="base" hangingPunct="0">
+              <a:spcBef>
+                <a:spcPct val="0"/>
+              </a:spcBef>
+              <a:spcAft>
+                <a:spcPct val="0"/>
+              </a:spcAft>
+              <a:defRPr>
+                <a:solidFill>
+                  <a:schemeClr val="tx1"/>
+                </a:solidFill>
+                <a:latin typeface="Calibri" panose="020F0502020204030204" pitchFamily="34" charset="0"/>
+              </a:defRPr>
+            </a:lvl9pPr>
+          </a:lstStyle>
+          <a:p>
+            <a:pPr algn="ctr" eaLnBrk="1" hangingPunct="1"/>
+            <a:r>
+              <a:rPr lang="en-US" altLang="en-US" sz="1400" dirty="0">
+                <a:latin typeface="Arial" panose="020B0604020202020204" pitchFamily="34" charset="0"/>
+                <a:ea typeface="Amazon Ember" panose="020B0603020204020204" pitchFamily="34" charset="0"/>
+                <a:cs typeface="Arial" panose="020B0604020202020204" pitchFamily="34" charset="0"/>
+              </a:rPr>
+              <a:t>Amazon CloudWatch</a:t>
+            </a:r>
+          </a:p>
+        </p:txBody>
+      </p:sp>
+      <p:pic>
+        <p:nvPicPr>
+          <p:cNvPr id="108" name="Graphic 23">
+            <a:extLst>
+              <a:ext uri="{FF2B5EF4-FFF2-40B4-BE49-F238E27FC236}">
+                <a16:creationId xmlns:a16="http://schemas.microsoft.com/office/drawing/2014/main" id="{7A72A076-3A2E-204D-AE19-AFA86185641D}"/>
+              </a:ext>
+            </a:extLst>
+          </p:cNvPr>
+          <p:cNvPicPr>
+            <a:picLocks noChangeAspect="1" noChangeArrowheads="1"/>
+          </p:cNvPicPr>
+          <p:nvPr/>
+        </p:nvPicPr>
+        <p:blipFill>
+          <a:blip r:embed="rId18">
+            <a:extLst>
+              <a:ext uri="{28A0092B-C50C-407E-A947-70E740481C1C}">
+                <a14:useLocalDpi xmlns:a14="http://schemas.microsoft.com/office/drawing/2010/main" val="0"/>
+              </a:ext>
+            </a:extLst>
+          </a:blip>
+          <a:srcRect/>
+          <a:stretch>
+            <a:fillRect/>
+          </a:stretch>
+        </p:blipFill>
+        <p:spPr bwMode="auto">
+          <a:xfrm>
+            <a:off x="10456930" y="2610613"/>
+            <a:ext cx="762000" cy="762000"/>
+          </a:xfrm>
+          <a:prstGeom prst="rect">
+            <a:avLst/>
+          </a:prstGeom>
+          <a:noFill/>
+          <a:ln>
+            <a:noFill/>
+          </a:ln>
+          <a:extLst>
+            <a:ext uri="{909E8E84-426E-40DD-AFC4-6F175D3DCCD1}">
+              <a14:hiddenFill xmlns:a14="http://schemas.microsoft.com/office/drawing/2010/main">
+                <a:solidFill>
+                  <a:srgbClr val="FFFFFF"/>
+                </a:solidFill>
+              </a14:hiddenFill>
+            </a:ext>
+            <a:ext uri="{91240B29-F687-4F45-9708-019B960494DF}">
+              <a14:hiddenLine xmlns:a14="http://schemas.microsoft.com/office/drawing/2010/main" w="9525">
+                <a:solidFill>
+                  <a:srgbClr val="000000"/>
+                </a:solidFill>
+                <a:miter lim="800000"/>
+                <a:headEnd/>
+                <a:tailEnd/>
+              </a14:hiddenLine>
+            </a:ext>
+          </a:extLst>
+        </p:spPr>
+      </p:pic>
+      <p:sp>
+        <p:nvSpPr>
+          <p:cNvPr id="109" name="TextBox 15">
+            <a:extLst>
+              <a:ext uri="{FF2B5EF4-FFF2-40B4-BE49-F238E27FC236}">
+                <a16:creationId xmlns:a16="http://schemas.microsoft.com/office/drawing/2014/main" id="{894473A3-AB6B-5B4E-AD13-7640027BE911}"/>
+              </a:ext>
+            </a:extLst>
+          </p:cNvPr>
+          <p:cNvSpPr txBox="1">
+            <a:spLocks noChangeArrowheads="1"/>
+          </p:cNvSpPr>
+          <p:nvPr/>
+        </p:nvSpPr>
+        <p:spPr bwMode="auto">
+          <a:xfrm>
+            <a:off x="9736999" y="3372613"/>
+            <a:ext cx="2201863" cy="307975"/>
+          </a:xfrm>
+          <a:prstGeom prst="rect">
+            <a:avLst/>
+          </a:prstGeom>
+          <a:noFill/>
+          <a:ln>
+            <a:noFill/>
+          </a:ln>
+          <a:extLst>
+            <a:ext uri="{909E8E84-426E-40DD-AFC4-6F175D3DCCD1}">
+              <a14:hiddenFill xmlns:a14="http://schemas.microsoft.com/office/drawing/2010/main">
+                <a:solidFill>
+                  <a:srgbClr val="FFFFFF"/>
+                </a:solidFill>
+              </a14:hiddenFill>
+            </a:ext>
+            <a:ext uri="{91240B29-F687-4F45-9708-019B960494DF}">
+              <a14:hiddenLine xmlns:a14="http://schemas.microsoft.com/office/drawing/2010/main" w="9525">
+                <a:solidFill>
+                  <a:srgbClr val="000000"/>
+                </a:solidFill>
+                <a:miter lim="800000"/>
+                <a:headEnd/>
+                <a:tailEnd/>
+              </a14:hiddenLine>
+            </a:ext>
+          </a:extLst>
+        </p:spPr>
+        <p:txBody>
+          <a:bodyPr>
+            <a:spAutoFit/>
+          </a:bodyPr>
+          <a:lstStyle>
+            <a:lvl1pPr>
+              <a:defRPr>
+                <a:solidFill>
+                  <a:schemeClr val="tx1"/>
+                </a:solidFill>
+                <a:latin typeface="Calibri" panose="020F0502020204030204" pitchFamily="34" charset="0"/>
+              </a:defRPr>
+            </a:lvl1pPr>
+            <a:lvl2pPr marL="742950" indent="-285750">
+              <a:defRPr>
+                <a:solidFill>
+                  <a:schemeClr val="tx1"/>
+                </a:solidFill>
+                <a:latin typeface="Calibri" panose="020F0502020204030204" pitchFamily="34" charset="0"/>
+              </a:defRPr>
+            </a:lvl2pPr>
+            <a:lvl3pPr marL="1143000" indent="-228600">
+              <a:defRPr>
+                <a:solidFill>
+                  <a:schemeClr val="tx1"/>
+                </a:solidFill>
+                <a:latin typeface="Calibri" panose="020F0502020204030204" pitchFamily="34" charset="0"/>
+              </a:defRPr>
+            </a:lvl3pPr>
+            <a:lvl4pPr marL="1600200" indent="-228600">
+              <a:defRPr>
+                <a:solidFill>
+                  <a:schemeClr val="tx1"/>
+                </a:solidFill>
+                <a:latin typeface="Calibri" panose="020F0502020204030204" pitchFamily="34" charset="0"/>
+              </a:defRPr>
+            </a:lvl4pPr>
+            <a:lvl5pPr marL="2057400" indent="-228600">
+              <a:defRPr>
+                <a:solidFill>
+                  <a:schemeClr val="tx1"/>
+                </a:solidFill>
+                <a:latin typeface="Calibri" panose="020F0502020204030204" pitchFamily="34" charset="0"/>
+              </a:defRPr>
+            </a:lvl5pPr>
+            <a:lvl6pPr marL="2514600" indent="-228600" eaLnBrk="0" fontAlgn="base" hangingPunct="0">
+              <a:spcBef>
+                <a:spcPct val="0"/>
+              </a:spcBef>
+              <a:spcAft>
+                <a:spcPct val="0"/>
+              </a:spcAft>
+              <a:defRPr>
+                <a:solidFill>
+                  <a:schemeClr val="tx1"/>
+                </a:solidFill>
+                <a:latin typeface="Calibri" panose="020F0502020204030204" pitchFamily="34" charset="0"/>
+              </a:defRPr>
+            </a:lvl6pPr>
+            <a:lvl7pPr marL="2971800" indent="-228600" eaLnBrk="0" fontAlgn="base" hangingPunct="0">
+              <a:spcBef>
+                <a:spcPct val="0"/>
+              </a:spcBef>
+              <a:spcAft>
+                <a:spcPct val="0"/>
+              </a:spcAft>
+              <a:defRPr>
+                <a:solidFill>
+                  <a:schemeClr val="tx1"/>
+                </a:solidFill>
+                <a:latin typeface="Calibri" panose="020F0502020204030204" pitchFamily="34" charset="0"/>
+              </a:defRPr>
+            </a:lvl7pPr>
+            <a:lvl8pPr marL="3429000" indent="-228600" eaLnBrk="0" fontAlgn="base" hangingPunct="0">
+              <a:spcBef>
+                <a:spcPct val="0"/>
+              </a:spcBef>
+              <a:spcAft>
+                <a:spcPct val="0"/>
+              </a:spcAft>
+              <a:defRPr>
+                <a:solidFill>
+                  <a:schemeClr val="tx1"/>
+                </a:solidFill>
+                <a:latin typeface="Calibri" panose="020F0502020204030204" pitchFamily="34" charset="0"/>
+              </a:defRPr>
+            </a:lvl8pPr>
+            <a:lvl9pPr marL="3886200" indent="-228600" eaLnBrk="0" fontAlgn="base" hangingPunct="0">
+              <a:spcBef>
+                <a:spcPct val="0"/>
+              </a:spcBef>
+              <a:spcAft>
+                <a:spcPct val="0"/>
+              </a:spcAft>
+              <a:defRPr>
+                <a:solidFill>
+                  <a:schemeClr val="tx1"/>
+                </a:solidFill>
+                <a:latin typeface="Calibri" panose="020F0502020204030204" pitchFamily="34" charset="0"/>
+              </a:defRPr>
+            </a:lvl9pPr>
+          </a:lstStyle>
+          <a:p>
+            <a:pPr algn="ctr" eaLnBrk="1" hangingPunct="1"/>
+            <a:r>
+              <a:rPr lang="en-US" altLang="en-US" sz="1400" dirty="0">
+                <a:latin typeface="Arial" panose="020B0604020202020204" pitchFamily="34" charset="0"/>
+                <a:ea typeface="Amazon Ember" panose="020B0603020204020204" pitchFamily="34" charset="0"/>
+                <a:cs typeface="Arial" panose="020B0604020202020204" pitchFamily="34" charset="0"/>
+              </a:rPr>
+              <a:t>AWS CloudTrail</a:t>
+            </a:r>
+          </a:p>
+        </p:txBody>
+      </p:sp>
+      <p:pic>
+        <p:nvPicPr>
+          <p:cNvPr id="110" name="Graphic 8">
+            <a:extLst>
+              <a:ext uri="{FF2B5EF4-FFF2-40B4-BE49-F238E27FC236}">
+                <a16:creationId xmlns:a16="http://schemas.microsoft.com/office/drawing/2014/main" id="{0D4A9B47-8231-EF4D-B9AB-A3D9E4B81350}"/>
+              </a:ext>
+            </a:extLst>
+          </p:cNvPr>
+          <p:cNvPicPr>
+            <a:picLocks noChangeAspect="1" noChangeArrowheads="1"/>
+          </p:cNvPicPr>
+          <p:nvPr/>
+        </p:nvPicPr>
+        <p:blipFill>
+          <a:blip r:embed="rId19">
+            <a:extLst>
+              <a:ext uri="{28A0092B-C50C-407E-A947-70E740481C1C}">
+                <a14:useLocalDpi xmlns:a14="http://schemas.microsoft.com/office/drawing/2010/main" val="0"/>
+              </a:ext>
+            </a:extLst>
+          </a:blip>
+          <a:srcRect/>
+          <a:stretch>
+            <a:fillRect/>
+          </a:stretch>
+        </p:blipFill>
+        <p:spPr bwMode="auto">
+          <a:xfrm>
+            <a:off x="10456930" y="3921624"/>
+            <a:ext cx="762000" cy="762000"/>
+          </a:xfrm>
+          <a:prstGeom prst="rect">
+            <a:avLst/>
+          </a:prstGeom>
+          <a:noFill/>
+          <a:ln>
+            <a:noFill/>
+          </a:ln>
+          <a:extLst>
+            <a:ext uri="{909E8E84-426E-40DD-AFC4-6F175D3DCCD1}">
+              <a14:hiddenFill xmlns:a14="http://schemas.microsoft.com/office/drawing/2010/main">
+                <a:solidFill>
+                  <a:srgbClr val="FFFFFF"/>
+                </a:solidFill>
+              </a14:hiddenFill>
+            </a:ext>
+            <a:ext uri="{91240B29-F687-4F45-9708-019B960494DF}">
+              <a14:hiddenLine xmlns:a14="http://schemas.microsoft.com/office/drawing/2010/main" w="9525">
+                <a:solidFill>
+                  <a:srgbClr val="000000"/>
+                </a:solidFill>
+                <a:miter lim="800000"/>
+                <a:headEnd/>
+                <a:tailEnd/>
+              </a14:hiddenLine>
+            </a:ext>
+          </a:extLst>
+        </p:spPr>
+      </p:pic>
+      <p:sp>
+        <p:nvSpPr>
+          <p:cNvPr id="111" name="TextBox 9">
+            <a:extLst>
+              <a:ext uri="{FF2B5EF4-FFF2-40B4-BE49-F238E27FC236}">
+                <a16:creationId xmlns:a16="http://schemas.microsoft.com/office/drawing/2014/main" id="{5B6C5DC4-5A01-E14D-BEE5-909FCF8B05F2}"/>
+              </a:ext>
+            </a:extLst>
+          </p:cNvPr>
+          <p:cNvSpPr txBox="1">
+            <a:spLocks noChangeArrowheads="1"/>
+          </p:cNvSpPr>
+          <p:nvPr/>
+        </p:nvSpPr>
+        <p:spPr bwMode="auto">
+          <a:xfrm>
+            <a:off x="9717949" y="4688386"/>
+            <a:ext cx="2239962" cy="307777"/>
+          </a:xfrm>
+          <a:prstGeom prst="rect">
+            <a:avLst/>
+          </a:prstGeom>
+          <a:noFill/>
+          <a:ln>
+            <a:noFill/>
+          </a:ln>
+          <a:extLst>
+            <a:ext uri="{909E8E84-426E-40DD-AFC4-6F175D3DCCD1}">
+              <a14:hiddenFill xmlns:a14="http://schemas.microsoft.com/office/drawing/2010/main">
+                <a:solidFill>
+                  <a:srgbClr val="FFFFFF"/>
+                </a:solidFill>
+              </a14:hiddenFill>
+            </a:ext>
+            <a:ext uri="{91240B29-F687-4F45-9708-019B960494DF}">
+              <a14:hiddenLine xmlns:a14="http://schemas.microsoft.com/office/drawing/2010/main" w="9525">
+                <a:solidFill>
+                  <a:srgbClr val="000000"/>
+                </a:solidFill>
+                <a:miter lim="800000"/>
+                <a:headEnd/>
+                <a:tailEnd/>
+              </a14:hiddenLine>
+            </a:ext>
+          </a:extLst>
+        </p:spPr>
+        <p:txBody>
+          <a:bodyPr>
+            <a:spAutoFit/>
+          </a:bodyPr>
+          <a:lstStyle>
+            <a:lvl1pPr>
+              <a:defRPr>
+                <a:solidFill>
+                  <a:schemeClr val="tx1"/>
+                </a:solidFill>
+                <a:latin typeface="Calibri" panose="020F0502020204030204" pitchFamily="34" charset="0"/>
+              </a:defRPr>
+            </a:lvl1pPr>
+            <a:lvl2pPr marL="742950" indent="-285750">
+              <a:defRPr>
+                <a:solidFill>
+                  <a:schemeClr val="tx1"/>
+                </a:solidFill>
+                <a:latin typeface="Calibri" panose="020F0502020204030204" pitchFamily="34" charset="0"/>
+              </a:defRPr>
+            </a:lvl2pPr>
+            <a:lvl3pPr marL="1143000" indent="-228600">
+              <a:defRPr>
+                <a:solidFill>
+                  <a:schemeClr val="tx1"/>
+                </a:solidFill>
+                <a:latin typeface="Calibri" panose="020F0502020204030204" pitchFamily="34" charset="0"/>
+              </a:defRPr>
+            </a:lvl3pPr>
+            <a:lvl4pPr marL="1600200" indent="-228600">
+              <a:defRPr>
+                <a:solidFill>
+                  <a:schemeClr val="tx1"/>
+                </a:solidFill>
+                <a:latin typeface="Calibri" panose="020F0502020204030204" pitchFamily="34" charset="0"/>
+              </a:defRPr>
+            </a:lvl4pPr>
+            <a:lvl5pPr marL="2057400" indent="-228600">
+              <a:defRPr>
+                <a:solidFill>
+                  <a:schemeClr val="tx1"/>
+                </a:solidFill>
+                <a:latin typeface="Calibri" panose="020F0502020204030204" pitchFamily="34" charset="0"/>
+              </a:defRPr>
+            </a:lvl5pPr>
+            <a:lvl6pPr marL="2514600" indent="-228600" eaLnBrk="0" fontAlgn="base" hangingPunct="0">
+              <a:spcBef>
+                <a:spcPct val="0"/>
+              </a:spcBef>
+              <a:spcAft>
+                <a:spcPct val="0"/>
+              </a:spcAft>
+              <a:defRPr>
+                <a:solidFill>
+                  <a:schemeClr val="tx1"/>
+                </a:solidFill>
+                <a:latin typeface="Calibri" panose="020F0502020204030204" pitchFamily="34" charset="0"/>
+              </a:defRPr>
+            </a:lvl6pPr>
+            <a:lvl7pPr marL="2971800" indent="-228600" eaLnBrk="0" fontAlgn="base" hangingPunct="0">
+              <a:spcBef>
+                <a:spcPct val="0"/>
+              </a:spcBef>
+              <a:spcAft>
+                <a:spcPct val="0"/>
+              </a:spcAft>
+              <a:defRPr>
+                <a:solidFill>
+                  <a:schemeClr val="tx1"/>
+                </a:solidFill>
+                <a:latin typeface="Calibri" panose="020F0502020204030204" pitchFamily="34" charset="0"/>
+              </a:defRPr>
+            </a:lvl7pPr>
+            <a:lvl8pPr marL="3429000" indent="-228600" eaLnBrk="0" fontAlgn="base" hangingPunct="0">
+              <a:spcBef>
+                <a:spcPct val="0"/>
+              </a:spcBef>
+              <a:spcAft>
+                <a:spcPct val="0"/>
+              </a:spcAft>
+              <a:defRPr>
+                <a:solidFill>
+                  <a:schemeClr val="tx1"/>
+                </a:solidFill>
+                <a:latin typeface="Calibri" panose="020F0502020204030204" pitchFamily="34" charset="0"/>
+              </a:defRPr>
+            </a:lvl8pPr>
+            <a:lvl9pPr marL="3886200" indent="-228600" eaLnBrk="0" fontAlgn="base" hangingPunct="0">
+              <a:spcBef>
+                <a:spcPct val="0"/>
+              </a:spcBef>
+              <a:spcAft>
+                <a:spcPct val="0"/>
+              </a:spcAft>
+              <a:defRPr>
+                <a:solidFill>
+                  <a:schemeClr val="tx1"/>
+                </a:solidFill>
+                <a:latin typeface="Calibri" panose="020F0502020204030204" pitchFamily="34" charset="0"/>
+              </a:defRPr>
+            </a:lvl9pPr>
+          </a:lstStyle>
+          <a:p>
+            <a:pPr algn="ctr" eaLnBrk="1" hangingPunct="1"/>
+            <a:r>
+              <a:rPr lang="en-US" altLang="en-US" sz="1400" dirty="0">
+                <a:latin typeface="Arial" panose="020B0604020202020204" pitchFamily="34" charset="0"/>
+                <a:ea typeface="Amazon Ember" panose="020B0603020204020204" pitchFamily="34" charset="0"/>
+                <a:cs typeface="Arial" panose="020B0604020202020204" pitchFamily="34" charset="0"/>
+              </a:rPr>
+              <a:t>Amazon </a:t>
+            </a:r>
+            <a:r>
+              <a:rPr lang="en-US" altLang="en-US" sz="1400" dirty="0" smtClean="0">
+                <a:latin typeface="Arial" panose="020B0604020202020204" pitchFamily="34" charset="0"/>
+                <a:ea typeface="Amazon Ember" panose="020B0603020204020204" pitchFamily="34" charset="0"/>
+                <a:cs typeface="Arial" panose="020B0604020202020204" pitchFamily="34" charset="0"/>
+              </a:rPr>
+              <a:t>S3</a:t>
+            </a:r>
+            <a:endParaRPr lang="en-US" altLang="en-US" sz="1400" dirty="0">
+              <a:latin typeface="Arial" panose="020B0604020202020204" pitchFamily="34" charset="0"/>
+              <a:ea typeface="Amazon Ember" panose="020B0603020204020204" pitchFamily="34" charset="0"/>
+              <a:cs typeface="Arial" panose="020B0604020202020204" pitchFamily="34" charset="0"/>
+            </a:endParaRPr>
+          </a:p>
+        </p:txBody>
+      </p:sp>
+      <p:sp>
+        <p:nvSpPr>
+          <p:cNvPr id="35" name="TextBox 34">
+            <a:extLst>
+              <a:ext uri="{FF2B5EF4-FFF2-40B4-BE49-F238E27FC236}">
+                <a16:creationId xmlns:a16="http://schemas.microsoft.com/office/drawing/2014/main" id="{B899FD8E-A6C4-E642-921A-2266EB4B5F9D}"/>
+              </a:ext>
+            </a:extLst>
+          </p:cNvPr>
+          <p:cNvSpPr txBox="1"/>
+          <p:nvPr/>
+        </p:nvSpPr>
+        <p:spPr>
+          <a:xfrm>
+            <a:off x="8318219" y="4820495"/>
+            <a:ext cx="793752" cy="279013"/>
+          </a:xfrm>
+          <a:prstGeom prst="rect">
+            <a:avLst/>
+          </a:prstGeom>
+          <a:noFill/>
+        </p:spPr>
+        <p:txBody>
+          <a:bodyPr wrap="square" rtlCol="0">
+            <a:spAutoFit/>
+          </a:bodyPr>
+          <a:lstStyle/>
+          <a:p>
+            <a:pPr algn="ctr"/>
+            <a:r>
+              <a:rPr lang="en-US" sz="1200" dirty="0">
+                <a:latin typeface="Arial" panose="020B0604020202020204" pitchFamily="34" charset="0"/>
+                <a:cs typeface="Arial" panose="020B0604020202020204" pitchFamily="34" charset="0"/>
+              </a:rPr>
+              <a:t>Arbiter</a:t>
+            </a:r>
+          </a:p>
+        </p:txBody>
+      </p:sp>
+      <p:sp>
+        <p:nvSpPr>
+          <p:cNvPr id="38" name="Rectangle 37">
+            <a:extLst>
+              <a:ext uri="{FF2B5EF4-FFF2-40B4-BE49-F238E27FC236}">
+                <a16:creationId xmlns:a16="http://schemas.microsoft.com/office/drawing/2014/main" id="{CE2DBBD1-B6CC-9940-9A28-EF367C7B0860}"/>
+              </a:ext>
+            </a:extLst>
+          </p:cNvPr>
+          <p:cNvSpPr/>
+          <p:nvPr/>
+        </p:nvSpPr>
+        <p:spPr>
+          <a:xfrm>
+            <a:off x="8095476" y="4086808"/>
+            <a:ext cx="1239238" cy="979710"/>
+          </a:xfrm>
+          <a:prstGeom prst="rect">
+            <a:avLst/>
+          </a:prstGeom>
+          <a:noFill/>
+          <a:ln w="12700">
+            <a:solidFill>
+              <a:srgbClr val="DF3312"/>
+            </a:solidFill>
+          </a:ln>
+        </p:spPr>
+        <p:style>
+          <a:lnRef idx="2">
+            <a:schemeClr val="accent1">
+              <a:shade val="50000"/>
+            </a:schemeClr>
+          </a:lnRef>
+          <a:fillRef idx="1">
+            <a:schemeClr val="accent1"/>
+          </a:fillRef>
+          <a:effectRef idx="0">
+            <a:schemeClr val="accent1"/>
+          </a:effectRef>
+          <a:fontRef idx="minor">
+            <a:schemeClr val="lt1"/>
+          </a:fontRef>
+        </p:style>
+        <p:txBody>
+          <a:bodyPr rot="0" spcFirstLastPara="0" vertOverflow="overflow" horzOverflow="overflow" vert="horz" wrap="square" lIns="91440" tIns="91440" rIns="91440" bIns="45720" numCol="1" spcCol="0" rtlCol="0" fromWordArt="0" anchor="t" anchorCtr="1" forceAA="0" compatLnSpc="1">
+            <a:prstTxWarp prst="textNoShape">
+              <a:avLst/>
+            </a:prstTxWarp>
+            <a:noAutofit/>
+          </a:bodyPr>
+          <a:lstStyle/>
+          <a:p>
+            <a:r>
+              <a:rPr lang="en-US" sz="1200" dirty="0">
+                <a:solidFill>
+                  <a:srgbClr val="DF3312"/>
+                </a:solidFill>
+                <a:latin typeface="Arial" panose="020B0604020202020204" pitchFamily="34" charset="0"/>
+                <a:cs typeface="Arial" panose="020B0604020202020204" pitchFamily="34" charset="0"/>
+              </a:rPr>
+              <a:t>Security group</a:t>
+            </a:r>
+          </a:p>
+        </p:txBody>
+      </p:sp>
+      <p:pic>
+        <p:nvPicPr>
+          <p:cNvPr id="105" name="Graphic 60">
+            <a:extLst>
+              <a:ext uri="{FF2B5EF4-FFF2-40B4-BE49-F238E27FC236}">
+                <a16:creationId xmlns:a16="http://schemas.microsoft.com/office/drawing/2014/main" id="{D5F1E014-1AF5-0442-BA6E-37B0D94AA4A6}"/>
+              </a:ext>
+            </a:extLst>
+          </p:cNvPr>
+          <p:cNvPicPr>
+            <a:picLocks noChangeAspect="1" noChangeArrowheads="1"/>
+          </p:cNvPicPr>
+          <p:nvPr/>
+        </p:nvPicPr>
+        <p:blipFill>
+          <a:blip r:embed="rId16">
+            <a:extLst>
+              <a:ext uri="{28A0092B-C50C-407E-A947-70E740481C1C}">
+                <a14:useLocalDpi xmlns:a14="http://schemas.microsoft.com/office/drawing/2010/main" val="0"/>
+              </a:ext>
+            </a:extLst>
+          </a:blip>
+          <a:srcRect/>
+          <a:stretch>
+            <a:fillRect/>
+          </a:stretch>
+        </p:blipFill>
+        <p:spPr bwMode="auto">
+          <a:xfrm>
+            <a:off x="8486495" y="4402342"/>
+            <a:ext cx="457200" cy="457200"/>
+          </a:xfrm>
+          <a:prstGeom prst="rect">
+            <a:avLst/>
+          </a:prstGeom>
+          <a:noFill/>
+          <a:ln>
+            <a:noFill/>
+          </a:ln>
+          <a:extLst>
+            <a:ext uri="{909E8E84-426E-40DD-AFC4-6F175D3DCCD1}">
+              <a14:hiddenFill xmlns:a14="http://schemas.microsoft.com/office/drawing/2010/main">
+                <a:solidFill>
+                  <a:srgbClr val="FFFFFF"/>
+                </a:solidFill>
+              </a14:hiddenFill>
+            </a:ext>
+            <a:ext uri="{91240B29-F687-4F45-9708-019B960494DF}">
+              <a14:hiddenLine xmlns:a14="http://schemas.microsoft.com/office/drawing/2010/main" w="9525">
+                <a:solidFill>
+                  <a:srgbClr val="000000"/>
+                </a:solidFill>
+                <a:miter lim="800000"/>
+                <a:headEnd/>
+                <a:tailEnd/>
+              </a14:hiddenLine>
+            </a:ext>
+          </a:extLst>
+        </p:spPr>
+      </p:pic>
+      <p:pic>
+        <p:nvPicPr>
+          <p:cNvPr id="51" name="Graphic 60">
+            <a:extLst>
+              <a:ext uri="{FF2B5EF4-FFF2-40B4-BE49-F238E27FC236}">
+                <a16:creationId xmlns:a16="http://schemas.microsoft.com/office/drawing/2014/main" id="{D5F1E014-1AF5-0442-BA6E-37B0D94AA4A6}"/>
+              </a:ext>
+            </a:extLst>
+          </p:cNvPr>
+          <p:cNvPicPr>
+            <a:picLocks noChangeAspect="1" noChangeArrowheads="1"/>
+          </p:cNvPicPr>
+          <p:nvPr/>
+        </p:nvPicPr>
+        <p:blipFill>
+          <a:blip r:embed="rId20">
+            <a:extLst>
+              <a:ext uri="{BEBA8EAE-BF5A-486C-A8C5-ECC9F3942E4B}">
+                <a14:imgProps xmlns:a14="http://schemas.microsoft.com/office/drawing/2010/main">
+                  <a14:imgLayer r:embed="rId21">
+                    <a14:imgEffect>
+                      <a14:artisticBlur/>
+                    </a14:imgEffect>
+                  </a14:imgLayer>
+                </a14:imgProps>
+              </a:ext>
+              <a:ext uri="{28A0092B-C50C-407E-A947-70E740481C1C}">
+                <a14:useLocalDpi xmlns:a14="http://schemas.microsoft.com/office/drawing/2010/main" val="0"/>
+              </a:ext>
+            </a:extLst>
+          </a:blip>
+          <a:srcRect/>
+          <a:stretch>
+            <a:fillRect/>
+          </a:stretch>
+        </p:blipFill>
+        <p:spPr bwMode="auto">
+          <a:xfrm>
+            <a:off x="5693685" y="2032349"/>
+            <a:ext cx="457200" cy="457200"/>
+          </a:xfrm>
+          <a:prstGeom prst="rect">
+            <a:avLst/>
+          </a:prstGeom>
+          <a:noFill/>
+          <a:ln>
+            <a:noFill/>
+          </a:ln>
+          <a:extLst>
+            <a:ext uri="{909E8E84-426E-40DD-AFC4-6F175D3DCCD1}">
+              <a14:hiddenFill xmlns:a14="http://schemas.microsoft.com/office/drawing/2010/main">
+                <a:solidFill>
+                  <a:srgbClr val="FFFFFF"/>
+                </a:solidFill>
+              </a14:hiddenFill>
+            </a:ext>
+            <a:ext uri="{91240B29-F687-4F45-9708-019B960494DF}">
+              <a14:hiddenLine xmlns:a14="http://schemas.microsoft.com/office/drawing/2010/main" w="9525">
+                <a:solidFill>
+                  <a:srgbClr val="000000"/>
+                </a:solidFill>
+                <a:miter lim="800000"/>
+                <a:headEnd/>
+                <a:tailEnd/>
+              </a14:hiddenLine>
+            </a:ext>
+          </a:extLst>
+        </p:spPr>
+      </p:pic>
+      <p:sp>
+        <p:nvSpPr>
+          <p:cNvPr id="56" name="TextBox 55">
+            <a:extLst>
+              <a:ext uri="{FF2B5EF4-FFF2-40B4-BE49-F238E27FC236}">
+                <a16:creationId xmlns:a16="http://schemas.microsoft.com/office/drawing/2014/main" id="{CF275322-8821-7240-9DD9-59D35F667125}"/>
+              </a:ext>
+            </a:extLst>
+          </p:cNvPr>
+          <p:cNvSpPr txBox="1"/>
+          <p:nvPr/>
+        </p:nvSpPr>
+        <p:spPr>
+          <a:xfrm>
+            <a:off x="5016655" y="2442594"/>
+            <a:ext cx="1769070" cy="276999"/>
+          </a:xfrm>
+          <a:prstGeom prst="rect">
+            <a:avLst/>
+          </a:prstGeom>
+          <a:noFill/>
+        </p:spPr>
+        <p:txBody>
+          <a:bodyPr wrap="square" rtlCol="0">
+            <a:spAutoFit/>
+          </a:bodyPr>
+          <a:lstStyle/>
+          <a:p>
+            <a:pPr algn="ctr"/>
+            <a:r>
+              <a:rPr lang="en-US" sz="1200" dirty="0">
+                <a:latin typeface="Arial" panose="020B0604020202020204" pitchFamily="34" charset="0"/>
+                <a:cs typeface="Arial" panose="020B0604020202020204" pitchFamily="34" charset="0"/>
+              </a:rPr>
+              <a:t>Bastion </a:t>
+            </a:r>
+            <a:r>
+              <a:rPr lang="en-US" sz="1200" dirty="0" smtClean="0">
+                <a:latin typeface="Arial" panose="020B0604020202020204" pitchFamily="34" charset="0"/>
+                <a:cs typeface="Arial" panose="020B0604020202020204" pitchFamily="34" charset="0"/>
+              </a:rPr>
+              <a:t>host</a:t>
+            </a:r>
+            <a:endParaRPr lang="en-US" sz="1200" dirty="0">
+              <a:latin typeface="Arial" panose="020B0604020202020204" pitchFamily="34" charset="0"/>
+              <a:cs typeface="Arial" panose="020B0604020202020204" pitchFamily="34" charset="0"/>
+            </a:endParaRPr>
+          </a:p>
         </p:txBody>
       </p:sp>
     </p:spTree>
     <p:extLst>
       <p:ext uri="{BB962C8B-B14F-4D97-AF65-F5344CB8AC3E}">
-        <p14:creationId xmlns:p14="http://schemas.microsoft.com/office/powerpoint/2010/main" val="3895303850"/>
+        <p14:creationId xmlns:p14="http://schemas.microsoft.com/office/powerpoint/2010/main" val="289491613"/>
       </p:ext>
     </p:extLst>
   </p:cSld>
@@ -7426,58 +9229,12 @@
           <a:chExt cx="0" cy="0"/>
         </a:xfrm>
       </p:grpSpPr>
-      <p:cxnSp>
-        <p:nvCxnSpPr>
-          <p:cNvPr id="50" name="Straight Arrow Connector 49">
-            <a:extLst>
-              <a:ext uri="{FF2B5EF4-FFF2-40B4-BE49-F238E27FC236}">
-                <a16:creationId xmlns:a16="http://schemas.microsoft.com/office/drawing/2014/main" id="{239B9CCA-9EF0-3346-BB60-0E30B232B75B}"/>
-              </a:ext>
-            </a:extLst>
-          </p:cNvPr>
-          <p:cNvCxnSpPr>
-            <a:cxnSpLocks/>
-          </p:cNvCxnSpPr>
-          <p:nvPr/>
-        </p:nvCxnSpPr>
-        <p:spPr>
-          <a:xfrm>
-            <a:off x="3484293" y="3333205"/>
-            <a:ext cx="7111093" cy="0"/>
-          </a:xfrm>
-          <a:prstGeom prst="straightConnector1">
-            <a:avLst/>
-          </a:prstGeom>
-          <a:ln w="12700">
-            <a:solidFill>
-              <a:srgbClr val="545B64"/>
-            </a:solidFill>
-            <a:prstDash val="sysDot"/>
-            <a:headEnd type="arrow" w="med" len="sm"/>
-            <a:tailEnd type="arrow" w="med" len="sm"/>
-          </a:ln>
-        </p:spPr>
-        <p:style>
-          <a:lnRef idx="1">
-            <a:schemeClr val="accent1"/>
-          </a:lnRef>
-          <a:fillRef idx="0">
-            <a:schemeClr val="accent1"/>
-          </a:fillRef>
-          <a:effectRef idx="0">
-            <a:schemeClr val="accent1"/>
-          </a:effectRef>
-          <a:fontRef idx="minor">
-            <a:schemeClr val="tx1"/>
-          </a:fontRef>
-        </p:style>
-      </p:cxnSp>
-      <p:sp>
-        <p:nvSpPr>
-          <p:cNvPr id="25" name="Rectangle 24">
-            <a:extLst>
-              <a:ext uri="{FF2B5EF4-FFF2-40B4-BE49-F238E27FC236}">
-                <a16:creationId xmlns:a16="http://schemas.microsoft.com/office/drawing/2014/main" id="{AFDFD0F2-6FD1-6340-A522-95D60CC6BC29}"/>
+      <p:sp>
+        <p:nvSpPr>
+          <p:cNvPr id="24" name="Rectangle 23">
+            <a:extLst>
+              <a:ext uri="{FF2B5EF4-FFF2-40B4-BE49-F238E27FC236}">
+                <a16:creationId xmlns:a16="http://schemas.microsoft.com/office/drawing/2014/main" id="{B1844CBB-737E-C049-891C-1F2168761D96}"/>
               </a:ext>
             </a:extLst>
           </p:cNvPr>
@@ -7486,8 +9243,8 @@
         </p:nvSpPr>
         <p:spPr>
           <a:xfrm>
-            <a:off x="5765246" y="1658295"/>
-            <a:ext cx="3410057" cy="3807490"/>
+            <a:off x="4206097" y="3221205"/>
+            <a:ext cx="2841222" cy="2261030"/>
           </a:xfrm>
           <a:prstGeom prst="rect">
             <a:avLst/>
@@ -7519,24 +9276,27 @@
           </a:fontRef>
         </p:style>
         <p:txBody>
-          <a:bodyPr rot="0" spcFirstLastPara="0" vertOverflow="overflow" horzOverflow="overflow" vert="horz" wrap="square" lIns="338328" tIns="45720" rIns="91440" bIns="45720" numCol="1" spcCol="0" rtlCol="0" fromWordArt="0" anchor="t" anchorCtr="0" forceAA="0" compatLnSpc="1">
-            <a:prstTxWarp prst="textNoShape">
-              <a:avLst/>
-            </a:prstTxWarp>
-            <a:noAutofit/>
-          </a:bodyPr>
-          <a:lstStyle/>
-          <a:p>
-            <a:pPr algn="l"/>
+          <a:bodyPr lIns="338328"/>
+          <a:lstStyle/>
+          <a:p>
+            <a:pPr eaLnBrk="1" fontAlgn="auto" hangingPunct="1">
+              <a:spcBef>
+                <a:spcPts val="0"/>
+              </a:spcBef>
+              <a:spcAft>
+                <a:spcPts val="0"/>
+              </a:spcAft>
+              <a:defRPr/>
+            </a:pPr>
             <a:r>
               <a:rPr lang="en-US" sz="1200" dirty="0">
                 <a:solidFill>
-                  <a:schemeClr val="accent5"/>
+                  <a:srgbClr val="1E8900"/>
                 </a:solidFill>
                 <a:latin typeface="Arial" panose="020B0604020202020204" pitchFamily="34" charset="0"/>
                 <a:cs typeface="Arial" panose="020B0604020202020204" pitchFamily="34" charset="0"/>
               </a:rPr>
-              <a:t> Subnet</a:t>
+              <a:t>Public subnet</a:t>
             </a:r>
           </a:p>
         </p:txBody>
@@ -7590,7 +9350,7 @@
         </p:nvSpPr>
         <p:spPr>
           <a:xfrm>
-            <a:off x="242630" y="0"/>
+            <a:off x="269328" y="303793"/>
             <a:ext cx="2417275" cy="338554"/>
           </a:xfrm>
           <a:prstGeom prst="rect">
@@ -7609,7 +9369,7 @@
                 <a:latin typeface="Arial" panose="020B0604020202020204" pitchFamily="34" charset="0"/>
                 <a:cs typeface="Arial" panose="020B0604020202020204" pitchFamily="34" charset="0"/>
               </a:rPr>
-              <a:t>Production System</a:t>
+              <a:t>Demo/Test System</a:t>
             </a:r>
             <a:endParaRPr lang="en-US" sz="1600" dirty="0">
               <a:latin typeface="Arial" panose="020B0604020202020204" pitchFamily="34" charset="0"/>
@@ -7620,10 +9380,10 @@
       </p:sp>
       <p:sp>
         <p:nvSpPr>
-          <p:cNvPr id="30" name="Rectangle 29">
-            <a:extLst>
-              <a:ext uri="{FF2B5EF4-FFF2-40B4-BE49-F238E27FC236}">
-                <a16:creationId xmlns:a16="http://schemas.microsoft.com/office/drawing/2014/main" id="{407F3126-E68E-E849-9685-96BEA82D6413}"/>
+          <p:cNvPr id="32" name="Rectangle 31">
+            <a:extLst>
+              <a:ext uri="{FF2B5EF4-FFF2-40B4-BE49-F238E27FC236}">
+                <a16:creationId xmlns:a16="http://schemas.microsoft.com/office/drawing/2014/main" id="{0EB8B091-E866-5B45-9D39-DB380AE8EEA5}"/>
               </a:ext>
             </a:extLst>
           </p:cNvPr>
@@ -7632,8 +9392,8 @@
         </p:nvSpPr>
         <p:spPr>
           <a:xfrm>
-            <a:off x="379558" y="1354990"/>
-            <a:ext cx="11220928" cy="4232304"/>
+            <a:off x="3600600" y="2111382"/>
+            <a:ext cx="3853118" cy="3751854"/>
           </a:xfrm>
           <a:prstGeom prst="rect">
             <a:avLst/>
@@ -7641,7 +9401,7 @@
           <a:noFill/>
           <a:ln w="12700">
             <a:solidFill>
-              <a:schemeClr val="accent5"/>
+              <a:schemeClr val="tx1"/>
             </a:solidFill>
           </a:ln>
         </p:spPr>
@@ -7670,36 +9430,72 @@
           </a:bodyPr>
           <a:lstStyle/>
           <a:p>
+            <a:pPr algn="l"/>
             <a:r>
               <a:rPr lang="en-US" sz="1200" dirty="0">
-                <a:ln w="0"/>
-                <a:solidFill>
-                  <a:schemeClr val="accent5"/>
+                <a:solidFill>
+                  <a:sysClr val="windowText" lastClr="000000"/>
                 </a:solidFill>
                 <a:latin typeface="Arial" panose="020B0604020202020204" pitchFamily="34" charset="0"/>
                 <a:cs typeface="Arial" panose="020B0604020202020204" pitchFamily="34" charset="0"/>
               </a:rPr>
-              <a:t>VPC</a:t>
-            </a:r>
-          </a:p>
-        </p:txBody>
-      </p:sp>
-      <p:sp>
-        <p:nvSpPr>
-          <p:cNvPr id="32" name="Rectangle 31">
-            <a:extLst>
-              <a:ext uri="{FF2B5EF4-FFF2-40B4-BE49-F238E27FC236}">
-                <a16:creationId xmlns:a16="http://schemas.microsoft.com/office/drawing/2014/main" id="{0EB8B091-E866-5B45-9D39-DB380AE8EEA5}"/>
+              <a:t>AWS Cloud</a:t>
+            </a:r>
+          </a:p>
+        </p:txBody>
+      </p:sp>
+      <p:pic>
+        <p:nvPicPr>
+          <p:cNvPr id="36" name="Graphic 35">
+            <a:extLst>
+              <a:ext uri="{FF2B5EF4-FFF2-40B4-BE49-F238E27FC236}">
+                <a16:creationId xmlns:a16="http://schemas.microsoft.com/office/drawing/2014/main" id="{57B6EAE4-66F4-694C-AEFF-8077B029FACF}"/>
+              </a:ext>
+            </a:extLst>
+          </p:cNvPr>
+          <p:cNvPicPr>
+            <a:picLocks noChangeAspect="1"/>
+          </p:cNvPicPr>
+          <p:nvPr/>
+        </p:nvPicPr>
+        <p:blipFill>
+          <a:blip r:embed="rId2">
+            <a:extLst>
+              <a:ext uri="{96DAC541-7B7A-43D3-8B79-37D633B846F1}">
+                <asvg:svgBlip xmlns="" xmlns:asvg="http://schemas.microsoft.com/office/drawing/2016/SVG/main" r:embed="rId3"/>
+              </a:ext>
+            </a:extLst>
+          </a:blip>
+          <a:stretch>
+            <a:fillRect/>
+          </a:stretch>
+        </p:blipFill>
+        <p:spPr>
+          <a:xfrm>
+            <a:off x="3600600" y="2111381"/>
+            <a:ext cx="330200" cy="330200"/>
+          </a:xfrm>
+          <a:prstGeom prst="rect">
+            <a:avLst/>
+          </a:prstGeom>
+        </p:spPr>
+      </p:pic>
+      <p:sp>
+        <p:nvSpPr>
+          <p:cNvPr id="21" name="Rectangle 20">
+            <a:extLst>
+              <a:ext uri="{FF2B5EF4-FFF2-40B4-BE49-F238E27FC236}">
+                <a16:creationId xmlns:a16="http://schemas.microsoft.com/office/drawing/2014/main" id="{804AC3CC-3D6D-3944-BFA5-3E9C058A2F60}"/>
               </a:ext>
             </a:extLst>
           </p:cNvPr>
           <p:cNvSpPr/>
           <p:nvPr/>
         </p:nvSpPr>
-        <p:spPr>
-          <a:xfrm>
-            <a:off x="242630" y="687468"/>
-            <a:ext cx="11811431" cy="5469491"/>
+        <p:spPr bwMode="auto">
+          <a:xfrm>
+            <a:off x="4086929" y="2452959"/>
+            <a:ext cx="3104323" cy="3291744"/>
           </a:xfrm>
           <a:prstGeom prst="rect">
             <a:avLst/>
@@ -7707,8 +9503,9 @@
           <a:noFill/>
           <a:ln w="12700">
             <a:solidFill>
-              <a:schemeClr val="tx1"/>
+              <a:srgbClr val="5B9CD5"/>
             </a:solidFill>
+            <a:prstDash val="dash"/>
           </a:ln>
         </p:spPr>
         <p:style>
@@ -7728,44 +9525,100 @@
           </a:fontRef>
         </p:style>
         <p:txBody>
-          <a:bodyPr rot="0" spcFirstLastPara="0" vertOverflow="overflow" horzOverflow="overflow" vert="horz" wrap="square" lIns="457200" tIns="91440" rIns="91440" bIns="45720" numCol="1" spcCol="0" rtlCol="0" fromWordArt="0" anchor="t" anchorCtr="0" forceAA="0" compatLnSpc="1">
-            <a:prstTxWarp prst="textNoShape">
-              <a:avLst/>
-            </a:prstTxWarp>
-            <a:noAutofit/>
-          </a:bodyPr>
-          <a:lstStyle/>
-          <a:p>
-            <a:pPr algn="l"/>
+          <a:bodyPr tIns="91440"/>
+          <a:lstStyle/>
+          <a:p>
+            <a:pPr algn="ctr" eaLnBrk="1" fontAlgn="auto" hangingPunct="1">
+              <a:spcBef>
+                <a:spcPts val="0"/>
+              </a:spcBef>
+              <a:spcAft>
+                <a:spcPts val="0"/>
+              </a:spcAft>
+              <a:defRPr/>
+            </a:pPr>
             <a:r>
               <a:rPr lang="en-US" sz="1200" dirty="0">
                 <a:solidFill>
-                  <a:sysClr val="windowText" lastClr="000000"/>
+                  <a:srgbClr val="5B9CD5"/>
                 </a:solidFill>
                 <a:latin typeface="Arial" panose="020B0604020202020204" pitchFamily="34" charset="0"/>
                 <a:cs typeface="Arial" panose="020B0604020202020204" pitchFamily="34" charset="0"/>
               </a:rPr>
-              <a:t>AWS Cloud</a:t>
-            </a:r>
-          </a:p>
-        </p:txBody>
-      </p:sp>
-      <p:sp>
-        <p:nvSpPr>
-          <p:cNvPr id="33" name="Rectangle 32">
-            <a:extLst>
-              <a:ext uri="{FF2B5EF4-FFF2-40B4-BE49-F238E27FC236}">
-                <a16:creationId xmlns:a16="http://schemas.microsoft.com/office/drawing/2014/main" id="{2BBBCCDD-1FC1-5745-81F7-77B80C06A4DB}"/>
+              <a:t>Availability </a:t>
+            </a:r>
+            <a:r>
+              <a:rPr lang="en-US" sz="1200" dirty="0" smtClean="0">
+                <a:solidFill>
+                  <a:srgbClr val="5B9CD5"/>
+                </a:solidFill>
+                <a:latin typeface="Arial" panose="020B0604020202020204" pitchFamily="34" charset="0"/>
+                <a:cs typeface="Arial" panose="020B0604020202020204" pitchFamily="34" charset="0"/>
+              </a:rPr>
+              <a:t>Zone</a:t>
+            </a:r>
+            <a:endParaRPr lang="en-US" sz="1200" dirty="0">
+              <a:solidFill>
+                <a:srgbClr val="5B9CD5"/>
+              </a:solidFill>
+              <a:latin typeface="Arial" panose="020B0604020202020204" pitchFamily="34" charset="0"/>
+              <a:cs typeface="Arial" panose="020B0604020202020204" pitchFamily="34" charset="0"/>
+            </a:endParaRPr>
+          </a:p>
+        </p:txBody>
+      </p:sp>
+      <p:pic>
+        <p:nvPicPr>
+          <p:cNvPr id="22" name="Graphic 36">
+            <a:extLst>
+              <a:ext uri="{FF2B5EF4-FFF2-40B4-BE49-F238E27FC236}">
+                <a16:creationId xmlns:a16="http://schemas.microsoft.com/office/drawing/2014/main" id="{D1E139A0-6B92-0642-9159-E1076FD738FE}"/>
+              </a:ext>
+            </a:extLst>
+          </p:cNvPr>
+          <p:cNvPicPr>
+            <a:picLocks noChangeAspect="1"/>
+          </p:cNvPicPr>
+          <p:nvPr/>
+        </p:nvPicPr>
+        <p:blipFill>
+          <a:blip r:embed="rId4">
+            <a:extLst>
+              <a:ext uri="{96DAC541-7B7A-43D3-8B79-37D633B846F1}">
+                <asvg:svgBlip xmlns="" xmlns:asvg="http://schemas.microsoft.com/office/drawing/2016/SVG/main" r:embed="rId5"/>
+              </a:ext>
+            </a:extLst>
+          </a:blip>
+          <a:stretch>
+            <a:fillRect/>
+          </a:stretch>
+        </p:blipFill>
+        <p:spPr>
+          <a:xfrm>
+            <a:off x="3665111" y="2809327"/>
+            <a:ext cx="330200" cy="330200"/>
+          </a:xfrm>
+          <a:prstGeom prst="rect">
+            <a:avLst/>
+          </a:prstGeom>
+        </p:spPr>
+      </p:pic>
+      <p:sp>
+        <p:nvSpPr>
+          <p:cNvPr id="23" name="Rectangle 22">
+            <a:extLst>
+              <a:ext uri="{FF2B5EF4-FFF2-40B4-BE49-F238E27FC236}">
+                <a16:creationId xmlns:a16="http://schemas.microsoft.com/office/drawing/2014/main" id="{A40064E4-087F-B845-A335-3083F0BB5979}"/>
               </a:ext>
             </a:extLst>
           </p:cNvPr>
           <p:cNvSpPr/>
           <p:nvPr/>
         </p:nvSpPr>
-        <p:spPr>
-          <a:xfrm>
-            <a:off x="1108827" y="998863"/>
-            <a:ext cx="3427310" cy="4630860"/>
+        <p:spPr bwMode="auto">
+          <a:xfrm>
+            <a:off x="3669936" y="2805880"/>
+            <a:ext cx="3648316" cy="2837222"/>
           </a:xfrm>
           <a:prstGeom prst="rect">
             <a:avLst/>
@@ -7773,9 +9626,8 @@
           <a:noFill/>
           <a:ln w="12700">
             <a:solidFill>
-              <a:schemeClr val="accent3"/>
+              <a:srgbClr val="1E8900"/>
             </a:solidFill>
-            <a:prstDash val="dash"/>
           </a:ln>
         </p:spPr>
         <p:style>
@@ -7795,7 +9647,239 @@
           </a:fontRef>
         </p:style>
         <p:txBody>
-          <a:bodyPr rot="0" spcFirstLastPara="0" vertOverflow="overflow" horzOverflow="overflow" vert="horz" wrap="square" lIns="91440" tIns="91440" rIns="91440" bIns="45720" numCol="1" spcCol="0" rtlCol="0" fromWordArt="0" anchor="t" anchorCtr="0" forceAA="0" compatLnSpc="1">
+          <a:bodyPr lIns="457200" tIns="91440"/>
+          <a:lstStyle/>
+          <a:p>
+            <a:pPr eaLnBrk="1" fontAlgn="auto" hangingPunct="1">
+              <a:spcBef>
+                <a:spcPts val="0"/>
+              </a:spcBef>
+              <a:spcAft>
+                <a:spcPts val="0"/>
+              </a:spcAft>
+              <a:defRPr/>
+            </a:pPr>
+            <a:r>
+              <a:rPr lang="en-US" sz="1200" dirty="0">
+                <a:ln w="0"/>
+                <a:solidFill>
+                  <a:srgbClr val="1E8900"/>
+                </a:solidFill>
+                <a:latin typeface="Arial" panose="020B0604020202020204" pitchFamily="34" charset="0"/>
+                <a:cs typeface="Arial" panose="020B0604020202020204" pitchFamily="34" charset="0"/>
+              </a:rPr>
+              <a:t>VPC</a:t>
+            </a:r>
+          </a:p>
+        </p:txBody>
+      </p:sp>
+      <p:pic>
+        <p:nvPicPr>
+          <p:cNvPr id="25" name="Graphic 13">
+            <a:extLst>
+              <a:ext uri="{FF2B5EF4-FFF2-40B4-BE49-F238E27FC236}">
+                <a16:creationId xmlns:a16="http://schemas.microsoft.com/office/drawing/2014/main" id="{70274855-208B-F84A-91BD-0E2073330EBD}"/>
+              </a:ext>
+            </a:extLst>
+          </p:cNvPr>
+          <p:cNvPicPr>
+            <a:picLocks noChangeAspect="1" noChangeArrowheads="1"/>
+          </p:cNvPicPr>
+          <p:nvPr/>
+        </p:nvPicPr>
+        <p:blipFill>
+          <a:blip r:embed="rId6">
+            <a:extLst>
+              <a:ext uri="{28A0092B-C50C-407E-A947-70E740481C1C}">
+                <a14:useLocalDpi xmlns:a14="http://schemas.microsoft.com/office/drawing/2010/main" val="0"/>
+              </a:ext>
+            </a:extLst>
+          </a:blip>
+          <a:srcRect/>
+          <a:stretch>
+            <a:fillRect/>
+          </a:stretch>
+        </p:blipFill>
+        <p:spPr bwMode="auto">
+          <a:xfrm>
+            <a:off x="4206097" y="3221770"/>
+            <a:ext cx="273050" cy="274637"/>
+          </a:xfrm>
+          <a:prstGeom prst="rect">
+            <a:avLst/>
+          </a:prstGeom>
+          <a:noFill/>
+          <a:ln>
+            <a:noFill/>
+          </a:ln>
+          <a:extLst>
+            <a:ext uri="{909E8E84-426E-40DD-AFC4-6F175D3DCCD1}">
+              <a14:hiddenFill xmlns:a14="http://schemas.microsoft.com/office/drawing/2010/main">
+                <a:solidFill>
+                  <a:srgbClr val="FFFFFF"/>
+                </a:solidFill>
+              </a14:hiddenFill>
+            </a:ext>
+            <a:ext uri="{91240B29-F687-4F45-9708-019B960494DF}">
+              <a14:hiddenLine xmlns:a14="http://schemas.microsoft.com/office/drawing/2010/main" w="9525">
+                <a:solidFill>
+                  <a:srgbClr val="000000"/>
+                </a:solidFill>
+                <a:miter lim="800000"/>
+                <a:headEnd/>
+                <a:tailEnd/>
+              </a14:hiddenLine>
+            </a:ext>
+          </a:extLst>
+        </p:spPr>
+      </p:pic>
+      <p:pic>
+        <p:nvPicPr>
+          <p:cNvPr id="62" name="Graphic 61">
+            <a:extLst>
+              <a:ext uri="{FF2B5EF4-FFF2-40B4-BE49-F238E27FC236}">
+                <a16:creationId xmlns:a16="http://schemas.microsoft.com/office/drawing/2014/main" id="{1C9DE02C-6A7E-AC4A-AD06-EAE739073059}"/>
+              </a:ext>
+            </a:extLst>
+          </p:cNvPr>
+          <p:cNvPicPr>
+            <a:picLocks noChangeAspect="1"/>
+          </p:cNvPicPr>
+          <p:nvPr/>
+        </p:nvPicPr>
+        <p:blipFill>
+          <a:blip r:embed="rId7">
+            <a:extLst>
+              <a:ext uri="{96DAC541-7B7A-43D3-8B79-37D633B846F1}">
+                <asvg:svgBlip xmlns="" xmlns:asvg="http://schemas.microsoft.com/office/drawing/2016/SVG/main" r:embed="rId9"/>
+              </a:ext>
+            </a:extLst>
+          </a:blip>
+          <a:stretch>
+            <a:fillRect/>
+          </a:stretch>
+        </p:blipFill>
+        <p:spPr>
+          <a:xfrm>
+            <a:off x="5410039" y="3932919"/>
+            <a:ext cx="469900" cy="469900"/>
+          </a:xfrm>
+          <a:prstGeom prst="rect">
+            <a:avLst/>
+          </a:prstGeom>
+        </p:spPr>
+      </p:pic>
+      <p:sp>
+        <p:nvSpPr>
+          <p:cNvPr id="66" name="TextBox 65">
+            <a:extLst>
+              <a:ext uri="{FF2B5EF4-FFF2-40B4-BE49-F238E27FC236}">
+                <a16:creationId xmlns:a16="http://schemas.microsoft.com/office/drawing/2014/main" id="{1692D169-85DA-CA46-901E-29B7FF31CC49}"/>
+              </a:ext>
+            </a:extLst>
+          </p:cNvPr>
+          <p:cNvSpPr txBox="1"/>
+          <p:nvPr/>
+        </p:nvSpPr>
+        <p:spPr>
+          <a:xfrm>
+            <a:off x="4683425" y="4822349"/>
+            <a:ext cx="1884199" cy="461665"/>
+          </a:xfrm>
+          <a:prstGeom prst="rect">
+            <a:avLst/>
+          </a:prstGeom>
+          <a:noFill/>
+        </p:spPr>
+        <p:txBody>
+          <a:bodyPr wrap="square" rtlCol="0">
+            <a:spAutoFit/>
+          </a:bodyPr>
+          <a:lstStyle/>
+          <a:p>
+            <a:pPr algn="ctr"/>
+            <a:r>
+              <a:rPr lang="en-US" sz="1200" dirty="0">
+                <a:latin typeface="Arial" panose="020B0604020202020204" pitchFamily="34" charset="0"/>
+                <a:cs typeface="Arial" panose="020B0604020202020204" pitchFamily="34" charset="0"/>
+              </a:rPr>
+              <a:t>IRIS </a:t>
+            </a:r>
+            <a:r>
+              <a:rPr lang="en-US" sz="1200" dirty="0" smtClean="0">
+                <a:latin typeface="Arial" panose="020B0604020202020204" pitchFamily="34" charset="0"/>
+                <a:cs typeface="Arial" panose="020B0604020202020204" pitchFamily="34" charset="0"/>
+              </a:rPr>
+              <a:t>instance with </a:t>
+            </a:r>
+            <a:br>
+              <a:rPr lang="en-US" sz="1200" dirty="0" smtClean="0">
+                <a:latin typeface="Arial" panose="020B0604020202020204" pitchFamily="34" charset="0"/>
+                <a:cs typeface="Arial" panose="020B0604020202020204" pitchFamily="34" charset="0"/>
+              </a:rPr>
+            </a:br>
+            <a:r>
+              <a:rPr lang="en-US" sz="1200" dirty="0" smtClean="0">
+                <a:latin typeface="Arial" panose="020B0604020202020204" pitchFamily="34" charset="0"/>
+                <a:cs typeface="Arial" panose="020B0604020202020204" pitchFamily="34" charset="0"/>
+              </a:rPr>
+              <a:t>Amazon EBS </a:t>
+            </a:r>
+            <a:r>
+              <a:rPr lang="en-US" sz="1200" dirty="0">
+                <a:latin typeface="Arial" panose="020B0604020202020204" pitchFamily="34" charset="0"/>
+                <a:cs typeface="Arial" panose="020B0604020202020204" pitchFamily="34" charset="0"/>
+              </a:rPr>
+              <a:t>volumes</a:t>
+            </a:r>
+          </a:p>
+        </p:txBody>
+      </p:sp>
+      <p:sp>
+        <p:nvSpPr>
+          <p:cNvPr id="40" name="Rectangle 39">
+            <a:extLst>
+              <a:ext uri="{FF2B5EF4-FFF2-40B4-BE49-F238E27FC236}">
+                <a16:creationId xmlns:a16="http://schemas.microsoft.com/office/drawing/2014/main" id="{42483CEE-DC03-FB4E-985D-BFDBD737EA11}"/>
+              </a:ext>
+            </a:extLst>
+          </p:cNvPr>
+          <p:cNvSpPr/>
+          <p:nvPr/>
+        </p:nvSpPr>
+        <p:spPr>
+          <a:xfrm>
+            <a:off x="4591211" y="3591214"/>
+            <a:ext cx="2048934" cy="1768142"/>
+          </a:xfrm>
+          <a:prstGeom prst="rect">
+            <a:avLst/>
+          </a:prstGeom>
+          <a:noFill/>
+          <a:ln w="12700">
+            <a:solidFill>
+              <a:srgbClr val="DF3312"/>
+            </a:solidFill>
+          </a:ln>
+        </p:spPr>
+        <p:style>
+          <a:lnRef idx="2">
+            <a:schemeClr val="accent1">
+              <a:shade val="50000"/>
+            </a:schemeClr>
+          </a:lnRef>
+          <a:fillRef idx="1">
+            <a:schemeClr val="accent1"/>
+          </a:fillRef>
+          <a:effectRef idx="0">
+            <a:schemeClr val="accent1"/>
+          </a:effectRef>
+          <a:fontRef idx="minor">
+            <a:schemeClr val="lt1"/>
+          </a:fontRef>
+        </p:style>
+        <p:txBody>
+          <a:bodyPr rot="0" spcFirstLastPara="0" vertOverflow="overflow" horzOverflow="overflow" vert="horz" wrap="square" lIns="91440" tIns="91440" rIns="91440" bIns="45720" numCol="1" spcCol="0" rtlCol="0" fromWordArt="0" anchor="t" anchorCtr="1" forceAA="0" compatLnSpc="1">
             <a:prstTxWarp prst="textNoShape">
               <a:avLst/>
             </a:prstTxWarp>
@@ -7803,98 +9887,85 @@
           </a:bodyPr>
           <a:lstStyle/>
           <a:p>
-            <a:pPr algn="ctr"/>
             <a:r>
               <a:rPr lang="en-US" sz="1200" dirty="0">
                 <a:solidFill>
-                  <a:schemeClr val="accent3"/>
+                  <a:srgbClr val="DF3312"/>
                 </a:solidFill>
                 <a:latin typeface="Arial" panose="020B0604020202020204" pitchFamily="34" charset="0"/>
                 <a:cs typeface="Arial" panose="020B0604020202020204" pitchFamily="34" charset="0"/>
               </a:rPr>
-              <a:t>Availability Zone A</a:t>
+              <a:t>Security group</a:t>
             </a:r>
           </a:p>
         </p:txBody>
       </p:sp>
       <p:pic>
         <p:nvPicPr>
-          <p:cNvPr id="36" name="Graphic 35">
-            <a:extLst>
-              <a:ext uri="{FF2B5EF4-FFF2-40B4-BE49-F238E27FC236}">
-                <a16:creationId xmlns:a16="http://schemas.microsoft.com/office/drawing/2014/main" id="{57B6EAE4-66F4-694C-AEFF-8077B029FACF}"/>
+          <p:cNvPr id="26" name="Graphic 24">
+            <a:extLst>
+              <a:ext uri="{FF2B5EF4-FFF2-40B4-BE49-F238E27FC236}">
+                <a16:creationId xmlns:a16="http://schemas.microsoft.com/office/drawing/2014/main" id="{4B5D5EE4-B438-8F43-B248-068CC1A6D772}"/>
               </a:ext>
             </a:extLst>
           </p:cNvPr>
           <p:cNvPicPr>
-            <a:picLocks noChangeAspect="1"/>
+            <a:picLocks noChangeAspect="1" noChangeArrowheads="1"/>
           </p:cNvPicPr>
           <p:nvPr/>
         </p:nvPicPr>
         <p:blipFill>
-          <a:blip r:embed="rId2">
-            <a:extLst>
-              <a:ext uri="{96DAC541-7B7A-43D3-8B79-37D633B846F1}">
-                <asvg:svgBlip xmlns:asvg="http://schemas.microsoft.com/office/drawing/2016/SVG/main" xmlns="" r:embed="rId3"/>
+          <a:blip r:embed="rId10">
+            <a:extLst>
+              <a:ext uri="{28A0092B-C50C-407E-A947-70E740481C1C}">
+                <a14:useLocalDpi xmlns:a14="http://schemas.microsoft.com/office/drawing/2010/main" val="0"/>
               </a:ext>
             </a:extLst>
           </a:blip>
+          <a:srcRect/>
           <a:stretch>
             <a:fillRect/>
           </a:stretch>
         </p:blipFill>
-        <p:spPr>
-          <a:xfrm>
-            <a:off x="233881" y="696570"/>
-            <a:ext cx="330200" cy="330200"/>
-          </a:xfrm>
-          <a:prstGeom prst="rect">
-            <a:avLst/>
-          </a:prstGeom>
+        <p:spPr bwMode="auto">
+          <a:xfrm>
+            <a:off x="5422739" y="4394670"/>
+            <a:ext cx="457200" cy="457200"/>
+          </a:xfrm>
+          <a:prstGeom prst="rect">
+            <a:avLst/>
+          </a:prstGeom>
+          <a:noFill/>
+          <a:ln>
+            <a:noFill/>
+          </a:ln>
+          <a:extLst>
+            <a:ext uri="{909E8E84-426E-40DD-AFC4-6F175D3DCCD1}">
+              <a14:hiddenFill xmlns:a14="http://schemas.microsoft.com/office/drawing/2010/main">
+                <a:solidFill>
+                  <a:srgbClr val="FFFFFF"/>
+                </a:solidFill>
+              </a14:hiddenFill>
+            </a:ext>
+            <a:ext uri="{91240B29-F687-4F45-9708-019B960494DF}">
+              <a14:hiddenLine xmlns:a14="http://schemas.microsoft.com/office/drawing/2010/main" w="9525">
+                <a:solidFill>
+                  <a:srgbClr val="000000"/>
+                </a:solidFill>
+                <a:miter lim="800000"/>
+                <a:headEnd/>
+                <a:tailEnd/>
+              </a14:hiddenLine>
+            </a:ext>
+          </a:extLst>
         </p:spPr>
       </p:pic>
-      <p:pic>
-        <p:nvPicPr>
-          <p:cNvPr id="37" name="Graphic 36">
-            <a:extLst>
-              <a:ext uri="{FF2B5EF4-FFF2-40B4-BE49-F238E27FC236}">
-                <a16:creationId xmlns:a16="http://schemas.microsoft.com/office/drawing/2014/main" id="{D1E139A0-6B92-0642-9159-E1076FD738FE}"/>
-              </a:ext>
-            </a:extLst>
-          </p:cNvPr>
-          <p:cNvPicPr>
-            <a:picLocks noChangeAspect="1"/>
-          </p:cNvPicPr>
-          <p:nvPr/>
-        </p:nvPicPr>
-        <p:blipFill>
-          <a:blip r:embed="rId4">
-            <a:extLst>
-              <a:ext uri="{96DAC541-7B7A-43D3-8B79-37D633B846F1}">
-                <asvg:svgBlip xmlns:asvg="http://schemas.microsoft.com/office/drawing/2016/SVG/main" xmlns="" r:embed="rId5"/>
-              </a:ext>
-            </a:extLst>
-          </a:blip>
-          <a:stretch>
-            <a:fillRect/>
-          </a:stretch>
-        </p:blipFill>
-        <p:spPr>
-          <a:xfrm>
-            <a:off x="383215" y="1332101"/>
-            <a:ext cx="330200" cy="330200"/>
-          </a:xfrm>
-          <a:prstGeom prst="rect">
-            <a:avLst/>
-          </a:prstGeom>
-        </p:spPr>
-      </p:pic>
-      <p:sp>
-        <p:nvSpPr>
-          <p:cNvPr id="10" name="TextBox 9">
-            <a:extLst>
-              <a:ext uri="{FF2B5EF4-FFF2-40B4-BE49-F238E27FC236}">
-                <a16:creationId xmlns:a16="http://schemas.microsoft.com/office/drawing/2014/main" id="{4D9098AC-64CF-9B4E-8400-B158A5E75BE2}"/>
+      <p:sp>
+        <p:nvSpPr>
+          <p:cNvPr id="15" name="TextBox 14">
+            <a:extLst>
+              <a:ext uri="{FF2B5EF4-FFF2-40B4-BE49-F238E27FC236}">
+                <a16:creationId xmlns:a16="http://schemas.microsoft.com/office/drawing/2014/main" id="{3801DBBB-7205-B74C-A173-6D5401D93A49}"/>
               </a:ext>
             </a:extLst>
           </p:cNvPr>
@@ -7903,8 +9974,8 @@
         </p:nvSpPr>
         <p:spPr>
           <a:xfrm>
-            <a:off x="4168917" y="5352724"/>
-            <a:ext cx="2006600" cy="276999"/>
+            <a:off x="2686603" y="1129085"/>
+            <a:ext cx="5716276" cy="276999"/>
           </a:xfrm>
           <a:prstGeom prst="rect">
             <a:avLst/>
@@ -7919,24 +9990,107 @@
           <a:p>
             <a:pPr algn="ctr"/>
             <a:r>
-              <a:rPr lang="en-US" sz="1200" dirty="0">
-                <a:solidFill>
-                  <a:schemeClr val="accent5"/>
+              <a:rPr lang="en-US" sz="1200" dirty="0" smtClean="0">
+                <a:solidFill>
+                  <a:srgbClr val="FF0000"/>
                 </a:solidFill>
                 <a:latin typeface="Arial" panose="020B0604020202020204" pitchFamily="34" charset="0"/>
                 <a:cs typeface="Arial" panose="020B0604020202020204" pitchFamily="34" charset="0"/>
               </a:rPr>
-              <a:t>10.0.0.0/16</a:t>
-            </a:r>
-          </a:p>
-        </p:txBody>
-      </p:sp>
-      <p:sp>
-        <p:nvSpPr>
-          <p:cNvPr id="58" name="Rectangle 57">
-            <a:extLst>
-              <a:ext uri="{FF2B5EF4-FFF2-40B4-BE49-F238E27FC236}">
-                <a16:creationId xmlns:a16="http://schemas.microsoft.com/office/drawing/2014/main" id="{686316C1-6236-0D40-BFA1-F4C6CBA8F4E0}"/>
+              <a:t>The deployment guide doesn’t seem to need this diagram.</a:t>
+            </a:r>
+            <a:endParaRPr lang="en-US" sz="1200" dirty="0">
+              <a:solidFill>
+                <a:srgbClr val="FF0000"/>
+              </a:solidFill>
+              <a:latin typeface="Arial" panose="020B0604020202020204" pitchFamily="34" charset="0"/>
+              <a:cs typeface="Arial" panose="020B0604020202020204" pitchFamily="34" charset="0"/>
+            </a:endParaRPr>
+          </a:p>
+        </p:txBody>
+      </p:sp>
+    </p:spTree>
+    <p:extLst>
+      <p:ext uri="{BB962C8B-B14F-4D97-AF65-F5344CB8AC3E}">
+        <p14:creationId xmlns:p14="http://schemas.microsoft.com/office/powerpoint/2010/main" val="3895303850"/>
+      </p:ext>
+    </p:extLst>
+  </p:cSld>
+  <p:clrMapOvr>
+    <a:masterClrMapping/>
+  </p:clrMapOvr>
+</p:sld>
+</file>
+
+<file path=ppt/slides/slide4.xml><?xml version="1.0" encoding="utf-8"?>
+<p:sld xmlns:a="http://schemas.openxmlformats.org/drawingml/2006/main" xmlns:r="http://schemas.openxmlformats.org/officeDocument/2006/relationships" xmlns:p="http://schemas.openxmlformats.org/presentationml/2006/main">
+  <p:cSld>
+    <p:spTree>
+      <p:nvGrpSpPr>
+        <p:cNvPr id="1" name=""/>
+        <p:cNvGrpSpPr/>
+        <p:nvPr/>
+      </p:nvGrpSpPr>
+      <p:grpSpPr>
+        <a:xfrm>
+          <a:off x="0" y="0"/>
+          <a:ext cx="0" cy="0"/>
+          <a:chOff x="0" y="0"/>
+          <a:chExt cx="0" cy="0"/>
+        </a:xfrm>
+      </p:grpSpPr>
+      <p:cxnSp>
+        <p:nvCxnSpPr>
+          <p:cNvPr id="50" name="Straight Arrow Connector 49">
+            <a:extLst>
+              <a:ext uri="{FF2B5EF4-FFF2-40B4-BE49-F238E27FC236}">
+                <a16:creationId xmlns:a16="http://schemas.microsoft.com/office/drawing/2014/main" id="{239B9CCA-9EF0-3346-BB60-0E30B232B75B}"/>
+              </a:ext>
+            </a:extLst>
+          </p:cNvPr>
+          <p:cNvCxnSpPr>
+            <a:cxnSpLocks/>
+          </p:cNvCxnSpPr>
+          <p:nvPr/>
+        </p:nvCxnSpPr>
+        <p:spPr>
+          <a:xfrm>
+            <a:off x="3484293" y="3333205"/>
+            <a:ext cx="7111093" cy="0"/>
+          </a:xfrm>
+          <a:prstGeom prst="straightConnector1">
+            <a:avLst/>
+          </a:prstGeom>
+          <a:ln w="12700">
+            <a:solidFill>
+              <a:srgbClr val="545B64"/>
+            </a:solidFill>
+            <a:prstDash val="sysDot"/>
+            <a:headEnd type="arrow" w="med" len="sm"/>
+            <a:tailEnd type="arrow" w="med" len="sm"/>
+          </a:ln>
+        </p:spPr>
+        <p:style>
+          <a:lnRef idx="1">
+            <a:schemeClr val="accent1"/>
+          </a:lnRef>
+          <a:fillRef idx="0">
+            <a:schemeClr val="accent1"/>
+          </a:fillRef>
+          <a:effectRef idx="0">
+            <a:schemeClr val="accent1"/>
+          </a:effectRef>
+          <a:fontRef idx="minor">
+            <a:schemeClr val="tx1"/>
+          </a:fontRef>
+        </p:style>
+      </p:cxnSp>
+      <p:sp>
+        <p:nvSpPr>
+          <p:cNvPr id="25" name="Rectangle 24">
+            <a:extLst>
+              <a:ext uri="{FF2B5EF4-FFF2-40B4-BE49-F238E27FC236}">
+                <a16:creationId xmlns:a16="http://schemas.microsoft.com/office/drawing/2014/main" id="{AFDFD0F2-6FD1-6340-A522-95D60CC6BC29}"/>
               </a:ext>
             </a:extLst>
           </p:cNvPr>
@@ -7945,8 +10099,8 @@
         </p:nvSpPr>
         <p:spPr>
           <a:xfrm>
-            <a:off x="1207438" y="1645538"/>
-            <a:ext cx="3218488" cy="3807490"/>
+            <a:off x="5765246" y="1658295"/>
+            <a:ext cx="3410057" cy="3807490"/>
           </a:xfrm>
           <a:prstGeom prst="rect">
             <a:avLst/>
@@ -8000,48 +10154,47 @@
           </a:p>
         </p:txBody>
       </p:sp>
-      <p:pic>
-        <p:nvPicPr>
-          <p:cNvPr id="59" name="Graphic 58">
-            <a:extLst>
-              <a:ext uri="{FF2B5EF4-FFF2-40B4-BE49-F238E27FC236}">
-                <a16:creationId xmlns:a16="http://schemas.microsoft.com/office/drawing/2014/main" id="{FDBF526C-3DAB-6641-B164-976DEAB7D79A}"/>
-              </a:ext>
-            </a:extLst>
-          </p:cNvPr>
-          <p:cNvPicPr>
-            <a:picLocks noChangeAspect="1"/>
-          </p:cNvPicPr>
-          <p:nvPr/>
-        </p:nvPicPr>
-        <p:blipFill>
-          <a:blip r:embed="rId6">
-            <a:extLst>
-              <a:ext uri="{96DAC541-7B7A-43D3-8B79-37D633B846F1}">
-                <asvg:svgBlip xmlns:asvg="http://schemas.microsoft.com/office/drawing/2016/SVG/main" xmlns="" r:embed="rId7"/>
-              </a:ext>
-            </a:extLst>
-          </a:blip>
-          <a:stretch>
-            <a:fillRect/>
-          </a:stretch>
-        </p:blipFill>
-        <p:spPr>
-          <a:xfrm>
-            <a:off x="1207437" y="1658295"/>
-            <a:ext cx="336570" cy="336570"/>
-          </a:xfrm>
-          <a:prstGeom prst="rect">
-            <a:avLst/>
-          </a:prstGeom>
-        </p:spPr>
-      </p:pic>
-      <p:sp>
-        <p:nvSpPr>
-          <p:cNvPr id="60" name="TextBox 59">
-            <a:extLst>
-              <a:ext uri="{FF2B5EF4-FFF2-40B4-BE49-F238E27FC236}">
-                <a16:creationId xmlns:a16="http://schemas.microsoft.com/office/drawing/2014/main" id="{52E97BBF-9BCD-9F45-B2AE-680F1D03D8B9}"/>
+      <p:sp>
+        <p:nvSpPr>
+          <p:cNvPr id="2" name="Slide Number Placeholder 1">
+            <a:extLst>
+              <a:ext uri="{FF2B5EF4-FFF2-40B4-BE49-F238E27FC236}">
+                <a16:creationId xmlns:a16="http://schemas.microsoft.com/office/drawing/2014/main" id="{6A6FB180-BE86-554F-BF49-941A6E48AF29}"/>
+              </a:ext>
+            </a:extLst>
+          </p:cNvPr>
+          <p:cNvSpPr>
+            <a:spLocks noGrp="1"/>
+          </p:cNvSpPr>
+          <p:nvPr>
+            <p:ph type="sldNum" sz="quarter" idx="4"/>
+          </p:nvPr>
+        </p:nvSpPr>
+        <p:spPr/>
+        <p:txBody>
+          <a:bodyPr/>
+          <a:lstStyle/>
+          <a:p>
+            <a:fld id="{0E0E0192-C642-4D4F-AE82-A0D0DC02E26B}" type="slidenum">
+              <a:rPr lang="en-US" smtClean="0">
+                <a:latin typeface="Arial" panose="020B0604020202020204" pitchFamily="34" charset="0"/>
+                <a:cs typeface="Arial" panose="020B0604020202020204" pitchFamily="34" charset="0"/>
+              </a:rPr>
+              <a:t>4</a:t>
+            </a:fld>
+            <a:endParaRPr lang="en-US" dirty="0">
+              <a:latin typeface="Arial" panose="020B0604020202020204" pitchFamily="34" charset="0"/>
+              <a:cs typeface="Arial" panose="020B0604020202020204" pitchFamily="34" charset="0"/>
+            </a:endParaRPr>
+          </a:p>
+        </p:txBody>
+      </p:sp>
+      <p:sp>
+        <p:nvSpPr>
+          <p:cNvPr id="3" name="TextBox 2">
+            <a:extLst>
+              <a:ext uri="{FF2B5EF4-FFF2-40B4-BE49-F238E27FC236}">
+                <a16:creationId xmlns:a16="http://schemas.microsoft.com/office/drawing/2014/main" id="{3801DBBB-7205-B74C-A173-6D5401D93A49}"/>
               </a:ext>
             </a:extLst>
           </p:cNvPr>
@@ -8050,8 +10203,8 @@
         </p:nvSpPr>
         <p:spPr>
           <a:xfrm>
-            <a:off x="1877295" y="5168314"/>
-            <a:ext cx="2006600" cy="276999"/>
+            <a:off x="242630" y="0"/>
+            <a:ext cx="2417275" cy="338554"/>
           </a:xfrm>
           <a:prstGeom prst="rect">
             <a:avLst/>
@@ -8064,189 +10217,26 @@
           </a:bodyPr>
           <a:lstStyle/>
           <a:p>
-            <a:pPr algn="ctr"/>
-            <a:r>
-              <a:rPr lang="en-US" sz="1200" dirty="0">
-                <a:solidFill>
-                  <a:schemeClr val="accent5"/>
-                </a:solidFill>
+            <a:r>
+              <a:rPr lang="en-US" sz="1600" b="1" dirty="0">
                 <a:latin typeface="Arial" panose="020B0604020202020204" pitchFamily="34" charset="0"/>
                 <a:cs typeface="Arial" panose="020B0604020202020204" pitchFamily="34" charset="0"/>
               </a:rPr>
-              <a:t>10.0.1.0/24</a:t>
-            </a:r>
-          </a:p>
-        </p:txBody>
-      </p:sp>
-      <p:pic>
-        <p:nvPicPr>
-          <p:cNvPr id="62" name="Graphic 61">
-            <a:extLst>
-              <a:ext uri="{FF2B5EF4-FFF2-40B4-BE49-F238E27FC236}">
-                <a16:creationId xmlns:a16="http://schemas.microsoft.com/office/drawing/2014/main" id="{1C9DE02C-6A7E-AC4A-AD06-EAE739073059}"/>
-              </a:ext>
-            </a:extLst>
-          </p:cNvPr>
-          <p:cNvPicPr>
-            <a:picLocks noChangeAspect="1"/>
-          </p:cNvPicPr>
-          <p:nvPr/>
-        </p:nvPicPr>
-        <p:blipFill>
-          <a:blip r:embed="rId8">
-            <a:extLst>
-              <a:ext uri="{96DAC541-7B7A-43D3-8B79-37D633B846F1}">
-                <asvg:svgBlip xmlns:asvg="http://schemas.microsoft.com/office/drawing/2016/SVG/main" xmlns="" r:embed="rId9"/>
-              </a:ext>
-            </a:extLst>
-          </a:blip>
-          <a:stretch>
-            <a:fillRect/>
-          </a:stretch>
-        </p:blipFill>
-        <p:spPr>
-          <a:xfrm>
-            <a:off x="7084161" y="2931400"/>
-            <a:ext cx="469900" cy="469900"/>
-          </a:xfrm>
-          <a:prstGeom prst="rect">
-            <a:avLst/>
-          </a:prstGeom>
-        </p:spPr>
-      </p:pic>
-      <p:sp>
-        <p:nvSpPr>
-          <p:cNvPr id="64" name="TextBox 63">
-            <a:extLst>
-              <a:ext uri="{FF2B5EF4-FFF2-40B4-BE49-F238E27FC236}">
-                <a16:creationId xmlns:a16="http://schemas.microsoft.com/office/drawing/2014/main" id="{E719BE9B-0FAB-4C44-B5A7-2590166AA18E}"/>
-              </a:ext>
-            </a:extLst>
-          </p:cNvPr>
-          <p:cNvSpPr txBox="1"/>
-          <p:nvPr/>
-        </p:nvSpPr>
-        <p:spPr>
-          <a:xfrm>
-            <a:off x="-31801" y="3111247"/>
-            <a:ext cx="1769070" cy="430887"/>
-          </a:xfrm>
-          <a:prstGeom prst="rect">
-            <a:avLst/>
-          </a:prstGeom>
-          <a:noFill/>
-        </p:spPr>
-        <p:txBody>
-          <a:bodyPr wrap="square" rtlCol="0">
-            <a:spAutoFit/>
-          </a:bodyPr>
-          <a:lstStyle/>
-          <a:p>
-            <a:pPr algn="ctr"/>
-            <a:r>
-              <a:rPr lang="en-US" sz="1050" dirty="0">
-                <a:latin typeface="Arial" panose="020B0604020202020204" pitchFamily="34" charset="0"/>
-                <a:cs typeface="Arial" panose="020B0604020202020204" pitchFamily="34" charset="0"/>
-              </a:rPr>
-              <a:t>Internet</a:t>
-            </a:r>
-            <a:br>
-              <a:rPr lang="en-US" sz="1050" dirty="0">
-                <a:latin typeface="Arial" panose="020B0604020202020204" pitchFamily="34" charset="0"/>
-                <a:cs typeface="Arial" panose="020B0604020202020204" pitchFamily="34" charset="0"/>
-              </a:rPr>
-            </a:br>
-            <a:r>
-              <a:rPr lang="en-US" sz="1050" dirty="0">
-                <a:latin typeface="Arial" panose="020B0604020202020204" pitchFamily="34" charset="0"/>
-                <a:cs typeface="Arial" panose="020B0604020202020204" pitchFamily="34" charset="0"/>
-              </a:rPr>
-              <a:t>gateway</a:t>
-            </a:r>
-          </a:p>
-        </p:txBody>
-      </p:sp>
-      <p:pic>
-        <p:nvPicPr>
-          <p:cNvPr id="65" name="Graphic 64">
-            <a:extLst>
-              <a:ext uri="{FF2B5EF4-FFF2-40B4-BE49-F238E27FC236}">
-                <a16:creationId xmlns:a16="http://schemas.microsoft.com/office/drawing/2014/main" id="{A32B1048-4801-9440-A1AC-D047A41463CB}"/>
-              </a:ext>
-            </a:extLst>
-          </p:cNvPr>
-          <p:cNvPicPr>
-            <a:picLocks noChangeAspect="1"/>
-          </p:cNvPicPr>
-          <p:nvPr/>
-        </p:nvPicPr>
-        <p:blipFill>
-          <a:blip r:embed="rId10">
-            <a:extLst>
-              <a:ext uri="{96DAC541-7B7A-43D3-8B79-37D633B846F1}">
-                <asvg:svgBlip xmlns:asvg="http://schemas.microsoft.com/office/drawing/2016/SVG/main" xmlns="" r:embed="rId11"/>
-              </a:ext>
-            </a:extLst>
-          </a:blip>
-          <a:stretch>
-            <a:fillRect/>
-          </a:stretch>
-        </p:blipFill>
-        <p:spPr>
-          <a:xfrm>
-            <a:off x="147648" y="3104468"/>
-            <a:ext cx="469900" cy="469900"/>
-          </a:xfrm>
-          <a:prstGeom prst="rect">
-            <a:avLst/>
-          </a:prstGeom>
-        </p:spPr>
-      </p:pic>
-      <p:sp>
-        <p:nvSpPr>
-          <p:cNvPr id="66" name="TextBox 65">
-            <a:extLst>
-              <a:ext uri="{FF2B5EF4-FFF2-40B4-BE49-F238E27FC236}">
-                <a16:creationId xmlns:a16="http://schemas.microsoft.com/office/drawing/2014/main" id="{1692D169-85DA-CA46-901E-29B7FF31CC49}"/>
-              </a:ext>
-            </a:extLst>
-          </p:cNvPr>
-          <p:cNvSpPr txBox="1"/>
-          <p:nvPr/>
-        </p:nvSpPr>
-        <p:spPr>
-          <a:xfrm>
-            <a:off x="6434576" y="3434799"/>
-            <a:ext cx="1769070" cy="276999"/>
-          </a:xfrm>
-          <a:prstGeom prst="rect">
-            <a:avLst/>
-          </a:prstGeom>
-          <a:noFill/>
-        </p:spPr>
-        <p:txBody>
-          <a:bodyPr wrap="square" rtlCol="0">
-            <a:spAutoFit/>
-          </a:bodyPr>
-          <a:lstStyle/>
-          <a:p>
-            <a:pPr algn="ctr"/>
-            <a:r>
-              <a:rPr lang="en-US" sz="1200" dirty="0">
-                <a:latin typeface="Arial" panose="020B0604020202020204" pitchFamily="34" charset="0"/>
-                <a:cs typeface="Arial" panose="020B0604020202020204" pitchFamily="34" charset="0"/>
-              </a:rPr>
-              <a:t>IRIS Mirror Node 2</a:t>
-            </a:r>
-          </a:p>
-        </p:txBody>
-      </p:sp>
-      <p:sp>
-        <p:nvSpPr>
-          <p:cNvPr id="40" name="Rectangle 39">
-            <a:extLst>
-              <a:ext uri="{FF2B5EF4-FFF2-40B4-BE49-F238E27FC236}">
-                <a16:creationId xmlns:a16="http://schemas.microsoft.com/office/drawing/2014/main" id="{42483CEE-DC03-FB4E-985D-BFDBD737EA11}"/>
+              <a:t>Production System</a:t>
+            </a:r>
+            <a:endParaRPr lang="en-US" sz="1600" dirty="0">
+              <a:latin typeface="Arial" panose="020B0604020202020204" pitchFamily="34" charset="0"/>
+              <a:cs typeface="Arial" panose="020B0604020202020204" pitchFamily="34" charset="0"/>
+            </a:endParaRPr>
+          </a:p>
+        </p:txBody>
+      </p:sp>
+      <p:sp>
+        <p:nvSpPr>
+          <p:cNvPr id="30" name="Rectangle 29">
+            <a:extLst>
+              <a:ext uri="{FF2B5EF4-FFF2-40B4-BE49-F238E27FC236}">
+                <a16:creationId xmlns:a16="http://schemas.microsoft.com/office/drawing/2014/main" id="{407F3126-E68E-E849-9685-96BEA82D6413}"/>
               </a:ext>
             </a:extLst>
           </p:cNvPr>
@@ -8255,8 +10245,8 @@
         </p:nvSpPr>
         <p:spPr>
           <a:xfrm>
-            <a:off x="1544007" y="2195194"/>
-            <a:ext cx="7239163" cy="1768142"/>
+            <a:off x="379558" y="1354990"/>
+            <a:ext cx="11220928" cy="4232304"/>
           </a:xfrm>
           <a:prstGeom prst="rect">
             <a:avLst/>
@@ -8264,7 +10254,7 @@
           <a:noFill/>
           <a:ln w="12700">
             <a:solidFill>
-              <a:srgbClr val="DF3312"/>
+              <a:schemeClr val="accent5"/>
             </a:solidFill>
           </a:ln>
         </p:spPr>
@@ -8285,7 +10275,7 @@
           </a:fontRef>
         </p:style>
         <p:txBody>
-          <a:bodyPr rot="0" spcFirstLastPara="0" vertOverflow="overflow" horzOverflow="overflow" vert="horz" wrap="square" lIns="91440" tIns="91440" rIns="91440" bIns="45720" numCol="1" spcCol="0" rtlCol="0" fromWordArt="0" anchor="t" anchorCtr="1" forceAA="0" compatLnSpc="1">
+          <a:bodyPr rot="0" spcFirstLastPara="0" vertOverflow="overflow" horzOverflow="overflow" vert="horz" wrap="square" lIns="457200" tIns="91440" rIns="91440" bIns="45720" numCol="1" spcCol="0" rtlCol="0" fromWordArt="0" anchor="t" anchorCtr="0" forceAA="0" compatLnSpc="1">
             <a:prstTxWarp prst="textNoShape">
               <a:avLst/>
             </a:prstTxWarp>
@@ -8295,23 +10285,24 @@
           <a:p>
             <a:r>
               <a:rPr lang="en-US" sz="1200" dirty="0">
-                <a:solidFill>
-                  <a:srgbClr val="DF3312"/>
+                <a:ln w="0"/>
+                <a:solidFill>
+                  <a:schemeClr val="accent5"/>
                 </a:solidFill>
                 <a:latin typeface="Arial" panose="020B0604020202020204" pitchFamily="34" charset="0"/>
                 <a:cs typeface="Arial" panose="020B0604020202020204" pitchFamily="34" charset="0"/>
               </a:rPr>
-              <a:t>Security group</a:t>
-            </a:r>
-          </a:p>
-        </p:txBody>
-      </p:sp>
-      <p:sp>
-        <p:nvSpPr>
-          <p:cNvPr id="21" name="Rectangle 20">
-            <a:extLst>
-              <a:ext uri="{FF2B5EF4-FFF2-40B4-BE49-F238E27FC236}">
-                <a16:creationId xmlns:a16="http://schemas.microsoft.com/office/drawing/2014/main" id="{DC5380D9-5E51-1846-A05A-A5192AF68AB2}"/>
+              <a:t>VPC</a:t>
+            </a:r>
+          </a:p>
+        </p:txBody>
+      </p:sp>
+      <p:sp>
+        <p:nvSpPr>
+          <p:cNvPr id="32" name="Rectangle 31">
+            <a:extLst>
+              <a:ext uri="{FF2B5EF4-FFF2-40B4-BE49-F238E27FC236}">
+                <a16:creationId xmlns:a16="http://schemas.microsoft.com/office/drawing/2014/main" id="{0EB8B091-E866-5B45-9D39-DB380AE8EEA5}"/>
               </a:ext>
             </a:extLst>
           </p:cNvPr>
@@ -8320,8 +10311,74 @@
         </p:nvSpPr>
         <p:spPr>
           <a:xfrm>
-            <a:off x="9944000" y="998863"/>
-            <a:ext cx="1718239" cy="4630860"/>
+            <a:off x="242630" y="687468"/>
+            <a:ext cx="11811431" cy="5469491"/>
+          </a:xfrm>
+          <a:prstGeom prst="rect">
+            <a:avLst/>
+          </a:prstGeom>
+          <a:noFill/>
+          <a:ln w="12700">
+            <a:solidFill>
+              <a:schemeClr val="tx1"/>
+            </a:solidFill>
+          </a:ln>
+        </p:spPr>
+        <p:style>
+          <a:lnRef idx="2">
+            <a:schemeClr val="accent1">
+              <a:shade val="50000"/>
+            </a:schemeClr>
+          </a:lnRef>
+          <a:fillRef idx="1">
+            <a:schemeClr val="accent1"/>
+          </a:fillRef>
+          <a:effectRef idx="0">
+            <a:schemeClr val="accent1"/>
+          </a:effectRef>
+          <a:fontRef idx="minor">
+            <a:schemeClr val="lt1"/>
+          </a:fontRef>
+        </p:style>
+        <p:txBody>
+          <a:bodyPr rot="0" spcFirstLastPara="0" vertOverflow="overflow" horzOverflow="overflow" vert="horz" wrap="square" lIns="457200" tIns="91440" rIns="91440" bIns="45720" numCol="1" spcCol="0" rtlCol="0" fromWordArt="0" anchor="t" anchorCtr="0" forceAA="0" compatLnSpc="1">
+            <a:prstTxWarp prst="textNoShape">
+              <a:avLst/>
+            </a:prstTxWarp>
+            <a:noAutofit/>
+          </a:bodyPr>
+          <a:lstStyle/>
+          <a:p>
+            <a:pPr algn="l"/>
+            <a:r>
+              <a:rPr lang="en-US" sz="1200" dirty="0">
+                <a:solidFill>
+                  <a:sysClr val="windowText" lastClr="000000"/>
+                </a:solidFill>
+                <a:latin typeface="Arial" panose="020B0604020202020204" pitchFamily="34" charset="0"/>
+                <a:cs typeface="Arial" panose="020B0604020202020204" pitchFamily="34" charset="0"/>
+              </a:rPr>
+              <a:t>AWS Cloud</a:t>
+            </a:r>
+          </a:p>
+        </p:txBody>
+      </p:sp>
+      <p:sp>
+        <p:nvSpPr>
+          <p:cNvPr id="33" name="Rectangle 32">
+            <a:extLst>
+              <a:ext uri="{FF2B5EF4-FFF2-40B4-BE49-F238E27FC236}">
+                <a16:creationId xmlns:a16="http://schemas.microsoft.com/office/drawing/2014/main" id="{2BBBCCDD-1FC1-5745-81F7-77B80C06A4DB}"/>
+              </a:ext>
+            </a:extLst>
+          </p:cNvPr>
+          <p:cNvSpPr/>
+          <p:nvPr/>
+        </p:nvSpPr>
+        <p:spPr>
+          <a:xfrm>
+            <a:off x="1108827" y="998863"/>
+            <a:ext cx="3427310" cy="4630860"/>
           </a:xfrm>
           <a:prstGeom prst="rect">
             <a:avLst/>
@@ -8368,17 +10425,131 @@
                 <a:latin typeface="Arial" panose="020B0604020202020204" pitchFamily="34" charset="0"/>
                 <a:cs typeface="Arial" panose="020B0604020202020204" pitchFamily="34" charset="0"/>
               </a:rPr>
-              <a:t>Availability Zone C </a:t>
-            </a:r>
-          </a:p>
-        </p:txBody>
-      </p:sp>
-      <p:sp>
-        <p:nvSpPr>
-          <p:cNvPr id="22" name="Rectangle 21">
-            <a:extLst>
-              <a:ext uri="{FF2B5EF4-FFF2-40B4-BE49-F238E27FC236}">
-                <a16:creationId xmlns:a16="http://schemas.microsoft.com/office/drawing/2014/main" id="{A91C63B1-87AB-9A45-A20B-107C8754EA7C}"/>
+              <a:t>Availability Zone A</a:t>
+            </a:r>
+          </a:p>
+        </p:txBody>
+      </p:sp>
+      <p:pic>
+        <p:nvPicPr>
+          <p:cNvPr id="36" name="Graphic 35">
+            <a:extLst>
+              <a:ext uri="{FF2B5EF4-FFF2-40B4-BE49-F238E27FC236}">
+                <a16:creationId xmlns:a16="http://schemas.microsoft.com/office/drawing/2014/main" id="{57B6EAE4-66F4-694C-AEFF-8077B029FACF}"/>
+              </a:ext>
+            </a:extLst>
+          </p:cNvPr>
+          <p:cNvPicPr>
+            <a:picLocks noChangeAspect="1"/>
+          </p:cNvPicPr>
+          <p:nvPr/>
+        </p:nvPicPr>
+        <p:blipFill>
+          <a:blip r:embed="rId2">
+            <a:extLst>
+              <a:ext uri="{96DAC541-7B7A-43D3-8B79-37D633B846F1}">
+                <asvg:svgBlip xmlns="" xmlns:asvg="http://schemas.microsoft.com/office/drawing/2016/SVG/main" r:embed="rId3"/>
+              </a:ext>
+            </a:extLst>
+          </a:blip>
+          <a:stretch>
+            <a:fillRect/>
+          </a:stretch>
+        </p:blipFill>
+        <p:spPr>
+          <a:xfrm>
+            <a:off x="233881" y="696570"/>
+            <a:ext cx="330200" cy="330200"/>
+          </a:xfrm>
+          <a:prstGeom prst="rect">
+            <a:avLst/>
+          </a:prstGeom>
+        </p:spPr>
+      </p:pic>
+      <p:pic>
+        <p:nvPicPr>
+          <p:cNvPr id="37" name="Graphic 36">
+            <a:extLst>
+              <a:ext uri="{FF2B5EF4-FFF2-40B4-BE49-F238E27FC236}">
+                <a16:creationId xmlns:a16="http://schemas.microsoft.com/office/drawing/2014/main" id="{D1E139A0-6B92-0642-9159-E1076FD738FE}"/>
+              </a:ext>
+            </a:extLst>
+          </p:cNvPr>
+          <p:cNvPicPr>
+            <a:picLocks noChangeAspect="1"/>
+          </p:cNvPicPr>
+          <p:nvPr/>
+        </p:nvPicPr>
+        <p:blipFill>
+          <a:blip r:embed="rId4">
+            <a:extLst>
+              <a:ext uri="{96DAC541-7B7A-43D3-8B79-37D633B846F1}">
+                <asvg:svgBlip xmlns="" xmlns:asvg="http://schemas.microsoft.com/office/drawing/2016/SVG/main" r:embed="rId5"/>
+              </a:ext>
+            </a:extLst>
+          </a:blip>
+          <a:stretch>
+            <a:fillRect/>
+          </a:stretch>
+        </p:blipFill>
+        <p:spPr>
+          <a:xfrm>
+            <a:off x="383215" y="1332101"/>
+            <a:ext cx="330200" cy="330200"/>
+          </a:xfrm>
+          <a:prstGeom prst="rect">
+            <a:avLst/>
+          </a:prstGeom>
+        </p:spPr>
+      </p:pic>
+      <p:sp>
+        <p:nvSpPr>
+          <p:cNvPr id="10" name="TextBox 9">
+            <a:extLst>
+              <a:ext uri="{FF2B5EF4-FFF2-40B4-BE49-F238E27FC236}">
+                <a16:creationId xmlns:a16="http://schemas.microsoft.com/office/drawing/2014/main" id="{4D9098AC-64CF-9B4E-8400-B158A5E75BE2}"/>
+              </a:ext>
+            </a:extLst>
+          </p:cNvPr>
+          <p:cNvSpPr txBox="1"/>
+          <p:nvPr/>
+        </p:nvSpPr>
+        <p:spPr>
+          <a:xfrm>
+            <a:off x="4168917" y="5352724"/>
+            <a:ext cx="2006600" cy="276999"/>
+          </a:xfrm>
+          <a:prstGeom prst="rect">
+            <a:avLst/>
+          </a:prstGeom>
+          <a:noFill/>
+        </p:spPr>
+        <p:txBody>
+          <a:bodyPr wrap="square" rtlCol="0">
+            <a:spAutoFit/>
+          </a:bodyPr>
+          <a:lstStyle/>
+          <a:p>
+            <a:pPr algn="ctr"/>
+            <a:r>
+              <a:rPr lang="en-US" sz="1200" dirty="0">
+                <a:solidFill>
+                  <a:schemeClr val="accent5"/>
+                </a:solidFill>
+                <a:latin typeface="Arial" panose="020B0604020202020204" pitchFamily="34" charset="0"/>
+                <a:cs typeface="Arial" panose="020B0604020202020204" pitchFamily="34" charset="0"/>
+              </a:rPr>
+              <a:t>10.0.0.0/16</a:t>
+            </a:r>
+          </a:p>
+        </p:txBody>
+      </p:sp>
+      <p:sp>
+        <p:nvSpPr>
+          <p:cNvPr id="58" name="Rectangle 57">
+            <a:extLst>
+              <a:ext uri="{FF2B5EF4-FFF2-40B4-BE49-F238E27FC236}">
+                <a16:creationId xmlns:a16="http://schemas.microsoft.com/office/drawing/2014/main" id="{686316C1-6236-0D40-BFA1-F4C6CBA8F4E0}"/>
               </a:ext>
             </a:extLst>
           </p:cNvPr>
@@ -8387,8 +10558,8 @@
         </p:nvSpPr>
         <p:spPr>
           <a:xfrm>
-            <a:off x="10093830" y="1658295"/>
-            <a:ext cx="1418580" cy="3787018"/>
+            <a:off x="1207438" y="1645538"/>
+            <a:ext cx="3218488" cy="3807490"/>
           </a:xfrm>
           <a:prstGeom prst="rect">
             <a:avLst/>
@@ -8437,17 +10608,17 @@
                 <a:latin typeface="Arial" panose="020B0604020202020204" pitchFamily="34" charset="0"/>
                 <a:cs typeface="Arial" panose="020B0604020202020204" pitchFamily="34" charset="0"/>
               </a:rPr>
-              <a:t>Subnet</a:t>
+              <a:t> Subnet</a:t>
             </a:r>
           </a:p>
         </p:txBody>
       </p:sp>
       <p:pic>
         <p:nvPicPr>
-          <p:cNvPr id="23" name="Graphic 22">
-            <a:extLst>
-              <a:ext uri="{FF2B5EF4-FFF2-40B4-BE49-F238E27FC236}">
-                <a16:creationId xmlns:a16="http://schemas.microsoft.com/office/drawing/2014/main" id="{20772089-57EF-0449-9F36-EE30FF99AE92}"/>
+          <p:cNvPr id="59" name="Graphic 58">
+            <a:extLst>
+              <a:ext uri="{FF2B5EF4-FFF2-40B4-BE49-F238E27FC236}">
+                <a16:creationId xmlns:a16="http://schemas.microsoft.com/office/drawing/2014/main" id="{FDBF526C-3DAB-6641-B164-976DEAB7D79A}"/>
               </a:ext>
             </a:extLst>
           </p:cNvPr>
@@ -8460,7 +10631,7 @@
           <a:blip r:embed="rId6">
             <a:extLst>
               <a:ext uri="{96DAC541-7B7A-43D3-8B79-37D633B846F1}">
-                <asvg:svgBlip xmlns:asvg="http://schemas.microsoft.com/office/drawing/2016/SVG/main" xmlns="" r:embed="rId7"/>
+                <asvg:svgBlip xmlns="" xmlns:asvg="http://schemas.microsoft.com/office/drawing/2016/SVG/main" r:embed="rId7"/>
               </a:ext>
             </a:extLst>
           </a:blip>
@@ -8470,8 +10641,8 @@
         </p:blipFill>
         <p:spPr>
           <a:xfrm>
-            <a:off x="10094220" y="1658295"/>
-            <a:ext cx="273655" cy="273655"/>
+            <a:off x="1207437" y="1658295"/>
+            <a:ext cx="336570" cy="336570"/>
           </a:xfrm>
           <a:prstGeom prst="rect">
             <a:avLst/>
@@ -8480,10 +10651,215 @@
       </p:pic>
       <p:sp>
         <p:nvSpPr>
-          <p:cNvPr id="24" name="Rectangle 23">
-            <a:extLst>
-              <a:ext uri="{FF2B5EF4-FFF2-40B4-BE49-F238E27FC236}">
-                <a16:creationId xmlns:a16="http://schemas.microsoft.com/office/drawing/2014/main" id="{074A8718-F545-6146-A1FC-D2087A4C34F3}"/>
+          <p:cNvPr id="60" name="TextBox 59">
+            <a:extLst>
+              <a:ext uri="{FF2B5EF4-FFF2-40B4-BE49-F238E27FC236}">
+                <a16:creationId xmlns:a16="http://schemas.microsoft.com/office/drawing/2014/main" id="{52E97BBF-9BCD-9F45-B2AE-680F1D03D8B9}"/>
+              </a:ext>
+            </a:extLst>
+          </p:cNvPr>
+          <p:cNvSpPr txBox="1"/>
+          <p:nvPr/>
+        </p:nvSpPr>
+        <p:spPr>
+          <a:xfrm>
+            <a:off x="1877295" y="5168314"/>
+            <a:ext cx="2006600" cy="276999"/>
+          </a:xfrm>
+          <a:prstGeom prst="rect">
+            <a:avLst/>
+          </a:prstGeom>
+          <a:noFill/>
+        </p:spPr>
+        <p:txBody>
+          <a:bodyPr wrap="square" rtlCol="0">
+            <a:spAutoFit/>
+          </a:bodyPr>
+          <a:lstStyle/>
+          <a:p>
+            <a:pPr algn="ctr"/>
+            <a:r>
+              <a:rPr lang="en-US" sz="1200" dirty="0">
+                <a:solidFill>
+                  <a:schemeClr val="accent5"/>
+                </a:solidFill>
+                <a:latin typeface="Arial" panose="020B0604020202020204" pitchFamily="34" charset="0"/>
+                <a:cs typeface="Arial" panose="020B0604020202020204" pitchFamily="34" charset="0"/>
+              </a:rPr>
+              <a:t>10.0.1.0/24</a:t>
+            </a:r>
+          </a:p>
+        </p:txBody>
+      </p:sp>
+      <p:pic>
+        <p:nvPicPr>
+          <p:cNvPr id="62" name="Graphic 61">
+            <a:extLst>
+              <a:ext uri="{FF2B5EF4-FFF2-40B4-BE49-F238E27FC236}">
+                <a16:creationId xmlns:a16="http://schemas.microsoft.com/office/drawing/2014/main" id="{1C9DE02C-6A7E-AC4A-AD06-EAE739073059}"/>
+              </a:ext>
+            </a:extLst>
+          </p:cNvPr>
+          <p:cNvPicPr>
+            <a:picLocks noChangeAspect="1"/>
+          </p:cNvPicPr>
+          <p:nvPr/>
+        </p:nvPicPr>
+        <p:blipFill>
+          <a:blip r:embed="rId8">
+            <a:extLst>
+              <a:ext uri="{96DAC541-7B7A-43D3-8B79-37D633B846F1}">
+                <asvg:svgBlip xmlns="" xmlns:asvg="http://schemas.microsoft.com/office/drawing/2016/SVG/main" r:embed="rId9"/>
+              </a:ext>
+            </a:extLst>
+          </a:blip>
+          <a:stretch>
+            <a:fillRect/>
+          </a:stretch>
+        </p:blipFill>
+        <p:spPr>
+          <a:xfrm>
+            <a:off x="7084161" y="2931400"/>
+            <a:ext cx="469900" cy="469900"/>
+          </a:xfrm>
+          <a:prstGeom prst="rect">
+            <a:avLst/>
+          </a:prstGeom>
+        </p:spPr>
+      </p:pic>
+      <p:sp>
+        <p:nvSpPr>
+          <p:cNvPr id="64" name="TextBox 63">
+            <a:extLst>
+              <a:ext uri="{FF2B5EF4-FFF2-40B4-BE49-F238E27FC236}">
+                <a16:creationId xmlns:a16="http://schemas.microsoft.com/office/drawing/2014/main" id="{E719BE9B-0FAB-4C44-B5A7-2590166AA18E}"/>
+              </a:ext>
+            </a:extLst>
+          </p:cNvPr>
+          <p:cNvSpPr txBox="1"/>
+          <p:nvPr/>
+        </p:nvSpPr>
+        <p:spPr>
+          <a:xfrm>
+            <a:off x="-31801" y="3111247"/>
+            <a:ext cx="1769070" cy="430887"/>
+          </a:xfrm>
+          <a:prstGeom prst="rect">
+            <a:avLst/>
+          </a:prstGeom>
+          <a:noFill/>
+        </p:spPr>
+        <p:txBody>
+          <a:bodyPr wrap="square" rtlCol="0">
+            <a:spAutoFit/>
+          </a:bodyPr>
+          <a:lstStyle/>
+          <a:p>
+            <a:pPr algn="ctr"/>
+            <a:r>
+              <a:rPr lang="en-US" sz="1050" dirty="0">
+                <a:latin typeface="Arial" panose="020B0604020202020204" pitchFamily="34" charset="0"/>
+                <a:cs typeface="Arial" panose="020B0604020202020204" pitchFamily="34" charset="0"/>
+              </a:rPr>
+              <a:t>Internet</a:t>
+            </a:r>
+            <a:br>
+              <a:rPr lang="en-US" sz="1050" dirty="0">
+                <a:latin typeface="Arial" panose="020B0604020202020204" pitchFamily="34" charset="0"/>
+                <a:cs typeface="Arial" panose="020B0604020202020204" pitchFamily="34" charset="0"/>
+              </a:rPr>
+            </a:br>
+            <a:r>
+              <a:rPr lang="en-US" sz="1050" dirty="0">
+                <a:latin typeface="Arial" panose="020B0604020202020204" pitchFamily="34" charset="0"/>
+                <a:cs typeface="Arial" panose="020B0604020202020204" pitchFamily="34" charset="0"/>
+              </a:rPr>
+              <a:t>gateway</a:t>
+            </a:r>
+          </a:p>
+        </p:txBody>
+      </p:sp>
+      <p:pic>
+        <p:nvPicPr>
+          <p:cNvPr id="65" name="Graphic 64">
+            <a:extLst>
+              <a:ext uri="{FF2B5EF4-FFF2-40B4-BE49-F238E27FC236}">
+                <a16:creationId xmlns:a16="http://schemas.microsoft.com/office/drawing/2014/main" id="{A32B1048-4801-9440-A1AC-D047A41463CB}"/>
+              </a:ext>
+            </a:extLst>
+          </p:cNvPr>
+          <p:cNvPicPr>
+            <a:picLocks noChangeAspect="1"/>
+          </p:cNvPicPr>
+          <p:nvPr/>
+        </p:nvPicPr>
+        <p:blipFill>
+          <a:blip r:embed="rId10">
+            <a:extLst>
+              <a:ext uri="{96DAC541-7B7A-43D3-8B79-37D633B846F1}">
+                <asvg:svgBlip xmlns="" xmlns:asvg="http://schemas.microsoft.com/office/drawing/2016/SVG/main" r:embed="rId11"/>
+              </a:ext>
+            </a:extLst>
+          </a:blip>
+          <a:stretch>
+            <a:fillRect/>
+          </a:stretch>
+        </p:blipFill>
+        <p:spPr>
+          <a:xfrm>
+            <a:off x="147648" y="3104468"/>
+            <a:ext cx="469900" cy="469900"/>
+          </a:xfrm>
+          <a:prstGeom prst="rect">
+            <a:avLst/>
+          </a:prstGeom>
+        </p:spPr>
+      </p:pic>
+      <p:sp>
+        <p:nvSpPr>
+          <p:cNvPr id="66" name="TextBox 65">
+            <a:extLst>
+              <a:ext uri="{FF2B5EF4-FFF2-40B4-BE49-F238E27FC236}">
+                <a16:creationId xmlns:a16="http://schemas.microsoft.com/office/drawing/2014/main" id="{1692D169-85DA-CA46-901E-29B7FF31CC49}"/>
+              </a:ext>
+            </a:extLst>
+          </p:cNvPr>
+          <p:cNvSpPr txBox="1"/>
+          <p:nvPr/>
+        </p:nvSpPr>
+        <p:spPr>
+          <a:xfrm>
+            <a:off x="6434576" y="3434799"/>
+            <a:ext cx="1769070" cy="276999"/>
+          </a:xfrm>
+          <a:prstGeom prst="rect">
+            <a:avLst/>
+          </a:prstGeom>
+          <a:noFill/>
+        </p:spPr>
+        <p:txBody>
+          <a:bodyPr wrap="square" rtlCol="0">
+            <a:spAutoFit/>
+          </a:bodyPr>
+          <a:lstStyle/>
+          <a:p>
+            <a:pPr algn="ctr"/>
+            <a:r>
+              <a:rPr lang="en-US" sz="1200" dirty="0">
+                <a:latin typeface="Arial" panose="020B0604020202020204" pitchFamily="34" charset="0"/>
+                <a:cs typeface="Arial" panose="020B0604020202020204" pitchFamily="34" charset="0"/>
+              </a:rPr>
+              <a:t>IRIS Mirror Node 2</a:t>
+            </a:r>
+          </a:p>
+        </p:txBody>
+      </p:sp>
+      <p:sp>
+        <p:nvSpPr>
+          <p:cNvPr id="40" name="Rectangle 39">
+            <a:extLst>
+              <a:ext uri="{FF2B5EF4-FFF2-40B4-BE49-F238E27FC236}">
+                <a16:creationId xmlns:a16="http://schemas.microsoft.com/office/drawing/2014/main" id="{42483CEE-DC03-FB4E-985D-BFDBD737EA11}"/>
               </a:ext>
             </a:extLst>
           </p:cNvPr>
@@ -8492,8 +10868,73 @@
         </p:nvSpPr>
         <p:spPr>
           <a:xfrm>
-            <a:off x="5693307" y="998863"/>
-            <a:ext cx="3623327" cy="4630860"/>
+            <a:off x="1544007" y="2195194"/>
+            <a:ext cx="7239163" cy="1768142"/>
+          </a:xfrm>
+          <a:prstGeom prst="rect">
+            <a:avLst/>
+          </a:prstGeom>
+          <a:noFill/>
+          <a:ln w="12700">
+            <a:solidFill>
+              <a:srgbClr val="DF3312"/>
+            </a:solidFill>
+          </a:ln>
+        </p:spPr>
+        <p:style>
+          <a:lnRef idx="2">
+            <a:schemeClr val="accent1">
+              <a:shade val="50000"/>
+            </a:schemeClr>
+          </a:lnRef>
+          <a:fillRef idx="1">
+            <a:schemeClr val="accent1"/>
+          </a:fillRef>
+          <a:effectRef idx="0">
+            <a:schemeClr val="accent1"/>
+          </a:effectRef>
+          <a:fontRef idx="minor">
+            <a:schemeClr val="lt1"/>
+          </a:fontRef>
+        </p:style>
+        <p:txBody>
+          <a:bodyPr rot="0" spcFirstLastPara="0" vertOverflow="overflow" horzOverflow="overflow" vert="horz" wrap="square" lIns="91440" tIns="91440" rIns="91440" bIns="45720" numCol="1" spcCol="0" rtlCol="0" fromWordArt="0" anchor="t" anchorCtr="1" forceAA="0" compatLnSpc="1">
+            <a:prstTxWarp prst="textNoShape">
+              <a:avLst/>
+            </a:prstTxWarp>
+            <a:noAutofit/>
+          </a:bodyPr>
+          <a:lstStyle/>
+          <a:p>
+            <a:r>
+              <a:rPr lang="en-US" sz="1200" dirty="0">
+                <a:solidFill>
+                  <a:srgbClr val="DF3312"/>
+                </a:solidFill>
+                <a:latin typeface="Arial" panose="020B0604020202020204" pitchFamily="34" charset="0"/>
+                <a:cs typeface="Arial" panose="020B0604020202020204" pitchFamily="34" charset="0"/>
+              </a:rPr>
+              <a:t>Security group</a:t>
+            </a:r>
+          </a:p>
+        </p:txBody>
+      </p:sp>
+      <p:sp>
+        <p:nvSpPr>
+          <p:cNvPr id="21" name="Rectangle 20">
+            <a:extLst>
+              <a:ext uri="{FF2B5EF4-FFF2-40B4-BE49-F238E27FC236}">
+                <a16:creationId xmlns:a16="http://schemas.microsoft.com/office/drawing/2014/main" id="{DC5380D9-5E51-1846-A05A-A5192AF68AB2}"/>
+              </a:ext>
+            </a:extLst>
+          </p:cNvPr>
+          <p:cNvSpPr/>
+          <p:nvPr/>
+        </p:nvSpPr>
+        <p:spPr>
+          <a:xfrm>
+            <a:off x="9944000" y="998863"/>
+            <a:ext cx="1718239" cy="4630860"/>
           </a:xfrm>
           <a:prstGeom prst="rect">
             <a:avLst/>
@@ -8540,287 +10981,17 @@
                 <a:latin typeface="Arial" panose="020B0604020202020204" pitchFamily="34" charset="0"/>
                 <a:cs typeface="Arial" panose="020B0604020202020204" pitchFamily="34" charset="0"/>
               </a:rPr>
-              <a:t>Availability Zone b</a:t>
-            </a:r>
-          </a:p>
-        </p:txBody>
-      </p:sp>
-      <p:pic>
-        <p:nvPicPr>
-          <p:cNvPr id="26" name="Graphic 25">
-            <a:extLst>
-              <a:ext uri="{FF2B5EF4-FFF2-40B4-BE49-F238E27FC236}">
-                <a16:creationId xmlns:a16="http://schemas.microsoft.com/office/drawing/2014/main" id="{4DE3E01F-4D3C-E449-9CA1-9CFDAA835726}"/>
-              </a:ext>
-            </a:extLst>
-          </p:cNvPr>
-          <p:cNvPicPr>
-            <a:picLocks noChangeAspect="1"/>
-          </p:cNvPicPr>
-          <p:nvPr/>
-        </p:nvPicPr>
-        <p:blipFill>
-          <a:blip r:embed="rId6">
-            <a:extLst>
-              <a:ext uri="{96DAC541-7B7A-43D3-8B79-37D633B846F1}">
-                <asvg:svgBlip xmlns:asvg="http://schemas.microsoft.com/office/drawing/2016/SVG/main" xmlns="" r:embed="rId7"/>
-              </a:ext>
-            </a:extLst>
-          </a:blip>
-          <a:stretch>
-            <a:fillRect/>
-          </a:stretch>
-        </p:blipFill>
-        <p:spPr>
-          <a:xfrm>
-            <a:off x="5775195" y="1673744"/>
-            <a:ext cx="336570" cy="336570"/>
-          </a:xfrm>
-          <a:prstGeom prst="rect">
-            <a:avLst/>
-          </a:prstGeom>
-        </p:spPr>
-      </p:pic>
-      <p:sp>
-        <p:nvSpPr>
-          <p:cNvPr id="27" name="TextBox 26">
-            <a:extLst>
-              <a:ext uri="{FF2B5EF4-FFF2-40B4-BE49-F238E27FC236}">
-                <a16:creationId xmlns:a16="http://schemas.microsoft.com/office/drawing/2014/main" id="{F9288BB7-ABA6-D74E-B7A4-4F8A180A9894}"/>
-              </a:ext>
-            </a:extLst>
-          </p:cNvPr>
-          <p:cNvSpPr txBox="1"/>
-          <p:nvPr/>
-        </p:nvSpPr>
-        <p:spPr>
-          <a:xfrm>
-            <a:off x="6369581" y="5118822"/>
-            <a:ext cx="2006600" cy="276999"/>
-          </a:xfrm>
-          <a:prstGeom prst="rect">
-            <a:avLst/>
-          </a:prstGeom>
-          <a:noFill/>
-        </p:spPr>
-        <p:txBody>
-          <a:bodyPr wrap="square" rtlCol="0">
-            <a:spAutoFit/>
-          </a:bodyPr>
-          <a:lstStyle/>
-          <a:p>
-            <a:pPr algn="ctr"/>
-            <a:r>
-              <a:rPr lang="en-US" sz="1200" dirty="0">
-                <a:solidFill>
-                  <a:schemeClr val="accent5"/>
-                </a:solidFill>
-                <a:latin typeface="Arial" panose="020B0604020202020204" pitchFamily="34" charset="0"/>
-                <a:cs typeface="Arial" panose="020B0604020202020204" pitchFamily="34" charset="0"/>
-              </a:rPr>
-              <a:t>10.0.2.0/24</a:t>
-            </a:r>
-          </a:p>
-        </p:txBody>
-      </p:sp>
-      <p:sp>
-        <p:nvSpPr>
-          <p:cNvPr id="28" name="TextBox 27">
-            <a:extLst>
-              <a:ext uri="{FF2B5EF4-FFF2-40B4-BE49-F238E27FC236}">
-                <a16:creationId xmlns:a16="http://schemas.microsoft.com/office/drawing/2014/main" id="{33BCDDC0-58F8-9341-B603-E973DA573D75}"/>
-              </a:ext>
-            </a:extLst>
-          </p:cNvPr>
-          <p:cNvSpPr txBox="1"/>
-          <p:nvPr/>
-        </p:nvSpPr>
-        <p:spPr>
-          <a:xfrm>
-            <a:off x="9787158" y="5118821"/>
-            <a:ext cx="2006600" cy="276999"/>
-          </a:xfrm>
-          <a:prstGeom prst="rect">
-            <a:avLst/>
-          </a:prstGeom>
-          <a:noFill/>
-        </p:spPr>
-        <p:txBody>
-          <a:bodyPr wrap="square" rtlCol="0">
-            <a:spAutoFit/>
-          </a:bodyPr>
-          <a:lstStyle/>
-          <a:p>
-            <a:pPr algn="ctr"/>
-            <a:r>
-              <a:rPr lang="en-US" sz="1200" dirty="0">
-                <a:solidFill>
-                  <a:schemeClr val="accent5"/>
-                </a:solidFill>
-                <a:latin typeface="Arial" panose="020B0604020202020204" pitchFamily="34" charset="0"/>
-                <a:cs typeface="Arial" panose="020B0604020202020204" pitchFamily="34" charset="0"/>
-              </a:rPr>
-              <a:t>10.0.3.0/24</a:t>
-            </a:r>
-          </a:p>
-        </p:txBody>
-      </p:sp>
-      <p:pic>
-        <p:nvPicPr>
-          <p:cNvPr id="29" name="Graphic 28">
-            <a:extLst>
-              <a:ext uri="{FF2B5EF4-FFF2-40B4-BE49-F238E27FC236}">
-                <a16:creationId xmlns:a16="http://schemas.microsoft.com/office/drawing/2014/main" id="{389B2457-6DF7-464D-B670-66D8A9681985}"/>
-              </a:ext>
-            </a:extLst>
-          </p:cNvPr>
-          <p:cNvPicPr>
-            <a:picLocks noChangeAspect="1"/>
-          </p:cNvPicPr>
-          <p:nvPr/>
-        </p:nvPicPr>
-        <p:blipFill>
-          <a:blip r:embed="rId8">
-            <a:extLst>
-              <a:ext uri="{96DAC541-7B7A-43D3-8B79-37D633B846F1}">
-                <asvg:svgBlip xmlns:asvg="http://schemas.microsoft.com/office/drawing/2016/SVG/main" xmlns="" r:embed="rId9"/>
-              </a:ext>
-            </a:extLst>
-          </a:blip>
-          <a:stretch>
-            <a:fillRect/>
-          </a:stretch>
-        </p:blipFill>
-        <p:spPr>
-          <a:xfrm>
-            <a:off x="2946021" y="2931400"/>
-            <a:ext cx="469900" cy="469900"/>
-          </a:xfrm>
-          <a:prstGeom prst="rect">
-            <a:avLst/>
-          </a:prstGeom>
-        </p:spPr>
-      </p:pic>
-      <p:sp>
-        <p:nvSpPr>
-          <p:cNvPr id="31" name="TextBox 30">
-            <a:extLst>
-              <a:ext uri="{FF2B5EF4-FFF2-40B4-BE49-F238E27FC236}">
-                <a16:creationId xmlns:a16="http://schemas.microsoft.com/office/drawing/2014/main" id="{6B638165-16FA-A646-A545-A7BD93A3AF6A}"/>
-              </a:ext>
-            </a:extLst>
-          </p:cNvPr>
-          <p:cNvSpPr txBox="1"/>
-          <p:nvPr/>
-        </p:nvSpPr>
-        <p:spPr>
-          <a:xfrm>
-            <a:off x="2296436" y="3434799"/>
-            <a:ext cx="1769070" cy="276999"/>
-          </a:xfrm>
-          <a:prstGeom prst="rect">
-            <a:avLst/>
-          </a:prstGeom>
-          <a:noFill/>
-        </p:spPr>
-        <p:txBody>
-          <a:bodyPr wrap="square" rtlCol="0">
-            <a:spAutoFit/>
-          </a:bodyPr>
-          <a:lstStyle/>
-          <a:p>
-            <a:pPr algn="ctr"/>
-            <a:r>
-              <a:rPr lang="en-US" sz="1200" dirty="0">
-                <a:latin typeface="Arial" panose="020B0604020202020204" pitchFamily="34" charset="0"/>
-                <a:cs typeface="Arial" panose="020B0604020202020204" pitchFamily="34" charset="0"/>
-              </a:rPr>
-              <a:t>IRIS Mirror Node 1</a:t>
-            </a:r>
-          </a:p>
-        </p:txBody>
-      </p:sp>
-      <p:pic>
-        <p:nvPicPr>
-          <p:cNvPr id="34" name="Graphic 33">
-            <a:extLst>
-              <a:ext uri="{FF2B5EF4-FFF2-40B4-BE49-F238E27FC236}">
-                <a16:creationId xmlns:a16="http://schemas.microsoft.com/office/drawing/2014/main" id="{C2317F24-379F-7B41-8D6E-57B9FB7C39F9}"/>
-              </a:ext>
-            </a:extLst>
-          </p:cNvPr>
-          <p:cNvPicPr>
-            <a:picLocks noChangeAspect="1"/>
-          </p:cNvPicPr>
-          <p:nvPr/>
-        </p:nvPicPr>
-        <p:blipFill>
-          <a:blip r:embed="rId8">
-            <a:extLst>
-              <a:ext uri="{96DAC541-7B7A-43D3-8B79-37D633B846F1}">
-                <asvg:svgBlip xmlns:asvg="http://schemas.microsoft.com/office/drawing/2016/SVG/main" xmlns="" r:embed="rId9"/>
-              </a:ext>
-            </a:extLst>
-          </a:blip>
-          <a:stretch>
-            <a:fillRect/>
-          </a:stretch>
-        </p:blipFill>
-        <p:spPr>
-          <a:xfrm>
-            <a:off x="10595386" y="2927970"/>
-            <a:ext cx="469900" cy="469900"/>
-          </a:xfrm>
-          <a:prstGeom prst="rect">
-            <a:avLst/>
-          </a:prstGeom>
-        </p:spPr>
-      </p:pic>
-      <p:sp>
-        <p:nvSpPr>
-          <p:cNvPr id="35" name="TextBox 34">
-            <a:extLst>
-              <a:ext uri="{FF2B5EF4-FFF2-40B4-BE49-F238E27FC236}">
-                <a16:creationId xmlns:a16="http://schemas.microsoft.com/office/drawing/2014/main" id="{B899FD8E-A6C4-E642-921A-2266EB4B5F9D}"/>
-              </a:ext>
-            </a:extLst>
-          </p:cNvPr>
-          <p:cNvSpPr txBox="1"/>
-          <p:nvPr/>
-        </p:nvSpPr>
-        <p:spPr>
-          <a:xfrm>
-            <a:off x="9945801" y="3403635"/>
-            <a:ext cx="1769070" cy="276999"/>
-          </a:xfrm>
-          <a:prstGeom prst="rect">
-            <a:avLst/>
-          </a:prstGeom>
-          <a:noFill/>
-        </p:spPr>
-        <p:txBody>
-          <a:bodyPr wrap="square" rtlCol="0">
-            <a:spAutoFit/>
-          </a:bodyPr>
-          <a:lstStyle/>
-          <a:p>
-            <a:pPr algn="ctr"/>
-            <a:r>
-              <a:rPr lang="en-US" sz="1200" dirty="0">
-                <a:latin typeface="Arial" panose="020B0604020202020204" pitchFamily="34" charset="0"/>
-                <a:cs typeface="Arial" panose="020B0604020202020204" pitchFamily="34" charset="0"/>
-              </a:rPr>
-              <a:t>Arbiter</a:t>
-            </a:r>
-          </a:p>
-        </p:txBody>
-      </p:sp>
-      <p:sp>
-        <p:nvSpPr>
-          <p:cNvPr id="38" name="Rectangle 37">
-            <a:extLst>
-              <a:ext uri="{FF2B5EF4-FFF2-40B4-BE49-F238E27FC236}">
-                <a16:creationId xmlns:a16="http://schemas.microsoft.com/office/drawing/2014/main" id="{CE2DBBD1-B6CC-9940-9A28-EF367C7B0860}"/>
+              <a:t>Availability Zone C </a:t>
+            </a:r>
+          </a:p>
+        </p:txBody>
+      </p:sp>
+      <p:sp>
+        <p:nvSpPr>
+          <p:cNvPr id="22" name="Rectangle 21">
+            <a:extLst>
+              <a:ext uri="{FF2B5EF4-FFF2-40B4-BE49-F238E27FC236}">
+                <a16:creationId xmlns:a16="http://schemas.microsoft.com/office/drawing/2014/main" id="{A91C63B1-87AB-9A45-A20B-107C8754EA7C}"/>
               </a:ext>
             </a:extLst>
           </p:cNvPr>
@@ -8829,17 +11000,20 @@
         </p:nvSpPr>
         <p:spPr>
           <a:xfrm>
-            <a:off x="10180751" y="2195194"/>
-            <a:ext cx="1239238" cy="1829501"/>
-          </a:xfrm>
-          <a:prstGeom prst="rect">
-            <a:avLst/>
-          </a:prstGeom>
-          <a:noFill/>
+            <a:off x="10093830" y="1658295"/>
+            <a:ext cx="1418580" cy="3787018"/>
+          </a:xfrm>
+          <a:prstGeom prst="rect">
+            <a:avLst/>
+          </a:prstGeom>
+          <a:solidFill>
+            <a:srgbClr val="1D8900">
+              <a:alpha val="9804"/>
+            </a:srgbClr>
+          </a:solidFill>
           <a:ln w="12700">
-            <a:solidFill>
-              <a:srgbClr val="DF3312"/>
-            </a:solidFill>
+            <a:noFill/>
+            <a:prstDash val="dash"/>
           </a:ln>
         </p:spPr>
         <p:style>
@@ -8859,6 +11033,445 @@
           </a:fontRef>
         </p:style>
         <p:txBody>
+          <a:bodyPr rot="0" spcFirstLastPara="0" vertOverflow="overflow" horzOverflow="overflow" vert="horz" wrap="square" lIns="338328" tIns="45720" rIns="91440" bIns="45720" numCol="1" spcCol="0" rtlCol="0" fromWordArt="0" anchor="t" anchorCtr="0" forceAA="0" compatLnSpc="1">
+            <a:prstTxWarp prst="textNoShape">
+              <a:avLst/>
+            </a:prstTxWarp>
+            <a:noAutofit/>
+          </a:bodyPr>
+          <a:lstStyle/>
+          <a:p>
+            <a:pPr algn="l"/>
+            <a:r>
+              <a:rPr lang="en-US" sz="1200" dirty="0">
+                <a:solidFill>
+                  <a:schemeClr val="accent5"/>
+                </a:solidFill>
+                <a:latin typeface="Arial" panose="020B0604020202020204" pitchFamily="34" charset="0"/>
+                <a:cs typeface="Arial" panose="020B0604020202020204" pitchFamily="34" charset="0"/>
+              </a:rPr>
+              <a:t>Subnet</a:t>
+            </a:r>
+          </a:p>
+        </p:txBody>
+      </p:sp>
+      <p:pic>
+        <p:nvPicPr>
+          <p:cNvPr id="23" name="Graphic 22">
+            <a:extLst>
+              <a:ext uri="{FF2B5EF4-FFF2-40B4-BE49-F238E27FC236}">
+                <a16:creationId xmlns:a16="http://schemas.microsoft.com/office/drawing/2014/main" id="{20772089-57EF-0449-9F36-EE30FF99AE92}"/>
+              </a:ext>
+            </a:extLst>
+          </p:cNvPr>
+          <p:cNvPicPr>
+            <a:picLocks noChangeAspect="1"/>
+          </p:cNvPicPr>
+          <p:nvPr/>
+        </p:nvPicPr>
+        <p:blipFill>
+          <a:blip r:embed="rId6">
+            <a:extLst>
+              <a:ext uri="{96DAC541-7B7A-43D3-8B79-37D633B846F1}">
+                <asvg:svgBlip xmlns="" xmlns:asvg="http://schemas.microsoft.com/office/drawing/2016/SVG/main" r:embed="rId7"/>
+              </a:ext>
+            </a:extLst>
+          </a:blip>
+          <a:stretch>
+            <a:fillRect/>
+          </a:stretch>
+        </p:blipFill>
+        <p:spPr>
+          <a:xfrm>
+            <a:off x="10094220" y="1658295"/>
+            <a:ext cx="273655" cy="273655"/>
+          </a:xfrm>
+          <a:prstGeom prst="rect">
+            <a:avLst/>
+          </a:prstGeom>
+        </p:spPr>
+      </p:pic>
+      <p:sp>
+        <p:nvSpPr>
+          <p:cNvPr id="24" name="Rectangle 23">
+            <a:extLst>
+              <a:ext uri="{FF2B5EF4-FFF2-40B4-BE49-F238E27FC236}">
+                <a16:creationId xmlns:a16="http://schemas.microsoft.com/office/drawing/2014/main" id="{074A8718-F545-6146-A1FC-D2087A4C34F3}"/>
+              </a:ext>
+            </a:extLst>
+          </p:cNvPr>
+          <p:cNvSpPr/>
+          <p:nvPr/>
+        </p:nvSpPr>
+        <p:spPr>
+          <a:xfrm>
+            <a:off x="5693307" y="998863"/>
+            <a:ext cx="3623327" cy="4630860"/>
+          </a:xfrm>
+          <a:prstGeom prst="rect">
+            <a:avLst/>
+          </a:prstGeom>
+          <a:noFill/>
+          <a:ln w="12700">
+            <a:solidFill>
+              <a:schemeClr val="accent3"/>
+            </a:solidFill>
+            <a:prstDash val="dash"/>
+          </a:ln>
+        </p:spPr>
+        <p:style>
+          <a:lnRef idx="2">
+            <a:schemeClr val="accent1">
+              <a:shade val="50000"/>
+            </a:schemeClr>
+          </a:lnRef>
+          <a:fillRef idx="1">
+            <a:schemeClr val="accent1"/>
+          </a:fillRef>
+          <a:effectRef idx="0">
+            <a:schemeClr val="accent1"/>
+          </a:effectRef>
+          <a:fontRef idx="minor">
+            <a:schemeClr val="lt1"/>
+          </a:fontRef>
+        </p:style>
+        <p:txBody>
+          <a:bodyPr rot="0" spcFirstLastPara="0" vertOverflow="overflow" horzOverflow="overflow" vert="horz" wrap="square" lIns="91440" tIns="91440" rIns="91440" bIns="45720" numCol="1" spcCol="0" rtlCol="0" fromWordArt="0" anchor="t" anchorCtr="0" forceAA="0" compatLnSpc="1">
+            <a:prstTxWarp prst="textNoShape">
+              <a:avLst/>
+            </a:prstTxWarp>
+            <a:noAutofit/>
+          </a:bodyPr>
+          <a:lstStyle/>
+          <a:p>
+            <a:pPr algn="ctr"/>
+            <a:r>
+              <a:rPr lang="en-US" sz="1200" dirty="0">
+                <a:solidFill>
+                  <a:schemeClr val="accent3"/>
+                </a:solidFill>
+                <a:latin typeface="Arial" panose="020B0604020202020204" pitchFamily="34" charset="0"/>
+                <a:cs typeface="Arial" panose="020B0604020202020204" pitchFamily="34" charset="0"/>
+              </a:rPr>
+              <a:t>Availability Zone b</a:t>
+            </a:r>
+          </a:p>
+        </p:txBody>
+      </p:sp>
+      <p:pic>
+        <p:nvPicPr>
+          <p:cNvPr id="26" name="Graphic 25">
+            <a:extLst>
+              <a:ext uri="{FF2B5EF4-FFF2-40B4-BE49-F238E27FC236}">
+                <a16:creationId xmlns:a16="http://schemas.microsoft.com/office/drawing/2014/main" id="{4DE3E01F-4D3C-E449-9CA1-9CFDAA835726}"/>
+              </a:ext>
+            </a:extLst>
+          </p:cNvPr>
+          <p:cNvPicPr>
+            <a:picLocks noChangeAspect="1"/>
+          </p:cNvPicPr>
+          <p:nvPr/>
+        </p:nvPicPr>
+        <p:blipFill>
+          <a:blip r:embed="rId6">
+            <a:extLst>
+              <a:ext uri="{96DAC541-7B7A-43D3-8B79-37D633B846F1}">
+                <asvg:svgBlip xmlns="" xmlns:asvg="http://schemas.microsoft.com/office/drawing/2016/SVG/main" r:embed="rId7"/>
+              </a:ext>
+            </a:extLst>
+          </a:blip>
+          <a:stretch>
+            <a:fillRect/>
+          </a:stretch>
+        </p:blipFill>
+        <p:spPr>
+          <a:xfrm>
+            <a:off x="5775195" y="1673744"/>
+            <a:ext cx="336570" cy="336570"/>
+          </a:xfrm>
+          <a:prstGeom prst="rect">
+            <a:avLst/>
+          </a:prstGeom>
+        </p:spPr>
+      </p:pic>
+      <p:sp>
+        <p:nvSpPr>
+          <p:cNvPr id="27" name="TextBox 26">
+            <a:extLst>
+              <a:ext uri="{FF2B5EF4-FFF2-40B4-BE49-F238E27FC236}">
+                <a16:creationId xmlns:a16="http://schemas.microsoft.com/office/drawing/2014/main" id="{F9288BB7-ABA6-D74E-B7A4-4F8A180A9894}"/>
+              </a:ext>
+            </a:extLst>
+          </p:cNvPr>
+          <p:cNvSpPr txBox="1"/>
+          <p:nvPr/>
+        </p:nvSpPr>
+        <p:spPr>
+          <a:xfrm>
+            <a:off x="6369581" y="5118822"/>
+            <a:ext cx="2006600" cy="276999"/>
+          </a:xfrm>
+          <a:prstGeom prst="rect">
+            <a:avLst/>
+          </a:prstGeom>
+          <a:noFill/>
+        </p:spPr>
+        <p:txBody>
+          <a:bodyPr wrap="square" rtlCol="0">
+            <a:spAutoFit/>
+          </a:bodyPr>
+          <a:lstStyle/>
+          <a:p>
+            <a:pPr algn="ctr"/>
+            <a:r>
+              <a:rPr lang="en-US" sz="1200" dirty="0">
+                <a:solidFill>
+                  <a:schemeClr val="accent5"/>
+                </a:solidFill>
+                <a:latin typeface="Arial" panose="020B0604020202020204" pitchFamily="34" charset="0"/>
+                <a:cs typeface="Arial" panose="020B0604020202020204" pitchFamily="34" charset="0"/>
+              </a:rPr>
+              <a:t>10.0.2.0/24</a:t>
+            </a:r>
+          </a:p>
+        </p:txBody>
+      </p:sp>
+      <p:sp>
+        <p:nvSpPr>
+          <p:cNvPr id="28" name="TextBox 27">
+            <a:extLst>
+              <a:ext uri="{FF2B5EF4-FFF2-40B4-BE49-F238E27FC236}">
+                <a16:creationId xmlns:a16="http://schemas.microsoft.com/office/drawing/2014/main" id="{33BCDDC0-58F8-9341-B603-E973DA573D75}"/>
+              </a:ext>
+            </a:extLst>
+          </p:cNvPr>
+          <p:cNvSpPr txBox="1"/>
+          <p:nvPr/>
+        </p:nvSpPr>
+        <p:spPr>
+          <a:xfrm>
+            <a:off x="9787158" y="5118821"/>
+            <a:ext cx="2006600" cy="276999"/>
+          </a:xfrm>
+          <a:prstGeom prst="rect">
+            <a:avLst/>
+          </a:prstGeom>
+          <a:noFill/>
+        </p:spPr>
+        <p:txBody>
+          <a:bodyPr wrap="square" rtlCol="0">
+            <a:spAutoFit/>
+          </a:bodyPr>
+          <a:lstStyle/>
+          <a:p>
+            <a:pPr algn="ctr"/>
+            <a:r>
+              <a:rPr lang="en-US" sz="1200" dirty="0">
+                <a:solidFill>
+                  <a:schemeClr val="accent5"/>
+                </a:solidFill>
+                <a:latin typeface="Arial" panose="020B0604020202020204" pitchFamily="34" charset="0"/>
+                <a:cs typeface="Arial" panose="020B0604020202020204" pitchFamily="34" charset="0"/>
+              </a:rPr>
+              <a:t>10.0.3.0/24</a:t>
+            </a:r>
+          </a:p>
+        </p:txBody>
+      </p:sp>
+      <p:pic>
+        <p:nvPicPr>
+          <p:cNvPr id="29" name="Graphic 28">
+            <a:extLst>
+              <a:ext uri="{FF2B5EF4-FFF2-40B4-BE49-F238E27FC236}">
+                <a16:creationId xmlns:a16="http://schemas.microsoft.com/office/drawing/2014/main" id="{389B2457-6DF7-464D-B670-66D8A9681985}"/>
+              </a:ext>
+            </a:extLst>
+          </p:cNvPr>
+          <p:cNvPicPr>
+            <a:picLocks noChangeAspect="1"/>
+          </p:cNvPicPr>
+          <p:nvPr/>
+        </p:nvPicPr>
+        <p:blipFill>
+          <a:blip r:embed="rId8">
+            <a:extLst>
+              <a:ext uri="{96DAC541-7B7A-43D3-8B79-37D633B846F1}">
+                <asvg:svgBlip xmlns="" xmlns:asvg="http://schemas.microsoft.com/office/drawing/2016/SVG/main" r:embed="rId9"/>
+              </a:ext>
+            </a:extLst>
+          </a:blip>
+          <a:stretch>
+            <a:fillRect/>
+          </a:stretch>
+        </p:blipFill>
+        <p:spPr>
+          <a:xfrm>
+            <a:off x="2946021" y="2931400"/>
+            <a:ext cx="469900" cy="469900"/>
+          </a:xfrm>
+          <a:prstGeom prst="rect">
+            <a:avLst/>
+          </a:prstGeom>
+        </p:spPr>
+      </p:pic>
+      <p:sp>
+        <p:nvSpPr>
+          <p:cNvPr id="31" name="TextBox 30">
+            <a:extLst>
+              <a:ext uri="{FF2B5EF4-FFF2-40B4-BE49-F238E27FC236}">
+                <a16:creationId xmlns:a16="http://schemas.microsoft.com/office/drawing/2014/main" id="{6B638165-16FA-A646-A545-A7BD93A3AF6A}"/>
+              </a:ext>
+            </a:extLst>
+          </p:cNvPr>
+          <p:cNvSpPr txBox="1"/>
+          <p:nvPr/>
+        </p:nvSpPr>
+        <p:spPr>
+          <a:xfrm>
+            <a:off x="2296436" y="3434799"/>
+            <a:ext cx="1769070" cy="276999"/>
+          </a:xfrm>
+          <a:prstGeom prst="rect">
+            <a:avLst/>
+          </a:prstGeom>
+          <a:noFill/>
+        </p:spPr>
+        <p:txBody>
+          <a:bodyPr wrap="square" rtlCol="0">
+            <a:spAutoFit/>
+          </a:bodyPr>
+          <a:lstStyle/>
+          <a:p>
+            <a:pPr algn="ctr"/>
+            <a:r>
+              <a:rPr lang="en-US" sz="1200" dirty="0">
+                <a:latin typeface="Arial" panose="020B0604020202020204" pitchFamily="34" charset="0"/>
+                <a:cs typeface="Arial" panose="020B0604020202020204" pitchFamily="34" charset="0"/>
+              </a:rPr>
+              <a:t>IRIS Mirror Node 1</a:t>
+            </a:r>
+          </a:p>
+        </p:txBody>
+      </p:sp>
+      <p:pic>
+        <p:nvPicPr>
+          <p:cNvPr id="34" name="Graphic 33">
+            <a:extLst>
+              <a:ext uri="{FF2B5EF4-FFF2-40B4-BE49-F238E27FC236}">
+                <a16:creationId xmlns:a16="http://schemas.microsoft.com/office/drawing/2014/main" id="{C2317F24-379F-7B41-8D6E-57B9FB7C39F9}"/>
+              </a:ext>
+            </a:extLst>
+          </p:cNvPr>
+          <p:cNvPicPr>
+            <a:picLocks noChangeAspect="1"/>
+          </p:cNvPicPr>
+          <p:nvPr/>
+        </p:nvPicPr>
+        <p:blipFill>
+          <a:blip r:embed="rId8">
+            <a:extLst>
+              <a:ext uri="{96DAC541-7B7A-43D3-8B79-37D633B846F1}">
+                <asvg:svgBlip xmlns="" xmlns:asvg="http://schemas.microsoft.com/office/drawing/2016/SVG/main" r:embed="rId9"/>
+              </a:ext>
+            </a:extLst>
+          </a:blip>
+          <a:stretch>
+            <a:fillRect/>
+          </a:stretch>
+        </p:blipFill>
+        <p:spPr>
+          <a:xfrm>
+            <a:off x="10595386" y="2927970"/>
+            <a:ext cx="469900" cy="469900"/>
+          </a:xfrm>
+          <a:prstGeom prst="rect">
+            <a:avLst/>
+          </a:prstGeom>
+        </p:spPr>
+      </p:pic>
+      <p:sp>
+        <p:nvSpPr>
+          <p:cNvPr id="35" name="TextBox 34">
+            <a:extLst>
+              <a:ext uri="{FF2B5EF4-FFF2-40B4-BE49-F238E27FC236}">
+                <a16:creationId xmlns:a16="http://schemas.microsoft.com/office/drawing/2014/main" id="{B899FD8E-A6C4-E642-921A-2266EB4B5F9D}"/>
+              </a:ext>
+            </a:extLst>
+          </p:cNvPr>
+          <p:cNvSpPr txBox="1"/>
+          <p:nvPr/>
+        </p:nvSpPr>
+        <p:spPr>
+          <a:xfrm>
+            <a:off x="9945801" y="3403635"/>
+            <a:ext cx="1769070" cy="276999"/>
+          </a:xfrm>
+          <a:prstGeom prst="rect">
+            <a:avLst/>
+          </a:prstGeom>
+          <a:noFill/>
+        </p:spPr>
+        <p:txBody>
+          <a:bodyPr wrap="square" rtlCol="0">
+            <a:spAutoFit/>
+          </a:bodyPr>
+          <a:lstStyle/>
+          <a:p>
+            <a:pPr algn="ctr"/>
+            <a:r>
+              <a:rPr lang="en-US" sz="1200" dirty="0">
+                <a:latin typeface="Arial" panose="020B0604020202020204" pitchFamily="34" charset="0"/>
+                <a:cs typeface="Arial" panose="020B0604020202020204" pitchFamily="34" charset="0"/>
+              </a:rPr>
+              <a:t>Arbiter</a:t>
+            </a:r>
+          </a:p>
+        </p:txBody>
+      </p:sp>
+      <p:sp>
+        <p:nvSpPr>
+          <p:cNvPr id="38" name="Rectangle 37">
+            <a:extLst>
+              <a:ext uri="{FF2B5EF4-FFF2-40B4-BE49-F238E27FC236}">
+                <a16:creationId xmlns:a16="http://schemas.microsoft.com/office/drawing/2014/main" id="{CE2DBBD1-B6CC-9940-9A28-EF367C7B0860}"/>
+              </a:ext>
+            </a:extLst>
+          </p:cNvPr>
+          <p:cNvSpPr/>
+          <p:nvPr/>
+        </p:nvSpPr>
+        <p:spPr>
+          <a:xfrm>
+            <a:off x="10180751" y="2195194"/>
+            <a:ext cx="1239238" cy="1829501"/>
+          </a:xfrm>
+          <a:prstGeom prst="rect">
+            <a:avLst/>
+          </a:prstGeom>
+          <a:noFill/>
+          <a:ln w="12700">
+            <a:solidFill>
+              <a:srgbClr val="DF3312"/>
+            </a:solidFill>
+          </a:ln>
+        </p:spPr>
+        <p:style>
+          <a:lnRef idx="2">
+            <a:schemeClr val="accent1">
+              <a:shade val="50000"/>
+            </a:schemeClr>
+          </a:lnRef>
+          <a:fillRef idx="1">
+            <a:schemeClr val="accent1"/>
+          </a:fillRef>
+          <a:effectRef idx="0">
+            <a:schemeClr val="accent1"/>
+          </a:effectRef>
+          <a:fontRef idx="minor">
+            <a:schemeClr val="lt1"/>
+          </a:fontRef>
+        </p:style>
+        <p:txBody>
           <a:bodyPr rot="0" spcFirstLastPara="0" vertOverflow="overflow" horzOverflow="overflow" vert="horz" wrap="square" lIns="91440" tIns="91440" rIns="91440" bIns="45720" numCol="1" spcCol="0" rtlCol="0" fromWordArt="0" anchor="t" anchorCtr="1" forceAA="0" compatLnSpc="1">
             <a:prstTxWarp prst="textNoShape">
               <a:avLst/>
@@ -8950,7 +11563,7 @@
           <a:blip r:embed="rId12">
             <a:extLst>
               <a:ext uri="{96DAC541-7B7A-43D3-8B79-37D633B846F1}">
-                <asvg:svgBlip xmlns:asvg="http://schemas.microsoft.com/office/drawing/2016/SVG/main" xmlns="" r:embed="rId13"/>
+                <asvg:svgBlip xmlns="" xmlns:asvg="http://schemas.microsoft.com/office/drawing/2016/SVG/main" r:embed="rId13"/>
               </a:ext>
             </a:extLst>
           </a:blip>
@@ -9418,7 +12031,7 @@
           <a:blip r:embed="rId14">
             <a:extLst>
               <a:ext uri="{96DAC541-7B7A-43D3-8B79-37D633B846F1}">
-                <asvg:svgBlip xmlns:asvg="http://schemas.microsoft.com/office/drawing/2016/SVG/main" xmlns="" r:embed="rId15"/>
+                <asvg:svgBlip xmlns="" xmlns:asvg="http://schemas.microsoft.com/office/drawing/2016/SVG/main" r:embed="rId15"/>
               </a:ext>
             </a:extLst>
           </a:blip>
@@ -9532,7 +12145,7 @@
           <a:blip r:embed="rId16">
             <a:extLst>
               <a:ext uri="{96DAC541-7B7A-43D3-8B79-37D633B846F1}">
-                <asvg:svgBlip xmlns:asvg="http://schemas.microsoft.com/office/drawing/2016/SVG/main" xmlns="" r:embed="rId17"/>
+                <asvg:svgBlip xmlns="" xmlns:asvg="http://schemas.microsoft.com/office/drawing/2016/SVG/main" r:embed="rId17"/>
               </a:ext>
             </a:extLst>
           </a:blip>
@@ -9607,7 +12220,7 @@
           <a:blip r:embed="rId18">
             <a:extLst>
               <a:ext uri="{96DAC541-7B7A-43D3-8B79-37D633B846F1}">
-                <asvg:svgBlip xmlns:asvg="http://schemas.microsoft.com/office/drawing/2016/SVG/main" xmlns="" r:embed="rId19"/>
+                <asvg:svgBlip xmlns="" xmlns:asvg="http://schemas.microsoft.com/office/drawing/2016/SVG/main" r:embed="rId19"/>
               </a:ext>
             </a:extLst>
           </a:blip>

--- a/docs/images/Intersystems IRIS architechture diagram.pptx
+++ b/docs/images/Intersystems IRIS architechture diagram.pptx
@@ -3824,7 +3824,7 @@
           <a:blip r:embed="rId2">
             <a:extLst>
               <a:ext uri="{96DAC541-7B7A-43D3-8B79-37D633B846F1}">
-                <asvg:svgBlip xmlns="" xmlns:asvg="http://schemas.microsoft.com/office/drawing/2016/SVG/main" r:embed="rId3"/>
+                <asvg:svgBlip xmlns:asvg="http://schemas.microsoft.com/office/drawing/2016/SVG/main" xmlns="" r:embed="rId3"/>
               </a:ext>
             </a:extLst>
           </a:blip>
@@ -3860,7 +3860,7 @@
           <a:blip r:embed="rId4">
             <a:extLst>
               <a:ext uri="{96DAC541-7B7A-43D3-8B79-37D633B846F1}">
-                <asvg:svgBlip xmlns="" xmlns:asvg="http://schemas.microsoft.com/office/drawing/2016/SVG/main" r:embed="rId5"/>
+                <asvg:svgBlip xmlns:asvg="http://schemas.microsoft.com/office/drawing/2016/SVG/main" xmlns="" r:embed="rId5"/>
               </a:ext>
             </a:extLst>
           </a:blip>
@@ -4120,7 +4120,7 @@
           <a:blip r:embed="rId6">
             <a:extLst>
               <a:ext uri="{96DAC541-7B7A-43D3-8B79-37D633B846F1}">
-                <asvg:svgBlip xmlns="" xmlns:asvg="http://schemas.microsoft.com/office/drawing/2016/SVG/main" r:embed="rId11"/>
+                <asvg:svgBlip xmlns:asvg="http://schemas.microsoft.com/office/drawing/2016/SVG/main" xmlns="" r:embed="rId11"/>
               </a:ext>
             </a:extLst>
           </a:blip>
@@ -6436,7 +6436,7 @@
           <a:blip r:embed="rId2">
             <a:extLst>
               <a:ext uri="{96DAC541-7B7A-43D3-8B79-37D633B846F1}">
-                <asvg:svgBlip xmlns="" xmlns:asvg="http://schemas.microsoft.com/office/drawing/2016/SVG/main" r:embed="rId3"/>
+                <asvg:svgBlip xmlns:asvg="http://schemas.microsoft.com/office/drawing/2016/SVG/main" xmlns="" r:embed="rId3"/>
               </a:ext>
             </a:extLst>
           </a:blip>
@@ -6472,7 +6472,7 @@
           <a:blip r:embed="rId4">
             <a:extLst>
               <a:ext uri="{96DAC541-7B7A-43D3-8B79-37D633B846F1}">
-                <asvg:svgBlip xmlns="" xmlns:asvg="http://schemas.microsoft.com/office/drawing/2016/SVG/main" r:embed="rId5"/>
+                <asvg:svgBlip xmlns:asvg="http://schemas.microsoft.com/office/drawing/2016/SVG/main" xmlns="" r:embed="rId5"/>
               </a:ext>
             </a:extLst>
           </a:blip>
@@ -6732,7 +6732,7 @@
           <a:blip r:embed="rId6">
             <a:extLst>
               <a:ext uri="{96DAC541-7B7A-43D3-8B79-37D633B846F1}">
-                <asvg:svgBlip xmlns="" xmlns:asvg="http://schemas.microsoft.com/office/drawing/2016/SVG/main" r:embed="rId11"/>
+                <asvg:svgBlip xmlns:asvg="http://schemas.microsoft.com/office/drawing/2016/SVG/main" xmlns="" r:embed="rId11"/>
               </a:ext>
             </a:extLst>
           </a:blip>
@@ -9199,6 +9199,141 @@
           </a:p>
         </p:txBody>
       </p:sp>
+      <p:cxnSp>
+        <p:nvCxnSpPr>
+          <p:cNvPr id="57" name="Straight Arrow Connector 56">
+            <a:extLst>
+              <a:ext uri="{FF2B5EF4-FFF2-40B4-BE49-F238E27FC236}">
+                <a16:creationId xmlns:a16="http://schemas.microsoft.com/office/drawing/2014/main" id="{5A9D33BB-F7AF-C044-9BA5-6F98953C5C41}"/>
+              </a:ext>
+            </a:extLst>
+          </p:cNvPr>
+          <p:cNvCxnSpPr/>
+          <p:nvPr/>
+        </p:nvCxnSpPr>
+        <p:spPr>
+          <a:xfrm flipV="1">
+            <a:off x="147648" y="247339"/>
+            <a:ext cx="11272341" cy="6490740"/>
+          </a:xfrm>
+          <a:prstGeom prst="straightConnector1">
+            <a:avLst/>
+          </a:prstGeom>
+          <a:ln w="12700">
+            <a:solidFill>
+              <a:schemeClr val="tx2"/>
+            </a:solidFill>
+            <a:headEnd type="none" w="med" len="sm"/>
+            <a:tailEnd type="none" w="med" len="sm"/>
+          </a:ln>
+        </p:spPr>
+        <p:style>
+          <a:lnRef idx="1">
+            <a:schemeClr val="accent1"/>
+          </a:lnRef>
+          <a:fillRef idx="0">
+            <a:schemeClr val="accent1"/>
+          </a:fillRef>
+          <a:effectRef idx="0">
+            <a:schemeClr val="accent1"/>
+          </a:effectRef>
+          <a:fontRef idx="minor">
+            <a:schemeClr val="tx1"/>
+          </a:fontRef>
+        </p:style>
+      </p:cxnSp>
+      <p:cxnSp>
+        <p:nvCxnSpPr>
+          <p:cNvPr id="58" name="Straight Arrow Connector 57">
+            <a:extLst>
+              <a:ext uri="{FF2B5EF4-FFF2-40B4-BE49-F238E27FC236}">
+                <a16:creationId xmlns:a16="http://schemas.microsoft.com/office/drawing/2014/main" id="{5A9D33BB-F7AF-C044-9BA5-6F98953C5C41}"/>
+              </a:ext>
+            </a:extLst>
+          </p:cNvPr>
+          <p:cNvCxnSpPr/>
+          <p:nvPr/>
+        </p:nvCxnSpPr>
+        <p:spPr>
+          <a:xfrm flipH="1" flipV="1">
+            <a:off x="233882" y="399739"/>
+            <a:ext cx="11820179" cy="6116951"/>
+          </a:xfrm>
+          <a:prstGeom prst="straightConnector1">
+            <a:avLst/>
+          </a:prstGeom>
+          <a:ln w="12700">
+            <a:solidFill>
+              <a:schemeClr val="tx2"/>
+            </a:solidFill>
+            <a:headEnd type="none" w="med" len="sm"/>
+            <a:tailEnd type="none" w="med" len="sm"/>
+          </a:ln>
+        </p:spPr>
+        <p:style>
+          <a:lnRef idx="1">
+            <a:schemeClr val="accent1"/>
+          </a:lnRef>
+          <a:fillRef idx="0">
+            <a:schemeClr val="accent1"/>
+          </a:fillRef>
+          <a:effectRef idx="0">
+            <a:schemeClr val="accent1"/>
+          </a:effectRef>
+          <a:fontRef idx="minor">
+            <a:schemeClr val="tx1"/>
+          </a:fontRef>
+        </p:style>
+      </p:cxnSp>
+      <p:sp>
+        <p:nvSpPr>
+          <p:cNvPr id="59" name="TextBox 58">
+            <a:extLst>
+              <a:ext uri="{FF2B5EF4-FFF2-40B4-BE49-F238E27FC236}">
+                <a16:creationId xmlns:a16="http://schemas.microsoft.com/office/drawing/2014/main" id="{3801DBBB-7205-B74C-A173-6D5401D93A49}"/>
+              </a:ext>
+            </a:extLst>
+          </p:cNvPr>
+          <p:cNvSpPr txBox="1"/>
+          <p:nvPr/>
+        </p:nvSpPr>
+        <p:spPr>
+          <a:xfrm>
+            <a:off x="3241455" y="242944"/>
+            <a:ext cx="5933847" cy="276999"/>
+          </a:xfrm>
+          <a:prstGeom prst="rect">
+            <a:avLst/>
+          </a:prstGeom>
+          <a:noFill/>
+        </p:spPr>
+        <p:txBody>
+          <a:bodyPr wrap="square" rtlCol="0">
+            <a:spAutoFit/>
+          </a:bodyPr>
+          <a:lstStyle/>
+          <a:p>
+            <a:pPr algn="ctr"/>
+            <a:r>
+              <a:rPr lang="en-US" sz="1200" dirty="0" smtClean="0">
+                <a:solidFill>
+                  <a:srgbClr val="FF0000"/>
+                </a:solidFill>
+                <a:latin typeface="Arial" panose="020B0604020202020204" pitchFamily="34" charset="0"/>
+                <a:cs typeface="Arial" panose="020B0604020202020204" pitchFamily="34" charset="0"/>
+              </a:rPr>
+              <a:t>We aren’t showing the service icons.</a:t>
+            </a:r>
+            <a:endParaRPr lang="en-US" sz="1200" dirty="0">
+              <a:solidFill>
+                <a:srgbClr val="FF0000"/>
+              </a:solidFill>
+              <a:latin typeface="Arial" panose="020B0604020202020204" pitchFamily="34" charset="0"/>
+              <a:cs typeface="Arial" panose="020B0604020202020204" pitchFamily="34" charset="0"/>
+            </a:endParaRPr>
+          </a:p>
+        </p:txBody>
+      </p:sp>
     </p:spTree>
     <p:extLst>
       <p:ext uri="{BB962C8B-B14F-4D97-AF65-F5344CB8AC3E}">
@@ -9462,7 +9597,7 @@
           <a:blip r:embed="rId2">
             <a:extLst>
               <a:ext uri="{96DAC541-7B7A-43D3-8B79-37D633B846F1}">
-                <asvg:svgBlip xmlns="" xmlns:asvg="http://schemas.microsoft.com/office/drawing/2016/SVG/main" r:embed="rId3"/>
+                <asvg:svgBlip xmlns:asvg="http://schemas.microsoft.com/office/drawing/2016/SVG/main" xmlns="" r:embed="rId3"/>
               </a:ext>
             </a:extLst>
           </a:blip>
@@ -9585,7 +9720,7 @@
           <a:blip r:embed="rId4">
             <a:extLst>
               <a:ext uri="{96DAC541-7B7A-43D3-8B79-37D633B846F1}">
-                <asvg:svgBlip xmlns="" xmlns:asvg="http://schemas.microsoft.com/office/drawing/2016/SVG/main" r:embed="rId5"/>
+                <asvg:svgBlip xmlns:asvg="http://schemas.microsoft.com/office/drawing/2016/SVG/main" xmlns="" r:embed="rId5"/>
               </a:ext>
             </a:extLst>
           </a:blip>
@@ -9751,7 +9886,7 @@
           <a:blip r:embed="rId7">
             <a:extLst>
               <a:ext uri="{96DAC541-7B7A-43D3-8B79-37D633B846F1}">
-                <asvg:svgBlip xmlns="" xmlns:asvg="http://schemas.microsoft.com/office/drawing/2016/SVG/main" r:embed="rId9"/>
+                <asvg:svgBlip xmlns:asvg="http://schemas.microsoft.com/office/drawing/2016/SVG/main" xmlns="" r:embed="rId9"/>
               </a:ext>
             </a:extLst>
           </a:blip>
@@ -10448,7 +10583,7 @@
           <a:blip r:embed="rId2">
             <a:extLst>
               <a:ext uri="{96DAC541-7B7A-43D3-8B79-37D633B846F1}">
-                <asvg:svgBlip xmlns="" xmlns:asvg="http://schemas.microsoft.com/office/drawing/2016/SVG/main" r:embed="rId3"/>
+                <asvg:svgBlip xmlns:asvg="http://schemas.microsoft.com/office/drawing/2016/SVG/main" xmlns="" r:embed="rId3"/>
               </a:ext>
             </a:extLst>
           </a:blip>
@@ -10484,7 +10619,7 @@
           <a:blip r:embed="rId4">
             <a:extLst>
               <a:ext uri="{96DAC541-7B7A-43D3-8B79-37D633B846F1}">
-                <asvg:svgBlip xmlns="" xmlns:asvg="http://schemas.microsoft.com/office/drawing/2016/SVG/main" r:embed="rId5"/>
+                <asvg:svgBlip xmlns:asvg="http://schemas.microsoft.com/office/drawing/2016/SVG/main" xmlns="" r:embed="rId5"/>
               </a:ext>
             </a:extLst>
           </a:blip>
@@ -10631,7 +10766,7 @@
           <a:blip r:embed="rId6">
             <a:extLst>
               <a:ext uri="{96DAC541-7B7A-43D3-8B79-37D633B846F1}">
-                <asvg:svgBlip xmlns="" xmlns:asvg="http://schemas.microsoft.com/office/drawing/2016/SVG/main" r:embed="rId7"/>
+                <asvg:svgBlip xmlns:asvg="http://schemas.microsoft.com/office/drawing/2016/SVG/main" xmlns="" r:embed="rId7"/>
               </a:ext>
             </a:extLst>
           </a:blip>
@@ -10709,7 +10844,7 @@
           <a:blip r:embed="rId8">
             <a:extLst>
               <a:ext uri="{96DAC541-7B7A-43D3-8B79-37D633B846F1}">
-                <asvg:svgBlip xmlns="" xmlns:asvg="http://schemas.microsoft.com/office/drawing/2016/SVG/main" r:embed="rId9"/>
+                <asvg:svgBlip xmlns:asvg="http://schemas.microsoft.com/office/drawing/2016/SVG/main" xmlns="" r:embed="rId9"/>
               </a:ext>
             </a:extLst>
           </a:blip>
@@ -10797,7 +10932,7 @@
           <a:blip r:embed="rId10">
             <a:extLst>
               <a:ext uri="{96DAC541-7B7A-43D3-8B79-37D633B846F1}">
-                <asvg:svgBlip xmlns="" xmlns:asvg="http://schemas.microsoft.com/office/drawing/2016/SVG/main" r:embed="rId11"/>
+                <asvg:svgBlip xmlns:asvg="http://schemas.microsoft.com/office/drawing/2016/SVG/main" xmlns="" r:embed="rId11"/>
               </a:ext>
             </a:extLst>
           </a:blip>
@@ -11073,7 +11208,7 @@
           <a:blip r:embed="rId6">
             <a:extLst>
               <a:ext uri="{96DAC541-7B7A-43D3-8B79-37D633B846F1}">
-                <asvg:svgBlip xmlns="" xmlns:asvg="http://schemas.microsoft.com/office/drawing/2016/SVG/main" r:embed="rId7"/>
+                <asvg:svgBlip xmlns:asvg="http://schemas.microsoft.com/office/drawing/2016/SVG/main" xmlns="" r:embed="rId7"/>
               </a:ext>
             </a:extLst>
           </a:blip>
@@ -11176,7 +11311,7 @@
           <a:blip r:embed="rId6">
             <a:extLst>
               <a:ext uri="{96DAC541-7B7A-43D3-8B79-37D633B846F1}">
-                <asvg:svgBlip xmlns="" xmlns:asvg="http://schemas.microsoft.com/office/drawing/2016/SVG/main" r:embed="rId7"/>
+                <asvg:svgBlip xmlns:asvg="http://schemas.microsoft.com/office/drawing/2016/SVG/main" xmlns="" r:embed="rId7"/>
               </a:ext>
             </a:extLst>
           </a:blip>
@@ -11296,7 +11431,7 @@
           <a:blip r:embed="rId8">
             <a:extLst>
               <a:ext uri="{96DAC541-7B7A-43D3-8B79-37D633B846F1}">
-                <asvg:svgBlip xmlns="" xmlns:asvg="http://schemas.microsoft.com/office/drawing/2016/SVG/main" r:embed="rId9"/>
+                <asvg:svgBlip xmlns:asvg="http://schemas.microsoft.com/office/drawing/2016/SVG/main" xmlns="" r:embed="rId9"/>
               </a:ext>
             </a:extLst>
           </a:blip>
@@ -11371,7 +11506,7 @@
           <a:blip r:embed="rId8">
             <a:extLst>
               <a:ext uri="{96DAC541-7B7A-43D3-8B79-37D633B846F1}">
-                <asvg:svgBlip xmlns="" xmlns:asvg="http://schemas.microsoft.com/office/drawing/2016/SVG/main" r:embed="rId9"/>
+                <asvg:svgBlip xmlns:asvg="http://schemas.microsoft.com/office/drawing/2016/SVG/main" xmlns="" r:embed="rId9"/>
               </a:ext>
             </a:extLst>
           </a:blip>
@@ -11563,7 +11698,7 @@
           <a:blip r:embed="rId12">
             <a:extLst>
               <a:ext uri="{96DAC541-7B7A-43D3-8B79-37D633B846F1}">
-                <asvg:svgBlip xmlns="" xmlns:asvg="http://schemas.microsoft.com/office/drawing/2016/SVG/main" r:embed="rId13"/>
+                <asvg:svgBlip xmlns:asvg="http://schemas.microsoft.com/office/drawing/2016/SVG/main" xmlns="" r:embed="rId13"/>
               </a:ext>
             </a:extLst>
           </a:blip>
@@ -12031,7 +12166,7 @@
           <a:blip r:embed="rId14">
             <a:extLst>
               <a:ext uri="{96DAC541-7B7A-43D3-8B79-37D633B846F1}">
-                <asvg:svgBlip xmlns="" xmlns:asvg="http://schemas.microsoft.com/office/drawing/2016/SVG/main" r:embed="rId15"/>
+                <asvg:svgBlip xmlns:asvg="http://schemas.microsoft.com/office/drawing/2016/SVG/main" xmlns="" r:embed="rId15"/>
               </a:ext>
             </a:extLst>
           </a:blip>
@@ -12145,7 +12280,7 @@
           <a:blip r:embed="rId16">
             <a:extLst>
               <a:ext uri="{96DAC541-7B7A-43D3-8B79-37D633B846F1}">
-                <asvg:svgBlip xmlns="" xmlns:asvg="http://schemas.microsoft.com/office/drawing/2016/SVG/main" r:embed="rId17"/>
+                <asvg:svgBlip xmlns:asvg="http://schemas.microsoft.com/office/drawing/2016/SVG/main" xmlns="" r:embed="rId17"/>
               </a:ext>
             </a:extLst>
           </a:blip>
@@ -12220,7 +12355,7 @@
           <a:blip r:embed="rId18">
             <a:extLst>
               <a:ext uri="{96DAC541-7B7A-43D3-8B79-37D633B846F1}">
-                <asvg:svgBlip xmlns="" xmlns:asvg="http://schemas.microsoft.com/office/drawing/2016/SVG/main" r:embed="rId19"/>
+                <asvg:svgBlip xmlns:asvg="http://schemas.microsoft.com/office/drawing/2016/SVG/main" xmlns="" r:embed="rId19"/>
               </a:ext>
             </a:extLst>
           </a:blip>
@@ -12338,8 +12473,8 @@
         </p:nvSpPr>
         <p:spPr>
           <a:xfrm>
-            <a:off x="3241456" y="242944"/>
-            <a:ext cx="5716276" cy="276999"/>
+            <a:off x="3241455" y="242944"/>
+            <a:ext cx="5933847" cy="276999"/>
           </a:xfrm>
           <a:prstGeom prst="rect">
             <a:avLst/>
@@ -12361,7 +12496,17 @@
                 <a:latin typeface="Arial" panose="020B0604020202020204" pitchFamily="34" charset="0"/>
                 <a:cs typeface="Arial" panose="020B0604020202020204" pitchFamily="34" charset="0"/>
               </a:rPr>
-              <a:t>If we need a diagram like this (private subnets only), model it on Slide 1.</a:t>
+              <a:t>If we need a diagram like this (private subnets only), model it on </a:t>
+            </a:r>
+            <a:r>
+              <a:rPr lang="en-US" sz="1200" dirty="0" smtClean="0">
+                <a:solidFill>
+                  <a:srgbClr val="FF0000"/>
+                </a:solidFill>
+                <a:latin typeface="Arial" panose="020B0604020202020204" pitchFamily="34" charset="0"/>
+                <a:cs typeface="Arial" panose="020B0604020202020204" pitchFamily="34" charset="0"/>
+              </a:rPr>
+              <a:t>the main diagram.</a:t>
             </a:r>
             <a:endParaRPr lang="en-US" sz="1200" dirty="0">
               <a:solidFill>

--- a/docs/images/Intersystems IRIS architechture diagram.pptx
+++ b/docs/images/Intersystems IRIS architechture diagram.pptx
@@ -262,7 +262,7 @@
           <a:p>
             <a:fld id="{779E2B3B-B180-B64C-893F-CCFC190F335F}" type="datetimeFigureOut">
               <a:rPr lang="en-US" smtClean="0"/>
-              <a:t>1/29/2021</a:t>
+              <a:t>2/1/2021</a:t>
             </a:fld>
             <a:endParaRPr lang="en-US" dirty="0"/>
           </a:p>
@@ -460,7 +460,7 @@
           <a:p>
             <a:fld id="{779E2B3B-B180-B64C-893F-CCFC190F335F}" type="datetimeFigureOut">
               <a:rPr lang="en-US" smtClean="0"/>
-              <a:t>1/29/2021</a:t>
+              <a:t>2/1/2021</a:t>
             </a:fld>
             <a:endParaRPr lang="en-US" dirty="0"/>
           </a:p>
@@ -668,7 +668,7 @@
           <a:p>
             <a:fld id="{779E2B3B-B180-B64C-893F-CCFC190F335F}" type="datetimeFigureOut">
               <a:rPr lang="en-US" smtClean="0"/>
-              <a:t>1/29/2021</a:t>
+              <a:t>2/1/2021</a:t>
             </a:fld>
             <a:endParaRPr lang="en-US" dirty="0"/>
           </a:p>
@@ -866,7 +866,7 @@
           <a:p>
             <a:fld id="{779E2B3B-B180-B64C-893F-CCFC190F335F}" type="datetimeFigureOut">
               <a:rPr lang="en-US" smtClean="0"/>
-              <a:t>1/29/2021</a:t>
+              <a:t>2/1/2021</a:t>
             </a:fld>
             <a:endParaRPr lang="en-US" dirty="0"/>
           </a:p>
@@ -1141,7 +1141,7 @@
           <a:p>
             <a:fld id="{779E2B3B-B180-B64C-893F-CCFC190F335F}" type="datetimeFigureOut">
               <a:rPr lang="en-US" smtClean="0"/>
-              <a:t>1/29/2021</a:t>
+              <a:t>2/1/2021</a:t>
             </a:fld>
             <a:endParaRPr lang="en-US" dirty="0"/>
           </a:p>
@@ -1406,7 +1406,7 @@
           <a:p>
             <a:fld id="{779E2B3B-B180-B64C-893F-CCFC190F335F}" type="datetimeFigureOut">
               <a:rPr lang="en-US" smtClean="0"/>
-              <a:t>1/29/2021</a:t>
+              <a:t>2/1/2021</a:t>
             </a:fld>
             <a:endParaRPr lang="en-US" dirty="0"/>
           </a:p>
@@ -1818,7 +1818,7 @@
           <a:p>
             <a:fld id="{779E2B3B-B180-B64C-893F-CCFC190F335F}" type="datetimeFigureOut">
               <a:rPr lang="en-US" smtClean="0"/>
-              <a:t>1/29/2021</a:t>
+              <a:t>2/1/2021</a:t>
             </a:fld>
             <a:endParaRPr lang="en-US" dirty="0"/>
           </a:p>
@@ -1959,7 +1959,7 @@
           <a:p>
             <a:fld id="{779E2B3B-B180-B64C-893F-CCFC190F335F}" type="datetimeFigureOut">
               <a:rPr lang="en-US" smtClean="0"/>
-              <a:t>1/29/2021</a:t>
+              <a:t>2/1/2021</a:t>
             </a:fld>
             <a:endParaRPr lang="en-US" dirty="0"/>
           </a:p>
@@ -2072,7 +2072,7 @@
           <a:p>
             <a:fld id="{779E2B3B-B180-B64C-893F-CCFC190F335F}" type="datetimeFigureOut">
               <a:rPr lang="en-US" smtClean="0"/>
-              <a:t>1/29/2021</a:t>
+              <a:t>2/1/2021</a:t>
             </a:fld>
             <a:endParaRPr lang="en-US" dirty="0"/>
           </a:p>
@@ -2383,7 +2383,7 @@
           <a:p>
             <a:fld id="{779E2B3B-B180-B64C-893F-CCFC190F335F}" type="datetimeFigureOut">
               <a:rPr lang="en-US" smtClean="0"/>
-              <a:t>1/29/2021</a:t>
+              <a:t>2/1/2021</a:t>
             </a:fld>
             <a:endParaRPr lang="en-US" dirty="0"/>
           </a:p>
@@ -2671,7 +2671,7 @@
           <a:p>
             <a:fld id="{779E2B3B-B180-B64C-893F-CCFC190F335F}" type="datetimeFigureOut">
               <a:rPr lang="en-US" smtClean="0"/>
-              <a:t>1/29/2021</a:t>
+              <a:t>2/1/2021</a:t>
             </a:fld>
             <a:endParaRPr lang="en-US" dirty="0"/>
           </a:p>
@@ -2912,7 +2912,7 @@
           <a:p>
             <a:fld id="{779E2B3B-B180-B64C-893F-CCFC190F335F}" type="datetimeFigureOut">
               <a:rPr lang="en-US" smtClean="0"/>
-              <a:t>1/29/2021</a:t>
+              <a:t>2/1/2021</a:t>
             </a:fld>
             <a:endParaRPr lang="en-US" dirty="0"/>
           </a:p>
@@ -3331,6 +3331,59 @@
       </p:grpSpPr>
       <p:sp>
         <p:nvSpPr>
+          <p:cNvPr id="57" name="TextBox 56">
+            <a:extLst>
+              <a:ext uri="{FF2B5EF4-FFF2-40B4-BE49-F238E27FC236}">
+                <a16:creationId xmlns:a16="http://schemas.microsoft.com/office/drawing/2014/main" id="{6B638165-16FA-A646-A545-A7BD93A3AF6A}"/>
+              </a:ext>
+            </a:extLst>
+          </p:cNvPr>
+          <p:cNvSpPr txBox="1"/>
+          <p:nvPr/>
+        </p:nvSpPr>
+        <p:spPr>
+          <a:xfrm>
+            <a:off x="6452115" y="4697673"/>
+            <a:ext cx="1769070" cy="461665"/>
+          </a:xfrm>
+          <a:prstGeom prst="rect">
+            <a:avLst/>
+          </a:prstGeom>
+          <a:noFill/>
+        </p:spPr>
+        <p:txBody>
+          <a:bodyPr wrap="square" rtlCol="0">
+            <a:spAutoFit/>
+          </a:bodyPr>
+          <a:lstStyle/>
+          <a:p>
+            <a:pPr algn="ctr"/>
+            <a:r>
+              <a:rPr lang="en-US" sz="1200" i="1" dirty="0" smtClean="0">
+                <a:latin typeface="Arial" panose="020B0604020202020204" pitchFamily="34" charset="0"/>
+                <a:cs typeface="Arial" panose="020B0604020202020204" pitchFamily="34" charset="0"/>
+              </a:rPr>
+              <a:t>Health</a:t>
+            </a:r>
+          </a:p>
+          <a:p>
+            <a:pPr algn="ctr"/>
+            <a:r>
+              <a:rPr lang="en-US" sz="1200" i="1" dirty="0" smtClean="0">
+                <a:latin typeface="Arial" panose="020B0604020202020204" pitchFamily="34" charset="0"/>
+                <a:cs typeface="Arial" panose="020B0604020202020204" pitchFamily="34" charset="0"/>
+              </a:rPr>
+              <a:t>check</a:t>
+            </a:r>
+            <a:endParaRPr lang="en-US" sz="1200" i="1" dirty="0">
+              <a:latin typeface="Arial" panose="020B0604020202020204" pitchFamily="34" charset="0"/>
+              <a:cs typeface="Arial" panose="020B0604020202020204" pitchFamily="34" charset="0"/>
+            </a:endParaRPr>
+          </a:p>
+        </p:txBody>
+      </p:sp>
+      <p:sp>
+        <p:nvSpPr>
           <p:cNvPr id="97" name="Rectangle 96">
             <a:extLst>
               <a:ext uri="{FF2B5EF4-FFF2-40B4-BE49-F238E27FC236}">
@@ -3343,8 +3396,8 @@
         </p:nvSpPr>
         <p:spPr>
           <a:xfrm>
-            <a:off x="7611080" y="3179211"/>
-            <a:ext cx="2133548" cy="2163337"/>
+            <a:off x="7713950" y="3321259"/>
+            <a:ext cx="2133548" cy="1996465"/>
           </a:xfrm>
           <a:prstGeom prst="rect">
             <a:avLst/>
@@ -3415,8 +3468,8 @@
         </p:nvSpPr>
         <p:spPr>
           <a:xfrm>
-            <a:off x="797822" y="1621857"/>
-            <a:ext cx="2133548" cy="1226818"/>
+            <a:off x="797822" y="1621856"/>
+            <a:ext cx="2133548" cy="1328655"/>
           </a:xfrm>
           <a:prstGeom prst="rect">
             <a:avLst/>
@@ -3487,8 +3540,8 @@
         </p:nvSpPr>
         <p:spPr>
           <a:xfrm>
-            <a:off x="4827437" y="3176105"/>
-            <a:ext cx="2133548" cy="2163337"/>
+            <a:off x="4827437" y="3318153"/>
+            <a:ext cx="2133548" cy="1999571"/>
           </a:xfrm>
           <a:prstGeom prst="rect">
             <a:avLst/>
@@ -3559,8 +3612,8 @@
         </p:nvSpPr>
         <p:spPr>
           <a:xfrm>
-            <a:off x="806687" y="3271547"/>
-            <a:ext cx="2124683" cy="2067896"/>
+            <a:off x="806687" y="3321259"/>
+            <a:ext cx="2124683" cy="1996465"/>
           </a:xfrm>
           <a:prstGeom prst="rect">
             <a:avLst/>
@@ -3617,52 +3670,6 @@
           </a:p>
         </p:txBody>
       </p:sp>
-      <p:cxnSp>
-        <p:nvCxnSpPr>
-          <p:cNvPr id="50" name="Straight Arrow Connector 49">
-            <a:extLst>
-              <a:ext uri="{FF2B5EF4-FFF2-40B4-BE49-F238E27FC236}">
-                <a16:creationId xmlns:a16="http://schemas.microsoft.com/office/drawing/2014/main" id="{239B9CCA-9EF0-3346-BB60-0E30B232B75B}"/>
-              </a:ext>
-            </a:extLst>
-          </p:cNvPr>
-          <p:cNvCxnSpPr>
-            <a:cxnSpLocks/>
-          </p:cNvCxnSpPr>
-          <p:nvPr/>
-        </p:nvCxnSpPr>
-        <p:spPr>
-          <a:xfrm>
-            <a:off x="2154773" y="4716379"/>
-            <a:ext cx="6318504" cy="0"/>
-          </a:xfrm>
-          <a:prstGeom prst="straightConnector1">
-            <a:avLst/>
-          </a:prstGeom>
-          <a:ln w="12700">
-            <a:solidFill>
-              <a:srgbClr val="545B64"/>
-            </a:solidFill>
-            <a:prstDash val="lgDash"/>
-            <a:headEnd type="arrow" w="med" len="sm"/>
-            <a:tailEnd type="arrow" w="med" len="sm"/>
-          </a:ln>
-        </p:spPr>
-        <p:style>
-          <a:lnRef idx="1">
-            <a:schemeClr val="accent1"/>
-          </a:lnRef>
-          <a:fillRef idx="0">
-            <a:schemeClr val="accent1"/>
-          </a:fillRef>
-          <a:effectRef idx="0">
-            <a:schemeClr val="accent1"/>
-          </a:effectRef>
-          <a:fontRef idx="minor">
-            <a:schemeClr val="tx1"/>
-          </a:fontRef>
-        </p:style>
-      </p:cxnSp>
       <p:sp>
         <p:nvSpPr>
           <p:cNvPr id="2" name="Slide Number Placeholder 1">
@@ -3824,7 +3831,7 @@
           <a:blip r:embed="rId2">
             <a:extLst>
               <a:ext uri="{96DAC541-7B7A-43D3-8B79-37D633B846F1}">
-                <asvg:svgBlip xmlns:asvg="http://schemas.microsoft.com/office/drawing/2016/SVG/main" xmlns="" r:embed="rId3"/>
+                <asvg:svgBlip xmlns="" xmlns:asvg="http://schemas.microsoft.com/office/drawing/2016/SVG/main" r:embed="rId3"/>
               </a:ext>
             </a:extLst>
           </a:blip>
@@ -3860,7 +3867,7 @@
           <a:blip r:embed="rId4">
             <a:extLst>
               <a:ext uri="{96DAC541-7B7A-43D3-8B79-37D633B846F1}">
-                <asvg:svgBlip xmlns:asvg="http://schemas.microsoft.com/office/drawing/2016/SVG/main" xmlns="" r:embed="rId5"/>
+                <asvg:svgBlip xmlns="" xmlns:asvg="http://schemas.microsoft.com/office/drawing/2016/SVG/main" r:embed="rId5"/>
               </a:ext>
             </a:extLst>
           </a:blip>
@@ -3892,8 +3899,8 @@
         </p:nvSpPr>
         <p:spPr>
           <a:xfrm>
-            <a:off x="4972712" y="4755023"/>
-            <a:ext cx="1769070" cy="276999"/>
+            <a:off x="5003561" y="4764009"/>
+            <a:ext cx="1769070" cy="461665"/>
           </a:xfrm>
           <a:prstGeom prst="rect">
             <a:avLst/>
@@ -3912,14 +3919,27 @@
                 <a:latin typeface="Arial" panose="020B0604020202020204" pitchFamily="34" charset="0"/>
                 <a:cs typeface="Arial" panose="020B0604020202020204" pitchFamily="34" charset="0"/>
               </a:rPr>
-              <a:t>IRIS m</a:t>
+              <a:t>IRIS </a:t>
             </a:r>
             <a:r>
               <a:rPr lang="en-US" sz="1200" dirty="0" smtClean="0">
                 <a:latin typeface="Arial" panose="020B0604020202020204" pitchFamily="34" charset="0"/>
                 <a:cs typeface="Arial" panose="020B0604020202020204" pitchFamily="34" charset="0"/>
               </a:rPr>
-              <a:t>irror node </a:t>
+              <a:t>mirror</a:t>
+            </a:r>
+            <a:br>
+              <a:rPr lang="en-US" sz="1200" dirty="0" smtClean="0">
+                <a:latin typeface="Arial" panose="020B0604020202020204" pitchFamily="34" charset="0"/>
+                <a:cs typeface="Arial" panose="020B0604020202020204" pitchFamily="34" charset="0"/>
+              </a:rPr>
+            </a:br>
+            <a:r>
+              <a:rPr lang="en-US" sz="1200" dirty="0" smtClean="0">
+                <a:latin typeface="Arial" panose="020B0604020202020204" pitchFamily="34" charset="0"/>
+                <a:cs typeface="Arial" panose="020B0604020202020204" pitchFamily="34" charset="0"/>
+              </a:rPr>
+              <a:t>node </a:t>
             </a:r>
             <a:r>
               <a:rPr lang="en-US" sz="1200" dirty="0">
@@ -3945,8 +3965,8 @@
         </p:nvSpPr>
         <p:spPr>
           <a:xfrm>
-            <a:off x="1159330" y="4190829"/>
-            <a:ext cx="5418752" cy="906938"/>
+            <a:off x="1159330" y="4235218"/>
+            <a:ext cx="5418752" cy="1009016"/>
           </a:xfrm>
           <a:prstGeom prst="rect">
             <a:avLst/>
@@ -4010,8 +4030,8 @@
         </p:nvSpPr>
         <p:spPr>
           <a:xfrm>
-            <a:off x="1010624" y="4755023"/>
-            <a:ext cx="1769070" cy="276999"/>
+            <a:off x="984044" y="4764009"/>
+            <a:ext cx="1769070" cy="461665"/>
           </a:xfrm>
           <a:prstGeom prst="rect">
             <a:avLst/>
@@ -4037,7 +4057,27 @@
                 <a:latin typeface="Arial" panose="020B0604020202020204" pitchFamily="34" charset="0"/>
                 <a:cs typeface="Arial" panose="020B0604020202020204" pitchFamily="34" charset="0"/>
               </a:rPr>
-              <a:t>irror node </a:t>
+              <a:t>irror </a:t>
+            </a:r>
+            <a:r>
+              <a:rPr lang="en-US" sz="1200" dirty="0" smtClean="0">
+                <a:latin typeface="Arial" panose="020B0604020202020204" pitchFamily="34" charset="0"/>
+                <a:cs typeface="Arial" panose="020B0604020202020204" pitchFamily="34" charset="0"/>
+              </a:rPr>
+              <a:t/>
+            </a:r>
+            <a:br>
+              <a:rPr lang="en-US" sz="1200" dirty="0" smtClean="0">
+                <a:latin typeface="Arial" panose="020B0604020202020204" pitchFamily="34" charset="0"/>
+                <a:cs typeface="Arial" panose="020B0604020202020204" pitchFamily="34" charset="0"/>
+              </a:rPr>
+            </a:br>
+            <a:r>
+              <a:rPr lang="en-US" sz="1200" dirty="0" smtClean="0">
+                <a:latin typeface="Arial" panose="020B0604020202020204" pitchFamily="34" charset="0"/>
+                <a:cs typeface="Arial" panose="020B0604020202020204" pitchFamily="34" charset="0"/>
+              </a:rPr>
+              <a:t>node </a:t>
             </a:r>
             <a:r>
               <a:rPr lang="en-US" sz="1200" dirty="0">
@@ -4063,7 +4103,7 @@
         </p:nvSpPr>
         <p:spPr>
           <a:xfrm>
-            <a:off x="2742503" y="3293016"/>
+            <a:off x="2742503" y="3550476"/>
             <a:ext cx="2274152" cy="276999"/>
           </a:xfrm>
           <a:prstGeom prst="rect">
@@ -4078,19 +4118,12 @@
           <a:lstStyle/>
           <a:p>
             <a:pPr algn="ctr"/>
-            <a:r>
-              <a:rPr lang="en-US" sz="1200" dirty="0">
-                <a:latin typeface="Arial" panose="020B0604020202020204" pitchFamily="34" charset="0"/>
-                <a:cs typeface="Arial" panose="020B0604020202020204" pitchFamily="34" charset="0"/>
-              </a:rPr>
-              <a:t>Network </a:t>
-            </a:r>
             <a:r>
               <a:rPr lang="en-US" sz="1200" dirty="0" smtClean="0">
                 <a:latin typeface="Arial" panose="020B0604020202020204" pitchFamily="34" charset="0"/>
                 <a:cs typeface="Arial" panose="020B0604020202020204" pitchFamily="34" charset="0"/>
               </a:rPr>
-              <a:t>Load </a:t>
+              <a:t>Network Load </a:t>
             </a:r>
             <a:r>
               <a:rPr lang="en-US" sz="1200" dirty="0">
@@ -4120,7 +4153,7 @@
           <a:blip r:embed="rId6">
             <a:extLst>
               <a:ext uri="{96DAC541-7B7A-43D3-8B79-37D633B846F1}">
-                <asvg:svgBlip xmlns:asvg="http://schemas.microsoft.com/office/drawing/2016/SVG/main" xmlns="" r:embed="rId11"/>
+                <asvg:svgBlip xmlns="" xmlns:asvg="http://schemas.microsoft.com/office/drawing/2016/SVG/main" r:embed="rId11"/>
               </a:ext>
             </a:extLst>
           </a:blip>
@@ -4130,7 +4163,7 @@
         </p:blipFill>
         <p:spPr>
           <a:xfrm>
-            <a:off x="3644629" y="2825345"/>
+            <a:off x="3644629" y="3109439"/>
             <a:ext cx="469900" cy="469900"/>
           </a:xfrm>
           <a:prstGeom prst="rect">
@@ -4152,8 +4185,8 @@
         </p:nvSpPr>
         <p:spPr>
           <a:xfrm rot="16200000">
-            <a:off x="3686555" y="2322136"/>
-            <a:ext cx="375058" cy="3355261"/>
+            <a:off x="3764594" y="2435685"/>
+            <a:ext cx="218982" cy="3355261"/>
           </a:xfrm>
           <a:custGeom>
             <a:avLst/>
@@ -4247,10 +4280,10 @@
       </p:sp>
       <p:cxnSp>
         <p:nvCxnSpPr>
-          <p:cNvPr id="48" name="Straight Arrow Connector 47">
-            <a:extLst>
-              <a:ext uri="{FF2B5EF4-FFF2-40B4-BE49-F238E27FC236}">
-                <a16:creationId xmlns:a16="http://schemas.microsoft.com/office/drawing/2014/main" id="{88493E5F-30A4-0F4B-896F-15373DD9E98D}"/>
+          <p:cNvPr id="49" name="Straight Arrow Connector 48">
+            <a:extLst>
+              <a:ext uri="{FF2B5EF4-FFF2-40B4-BE49-F238E27FC236}">
+                <a16:creationId xmlns:a16="http://schemas.microsoft.com/office/drawing/2014/main" id="{2193DCE8-ACE4-A34B-94CA-69350F2AEB66}"/>
               </a:ext>
             </a:extLst>
           </p:cNvPr>
@@ -4261,8 +4294,8 @@
         </p:nvCxnSpPr>
         <p:spPr>
           <a:xfrm>
-            <a:off x="2149993" y="4519655"/>
-            <a:ext cx="3336407" cy="0"/>
+            <a:off x="6578082" y="4693753"/>
+            <a:ext cx="1585974" cy="0"/>
           </a:xfrm>
           <a:prstGeom prst="straightConnector1">
             <a:avLst/>
@@ -4271,6 +4304,7 @@
             <a:solidFill>
               <a:srgbClr val="545B64"/>
             </a:solidFill>
+            <a:prstDash val="solid"/>
             <a:headEnd type="arrow" w="med" len="sm"/>
             <a:tailEnd type="arrow" w="med" len="sm"/>
           </a:ln>
@@ -4290,149 +4324,12 @@
           </a:fontRef>
         </p:style>
       </p:cxnSp>
-      <p:cxnSp>
-        <p:nvCxnSpPr>
-          <p:cNvPr id="49" name="Straight Arrow Connector 48">
-            <a:extLst>
-              <a:ext uri="{FF2B5EF4-FFF2-40B4-BE49-F238E27FC236}">
-                <a16:creationId xmlns:a16="http://schemas.microsoft.com/office/drawing/2014/main" id="{2193DCE8-ACE4-A34B-94CA-69350F2AEB66}"/>
-              </a:ext>
-            </a:extLst>
-          </p:cNvPr>
-          <p:cNvCxnSpPr>
-            <a:cxnSpLocks/>
-          </p:cNvCxnSpPr>
-          <p:nvPr/>
-        </p:nvCxnSpPr>
-        <p:spPr>
-          <a:xfrm>
-            <a:off x="5962261" y="4516016"/>
-            <a:ext cx="2509935" cy="9330"/>
-          </a:xfrm>
-          <a:prstGeom prst="straightConnector1">
-            <a:avLst/>
-          </a:prstGeom>
-          <a:ln w="12700">
-            <a:solidFill>
-              <a:srgbClr val="545B64"/>
-            </a:solidFill>
-            <a:prstDash val="lgDash"/>
-            <a:headEnd type="arrow" w="med" len="sm"/>
-            <a:tailEnd type="arrow" w="med" len="sm"/>
-          </a:ln>
-        </p:spPr>
-        <p:style>
-          <a:lnRef idx="1">
-            <a:schemeClr val="accent1"/>
-          </a:lnRef>
-          <a:fillRef idx="0">
-            <a:schemeClr val="accent1"/>
-          </a:fillRef>
-          <a:effectRef idx="0">
-            <a:schemeClr val="accent1"/>
-          </a:effectRef>
-          <a:fontRef idx="minor">
-            <a:schemeClr val="tx1"/>
-          </a:fontRef>
-        </p:style>
-      </p:cxnSp>
-      <p:cxnSp>
-        <p:nvCxnSpPr>
-          <p:cNvPr id="52" name="Straight Arrow Connector 51">
-            <a:extLst>
-              <a:ext uri="{FF2B5EF4-FFF2-40B4-BE49-F238E27FC236}">
-                <a16:creationId xmlns:a16="http://schemas.microsoft.com/office/drawing/2014/main" id="{DC2841E4-793C-4543-AF00-8B5BCBE4383A}"/>
-              </a:ext>
-            </a:extLst>
-          </p:cNvPr>
-          <p:cNvCxnSpPr>
-            <a:cxnSpLocks/>
-          </p:cNvCxnSpPr>
-          <p:nvPr/>
-        </p:nvCxnSpPr>
-        <p:spPr>
-          <a:xfrm>
-            <a:off x="887024" y="6230795"/>
-            <a:ext cx="593809" cy="0"/>
-          </a:xfrm>
-          <a:prstGeom prst="straightConnector1">
-            <a:avLst/>
-          </a:prstGeom>
-          <a:ln w="12700">
-            <a:solidFill>
-              <a:srgbClr val="545B64"/>
-            </a:solidFill>
-            <a:prstDash val="lgDash"/>
-            <a:headEnd type="arrow" w="med" len="sm"/>
-            <a:tailEnd type="arrow" w="med" len="sm"/>
-          </a:ln>
-        </p:spPr>
-        <p:style>
-          <a:lnRef idx="1">
-            <a:schemeClr val="accent1"/>
-          </a:lnRef>
-          <a:fillRef idx="0">
-            <a:schemeClr val="accent1"/>
-          </a:fillRef>
-          <a:effectRef idx="0">
-            <a:schemeClr val="accent1"/>
-          </a:effectRef>
-          <a:fontRef idx="minor">
-            <a:schemeClr val="tx1"/>
-          </a:fontRef>
-        </p:style>
-      </p:cxnSp>
-      <p:cxnSp>
-        <p:nvCxnSpPr>
-          <p:cNvPr id="53" name="Straight Arrow Connector 52">
-            <a:extLst>
-              <a:ext uri="{FF2B5EF4-FFF2-40B4-BE49-F238E27FC236}">
-                <a16:creationId xmlns:a16="http://schemas.microsoft.com/office/drawing/2014/main" id="{BCD1A311-690C-0B4E-9828-3026E83556E9}"/>
-              </a:ext>
-            </a:extLst>
-          </p:cNvPr>
-          <p:cNvCxnSpPr>
-            <a:cxnSpLocks/>
-          </p:cNvCxnSpPr>
-          <p:nvPr/>
-        </p:nvCxnSpPr>
-        <p:spPr>
-          <a:xfrm>
-            <a:off x="887024" y="5978775"/>
-            <a:ext cx="593809" cy="0"/>
-          </a:xfrm>
-          <a:prstGeom prst="straightConnector1">
-            <a:avLst/>
-          </a:prstGeom>
-          <a:ln w="12700">
-            <a:solidFill>
-              <a:srgbClr val="545B64"/>
-            </a:solidFill>
-            <a:headEnd type="arrow" w="med" len="sm"/>
-            <a:tailEnd type="arrow" w="med" len="sm"/>
-          </a:ln>
-        </p:spPr>
-        <p:style>
-          <a:lnRef idx="1">
-            <a:schemeClr val="accent1"/>
-          </a:lnRef>
-          <a:fillRef idx="0">
-            <a:schemeClr val="accent1"/>
-          </a:fillRef>
-          <a:effectRef idx="0">
-            <a:schemeClr val="accent1"/>
-          </a:effectRef>
-          <a:fontRef idx="minor">
-            <a:schemeClr val="tx1"/>
-          </a:fontRef>
-        </p:style>
-      </p:cxnSp>
-      <p:sp>
-        <p:nvSpPr>
-          <p:cNvPr id="54" name="TextBox 53">
-            <a:extLst>
-              <a:ext uri="{FF2B5EF4-FFF2-40B4-BE49-F238E27FC236}">
-                <a16:creationId xmlns:a16="http://schemas.microsoft.com/office/drawing/2014/main" id="{2AE969AF-346F-FE4A-A4AC-F2D2E9D0FBD2}"/>
+      <p:sp>
+        <p:nvSpPr>
+          <p:cNvPr id="71" name="TextBox 70">
+            <a:extLst>
+              <a:ext uri="{FF2B5EF4-FFF2-40B4-BE49-F238E27FC236}">
+                <a16:creationId xmlns:a16="http://schemas.microsoft.com/office/drawing/2014/main" id="{CF275322-8821-7240-9DD9-59D35F667125}"/>
               </a:ext>
             </a:extLst>
           </p:cNvPr>
@@ -4441,83 +4338,7 @@
         </p:nvSpPr>
         <p:spPr>
           <a:xfrm>
-            <a:off x="1510673" y="5840437"/>
-            <a:ext cx="1769070" cy="307777"/>
-          </a:xfrm>
-          <a:prstGeom prst="rect">
-            <a:avLst/>
-          </a:prstGeom>
-          <a:noFill/>
-        </p:spPr>
-        <p:txBody>
-          <a:bodyPr wrap="square" rtlCol="0">
-            <a:spAutoFit/>
-          </a:bodyPr>
-          <a:lstStyle/>
-          <a:p>
-            <a:r>
-              <a:rPr lang="en-US" sz="1400" dirty="0">
-                <a:latin typeface="Arial" panose="020B0604020202020204" pitchFamily="34" charset="0"/>
-                <a:cs typeface="Arial" panose="020B0604020202020204" pitchFamily="34" charset="0"/>
-              </a:rPr>
-              <a:t>Mirror data traffic</a:t>
-            </a:r>
-          </a:p>
-        </p:txBody>
-      </p:sp>
-      <p:sp>
-        <p:nvSpPr>
-          <p:cNvPr id="55" name="TextBox 54">
-            <a:extLst>
-              <a:ext uri="{FF2B5EF4-FFF2-40B4-BE49-F238E27FC236}">
-                <a16:creationId xmlns:a16="http://schemas.microsoft.com/office/drawing/2014/main" id="{E02A861B-E56A-5242-875D-B010EC62EFC7}"/>
-              </a:ext>
-            </a:extLst>
-          </p:cNvPr>
-          <p:cNvSpPr txBox="1"/>
-          <p:nvPr/>
-        </p:nvSpPr>
-        <p:spPr>
-          <a:xfrm>
-            <a:off x="1506912" y="6078155"/>
-            <a:ext cx="1769070" cy="307777"/>
-          </a:xfrm>
-          <a:prstGeom prst="rect">
-            <a:avLst/>
-          </a:prstGeom>
-          <a:noFill/>
-        </p:spPr>
-        <p:txBody>
-          <a:bodyPr wrap="square" rtlCol="0">
-            <a:spAutoFit/>
-          </a:bodyPr>
-          <a:lstStyle/>
-          <a:p>
-            <a:r>
-              <a:rPr lang="en-US" sz="1400" dirty="0">
-                <a:latin typeface="Arial" panose="020B0604020202020204" pitchFamily="34" charset="0"/>
-                <a:cs typeface="Arial" panose="020B0604020202020204" pitchFamily="34" charset="0"/>
-              </a:rPr>
-              <a:t>Mirror health check</a:t>
-            </a:r>
-          </a:p>
-        </p:txBody>
-      </p:sp>
-      <p:sp>
-        <p:nvSpPr>
-          <p:cNvPr id="71" name="TextBox 70">
-            <a:extLst>
-              <a:ext uri="{FF2B5EF4-FFF2-40B4-BE49-F238E27FC236}">
-                <a16:creationId xmlns:a16="http://schemas.microsoft.com/office/drawing/2014/main" id="{CF275322-8821-7240-9DD9-59D35F667125}"/>
-              </a:ext>
-            </a:extLst>
-          </p:cNvPr>
-          <p:cNvSpPr txBox="1"/>
-          <p:nvPr/>
-        </p:nvSpPr>
-        <p:spPr>
-          <a:xfrm>
-            <a:off x="975221" y="2439142"/>
+            <a:off x="984044" y="2510166"/>
             <a:ext cx="1769070" cy="276999"/>
           </a:xfrm>
           <a:prstGeom prst="rect">
@@ -4724,8 +4545,8 @@
         </p:nvSpPr>
         <p:spPr bwMode="auto">
           <a:xfrm>
-            <a:off x="363205" y="1328654"/>
-            <a:ext cx="9564566" cy="4135075"/>
+            <a:off x="363204" y="1328654"/>
+            <a:ext cx="9649475" cy="4135075"/>
           </a:xfrm>
           <a:prstGeom prst="rect">
             <a:avLst/>
@@ -4809,7 +4630,7 @@
         </p:blipFill>
         <p:spPr bwMode="auto">
           <a:xfrm>
-            <a:off x="4827437" y="3176105"/>
+            <a:off x="4827437" y="3318153"/>
             <a:ext cx="274637" cy="274638"/>
           </a:xfrm>
           <a:prstGeom prst="rect">
@@ -4869,7 +4690,7 @@
         </p:blipFill>
         <p:spPr bwMode="auto">
           <a:xfrm>
-            <a:off x="806688" y="3271546"/>
+            <a:off x="806688" y="3313870"/>
             <a:ext cx="274637" cy="274638"/>
           </a:xfrm>
           <a:prstGeom prst="rect">
@@ -4975,7 +4796,7 @@
         <p:spPr>
           <a:xfrm>
             <a:off x="4827436" y="1626255"/>
-            <a:ext cx="2133548" cy="1226818"/>
+            <a:ext cx="2133548" cy="1325356"/>
           </a:xfrm>
           <a:prstGeom prst="rect">
             <a:avLst/>
@@ -5101,13 +4922,15 @@
               </a:ext>
             </a:extLst>
           </p:cNvPr>
-          <p:cNvCxnSpPr/>
+          <p:cNvCxnSpPr>
+            <a:endCxn id="39" idx="2"/>
+          </p:cNvCxnSpPr>
           <p:nvPr/>
         </p:nvCxnSpPr>
         <p:spPr>
           <a:xfrm flipV="1">
-            <a:off x="3879579" y="3570015"/>
-            <a:ext cx="0" cy="242224"/>
+            <a:off x="3879579" y="3827475"/>
+            <a:ext cx="0" cy="167476"/>
           </a:xfrm>
           <a:prstGeom prst="straightConnector1">
             <a:avLst/>
@@ -5149,8 +4972,8 @@
         </p:nvSpPr>
         <p:spPr>
           <a:xfrm>
-            <a:off x="1167493" y="1983462"/>
-            <a:ext cx="5410589" cy="705242"/>
+            <a:off x="1167493" y="1983461"/>
+            <a:ext cx="5410589" cy="865213"/>
           </a:xfrm>
           <a:prstGeom prst="rect">
             <a:avLst/>
@@ -5236,8 +5059,25 @@
                 <a:latin typeface="Arial" panose="020B0604020202020204" pitchFamily="34" charset="0"/>
                 <a:cs typeface="Arial" panose="020B0604020202020204" pitchFamily="34" charset="0"/>
               </a:rPr>
-              <a:t>Auto Scaling group</a:t>
-            </a:r>
+              <a:t>Auto Scaling </a:t>
+            </a:r>
+            <a:r>
+              <a:rPr lang="en-US" sz="1200" dirty="0" smtClean="0">
+                <a:solidFill>
+                  <a:srgbClr val="D86613"/>
+                </a:solidFill>
+                <a:latin typeface="Arial" panose="020B0604020202020204" pitchFamily="34" charset="0"/>
+                <a:cs typeface="Arial" panose="020B0604020202020204" pitchFamily="34" charset="0"/>
+              </a:rPr>
+              <a:t>group</a:t>
+            </a:r>
+            <a:endParaRPr lang="en-US" sz="1200" dirty="0">
+              <a:solidFill>
+                <a:srgbClr val="D86613"/>
+              </a:solidFill>
+              <a:latin typeface="Arial" panose="020B0604020202020204" pitchFamily="34" charset="0"/>
+              <a:cs typeface="Arial" panose="020B0604020202020204" pitchFamily="34" charset="0"/>
+            </a:endParaRPr>
           </a:p>
         </p:txBody>
       </p:sp>
@@ -5315,7 +5155,7 @@
         </p:nvSpPr>
         <p:spPr bwMode="auto">
           <a:xfrm>
-            <a:off x="7530037" y="987029"/>
+            <a:off x="7632907" y="987029"/>
             <a:ext cx="2285329" cy="4620284"/>
           </a:xfrm>
           <a:prstGeom prst="rect">
@@ -5417,7 +5257,7 @@
         </p:blipFill>
         <p:spPr bwMode="auto">
           <a:xfrm>
-            <a:off x="7611080" y="3179211"/>
+            <a:off x="7713950" y="3321259"/>
             <a:ext cx="274637" cy="274638"/>
           </a:xfrm>
           <a:prstGeom prst="rect">
@@ -5477,7 +5317,7 @@
         </p:blipFill>
         <p:spPr bwMode="auto">
           <a:xfrm>
-            <a:off x="1692793" y="4335360"/>
+            <a:off x="1639979" y="4344346"/>
             <a:ext cx="457200" cy="457200"/>
           </a:xfrm>
           <a:prstGeom prst="rect">
@@ -5537,7 +5377,7 @@
         </p:blipFill>
         <p:spPr bwMode="auto">
           <a:xfrm>
-            <a:off x="5551715" y="4335360"/>
+            <a:off x="5659496" y="4344346"/>
             <a:ext cx="457200" cy="457200"/>
           </a:xfrm>
           <a:prstGeom prst="rect">
@@ -5597,7 +5437,7 @@
         </p:blipFill>
         <p:spPr bwMode="auto">
           <a:xfrm>
-            <a:off x="1640428" y="2032349"/>
+            <a:off x="1639979" y="2103373"/>
             <a:ext cx="457200" cy="457200"/>
           </a:xfrm>
           <a:prstGeom prst="rect">
@@ -5642,7 +5482,7 @@
         </p:nvSpPr>
         <p:spPr>
           <a:xfrm>
-            <a:off x="8318219" y="4820495"/>
+            <a:off x="8386799" y="4933465"/>
             <a:ext cx="793752" cy="279013"/>
           </a:xfrm>
           <a:prstGeom prst="rect">
@@ -5681,8 +5521,8 @@
         </p:nvSpPr>
         <p:spPr>
           <a:xfrm>
-            <a:off x="8095476" y="4086808"/>
-            <a:ext cx="1239238" cy="979710"/>
+            <a:off x="8164056" y="4222807"/>
+            <a:ext cx="1239238" cy="1021427"/>
           </a:xfrm>
           <a:prstGeom prst="rect">
             <a:avLst/>
@@ -5761,7 +5601,7 @@
         </p:blipFill>
         <p:spPr bwMode="auto">
           <a:xfrm>
-            <a:off x="8486495" y="4402342"/>
+            <a:off x="8555075" y="4515312"/>
             <a:ext cx="457200" cy="457200"/>
           </a:xfrm>
           <a:prstGeom prst="rect">
@@ -5830,7 +5670,7 @@
         </p:blipFill>
         <p:spPr bwMode="auto">
           <a:xfrm>
-            <a:off x="5693685" y="2032349"/>
+            <a:off x="5659496" y="2103373"/>
             <a:ext cx="457200" cy="457200"/>
           </a:xfrm>
           <a:prstGeom prst="rect">
@@ -5875,7 +5715,7 @@
         </p:nvSpPr>
         <p:spPr>
           <a:xfrm>
-            <a:off x="5016655" y="2442594"/>
+            <a:off x="5003561" y="2513618"/>
             <a:ext cx="1769070" cy="276999"/>
           </a:xfrm>
           <a:prstGeom prst="rect">
@@ -5911,6 +5751,155 @@
           </a:p>
         </p:txBody>
       </p:sp>
+      <p:sp>
+        <p:nvSpPr>
+          <p:cNvPr id="43" name="Rectangle 42">
+            <a:extLst>
+              <a:ext uri="{FF2B5EF4-FFF2-40B4-BE49-F238E27FC236}">
+                <a16:creationId xmlns:a16="http://schemas.microsoft.com/office/drawing/2014/main" id="{B1844CBB-737E-C049-891C-1F2168761D96}"/>
+              </a:ext>
+            </a:extLst>
+          </p:cNvPr>
+          <p:cNvSpPr/>
+          <p:nvPr/>
+        </p:nvSpPr>
+        <p:spPr>
+          <a:xfrm>
+            <a:off x="7713950" y="1618929"/>
+            <a:ext cx="2133548" cy="1332682"/>
+          </a:xfrm>
+          <a:prstGeom prst="rect">
+            <a:avLst/>
+          </a:prstGeom>
+          <a:solidFill>
+            <a:srgbClr val="1D8900">
+              <a:alpha val="9804"/>
+            </a:srgbClr>
+          </a:solidFill>
+          <a:ln w="12700">
+            <a:noFill/>
+            <a:prstDash val="dash"/>
+          </a:ln>
+        </p:spPr>
+        <p:style>
+          <a:lnRef idx="2">
+            <a:schemeClr val="accent1">
+              <a:shade val="50000"/>
+            </a:schemeClr>
+          </a:lnRef>
+          <a:fillRef idx="1">
+            <a:schemeClr val="accent1"/>
+          </a:fillRef>
+          <a:effectRef idx="0">
+            <a:schemeClr val="accent1"/>
+          </a:effectRef>
+          <a:fontRef idx="minor">
+            <a:schemeClr val="lt1"/>
+          </a:fontRef>
+        </p:style>
+        <p:txBody>
+          <a:bodyPr lIns="338328"/>
+          <a:lstStyle/>
+          <a:p>
+            <a:pPr eaLnBrk="1" fontAlgn="auto" hangingPunct="1">
+              <a:spcBef>
+                <a:spcPts val="0"/>
+              </a:spcBef>
+              <a:spcAft>
+                <a:spcPts val="0"/>
+              </a:spcAft>
+              <a:defRPr/>
+            </a:pPr>
+            <a:r>
+              <a:rPr lang="en-US" sz="1200" dirty="0">
+                <a:solidFill>
+                  <a:srgbClr val="1E8900"/>
+                </a:solidFill>
+                <a:latin typeface="Arial" panose="020B0604020202020204" pitchFamily="34" charset="0"/>
+                <a:cs typeface="Arial" panose="020B0604020202020204" pitchFamily="34" charset="0"/>
+              </a:rPr>
+              <a:t>Public </a:t>
+            </a:r>
+            <a:r>
+              <a:rPr lang="en-US" sz="1200" dirty="0" smtClean="0">
+                <a:solidFill>
+                  <a:srgbClr val="1E8900"/>
+                </a:solidFill>
+                <a:latin typeface="Arial" panose="020B0604020202020204" pitchFamily="34" charset="0"/>
+                <a:cs typeface="Arial" panose="020B0604020202020204" pitchFamily="34" charset="0"/>
+              </a:rPr>
+              <a:t>subnet (not used)</a:t>
+            </a:r>
+            <a:endParaRPr lang="en-US" sz="1200" dirty="0">
+              <a:solidFill>
+                <a:srgbClr val="1E8900"/>
+              </a:solidFill>
+              <a:latin typeface="Arial" panose="020B0604020202020204" pitchFamily="34" charset="0"/>
+              <a:cs typeface="Arial" panose="020B0604020202020204" pitchFamily="34" charset="0"/>
+            </a:endParaRPr>
+          </a:p>
+        </p:txBody>
+      </p:sp>
+      <p:pic>
+        <p:nvPicPr>
+          <p:cNvPr id="45" name="Graphic 13">
+            <a:extLst>
+              <a:ext uri="{FF2B5EF4-FFF2-40B4-BE49-F238E27FC236}">
+                <a16:creationId xmlns:a16="http://schemas.microsoft.com/office/drawing/2014/main" id="{70274855-208B-F84A-91BD-0E2073330EBD}"/>
+              </a:ext>
+            </a:extLst>
+          </p:cNvPr>
+          <p:cNvPicPr>
+            <a:picLocks noChangeAspect="1" noChangeArrowheads="1"/>
+          </p:cNvPicPr>
+          <p:nvPr/>
+        </p:nvPicPr>
+        <p:blipFill>
+          <a:blip r:embed="rId13">
+            <a:extLst>
+              <a:ext uri="{28A0092B-C50C-407E-A947-70E740481C1C}">
+                <a14:useLocalDpi xmlns:a14="http://schemas.microsoft.com/office/drawing/2010/main" val="0"/>
+              </a:ext>
+            </a:extLst>
+          </a:blip>
+          <a:srcRect/>
+          <a:stretch>
+            <a:fillRect/>
+          </a:stretch>
+        </p:blipFill>
+        <p:spPr bwMode="auto">
+          <a:xfrm>
+            <a:off x="7713950" y="1614050"/>
+            <a:ext cx="273050" cy="274637"/>
+          </a:xfrm>
+          <a:prstGeom prst="rect">
+            <a:avLst/>
+          </a:prstGeom>
+          <a:noFill/>
+          <a:ln>
+            <a:noFill/>
+          </a:ln>
+          <a:extLst>
+            <a:ext uri="{909E8E84-426E-40DD-AFC4-6F175D3DCCD1}">
+              <a14:hiddenFill xmlns:a14="http://schemas.microsoft.com/office/drawing/2010/main">
+                <a:solidFill>
+                  <a:srgbClr val="FFFFFF"/>
+                </a:solidFill>
+              </a14:hiddenFill>
+            </a:ext>
+            <a:ext uri="{91240B29-F687-4F45-9708-019B960494DF}">
+              <a14:hiddenLine xmlns:a14="http://schemas.microsoft.com/office/drawing/2010/main" w="9525">
+                <a:solidFill>
+                  <a:srgbClr val="000000"/>
+                </a:solidFill>
+                <a:miter lim="800000"/>
+                <a:headEnd/>
+                <a:tailEnd/>
+              </a14:hiddenLine>
+            </a:ext>
+          </a:extLst>
+        </p:spPr>
+      </p:pic>
     </p:spTree>
     <p:extLst>
       <p:ext uri="{BB962C8B-B14F-4D97-AF65-F5344CB8AC3E}">
@@ -6436,7 +6425,7 @@
           <a:blip r:embed="rId2">
             <a:extLst>
               <a:ext uri="{96DAC541-7B7A-43D3-8B79-37D633B846F1}">
-                <asvg:svgBlip xmlns:asvg="http://schemas.microsoft.com/office/drawing/2016/SVG/main" xmlns="" r:embed="rId3"/>
+                <asvg:svgBlip xmlns="" xmlns:asvg="http://schemas.microsoft.com/office/drawing/2016/SVG/main" r:embed="rId3"/>
               </a:ext>
             </a:extLst>
           </a:blip>
@@ -6472,7 +6461,7 @@
           <a:blip r:embed="rId4">
             <a:extLst>
               <a:ext uri="{96DAC541-7B7A-43D3-8B79-37D633B846F1}">
-                <asvg:svgBlip xmlns:asvg="http://schemas.microsoft.com/office/drawing/2016/SVG/main" xmlns="" r:embed="rId5"/>
+                <asvg:svgBlip xmlns="" xmlns:asvg="http://schemas.microsoft.com/office/drawing/2016/SVG/main" r:embed="rId5"/>
               </a:ext>
             </a:extLst>
           </a:blip>
@@ -6732,7 +6721,7 @@
           <a:blip r:embed="rId6">
             <a:extLst>
               <a:ext uri="{96DAC541-7B7A-43D3-8B79-37D633B846F1}">
-                <asvg:svgBlip xmlns:asvg="http://schemas.microsoft.com/office/drawing/2016/SVG/main" xmlns="" r:embed="rId11"/>
+                <asvg:svgBlip xmlns="" xmlns:asvg="http://schemas.microsoft.com/office/drawing/2016/SVG/main" r:embed="rId11"/>
               </a:ext>
             </a:extLst>
           </a:blip>
@@ -9334,6 +9323,107 @@
           </a:p>
         </p:txBody>
       </p:sp>
+      <p:cxnSp>
+        <p:nvCxnSpPr>
+          <p:cNvPr id="60" name="Straight Arrow Connector 59">
+            <a:extLst>
+              <a:ext uri="{FF2B5EF4-FFF2-40B4-BE49-F238E27FC236}">
+                <a16:creationId xmlns:a16="http://schemas.microsoft.com/office/drawing/2014/main" id="{88493E5F-30A4-0F4B-896F-15373DD9E98D}"/>
+              </a:ext>
+            </a:extLst>
+          </p:cNvPr>
+          <p:cNvCxnSpPr>
+            <a:cxnSpLocks/>
+          </p:cNvCxnSpPr>
+          <p:nvPr/>
+        </p:nvCxnSpPr>
+        <p:spPr>
+          <a:xfrm>
+            <a:off x="5446525" y="6048622"/>
+            <a:ext cx="3401722" cy="0"/>
+          </a:xfrm>
+          <a:prstGeom prst="straightConnector1">
+            <a:avLst/>
+          </a:prstGeom>
+          <a:ln w="12700">
+            <a:solidFill>
+              <a:srgbClr val="545B64"/>
+            </a:solidFill>
+            <a:headEnd type="arrow" w="med" len="sm"/>
+            <a:tailEnd type="arrow" w="med" len="sm"/>
+          </a:ln>
+        </p:spPr>
+        <p:style>
+          <a:lnRef idx="1">
+            <a:schemeClr val="accent1"/>
+          </a:lnRef>
+          <a:fillRef idx="0">
+            <a:schemeClr val="accent1"/>
+          </a:fillRef>
+          <a:effectRef idx="0">
+            <a:schemeClr val="accent1"/>
+          </a:effectRef>
+          <a:fontRef idx="minor">
+            <a:schemeClr val="tx1"/>
+          </a:fontRef>
+        </p:style>
+      </p:cxnSp>
+      <p:sp>
+        <p:nvSpPr>
+          <p:cNvPr id="61" name="TextBox 60">
+            <a:extLst>
+              <a:ext uri="{FF2B5EF4-FFF2-40B4-BE49-F238E27FC236}">
+                <a16:creationId xmlns:a16="http://schemas.microsoft.com/office/drawing/2014/main" id="{6B638165-16FA-A646-A545-A7BD93A3AF6A}"/>
+              </a:ext>
+            </a:extLst>
+          </p:cNvPr>
+          <p:cNvSpPr txBox="1"/>
+          <p:nvPr/>
+        </p:nvSpPr>
+        <p:spPr>
+          <a:xfrm>
+            <a:off x="6288309" y="6043787"/>
+            <a:ext cx="1769070" cy="461665"/>
+          </a:xfrm>
+          <a:prstGeom prst="rect">
+            <a:avLst/>
+          </a:prstGeom>
+          <a:noFill/>
+        </p:spPr>
+        <p:txBody>
+          <a:bodyPr wrap="square" rtlCol="0">
+            <a:spAutoFit/>
+          </a:bodyPr>
+          <a:lstStyle/>
+          <a:p>
+            <a:pPr algn="ctr"/>
+            <a:r>
+              <a:rPr lang="en-US" sz="1200" i="1" dirty="0" smtClean="0">
+                <a:latin typeface="Arial" panose="020B0604020202020204" pitchFamily="34" charset="0"/>
+                <a:cs typeface="Arial" panose="020B0604020202020204" pitchFamily="34" charset="0"/>
+              </a:rPr>
+              <a:t>Real-time</a:t>
+            </a:r>
+            <a:br>
+              <a:rPr lang="en-US" sz="1200" i="1" dirty="0" smtClean="0">
+                <a:latin typeface="Arial" panose="020B0604020202020204" pitchFamily="34" charset="0"/>
+                <a:cs typeface="Arial" panose="020B0604020202020204" pitchFamily="34" charset="0"/>
+              </a:rPr>
+            </a:br>
+            <a:r>
+              <a:rPr lang="en-US" sz="1200" i="1" dirty="0" smtClean="0">
+                <a:latin typeface="Arial" panose="020B0604020202020204" pitchFamily="34" charset="0"/>
+                <a:cs typeface="Arial" panose="020B0604020202020204" pitchFamily="34" charset="0"/>
+              </a:rPr>
+              <a:t>data replication</a:t>
+            </a:r>
+            <a:endParaRPr lang="en-US" sz="1200" i="1" dirty="0">
+              <a:latin typeface="Arial" panose="020B0604020202020204" pitchFamily="34" charset="0"/>
+              <a:cs typeface="Arial" panose="020B0604020202020204" pitchFamily="34" charset="0"/>
+            </a:endParaRPr>
+          </a:p>
+        </p:txBody>
+      </p:sp>
     </p:spTree>
     <p:extLst>
       <p:ext uri="{BB962C8B-B14F-4D97-AF65-F5344CB8AC3E}">
@@ -9597,7 +9687,7 @@
           <a:blip r:embed="rId2">
             <a:extLst>
               <a:ext uri="{96DAC541-7B7A-43D3-8B79-37D633B846F1}">
-                <asvg:svgBlip xmlns:asvg="http://schemas.microsoft.com/office/drawing/2016/SVG/main" xmlns="" r:embed="rId3"/>
+                <asvg:svgBlip xmlns="" xmlns:asvg="http://schemas.microsoft.com/office/drawing/2016/SVG/main" r:embed="rId3"/>
               </a:ext>
             </a:extLst>
           </a:blip>
@@ -9720,7 +9810,7 @@
           <a:blip r:embed="rId4">
             <a:extLst>
               <a:ext uri="{96DAC541-7B7A-43D3-8B79-37D633B846F1}">
-                <asvg:svgBlip xmlns:asvg="http://schemas.microsoft.com/office/drawing/2016/SVG/main" xmlns="" r:embed="rId5"/>
+                <asvg:svgBlip xmlns="" xmlns:asvg="http://schemas.microsoft.com/office/drawing/2016/SVG/main" r:embed="rId5"/>
               </a:ext>
             </a:extLst>
           </a:blip>
@@ -9886,7 +9976,7 @@
           <a:blip r:embed="rId7">
             <a:extLst>
               <a:ext uri="{96DAC541-7B7A-43D3-8B79-37D633B846F1}">
-                <asvg:svgBlip xmlns:asvg="http://schemas.microsoft.com/office/drawing/2016/SVG/main" xmlns="" r:embed="rId9"/>
+                <asvg:svgBlip xmlns="" xmlns:asvg="http://schemas.microsoft.com/office/drawing/2016/SVG/main" r:embed="rId9"/>
               </a:ext>
             </a:extLst>
           </a:blip>
@@ -10583,7 +10673,7 @@
           <a:blip r:embed="rId2">
             <a:extLst>
               <a:ext uri="{96DAC541-7B7A-43D3-8B79-37D633B846F1}">
-                <asvg:svgBlip xmlns:asvg="http://schemas.microsoft.com/office/drawing/2016/SVG/main" xmlns="" r:embed="rId3"/>
+                <asvg:svgBlip xmlns="" xmlns:asvg="http://schemas.microsoft.com/office/drawing/2016/SVG/main" r:embed="rId3"/>
               </a:ext>
             </a:extLst>
           </a:blip>
@@ -10619,7 +10709,7 @@
           <a:blip r:embed="rId4">
             <a:extLst>
               <a:ext uri="{96DAC541-7B7A-43D3-8B79-37D633B846F1}">
-                <asvg:svgBlip xmlns:asvg="http://schemas.microsoft.com/office/drawing/2016/SVG/main" xmlns="" r:embed="rId5"/>
+                <asvg:svgBlip xmlns="" xmlns:asvg="http://schemas.microsoft.com/office/drawing/2016/SVG/main" r:embed="rId5"/>
               </a:ext>
             </a:extLst>
           </a:blip>
@@ -10766,7 +10856,7 @@
           <a:blip r:embed="rId6">
             <a:extLst>
               <a:ext uri="{96DAC541-7B7A-43D3-8B79-37D633B846F1}">
-                <asvg:svgBlip xmlns:asvg="http://schemas.microsoft.com/office/drawing/2016/SVG/main" xmlns="" r:embed="rId7"/>
+                <asvg:svgBlip xmlns="" xmlns:asvg="http://schemas.microsoft.com/office/drawing/2016/SVG/main" r:embed="rId7"/>
               </a:ext>
             </a:extLst>
           </a:blip>
@@ -10844,7 +10934,7 @@
           <a:blip r:embed="rId8">
             <a:extLst>
               <a:ext uri="{96DAC541-7B7A-43D3-8B79-37D633B846F1}">
-                <asvg:svgBlip xmlns:asvg="http://schemas.microsoft.com/office/drawing/2016/SVG/main" xmlns="" r:embed="rId9"/>
+                <asvg:svgBlip xmlns="" xmlns:asvg="http://schemas.microsoft.com/office/drawing/2016/SVG/main" r:embed="rId9"/>
               </a:ext>
             </a:extLst>
           </a:blip>
@@ -10932,7 +11022,7 @@
           <a:blip r:embed="rId10">
             <a:extLst>
               <a:ext uri="{96DAC541-7B7A-43D3-8B79-37D633B846F1}">
-                <asvg:svgBlip xmlns:asvg="http://schemas.microsoft.com/office/drawing/2016/SVG/main" xmlns="" r:embed="rId11"/>
+                <asvg:svgBlip xmlns="" xmlns:asvg="http://schemas.microsoft.com/office/drawing/2016/SVG/main" r:embed="rId11"/>
               </a:ext>
             </a:extLst>
           </a:blip>
@@ -11208,7 +11298,7 @@
           <a:blip r:embed="rId6">
             <a:extLst>
               <a:ext uri="{96DAC541-7B7A-43D3-8B79-37D633B846F1}">
-                <asvg:svgBlip xmlns:asvg="http://schemas.microsoft.com/office/drawing/2016/SVG/main" xmlns="" r:embed="rId7"/>
+                <asvg:svgBlip xmlns="" xmlns:asvg="http://schemas.microsoft.com/office/drawing/2016/SVG/main" r:embed="rId7"/>
               </a:ext>
             </a:extLst>
           </a:blip>
@@ -11311,7 +11401,7 @@
           <a:blip r:embed="rId6">
             <a:extLst>
               <a:ext uri="{96DAC541-7B7A-43D3-8B79-37D633B846F1}">
-                <asvg:svgBlip xmlns:asvg="http://schemas.microsoft.com/office/drawing/2016/SVG/main" xmlns="" r:embed="rId7"/>
+                <asvg:svgBlip xmlns="" xmlns:asvg="http://schemas.microsoft.com/office/drawing/2016/SVG/main" r:embed="rId7"/>
               </a:ext>
             </a:extLst>
           </a:blip>
@@ -11431,7 +11521,7 @@
           <a:blip r:embed="rId8">
             <a:extLst>
               <a:ext uri="{96DAC541-7B7A-43D3-8B79-37D633B846F1}">
-                <asvg:svgBlip xmlns:asvg="http://schemas.microsoft.com/office/drawing/2016/SVG/main" xmlns="" r:embed="rId9"/>
+                <asvg:svgBlip xmlns="" xmlns:asvg="http://schemas.microsoft.com/office/drawing/2016/SVG/main" r:embed="rId9"/>
               </a:ext>
             </a:extLst>
           </a:blip>
@@ -11506,7 +11596,7 @@
           <a:blip r:embed="rId8">
             <a:extLst>
               <a:ext uri="{96DAC541-7B7A-43D3-8B79-37D633B846F1}">
-                <asvg:svgBlip xmlns:asvg="http://schemas.microsoft.com/office/drawing/2016/SVG/main" xmlns="" r:embed="rId9"/>
+                <asvg:svgBlip xmlns="" xmlns:asvg="http://schemas.microsoft.com/office/drawing/2016/SVG/main" r:embed="rId9"/>
               </a:ext>
             </a:extLst>
           </a:blip>
@@ -11698,7 +11788,7 @@
           <a:blip r:embed="rId12">
             <a:extLst>
               <a:ext uri="{96DAC541-7B7A-43D3-8B79-37D633B846F1}">
-                <asvg:svgBlip xmlns:asvg="http://schemas.microsoft.com/office/drawing/2016/SVG/main" xmlns="" r:embed="rId13"/>
+                <asvg:svgBlip xmlns="" xmlns:asvg="http://schemas.microsoft.com/office/drawing/2016/SVG/main" r:embed="rId13"/>
               </a:ext>
             </a:extLst>
           </a:blip>
@@ -12166,7 +12256,7 @@
           <a:blip r:embed="rId14">
             <a:extLst>
               <a:ext uri="{96DAC541-7B7A-43D3-8B79-37D633B846F1}">
-                <asvg:svgBlip xmlns:asvg="http://schemas.microsoft.com/office/drawing/2016/SVG/main" xmlns="" r:embed="rId15"/>
+                <asvg:svgBlip xmlns="" xmlns:asvg="http://schemas.microsoft.com/office/drawing/2016/SVG/main" r:embed="rId15"/>
               </a:ext>
             </a:extLst>
           </a:blip>
@@ -12280,7 +12370,7 @@
           <a:blip r:embed="rId16">
             <a:extLst>
               <a:ext uri="{96DAC541-7B7A-43D3-8B79-37D633B846F1}">
-                <asvg:svgBlip xmlns:asvg="http://schemas.microsoft.com/office/drawing/2016/SVG/main" xmlns="" r:embed="rId17"/>
+                <asvg:svgBlip xmlns="" xmlns:asvg="http://schemas.microsoft.com/office/drawing/2016/SVG/main" r:embed="rId17"/>
               </a:ext>
             </a:extLst>
           </a:blip>
@@ -12355,7 +12445,7 @@
           <a:blip r:embed="rId18">
             <a:extLst>
               <a:ext uri="{96DAC541-7B7A-43D3-8B79-37D633B846F1}">
-                <asvg:svgBlip xmlns:asvg="http://schemas.microsoft.com/office/drawing/2016/SVG/main" xmlns="" r:embed="rId19"/>
+                <asvg:svgBlip xmlns="" xmlns:asvg="http://schemas.microsoft.com/office/drawing/2016/SVG/main" r:embed="rId19"/>
               </a:ext>
             </a:extLst>
           </a:blip>
@@ -12496,17 +12586,7 @@
                 <a:latin typeface="Arial" panose="020B0604020202020204" pitchFamily="34" charset="0"/>
                 <a:cs typeface="Arial" panose="020B0604020202020204" pitchFamily="34" charset="0"/>
               </a:rPr>
-              <a:t>If we need a diagram like this (private subnets only), model it on </a:t>
-            </a:r>
-            <a:r>
-              <a:rPr lang="en-US" sz="1200" dirty="0" smtClean="0">
-                <a:solidFill>
-                  <a:srgbClr val="FF0000"/>
-                </a:solidFill>
-                <a:latin typeface="Arial" panose="020B0604020202020204" pitchFamily="34" charset="0"/>
-                <a:cs typeface="Arial" panose="020B0604020202020204" pitchFamily="34" charset="0"/>
-              </a:rPr>
-              <a:t>the main diagram.</a:t>
+              <a:t>If we need a diagram like this (private subnets only), model it on the main diagram.</a:t>
             </a:r>
             <a:endParaRPr lang="en-US" sz="1200" dirty="0">
               <a:solidFill>
